--- a/기획/방랑엽사전/레벨업 시스템 기획서.pptx
+++ b/기획/방랑엽사전/레벨업 시스템 기획서.pptx
@@ -241,7 +241,7 @@
           <a:p>
             <a:fld id="{C8649E71-8129-4905-BAC0-51D65A0C1379}" type="datetimeFigureOut">
               <a:rPr lang="ko-KR" altLang="en-US" smtClean="0"/>
-              <a:t>2023-12-27</a:t>
+              <a:t>2023-12-28</a:t>
             </a:fld>
             <a:endParaRPr lang="ko-KR" altLang="en-US"/>
           </a:p>
@@ -739,7 +739,7 @@
           <a:p>
             <a:fld id="{523D6941-6B33-4834-BC65-A333846D27E6}" type="datetimeFigureOut">
               <a:rPr lang="ko-KR" altLang="en-US" smtClean="0"/>
-              <a:t>2023-12-27</a:t>
+              <a:t>2023-12-28</a:t>
             </a:fld>
             <a:endParaRPr lang="ko-KR" altLang="en-US"/>
           </a:p>
@@ -937,7 +937,7 @@
           <a:p>
             <a:fld id="{523D6941-6B33-4834-BC65-A333846D27E6}" type="datetimeFigureOut">
               <a:rPr lang="ko-KR" altLang="en-US" smtClean="0"/>
-              <a:t>2023-12-27</a:t>
+              <a:t>2023-12-28</a:t>
             </a:fld>
             <a:endParaRPr lang="ko-KR" altLang="en-US"/>
           </a:p>
@@ -1145,7 +1145,7 @@
           <a:p>
             <a:fld id="{523D6941-6B33-4834-BC65-A333846D27E6}" type="datetimeFigureOut">
               <a:rPr lang="ko-KR" altLang="en-US" smtClean="0"/>
-              <a:t>2023-12-27</a:t>
+              <a:t>2023-12-28</a:t>
             </a:fld>
             <a:endParaRPr lang="ko-KR" altLang="en-US"/>
           </a:p>
@@ -1343,7 +1343,7 @@
           <a:p>
             <a:fld id="{523D6941-6B33-4834-BC65-A333846D27E6}" type="datetimeFigureOut">
               <a:rPr lang="ko-KR" altLang="en-US" smtClean="0"/>
-              <a:t>2023-12-27</a:t>
+              <a:t>2023-12-28</a:t>
             </a:fld>
             <a:endParaRPr lang="ko-KR" altLang="en-US"/>
           </a:p>
@@ -1618,7 +1618,7 @@
           <a:p>
             <a:fld id="{523D6941-6B33-4834-BC65-A333846D27E6}" type="datetimeFigureOut">
               <a:rPr lang="ko-KR" altLang="en-US" smtClean="0"/>
-              <a:t>2023-12-27</a:t>
+              <a:t>2023-12-28</a:t>
             </a:fld>
             <a:endParaRPr lang="ko-KR" altLang="en-US"/>
           </a:p>
@@ -1883,7 +1883,7 @@
           <a:p>
             <a:fld id="{523D6941-6B33-4834-BC65-A333846D27E6}" type="datetimeFigureOut">
               <a:rPr lang="ko-KR" altLang="en-US" smtClean="0"/>
-              <a:t>2023-12-27</a:t>
+              <a:t>2023-12-28</a:t>
             </a:fld>
             <a:endParaRPr lang="ko-KR" altLang="en-US"/>
           </a:p>
@@ -2295,7 +2295,7 @@
           <a:p>
             <a:fld id="{523D6941-6B33-4834-BC65-A333846D27E6}" type="datetimeFigureOut">
               <a:rPr lang="ko-KR" altLang="en-US" smtClean="0"/>
-              <a:t>2023-12-27</a:t>
+              <a:t>2023-12-28</a:t>
             </a:fld>
             <a:endParaRPr lang="ko-KR" altLang="en-US"/>
           </a:p>
@@ -2436,7 +2436,7 @@
           <a:p>
             <a:fld id="{523D6941-6B33-4834-BC65-A333846D27E6}" type="datetimeFigureOut">
               <a:rPr lang="ko-KR" altLang="en-US" smtClean="0"/>
-              <a:t>2023-12-27</a:t>
+              <a:t>2023-12-28</a:t>
             </a:fld>
             <a:endParaRPr lang="ko-KR" altLang="en-US"/>
           </a:p>
@@ -2549,7 +2549,7 @@
           <a:p>
             <a:fld id="{523D6941-6B33-4834-BC65-A333846D27E6}" type="datetimeFigureOut">
               <a:rPr lang="ko-KR" altLang="en-US" smtClean="0"/>
-              <a:t>2023-12-27</a:t>
+              <a:t>2023-12-28</a:t>
             </a:fld>
             <a:endParaRPr lang="ko-KR" altLang="en-US"/>
           </a:p>
@@ -2860,7 +2860,7 @@
           <a:p>
             <a:fld id="{523D6941-6B33-4834-BC65-A333846D27E6}" type="datetimeFigureOut">
               <a:rPr lang="ko-KR" altLang="en-US" smtClean="0"/>
-              <a:t>2023-12-27</a:t>
+              <a:t>2023-12-28</a:t>
             </a:fld>
             <a:endParaRPr lang="ko-KR" altLang="en-US"/>
           </a:p>
@@ -3148,7 +3148,7 @@
           <a:p>
             <a:fld id="{523D6941-6B33-4834-BC65-A333846D27E6}" type="datetimeFigureOut">
               <a:rPr lang="ko-KR" altLang="en-US" smtClean="0"/>
-              <a:t>2023-12-27</a:t>
+              <a:t>2023-12-28</a:t>
             </a:fld>
             <a:endParaRPr lang="ko-KR" altLang="en-US"/>
           </a:p>
@@ -3389,7 +3389,7 @@
           <a:p>
             <a:fld id="{523D6941-6B33-4834-BC65-A333846D27E6}" type="datetimeFigureOut">
               <a:rPr lang="ko-KR" altLang="en-US" smtClean="0"/>
-              <a:t>2023-12-27</a:t>
+              <a:t>2023-12-28</a:t>
             </a:fld>
             <a:endParaRPr lang="ko-KR" altLang="en-US"/>
           </a:p>
@@ -7222,7 +7222,7 @@
           <p:nvPr>
             <p:extLst>
               <p:ext uri="{D42A27DB-BD31-4B8C-83A1-F6EECF244321}">
-                <p14:modId xmlns:p14="http://schemas.microsoft.com/office/powerpoint/2010/main" val="2441037860"/>
+                <p14:modId xmlns:p14="http://schemas.microsoft.com/office/powerpoint/2010/main" val="1726336763"/>
               </p:ext>
             </p:extLst>
           </p:nvPr>
@@ -7682,7 +7682,7 @@
                             <a:schemeClr val="tx1"/>
                           </a:solidFill>
                         </a:rPr>
-                        <a:t>해당 경지 최대 레벨에 도달했을 때</a:t>
+                        <a:t>해당 경지에 최대 레벨에 도달했을 때</a:t>
                       </a:r>
                       <a:endParaRPr lang="en-US" altLang="ko-KR" sz="1100" b="0" dirty="0">
                         <a:solidFill>
@@ -8384,42 +8384,6 @@
           </a:graphicData>
         </a:graphic>
       </p:graphicFrame>
-      <p:pic>
-        <p:nvPicPr>
-          <p:cNvPr id="7" name="그림 6">
-            <a:extLst>
-              <a:ext uri="{FF2B5EF4-FFF2-40B4-BE49-F238E27FC236}">
-                <a16:creationId xmlns:a16="http://schemas.microsoft.com/office/drawing/2014/main" id="{26936681-493F-4206-A161-000DFA398CE3}"/>
-              </a:ext>
-            </a:extLst>
-          </p:cNvPr>
-          <p:cNvPicPr>
-            <a:picLocks noChangeAspect="1"/>
-          </p:cNvPicPr>
-          <p:nvPr/>
-        </p:nvPicPr>
-        <p:blipFill>
-          <a:blip r:embed="rId2">
-            <a:extLst>
-              <a:ext uri="{28A0092B-C50C-407E-A947-70E740481C1C}">
-                <a14:useLocalDpi xmlns:a14="http://schemas.microsoft.com/office/drawing/2010/main" val="0"/>
-              </a:ext>
-            </a:extLst>
-          </a:blip>
-          <a:stretch>
-            <a:fillRect/>
-          </a:stretch>
-        </p:blipFill>
-        <p:spPr>
-          <a:xfrm>
-            <a:off x="695325" y="1158875"/>
-            <a:ext cx="3650175" cy="5571005"/>
-          </a:xfrm>
-          <a:prstGeom prst="rect">
-            <a:avLst/>
-          </a:prstGeom>
-        </p:spPr>
-      </p:pic>
       <p:graphicFrame>
         <p:nvGraphicFramePr>
           <p:cNvPr id="2" name="표 2">
@@ -8435,14 +8399,14 @@
           <p:nvPr>
             <p:extLst>
               <p:ext uri="{D42A27DB-BD31-4B8C-83A1-F6EECF244321}">
-                <p14:modId xmlns:p14="http://schemas.microsoft.com/office/powerpoint/2010/main" val="2585973562"/>
+                <p14:modId xmlns:p14="http://schemas.microsoft.com/office/powerpoint/2010/main" val="796478631"/>
               </p:ext>
             </p:extLst>
           </p:nvPr>
         </p:nvGraphicFramePr>
         <p:xfrm>
-          <a:off x="5512434" y="3556109"/>
-          <a:ext cx="1919508" cy="2438400"/>
+          <a:off x="5512434" y="3527094"/>
+          <a:ext cx="2031365" cy="3039000"/>
         </p:xfrm>
         <a:graphic>
           <a:graphicData uri="http://schemas.openxmlformats.org/drawingml/2006/table">
@@ -8451,14 +8415,14 @@
                 <a:tableStyleId>{5C22544A-7EE6-4342-B048-85BDC9FD1C3A}</a:tableStyleId>
               </a:tblPr>
               <a:tblGrid>
-                <a:gridCol w="608330">
+                <a:gridCol w="643780">
                   <a:extLst>
                     <a:ext uri="{9D8B030D-6E8A-4147-A177-3AD203B41FA5}">
                       <a16:colId xmlns:a16="http://schemas.microsoft.com/office/drawing/2014/main" val="4288635096"/>
                     </a:ext>
                   </a:extLst>
                 </a:gridCol>
-                <a:gridCol w="1311178">
+                <a:gridCol w="1387585">
                   <a:extLst>
                     <a:ext uri="{9D8B030D-6E8A-4147-A177-3AD203B41FA5}">
                       <a16:colId xmlns:a16="http://schemas.microsoft.com/office/drawing/2014/main" val="3568836691"/>
@@ -8466,7 +8430,7 @@
                   </a:extLst>
                 </a:gridCol>
               </a:tblGrid>
-              <a:tr h="0">
+              <a:tr h="303900">
                 <a:tc gridSpan="2">
                   <a:txBody>
                     <a:bodyPr/>
@@ -8556,7 +8520,7 @@
                   </a:ext>
                 </a:extLst>
               </a:tr>
-              <a:tr h="0">
+              <a:tr h="303900">
                 <a:tc>
                   <a:txBody>
                     <a:bodyPr/>
@@ -8691,7 +8655,7 @@
                   </a:ext>
                 </a:extLst>
               </a:tr>
-              <a:tr h="0">
+              <a:tr h="303900">
                 <a:tc>
                   <a:txBody>
                     <a:bodyPr/>
@@ -8831,7 +8795,7 @@
                   </a:ext>
                 </a:extLst>
               </a:tr>
-              <a:tr h="0">
+              <a:tr h="303900">
                 <a:tc>
                   <a:txBody>
                     <a:bodyPr/>
@@ -8971,7 +8935,7 @@
                   </a:ext>
                 </a:extLst>
               </a:tr>
-              <a:tr h="0">
+              <a:tr h="303900">
                 <a:tc>
                   <a:txBody>
                     <a:bodyPr/>
@@ -9111,7 +9075,7 @@
                   </a:ext>
                 </a:extLst>
               </a:tr>
-              <a:tr h="0">
+              <a:tr h="303900">
                 <a:tc>
                   <a:txBody>
                     <a:bodyPr/>
@@ -9188,7 +9152,7 @@
                             <a:schemeClr val="tx1"/>
                           </a:solidFill>
                         </a:rPr>
-                        <a:t>31~40</a:t>
+                        <a:t>31~50</a:t>
                       </a:r>
                       <a:endParaRPr lang="ko-KR" altLang="en-US" sz="1000" b="0" dirty="0">
                         <a:solidFill>
@@ -9251,7 +9215,7 @@
                   </a:ext>
                 </a:extLst>
               </a:tr>
-              <a:tr h="0">
+              <a:tr h="303900">
                 <a:tc>
                   <a:txBody>
                     <a:bodyPr/>
@@ -9333,7 +9297,7 @@
                             <a:schemeClr val="tx1"/>
                           </a:solidFill>
                         </a:rPr>
-                        <a:t>41~60</a:t>
+                        <a:t>51~60</a:t>
                       </a:r>
                       <a:endParaRPr lang="ko-KR" altLang="en-US" sz="1000" b="0" dirty="0">
                         <a:solidFill>
@@ -9396,7 +9360,7 @@
                   </a:ext>
                 </a:extLst>
               </a:tr>
-              <a:tr h="0">
+              <a:tr h="303900">
                 <a:tc>
                   <a:txBody>
                     <a:bodyPr/>
@@ -9536,7 +9500,7 @@
                   </a:ext>
                 </a:extLst>
               </a:tr>
-              <a:tr h="0">
+              <a:tr h="303900">
                 <a:tc>
                   <a:txBody>
                     <a:bodyPr/>
@@ -9676,7 +9640,7 @@
                   </a:ext>
                 </a:extLst>
               </a:tr>
-              <a:tr h="0">
+              <a:tr h="303900">
                 <a:tc>
                   <a:txBody>
                     <a:bodyPr/>
@@ -9835,14 +9799,14 @@
           <p:nvPr>
             <p:extLst>
               <p:ext uri="{D42A27DB-BD31-4B8C-83A1-F6EECF244321}">
-                <p14:modId xmlns:p14="http://schemas.microsoft.com/office/powerpoint/2010/main" val="3269898409"/>
+                <p14:modId xmlns:p14="http://schemas.microsoft.com/office/powerpoint/2010/main" val="1642724459"/>
               </p:ext>
             </p:extLst>
           </p:nvPr>
         </p:nvGraphicFramePr>
         <p:xfrm>
-          <a:off x="7526215" y="3556109"/>
-          <a:ext cx="3970460" cy="2438400"/>
+          <a:off x="7627303" y="3527095"/>
+          <a:ext cx="3869372" cy="3048000"/>
         </p:xfrm>
         <a:graphic>
           <a:graphicData uri="http://schemas.openxmlformats.org/drawingml/2006/table">
@@ -9851,14 +9815,14 @@
                 <a:tableStyleId>{5C22544A-7EE6-4342-B048-85BDC9FD1C3A}</a:tableStyleId>
               </a:tblPr>
               <a:tblGrid>
-                <a:gridCol w="875296">
+                <a:gridCol w="711517">
                   <a:extLst>
                     <a:ext uri="{9D8B030D-6E8A-4147-A177-3AD203B41FA5}">
                       <a16:colId xmlns:a16="http://schemas.microsoft.com/office/drawing/2014/main" val="4288635096"/>
                     </a:ext>
                   </a:extLst>
                 </a:gridCol>
-                <a:gridCol w="3095164">
+                <a:gridCol w="3157855">
                   <a:extLst>
                     <a:ext uri="{9D8B030D-6E8A-4147-A177-3AD203B41FA5}">
                       <a16:colId xmlns:a16="http://schemas.microsoft.com/office/drawing/2014/main" val="3568836691"/>
@@ -9866,7 +9830,7 @@
                   </a:extLst>
                 </a:gridCol>
               </a:tblGrid>
-              <a:tr h="304800">
+              <a:tr h="0">
                 <a:tc gridSpan="2">
                   <a:txBody>
                     <a:bodyPr/>
@@ -9874,13 +9838,42 @@
                     <a:p>
                       <a:pPr algn="ctr" latinLnBrk="1"/>
                       <a:r>
-                        <a:rPr lang="ko-KR" altLang="en-US" sz="1100" b="0" dirty="0">
+                        <a:rPr lang="ko-KR" altLang="en-US" sz="1200" b="0" dirty="0">
                           <a:solidFill>
                             <a:schemeClr val="tx1"/>
                           </a:solidFill>
                         </a:rPr>
                         <a:t>필요 경험치</a:t>
                       </a:r>
+                      <a:r>
+                        <a:rPr lang="en-US" altLang="ko-KR" sz="800" b="0" dirty="0">
+                          <a:solidFill>
+                            <a:schemeClr val="tx1"/>
+                          </a:solidFill>
+                        </a:rPr>
+                        <a:t>(</a:t>
+                      </a:r>
+                      <a:r>
+                        <a:rPr lang="ko-KR" altLang="en-US" sz="800" b="0" dirty="0">
+                          <a:solidFill>
+                            <a:schemeClr val="tx1"/>
+                          </a:solidFill>
+                        </a:rPr>
+                        <a:t>소수점 둘째자리에서 반올림</a:t>
+                      </a:r>
+                      <a:r>
+                        <a:rPr lang="en-US" altLang="ko-KR" sz="800" b="0" dirty="0">
+                          <a:solidFill>
+                            <a:schemeClr val="tx1"/>
+                          </a:solidFill>
+                        </a:rPr>
+                        <a:t>)</a:t>
+                      </a:r>
+                      <a:endParaRPr lang="ko-KR" altLang="en-US" sz="1000" b="0" dirty="0">
+                        <a:solidFill>
+                          <a:schemeClr val="tx1"/>
+                        </a:solidFill>
+                      </a:endParaRPr>
                     </a:p>
                   </a:txBody>
                   <a:tcPr anchor="ctr">
@@ -9948,7 +9941,7 @@
                   </a:ext>
                 </a:extLst>
               </a:tr>
-              <a:tr h="304800">
+              <a:tr h="0">
                 <a:tc>
                   <a:txBody>
                     <a:bodyPr/>
@@ -9956,12 +9949,12 @@
                     <a:p>
                       <a:pPr algn="ctr" latinLnBrk="1"/>
                       <a:r>
-                        <a:rPr lang="ko-KR" altLang="en-US" sz="1100" b="0" dirty="0">
-                          <a:solidFill>
-                            <a:schemeClr val="tx1"/>
-                          </a:solidFill>
-                        </a:rPr>
-                        <a:t>레벨 범위</a:t>
+                        <a:rPr lang="ko-KR" altLang="en-US" sz="800" b="0" dirty="0">
+                          <a:solidFill>
+                            <a:schemeClr val="tx1"/>
+                          </a:solidFill>
+                        </a:rPr>
+                        <a:t>레벨</a:t>
                       </a:r>
                     </a:p>
                   </a:txBody>
@@ -10020,7 +10013,7 @@
                     <a:p>
                       <a:pPr algn="ctr" latinLnBrk="1"/>
                       <a:r>
-                        <a:rPr lang="ko-KR" altLang="en-US" sz="1100" b="0" dirty="0">
+                        <a:rPr lang="ko-KR" altLang="en-US" sz="800" b="0" dirty="0">
                           <a:solidFill>
                             <a:schemeClr val="tx1"/>
                           </a:solidFill>
@@ -10028,14 +10021,14 @@
                         <a:t>경험치 </a:t>
                       </a:r>
                       <a:r>
-                        <a:rPr lang="ko-KR" altLang="en-US" sz="1100" b="0" dirty="0" err="1">
+                        <a:rPr lang="ko-KR" altLang="en-US" sz="800" b="0" dirty="0" err="1">
                           <a:solidFill>
                             <a:schemeClr val="tx1"/>
                           </a:solidFill>
                         </a:rPr>
                         <a:t>증가량</a:t>
                       </a:r>
-                      <a:endParaRPr lang="ko-KR" altLang="en-US" sz="1100" b="0" dirty="0">
+                      <a:endParaRPr lang="ko-KR" altLang="en-US" sz="800" b="0" dirty="0">
                         <a:solidFill>
                           <a:schemeClr val="tx1"/>
                         </a:solidFill>
@@ -10096,7 +10089,7 @@
                   </a:ext>
                 </a:extLst>
               </a:tr>
-              <a:tr h="304800">
+              <a:tr h="0">
                 <a:tc>
                   <a:txBody>
                     <a:bodyPr/>
@@ -10104,14 +10097,14 @@
                     <a:p>
                       <a:pPr algn="ctr" latinLnBrk="1"/>
                       <a:r>
-                        <a:rPr lang="en-US" altLang="ko-KR" sz="1100" b="0" dirty="0">
+                        <a:rPr lang="en-US" altLang="ko-KR" sz="800" b="0" dirty="0">
                           <a:solidFill>
                             <a:schemeClr val="tx1"/>
                           </a:solidFill>
                         </a:rPr>
                         <a:t>1</a:t>
                       </a:r>
-                      <a:endParaRPr lang="ko-KR" altLang="en-US" sz="1100" b="0" dirty="0">
+                      <a:endParaRPr lang="ko-KR" altLang="en-US" sz="800" b="0" dirty="0">
                         <a:solidFill>
                           <a:schemeClr val="tx1"/>
                         </a:solidFill>
@@ -10173,7 +10166,7 @@
                     <a:p>
                       <a:pPr algn="ctr" latinLnBrk="1"/>
                       <a:r>
-                        <a:rPr lang="ko-KR" altLang="en-US" sz="1100" b="0" dirty="0">
+                        <a:rPr lang="ko-KR" altLang="en-US" sz="800" b="0" dirty="0">
                           <a:solidFill>
                             <a:schemeClr val="tx1"/>
                           </a:solidFill>
@@ -10181,14 +10174,14 @@
                         <a:t>기본 </a:t>
                       </a:r>
                       <a:r>
-                        <a:rPr lang="en-US" altLang="ko-KR" sz="1100" b="0" dirty="0">
-                          <a:solidFill>
-                            <a:schemeClr val="tx1"/>
-                          </a:solidFill>
-                        </a:rPr>
-                        <a:t>50</a:t>
-                      </a:r>
-                      <a:endParaRPr lang="ko-KR" altLang="en-US" sz="1100" b="0" dirty="0">
+                        <a:rPr lang="en-US" altLang="ko-KR" sz="800" b="0" dirty="0">
+                          <a:solidFill>
+                            <a:schemeClr val="tx1"/>
+                          </a:solidFill>
+                        </a:rPr>
+                        <a:t>75</a:t>
+                      </a:r>
+                      <a:endParaRPr lang="ko-KR" altLang="en-US" sz="800" b="0" dirty="0">
                         <a:solidFill>
                           <a:schemeClr val="tx1"/>
                         </a:solidFill>
@@ -10249,7 +10242,7 @@
                   </a:ext>
                 </a:extLst>
               </a:tr>
-              <a:tr h="304800">
+              <a:tr h="0">
                 <a:tc>
                   <a:txBody>
                     <a:bodyPr/>
@@ -10257,14 +10250,14 @@
                     <a:p>
                       <a:pPr algn="ctr" latinLnBrk="1"/>
                       <a:r>
-                        <a:rPr lang="en-US" altLang="ko-KR" sz="1100" b="0" dirty="0">
-                          <a:solidFill>
-                            <a:schemeClr val="tx1"/>
-                          </a:solidFill>
-                        </a:rPr>
-                        <a:t>2~40</a:t>
-                      </a:r>
-                      <a:endParaRPr lang="ko-KR" altLang="en-US" sz="1100" b="0" dirty="0">
+                        <a:rPr lang="en-US" altLang="ko-KR" sz="800" b="0" dirty="0">
+                          <a:solidFill>
+                            <a:schemeClr val="tx1"/>
+                          </a:solidFill>
+                        </a:rPr>
+                        <a:t>2</a:t>
+                      </a:r>
+                      <a:endParaRPr lang="ko-KR" altLang="en-US" sz="800" b="0" dirty="0">
                         <a:solidFill>
                           <a:schemeClr val="tx1"/>
                         </a:solidFill>
@@ -10326,7 +10319,163 @@
                     <a:p>
                       <a:pPr algn="ctr" latinLnBrk="1"/>
                       <a:r>
-                        <a:rPr lang="ko-KR" altLang="en-US" sz="1100" b="0" dirty="0">
+                        <a:rPr lang="ko-KR" altLang="en-US" sz="800" b="0" dirty="0">
+                          <a:solidFill>
+                            <a:schemeClr val="tx1"/>
+                          </a:solidFill>
+                        </a:rPr>
+                        <a:t>이전의 </a:t>
+                      </a:r>
+                      <a:r>
+                        <a:rPr lang="en-US" altLang="ko-KR" sz="800" b="0" dirty="0">
+                          <a:solidFill>
+                            <a:schemeClr val="tx1"/>
+                          </a:solidFill>
+                        </a:rPr>
+                        <a:t>3</a:t>
+                      </a:r>
+                      <a:r>
+                        <a:rPr lang="ko-KR" altLang="en-US" sz="800" b="0" dirty="0">
+                          <a:solidFill>
+                            <a:schemeClr val="tx1"/>
+                          </a:solidFill>
+                        </a:rPr>
+                        <a:t>배</a:t>
+                      </a:r>
+                    </a:p>
+                  </a:txBody>
+                  <a:tcPr anchor="ctr">
+                    <a:lnL w="12700" cap="flat" cmpd="sng" algn="ctr">
+                      <a:solidFill>
+                        <a:schemeClr val="tx1"/>
+                      </a:solidFill>
+                      <a:prstDash val="solid"/>
+                      <a:round/>
+                      <a:headEnd type="none" w="med" len="med"/>
+                      <a:tailEnd type="none" w="med" len="med"/>
+                    </a:lnL>
+                    <a:lnR w="12700" cap="flat" cmpd="sng" algn="ctr">
+                      <a:solidFill>
+                        <a:schemeClr val="tx1"/>
+                      </a:solidFill>
+                      <a:prstDash val="solid"/>
+                      <a:round/>
+                      <a:headEnd type="none" w="med" len="med"/>
+                      <a:tailEnd type="none" w="med" len="med"/>
+                    </a:lnR>
+                    <a:lnT w="12700" cap="flat" cmpd="sng" algn="ctr">
+                      <a:solidFill>
+                        <a:schemeClr val="tx1"/>
+                      </a:solidFill>
+                      <a:prstDash val="solid"/>
+                      <a:round/>
+                      <a:headEnd type="none" w="med" len="med"/>
+                      <a:tailEnd type="none" w="med" len="med"/>
+                    </a:lnT>
+                    <a:lnB w="12700" cap="flat" cmpd="sng" algn="ctr">
+                      <a:solidFill>
+                        <a:schemeClr val="tx1"/>
+                      </a:solidFill>
+                      <a:prstDash val="solid"/>
+                      <a:round/>
+                      <a:headEnd type="none" w="med" len="med"/>
+                      <a:tailEnd type="none" w="med" len="med"/>
+                    </a:lnB>
+                    <a:lnTlToBr w="12700" cmpd="sng">
+                      <a:noFill/>
+                      <a:prstDash val="solid"/>
+                    </a:lnTlToBr>
+                    <a:lnBlToTr w="12700" cmpd="sng">
+                      <a:noFill/>
+                      <a:prstDash val="solid"/>
+                    </a:lnBlToTr>
+                    <a:noFill/>
+                  </a:tcPr>
+                </a:tc>
+                <a:extLst>
+                  <a:ext uri="{0D108BD9-81ED-4DB2-BD59-A6C34878D82A}">
+                    <a16:rowId xmlns:a16="http://schemas.microsoft.com/office/drawing/2014/main" val="1672054507"/>
+                  </a:ext>
+                </a:extLst>
+              </a:tr>
+              <a:tr h="0">
+                <a:tc>
+                  <a:txBody>
+                    <a:bodyPr/>
+                    <a:lstStyle/>
+                    <a:p>
+                      <a:pPr algn="ctr" latinLnBrk="1"/>
+                      <a:r>
+                        <a:rPr lang="en-US" altLang="ko-KR" sz="800" b="0" dirty="0">
+                          <a:solidFill>
+                            <a:schemeClr val="tx1"/>
+                          </a:solidFill>
+                        </a:rPr>
+                        <a:t>3~40</a:t>
+                      </a:r>
+                      <a:endParaRPr lang="ko-KR" altLang="en-US" sz="800" b="0" dirty="0">
+                        <a:solidFill>
+                          <a:schemeClr val="tx1"/>
+                        </a:solidFill>
+                      </a:endParaRPr>
+                    </a:p>
+                  </a:txBody>
+                  <a:tcPr anchor="ctr">
+                    <a:lnL w="12700" cap="flat" cmpd="sng" algn="ctr">
+                      <a:solidFill>
+                        <a:schemeClr val="tx1"/>
+                      </a:solidFill>
+                      <a:prstDash val="solid"/>
+                      <a:round/>
+                      <a:headEnd type="none" w="med" len="med"/>
+                      <a:tailEnd type="none" w="med" len="med"/>
+                    </a:lnL>
+                    <a:lnR w="12700" cap="flat" cmpd="sng" algn="ctr">
+                      <a:solidFill>
+                        <a:schemeClr val="tx1"/>
+                      </a:solidFill>
+                      <a:prstDash val="solid"/>
+                      <a:round/>
+                      <a:headEnd type="none" w="med" len="med"/>
+                      <a:tailEnd type="none" w="med" len="med"/>
+                    </a:lnR>
+                    <a:lnT w="12700" cap="flat" cmpd="sng" algn="ctr">
+                      <a:solidFill>
+                        <a:schemeClr val="tx1"/>
+                      </a:solidFill>
+                      <a:prstDash val="solid"/>
+                      <a:round/>
+                      <a:headEnd type="none" w="med" len="med"/>
+                      <a:tailEnd type="none" w="med" len="med"/>
+                    </a:lnT>
+                    <a:lnB w="12700" cap="flat" cmpd="sng" algn="ctr">
+                      <a:solidFill>
+                        <a:schemeClr val="tx1"/>
+                      </a:solidFill>
+                      <a:prstDash val="solid"/>
+                      <a:round/>
+                      <a:headEnd type="none" w="med" len="med"/>
+                      <a:tailEnd type="none" w="med" len="med"/>
+                    </a:lnB>
+                    <a:lnTlToBr w="12700" cmpd="sng">
+                      <a:noFill/>
+                      <a:prstDash val="solid"/>
+                    </a:lnTlToBr>
+                    <a:lnBlToTr w="12700" cmpd="sng">
+                      <a:noFill/>
+                      <a:prstDash val="solid"/>
+                    </a:lnBlToTr>
+                    <a:noFill/>
+                  </a:tcPr>
+                </a:tc>
+                <a:tc>
+                  <a:txBody>
+                    <a:bodyPr/>
+                    <a:lstStyle/>
+                    <a:p>
+                      <a:pPr algn="ctr" latinLnBrk="1"/>
+                      <a:r>
+                        <a:rPr lang="ko-KR" altLang="en-US" sz="800" b="0" dirty="0">
                           <a:solidFill>
                             <a:schemeClr val="tx1"/>
                           </a:solidFill>
@@ -10334,15 +10483,15 @@
                         <a:t>이전 레벨의 </a:t>
                       </a:r>
                       <a:r>
-                        <a:rPr lang="en-US" altLang="ko-KR" sz="1100" b="0" dirty="0">
-                          <a:solidFill>
-                            <a:schemeClr val="tx1"/>
-                          </a:solidFill>
-                        </a:rPr>
-                        <a:t>1.1</a:t>
-                      </a:r>
-                      <a:r>
-                        <a:rPr lang="ko-KR" altLang="en-US" sz="1100" b="0" dirty="0">
+                        <a:rPr lang="en-US" altLang="ko-KR" sz="800" b="0" dirty="0">
+                          <a:solidFill>
+                            <a:schemeClr val="tx1"/>
+                          </a:solidFill>
+                        </a:rPr>
+                        <a:t>1.05</a:t>
+                      </a:r>
+                      <a:r>
+                        <a:rPr lang="ko-KR" altLang="en-US" sz="800" b="0" dirty="0">
                           <a:solidFill>
                             <a:schemeClr val="tx1"/>
                           </a:solidFill>
@@ -10405,7 +10554,7 @@
                   </a:ext>
                 </a:extLst>
               </a:tr>
-              <a:tr h="304800">
+              <a:tr h="0">
                 <a:tc>
                   <a:txBody>
                     <a:bodyPr/>
@@ -10413,14 +10562,14 @@
                     <a:p>
                       <a:pPr algn="ctr" latinLnBrk="1"/>
                       <a:r>
-                        <a:rPr lang="en-US" altLang="ko-KR" sz="1100" b="0" dirty="0">
-                          <a:solidFill>
-                            <a:schemeClr val="tx1"/>
-                          </a:solidFill>
-                        </a:rPr>
-                        <a:t>41~60</a:t>
-                      </a:r>
-                      <a:endParaRPr lang="ko-KR" altLang="en-US" sz="1100" b="0" dirty="0">
+                        <a:rPr lang="en-US" altLang="ko-KR" sz="800" b="0" dirty="0">
+                          <a:solidFill>
+                            <a:schemeClr val="tx1"/>
+                          </a:solidFill>
+                        </a:rPr>
+                        <a:t>41</a:t>
+                      </a:r>
+                      <a:endParaRPr lang="ko-KR" altLang="en-US" sz="800" b="0" dirty="0">
                         <a:solidFill>
                           <a:schemeClr val="tx1"/>
                         </a:solidFill>
@@ -10482,7 +10631,7 @@
                     <a:p>
                       <a:pPr algn="ctr" latinLnBrk="1"/>
                       <a:r>
-                        <a:rPr lang="ko-KR" altLang="en-US" sz="1100" b="0" dirty="0">
+                        <a:rPr lang="ko-KR" altLang="en-US" sz="800" b="0" dirty="0">
                           <a:solidFill>
                             <a:schemeClr val="tx1"/>
                           </a:solidFill>
@@ -10490,15 +10639,15 @@
                         <a:t>이전 레벨의 </a:t>
                       </a:r>
                       <a:r>
-                        <a:rPr lang="en-US" altLang="ko-KR" sz="1100" b="0" dirty="0">
-                          <a:solidFill>
-                            <a:schemeClr val="tx1"/>
-                          </a:solidFill>
-                        </a:rPr>
-                        <a:t>1.2</a:t>
-                      </a:r>
-                      <a:r>
-                        <a:rPr lang="ko-KR" altLang="en-US" sz="1100" b="0" dirty="0">
+                        <a:rPr lang="en-US" altLang="ko-KR" sz="800" b="0" dirty="0">
+                          <a:solidFill>
+                            <a:schemeClr val="tx1"/>
+                          </a:solidFill>
+                        </a:rPr>
+                        <a:t>1.5</a:t>
+                      </a:r>
+                      <a:r>
+                        <a:rPr lang="ko-KR" altLang="en-US" sz="800" b="0" dirty="0">
                           <a:solidFill>
                             <a:schemeClr val="tx1"/>
                           </a:solidFill>
@@ -10561,7 +10710,7 @@
                   </a:ext>
                 </a:extLst>
               </a:tr>
-              <a:tr h="304800">
+              <a:tr h="0">
                 <a:tc>
                   <a:txBody>
                     <a:bodyPr/>
@@ -10569,14 +10718,14 @@
                     <a:p>
                       <a:pPr algn="ctr" latinLnBrk="1"/>
                       <a:r>
-                        <a:rPr lang="en-US" altLang="ko-KR" sz="1100" b="0" dirty="0">
-                          <a:solidFill>
-                            <a:schemeClr val="tx1"/>
-                          </a:solidFill>
-                        </a:rPr>
-                        <a:t>61~80</a:t>
-                      </a:r>
-                      <a:endParaRPr lang="ko-KR" altLang="en-US" sz="1100" b="0" dirty="0">
+                        <a:rPr lang="en-US" altLang="ko-KR" sz="800" b="0" dirty="0">
+                          <a:solidFill>
+                            <a:schemeClr val="tx1"/>
+                          </a:solidFill>
+                        </a:rPr>
+                        <a:t>42~50</a:t>
+                      </a:r>
+                      <a:endParaRPr lang="ko-KR" altLang="en-US" sz="800" b="0" dirty="0">
                         <a:solidFill>
                           <a:schemeClr val="tx1"/>
                         </a:solidFill>
@@ -10636,71 +10785,28 @@
                     <a:bodyPr/>
                     <a:lstStyle/>
                     <a:p>
-                      <a:pPr marL="0" marR="0" lvl="0" indent="0" algn="ctr" defTabSz="914400" rtl="0" eaLnBrk="1" fontAlgn="auto" latinLnBrk="1" hangingPunct="1">
-                        <a:lnSpc>
-                          <a:spcPct val="100000"/>
-                        </a:lnSpc>
-                        <a:spcBef>
-                          <a:spcPts val="0"/>
-                        </a:spcBef>
-                        <a:spcAft>
-                          <a:spcPts val="0"/>
-                        </a:spcAft>
-                        <a:buClrTx/>
-                        <a:buSzTx/>
-                        <a:buFontTx/>
-                        <a:buNone/>
-                        <a:tabLst/>
-                        <a:defRPr/>
-                      </a:pPr>
-                      <a:r>
-                        <a:rPr kumimoji="0" lang="ko-KR" altLang="en-US" sz="1100" b="0" i="0" u="none" strike="noStrike" kern="1200" cap="none" spc="0" normalizeH="0" baseline="0" noProof="0" dirty="0">
-                          <a:ln>
-                            <a:noFill/>
-                          </a:ln>
-                          <a:solidFill>
-                            <a:prstClr val="black"/>
-                          </a:solidFill>
-                          <a:effectLst/>
-                          <a:uLnTx/>
-                          <a:uFillTx/>
-                          <a:latin typeface="맑은 고딕" panose="020F0502020204030204"/>
-                          <a:ea typeface="맑은 고딕" panose="020B0503020000020004" pitchFamily="50" charset="-127"/>
-                          <a:cs typeface="+mn-cs"/>
+                      <a:pPr algn="ctr" latinLnBrk="1"/>
+                      <a:r>
+                        <a:rPr lang="ko-KR" altLang="en-US" sz="800" b="0" dirty="0">
+                          <a:solidFill>
+                            <a:schemeClr val="tx1"/>
+                          </a:solidFill>
                         </a:rPr>
                         <a:t>이전 레벨의 </a:t>
                       </a:r>
                       <a:r>
-                        <a:rPr kumimoji="0" lang="en-US" altLang="ko-KR" sz="1100" b="0" i="0" u="none" strike="noStrike" kern="1200" cap="none" spc="0" normalizeH="0" baseline="0" noProof="0" dirty="0">
-                          <a:ln>
-                            <a:noFill/>
-                          </a:ln>
-                          <a:solidFill>
-                            <a:prstClr val="black"/>
-                          </a:solidFill>
-                          <a:effectLst/>
-                          <a:uLnTx/>
-                          <a:uFillTx/>
-                          <a:latin typeface="맑은 고딕" panose="020F0502020204030204"/>
-                          <a:ea typeface="맑은 고딕" panose="020B0503020000020004" pitchFamily="50" charset="-127"/>
-                          <a:cs typeface="+mn-cs"/>
-                        </a:rPr>
-                        <a:t>1.3</a:t>
-                      </a:r>
-                      <a:r>
-                        <a:rPr kumimoji="0" lang="ko-KR" altLang="en-US" sz="1100" b="0" i="0" u="none" strike="noStrike" kern="1200" cap="none" spc="0" normalizeH="0" baseline="0" noProof="0" dirty="0">
-                          <a:ln>
-                            <a:noFill/>
-                          </a:ln>
-                          <a:solidFill>
-                            <a:prstClr val="black"/>
-                          </a:solidFill>
-                          <a:effectLst/>
-                          <a:uLnTx/>
-                          <a:uFillTx/>
-                          <a:latin typeface="맑은 고딕" panose="020F0502020204030204"/>
-                          <a:ea typeface="맑은 고딕" panose="020B0503020000020004" pitchFamily="50" charset="-127"/>
-                          <a:cs typeface="+mn-cs"/>
+                        <a:rPr lang="en-US" altLang="ko-KR" sz="800" b="0" dirty="0">
+                          <a:solidFill>
+                            <a:schemeClr val="tx1"/>
+                          </a:solidFill>
+                        </a:rPr>
+                        <a:t>1.05</a:t>
+                      </a:r>
+                      <a:r>
+                        <a:rPr lang="ko-KR" altLang="en-US" sz="800" b="0" dirty="0">
+                          <a:solidFill>
+                            <a:schemeClr val="tx1"/>
+                          </a:solidFill>
                         </a:rPr>
                         <a:t>배</a:t>
                       </a:r>
@@ -10760,7 +10866,7 @@
                   </a:ext>
                 </a:extLst>
               </a:tr>
-              <a:tr h="304800">
+              <a:tr h="0">
                 <a:tc>
                   <a:txBody>
                     <a:bodyPr/>
@@ -10768,14 +10874,14 @@
                     <a:p>
                       <a:pPr algn="ctr" latinLnBrk="1"/>
                       <a:r>
-                        <a:rPr lang="en-US" altLang="ko-KR" sz="1100" b="0" dirty="0">
-                          <a:solidFill>
-                            <a:schemeClr val="tx1"/>
-                          </a:solidFill>
-                        </a:rPr>
-                        <a:t>81~100</a:t>
-                      </a:r>
-                      <a:endParaRPr lang="ko-KR" altLang="en-US" sz="1100" b="0" dirty="0">
+                        <a:rPr lang="en-US" altLang="ko-KR" sz="800" b="0" dirty="0">
+                          <a:solidFill>
+                            <a:schemeClr val="tx1"/>
+                          </a:solidFill>
+                        </a:rPr>
+                        <a:t>51</a:t>
+                      </a:r>
+                      <a:endParaRPr lang="ko-KR" altLang="en-US" sz="800" b="0" dirty="0">
                         <a:solidFill>
                           <a:schemeClr val="tx1"/>
                         </a:solidFill>
@@ -10835,71 +10941,28 @@
                     <a:bodyPr/>
                     <a:lstStyle/>
                     <a:p>
-                      <a:pPr marL="0" marR="0" lvl="0" indent="0" algn="ctr" defTabSz="914400" rtl="0" eaLnBrk="1" fontAlgn="auto" latinLnBrk="1" hangingPunct="1">
-                        <a:lnSpc>
-                          <a:spcPct val="100000"/>
-                        </a:lnSpc>
-                        <a:spcBef>
-                          <a:spcPts val="0"/>
-                        </a:spcBef>
-                        <a:spcAft>
-                          <a:spcPts val="0"/>
-                        </a:spcAft>
-                        <a:buClrTx/>
-                        <a:buSzTx/>
-                        <a:buFontTx/>
-                        <a:buNone/>
-                        <a:tabLst/>
-                        <a:defRPr/>
-                      </a:pPr>
-                      <a:r>
-                        <a:rPr kumimoji="0" lang="ko-KR" altLang="en-US" sz="1100" b="0" i="0" u="none" strike="noStrike" kern="1200" cap="none" spc="0" normalizeH="0" baseline="0" noProof="0" dirty="0">
-                          <a:ln>
-                            <a:noFill/>
-                          </a:ln>
-                          <a:solidFill>
-                            <a:prstClr val="black"/>
-                          </a:solidFill>
-                          <a:effectLst/>
-                          <a:uLnTx/>
-                          <a:uFillTx/>
-                          <a:latin typeface="맑은 고딕" panose="020F0502020204030204"/>
-                          <a:ea typeface="맑은 고딕" panose="020B0503020000020004" pitchFamily="50" charset="-127"/>
-                          <a:cs typeface="+mn-cs"/>
+                      <a:pPr algn="ctr" latinLnBrk="1"/>
+                      <a:r>
+                        <a:rPr lang="ko-KR" altLang="en-US" sz="800" b="0" dirty="0">
+                          <a:solidFill>
+                            <a:schemeClr val="tx1"/>
+                          </a:solidFill>
                         </a:rPr>
                         <a:t>이전 레벨의 </a:t>
                       </a:r>
                       <a:r>
-                        <a:rPr kumimoji="0" lang="en-US" altLang="ko-KR" sz="1100" b="0" i="0" u="none" strike="noStrike" kern="1200" cap="none" spc="0" normalizeH="0" baseline="0" noProof="0" dirty="0">
-                          <a:ln>
-                            <a:noFill/>
-                          </a:ln>
-                          <a:solidFill>
-                            <a:prstClr val="black"/>
-                          </a:solidFill>
-                          <a:effectLst/>
-                          <a:uLnTx/>
-                          <a:uFillTx/>
-                          <a:latin typeface="맑은 고딕" panose="020F0502020204030204"/>
-                          <a:ea typeface="맑은 고딕" panose="020B0503020000020004" pitchFamily="50" charset="-127"/>
-                          <a:cs typeface="+mn-cs"/>
-                        </a:rPr>
-                        <a:t>1.4</a:t>
-                      </a:r>
-                      <a:r>
-                        <a:rPr kumimoji="0" lang="ko-KR" altLang="en-US" sz="1100" b="0" i="0" u="none" strike="noStrike" kern="1200" cap="none" spc="0" normalizeH="0" baseline="0" noProof="0" dirty="0">
-                          <a:ln>
-                            <a:noFill/>
-                          </a:ln>
-                          <a:solidFill>
-                            <a:prstClr val="black"/>
-                          </a:solidFill>
-                          <a:effectLst/>
-                          <a:uLnTx/>
-                          <a:uFillTx/>
-                          <a:latin typeface="맑은 고딕" panose="020F0502020204030204"/>
-                          <a:ea typeface="맑은 고딕" panose="020B0503020000020004" pitchFamily="50" charset="-127"/>
-                          <a:cs typeface="+mn-cs"/>
+                        <a:rPr lang="en-US" altLang="ko-KR" sz="800" b="0" dirty="0">
+                          <a:solidFill>
+                            <a:schemeClr val="tx1"/>
+                          </a:solidFill>
+                        </a:rPr>
+                        <a:t>1.5</a:t>
+                      </a:r>
+                      <a:r>
+                        <a:rPr lang="ko-KR" altLang="en-US" sz="800" b="0" dirty="0">
+                          <a:solidFill>
+                            <a:schemeClr val="tx1"/>
+                          </a:solidFill>
                         </a:rPr>
                         <a:t>배</a:t>
                       </a:r>
@@ -10959,7 +11022,7 @@
                   </a:ext>
                 </a:extLst>
               </a:tr>
-              <a:tr h="304800">
+              <a:tr h="0">
                 <a:tc>
                   <a:txBody>
                     <a:bodyPr/>
@@ -10967,14 +11030,14 @@
                     <a:p>
                       <a:pPr algn="ctr" latinLnBrk="1"/>
                       <a:r>
-                        <a:rPr lang="en-US" altLang="ko-KR" sz="1100" b="0" dirty="0">
-                          <a:solidFill>
-                            <a:schemeClr val="tx1"/>
-                          </a:solidFill>
-                        </a:rPr>
-                        <a:t>101</a:t>
-                      </a:r>
-                      <a:endParaRPr lang="ko-KR" altLang="en-US" sz="1100" b="0" dirty="0">
+                        <a:rPr lang="en-US" altLang="ko-KR" sz="800" b="0" dirty="0">
+                          <a:solidFill>
+                            <a:schemeClr val="tx1"/>
+                          </a:solidFill>
+                        </a:rPr>
+                        <a:t>52~60</a:t>
+                      </a:r>
+                      <a:endParaRPr lang="ko-KR" altLang="en-US" sz="800" b="0" dirty="0">
                         <a:solidFill>
                           <a:schemeClr val="tx1"/>
                         </a:solidFill>
@@ -11036,7 +11099,7 @@
                     <a:p>
                       <a:pPr algn="ctr" latinLnBrk="1"/>
                       <a:r>
-                        <a:rPr lang="ko-KR" altLang="en-US" sz="1100" b="0" dirty="0">
+                        <a:rPr lang="ko-KR" altLang="en-US" sz="800" b="0" dirty="0">
                           <a:solidFill>
                             <a:schemeClr val="tx1"/>
                           </a:solidFill>
@@ -11044,15 +11107,15 @@
                         <a:t>이전 레벨의 </a:t>
                       </a:r>
                       <a:r>
-                        <a:rPr lang="en-US" altLang="ko-KR" sz="1100" b="0" dirty="0">
-                          <a:solidFill>
-                            <a:schemeClr val="tx1"/>
-                          </a:solidFill>
-                        </a:rPr>
-                        <a:t>2</a:t>
-                      </a:r>
-                      <a:r>
-                        <a:rPr lang="ko-KR" altLang="en-US" sz="1100" b="0" dirty="0">
+                        <a:rPr lang="en-US" altLang="ko-KR" sz="800" b="0" dirty="0">
+                          <a:solidFill>
+                            <a:schemeClr val="tx1"/>
+                          </a:solidFill>
+                        </a:rPr>
+                        <a:t>1.05</a:t>
+                      </a:r>
+                      <a:r>
+                        <a:rPr lang="ko-KR" altLang="en-US" sz="800" b="0" dirty="0">
                           <a:solidFill>
                             <a:schemeClr val="tx1"/>
                           </a:solidFill>
@@ -11112,6 +11175,794 @@
                 <a:extLst>
                   <a:ext uri="{0D108BD9-81ED-4DB2-BD59-A6C34878D82A}">
                     <a16:rowId xmlns:a16="http://schemas.microsoft.com/office/drawing/2014/main" val="89829379"/>
+                  </a:ext>
+                </a:extLst>
+              </a:tr>
+              <a:tr h="0">
+                <a:tc>
+                  <a:txBody>
+                    <a:bodyPr/>
+                    <a:lstStyle/>
+                    <a:p>
+                      <a:pPr algn="ctr" latinLnBrk="1"/>
+                      <a:r>
+                        <a:rPr lang="en-US" altLang="ko-KR" sz="800" b="0" dirty="0">
+                          <a:solidFill>
+                            <a:schemeClr val="tx1"/>
+                          </a:solidFill>
+                        </a:rPr>
+                        <a:t>61</a:t>
+                      </a:r>
+                      <a:endParaRPr lang="ko-KR" altLang="en-US" sz="800" b="0" dirty="0">
+                        <a:solidFill>
+                          <a:schemeClr val="tx1"/>
+                        </a:solidFill>
+                      </a:endParaRPr>
+                    </a:p>
+                  </a:txBody>
+                  <a:tcPr anchor="ctr">
+                    <a:lnL w="12700" cap="flat" cmpd="sng" algn="ctr">
+                      <a:solidFill>
+                        <a:schemeClr val="tx1"/>
+                      </a:solidFill>
+                      <a:prstDash val="solid"/>
+                      <a:round/>
+                      <a:headEnd type="none" w="med" len="med"/>
+                      <a:tailEnd type="none" w="med" len="med"/>
+                    </a:lnL>
+                    <a:lnR w="12700" cap="flat" cmpd="sng" algn="ctr">
+                      <a:solidFill>
+                        <a:schemeClr val="tx1"/>
+                      </a:solidFill>
+                      <a:prstDash val="solid"/>
+                      <a:round/>
+                      <a:headEnd type="none" w="med" len="med"/>
+                      <a:tailEnd type="none" w="med" len="med"/>
+                    </a:lnR>
+                    <a:lnT w="12700" cap="flat" cmpd="sng" algn="ctr">
+                      <a:solidFill>
+                        <a:schemeClr val="tx1"/>
+                      </a:solidFill>
+                      <a:prstDash val="solid"/>
+                      <a:round/>
+                      <a:headEnd type="none" w="med" len="med"/>
+                      <a:tailEnd type="none" w="med" len="med"/>
+                    </a:lnT>
+                    <a:lnB w="12700" cap="flat" cmpd="sng" algn="ctr">
+                      <a:solidFill>
+                        <a:schemeClr val="tx1"/>
+                      </a:solidFill>
+                      <a:prstDash val="solid"/>
+                      <a:round/>
+                      <a:headEnd type="none" w="med" len="med"/>
+                      <a:tailEnd type="none" w="med" len="med"/>
+                    </a:lnB>
+                    <a:lnTlToBr w="12700" cmpd="sng">
+                      <a:noFill/>
+                      <a:prstDash val="solid"/>
+                    </a:lnTlToBr>
+                    <a:lnBlToTr w="12700" cmpd="sng">
+                      <a:noFill/>
+                      <a:prstDash val="solid"/>
+                    </a:lnBlToTr>
+                    <a:noFill/>
+                  </a:tcPr>
+                </a:tc>
+                <a:tc>
+                  <a:txBody>
+                    <a:bodyPr/>
+                    <a:lstStyle/>
+                    <a:p>
+                      <a:pPr algn="ctr" latinLnBrk="1"/>
+                      <a:r>
+                        <a:rPr lang="ko-KR" altLang="en-US" sz="800" b="0" dirty="0">
+                          <a:solidFill>
+                            <a:schemeClr val="tx1"/>
+                          </a:solidFill>
+                        </a:rPr>
+                        <a:t>이전 레벨의 </a:t>
+                      </a:r>
+                      <a:r>
+                        <a:rPr lang="en-US" altLang="ko-KR" sz="800" b="0" dirty="0">
+                          <a:solidFill>
+                            <a:schemeClr val="tx1"/>
+                          </a:solidFill>
+                        </a:rPr>
+                        <a:t>1.5</a:t>
+                      </a:r>
+                      <a:r>
+                        <a:rPr lang="ko-KR" altLang="en-US" sz="800" b="0" dirty="0">
+                          <a:solidFill>
+                            <a:schemeClr val="tx1"/>
+                          </a:solidFill>
+                        </a:rPr>
+                        <a:t>배</a:t>
+                      </a:r>
+                    </a:p>
+                  </a:txBody>
+                  <a:tcPr anchor="ctr">
+                    <a:lnL w="12700" cap="flat" cmpd="sng" algn="ctr">
+                      <a:solidFill>
+                        <a:schemeClr val="tx1"/>
+                      </a:solidFill>
+                      <a:prstDash val="solid"/>
+                      <a:round/>
+                      <a:headEnd type="none" w="med" len="med"/>
+                      <a:tailEnd type="none" w="med" len="med"/>
+                    </a:lnL>
+                    <a:lnR w="12700" cap="flat" cmpd="sng" algn="ctr">
+                      <a:solidFill>
+                        <a:schemeClr val="tx1"/>
+                      </a:solidFill>
+                      <a:prstDash val="solid"/>
+                      <a:round/>
+                      <a:headEnd type="none" w="med" len="med"/>
+                      <a:tailEnd type="none" w="med" len="med"/>
+                    </a:lnR>
+                    <a:lnT w="12700" cap="flat" cmpd="sng" algn="ctr">
+                      <a:solidFill>
+                        <a:schemeClr val="tx1"/>
+                      </a:solidFill>
+                      <a:prstDash val="solid"/>
+                      <a:round/>
+                      <a:headEnd type="none" w="med" len="med"/>
+                      <a:tailEnd type="none" w="med" len="med"/>
+                    </a:lnT>
+                    <a:lnB w="12700" cap="flat" cmpd="sng" algn="ctr">
+                      <a:solidFill>
+                        <a:schemeClr val="tx1"/>
+                      </a:solidFill>
+                      <a:prstDash val="solid"/>
+                      <a:round/>
+                      <a:headEnd type="none" w="med" len="med"/>
+                      <a:tailEnd type="none" w="med" len="med"/>
+                    </a:lnB>
+                    <a:lnTlToBr w="12700" cmpd="sng">
+                      <a:noFill/>
+                      <a:prstDash val="solid"/>
+                    </a:lnTlToBr>
+                    <a:lnBlToTr w="12700" cmpd="sng">
+                      <a:noFill/>
+                      <a:prstDash val="solid"/>
+                    </a:lnBlToTr>
+                    <a:noFill/>
+                  </a:tcPr>
+                </a:tc>
+                <a:extLst>
+                  <a:ext uri="{0D108BD9-81ED-4DB2-BD59-A6C34878D82A}">
+                    <a16:rowId xmlns:a16="http://schemas.microsoft.com/office/drawing/2014/main" val="778890468"/>
+                  </a:ext>
+                </a:extLst>
+              </a:tr>
+              <a:tr h="0">
+                <a:tc>
+                  <a:txBody>
+                    <a:bodyPr/>
+                    <a:lstStyle/>
+                    <a:p>
+                      <a:pPr algn="ctr" latinLnBrk="1"/>
+                      <a:r>
+                        <a:rPr lang="en-US" altLang="ko-KR" sz="800" b="0" dirty="0">
+                          <a:solidFill>
+                            <a:schemeClr val="tx1"/>
+                          </a:solidFill>
+                        </a:rPr>
+                        <a:t>62~80</a:t>
+                      </a:r>
+                      <a:endParaRPr lang="ko-KR" altLang="en-US" sz="800" b="0" dirty="0">
+                        <a:solidFill>
+                          <a:schemeClr val="tx1"/>
+                        </a:solidFill>
+                      </a:endParaRPr>
+                    </a:p>
+                  </a:txBody>
+                  <a:tcPr anchor="ctr">
+                    <a:lnL w="12700" cap="flat" cmpd="sng" algn="ctr">
+                      <a:solidFill>
+                        <a:schemeClr val="tx1"/>
+                      </a:solidFill>
+                      <a:prstDash val="solid"/>
+                      <a:round/>
+                      <a:headEnd type="none" w="med" len="med"/>
+                      <a:tailEnd type="none" w="med" len="med"/>
+                    </a:lnL>
+                    <a:lnR w="12700" cap="flat" cmpd="sng" algn="ctr">
+                      <a:solidFill>
+                        <a:schemeClr val="tx1"/>
+                      </a:solidFill>
+                      <a:prstDash val="solid"/>
+                      <a:round/>
+                      <a:headEnd type="none" w="med" len="med"/>
+                      <a:tailEnd type="none" w="med" len="med"/>
+                    </a:lnR>
+                    <a:lnT w="12700" cap="flat" cmpd="sng" algn="ctr">
+                      <a:solidFill>
+                        <a:schemeClr val="tx1"/>
+                      </a:solidFill>
+                      <a:prstDash val="solid"/>
+                      <a:round/>
+                      <a:headEnd type="none" w="med" len="med"/>
+                      <a:tailEnd type="none" w="med" len="med"/>
+                    </a:lnT>
+                    <a:lnB w="12700" cap="flat" cmpd="sng" algn="ctr">
+                      <a:solidFill>
+                        <a:schemeClr val="tx1"/>
+                      </a:solidFill>
+                      <a:prstDash val="solid"/>
+                      <a:round/>
+                      <a:headEnd type="none" w="med" len="med"/>
+                      <a:tailEnd type="none" w="med" len="med"/>
+                    </a:lnB>
+                    <a:lnTlToBr w="12700" cmpd="sng">
+                      <a:noFill/>
+                      <a:prstDash val="solid"/>
+                    </a:lnTlToBr>
+                    <a:lnBlToTr w="12700" cmpd="sng">
+                      <a:noFill/>
+                      <a:prstDash val="solid"/>
+                    </a:lnBlToTr>
+                    <a:noFill/>
+                  </a:tcPr>
+                </a:tc>
+                <a:tc>
+                  <a:txBody>
+                    <a:bodyPr/>
+                    <a:lstStyle/>
+                    <a:p>
+                      <a:pPr algn="ctr" latinLnBrk="1"/>
+                      <a:r>
+                        <a:rPr lang="ko-KR" altLang="en-US" sz="800" b="0" dirty="0">
+                          <a:solidFill>
+                            <a:schemeClr val="tx1"/>
+                          </a:solidFill>
+                        </a:rPr>
+                        <a:t>이전 레벨의 </a:t>
+                      </a:r>
+                      <a:r>
+                        <a:rPr lang="en-US" altLang="ko-KR" sz="800" b="0" dirty="0">
+                          <a:solidFill>
+                            <a:schemeClr val="tx1"/>
+                          </a:solidFill>
+                        </a:rPr>
+                        <a:t>1.05</a:t>
+                      </a:r>
+                      <a:r>
+                        <a:rPr lang="ko-KR" altLang="en-US" sz="800" b="0" dirty="0">
+                          <a:solidFill>
+                            <a:schemeClr val="tx1"/>
+                          </a:solidFill>
+                        </a:rPr>
+                        <a:t>배</a:t>
+                      </a:r>
+                    </a:p>
+                  </a:txBody>
+                  <a:tcPr anchor="ctr">
+                    <a:lnL w="12700" cap="flat" cmpd="sng" algn="ctr">
+                      <a:solidFill>
+                        <a:schemeClr val="tx1"/>
+                      </a:solidFill>
+                      <a:prstDash val="solid"/>
+                      <a:round/>
+                      <a:headEnd type="none" w="med" len="med"/>
+                      <a:tailEnd type="none" w="med" len="med"/>
+                    </a:lnL>
+                    <a:lnR w="12700" cap="flat" cmpd="sng" algn="ctr">
+                      <a:solidFill>
+                        <a:schemeClr val="tx1"/>
+                      </a:solidFill>
+                      <a:prstDash val="solid"/>
+                      <a:round/>
+                      <a:headEnd type="none" w="med" len="med"/>
+                      <a:tailEnd type="none" w="med" len="med"/>
+                    </a:lnR>
+                    <a:lnT w="12700" cap="flat" cmpd="sng" algn="ctr">
+                      <a:solidFill>
+                        <a:schemeClr val="tx1"/>
+                      </a:solidFill>
+                      <a:prstDash val="solid"/>
+                      <a:round/>
+                      <a:headEnd type="none" w="med" len="med"/>
+                      <a:tailEnd type="none" w="med" len="med"/>
+                    </a:lnT>
+                    <a:lnB w="12700" cap="flat" cmpd="sng" algn="ctr">
+                      <a:solidFill>
+                        <a:schemeClr val="tx1"/>
+                      </a:solidFill>
+                      <a:prstDash val="solid"/>
+                      <a:round/>
+                      <a:headEnd type="none" w="med" len="med"/>
+                      <a:tailEnd type="none" w="med" len="med"/>
+                    </a:lnB>
+                    <a:lnTlToBr w="12700" cmpd="sng">
+                      <a:noFill/>
+                      <a:prstDash val="solid"/>
+                    </a:lnTlToBr>
+                    <a:lnBlToTr w="12700" cmpd="sng">
+                      <a:noFill/>
+                      <a:prstDash val="solid"/>
+                    </a:lnBlToTr>
+                    <a:noFill/>
+                  </a:tcPr>
+                </a:tc>
+                <a:extLst>
+                  <a:ext uri="{0D108BD9-81ED-4DB2-BD59-A6C34878D82A}">
+                    <a16:rowId xmlns:a16="http://schemas.microsoft.com/office/drawing/2014/main" val="2895282071"/>
+                  </a:ext>
+                </a:extLst>
+              </a:tr>
+              <a:tr h="0">
+                <a:tc>
+                  <a:txBody>
+                    <a:bodyPr/>
+                    <a:lstStyle/>
+                    <a:p>
+                      <a:pPr algn="ctr" latinLnBrk="1"/>
+                      <a:r>
+                        <a:rPr lang="en-US" altLang="ko-KR" sz="800" b="0" dirty="0">
+                          <a:solidFill>
+                            <a:schemeClr val="tx1"/>
+                          </a:solidFill>
+                        </a:rPr>
+                        <a:t>81</a:t>
+                      </a:r>
+                      <a:endParaRPr lang="ko-KR" altLang="en-US" sz="800" b="0" dirty="0">
+                        <a:solidFill>
+                          <a:schemeClr val="tx1"/>
+                        </a:solidFill>
+                      </a:endParaRPr>
+                    </a:p>
+                  </a:txBody>
+                  <a:tcPr anchor="ctr">
+                    <a:lnL w="12700" cap="flat" cmpd="sng" algn="ctr">
+                      <a:solidFill>
+                        <a:schemeClr val="tx1"/>
+                      </a:solidFill>
+                      <a:prstDash val="solid"/>
+                      <a:round/>
+                      <a:headEnd type="none" w="med" len="med"/>
+                      <a:tailEnd type="none" w="med" len="med"/>
+                    </a:lnL>
+                    <a:lnR w="12700" cap="flat" cmpd="sng" algn="ctr">
+                      <a:solidFill>
+                        <a:schemeClr val="tx1"/>
+                      </a:solidFill>
+                      <a:prstDash val="solid"/>
+                      <a:round/>
+                      <a:headEnd type="none" w="med" len="med"/>
+                      <a:tailEnd type="none" w="med" len="med"/>
+                    </a:lnR>
+                    <a:lnT w="12700" cap="flat" cmpd="sng" algn="ctr">
+                      <a:solidFill>
+                        <a:schemeClr val="tx1"/>
+                      </a:solidFill>
+                      <a:prstDash val="solid"/>
+                      <a:round/>
+                      <a:headEnd type="none" w="med" len="med"/>
+                      <a:tailEnd type="none" w="med" len="med"/>
+                    </a:lnT>
+                    <a:lnB w="12700" cap="flat" cmpd="sng" algn="ctr">
+                      <a:solidFill>
+                        <a:schemeClr val="tx1"/>
+                      </a:solidFill>
+                      <a:prstDash val="solid"/>
+                      <a:round/>
+                      <a:headEnd type="none" w="med" len="med"/>
+                      <a:tailEnd type="none" w="med" len="med"/>
+                    </a:lnB>
+                    <a:lnTlToBr w="12700" cmpd="sng">
+                      <a:noFill/>
+                      <a:prstDash val="solid"/>
+                    </a:lnTlToBr>
+                    <a:lnBlToTr w="12700" cmpd="sng">
+                      <a:noFill/>
+                      <a:prstDash val="solid"/>
+                    </a:lnBlToTr>
+                    <a:noFill/>
+                  </a:tcPr>
+                </a:tc>
+                <a:tc>
+                  <a:txBody>
+                    <a:bodyPr/>
+                    <a:lstStyle/>
+                    <a:p>
+                      <a:pPr algn="ctr" latinLnBrk="1"/>
+                      <a:r>
+                        <a:rPr lang="ko-KR" altLang="en-US" sz="800" b="0" dirty="0">
+                          <a:solidFill>
+                            <a:schemeClr val="tx1"/>
+                          </a:solidFill>
+                        </a:rPr>
+                        <a:t>이전 레벨의 </a:t>
+                      </a:r>
+                      <a:r>
+                        <a:rPr lang="en-US" altLang="ko-KR" sz="800" b="0" dirty="0">
+                          <a:solidFill>
+                            <a:schemeClr val="tx1"/>
+                          </a:solidFill>
+                        </a:rPr>
+                        <a:t>1.5</a:t>
+                      </a:r>
+                      <a:r>
+                        <a:rPr lang="ko-KR" altLang="en-US" sz="800" b="0" dirty="0">
+                          <a:solidFill>
+                            <a:schemeClr val="tx1"/>
+                          </a:solidFill>
+                        </a:rPr>
+                        <a:t>배</a:t>
+                      </a:r>
+                    </a:p>
+                  </a:txBody>
+                  <a:tcPr anchor="ctr">
+                    <a:lnL w="12700" cap="flat" cmpd="sng" algn="ctr">
+                      <a:solidFill>
+                        <a:schemeClr val="tx1"/>
+                      </a:solidFill>
+                      <a:prstDash val="solid"/>
+                      <a:round/>
+                      <a:headEnd type="none" w="med" len="med"/>
+                      <a:tailEnd type="none" w="med" len="med"/>
+                    </a:lnL>
+                    <a:lnR w="12700" cap="flat" cmpd="sng" algn="ctr">
+                      <a:solidFill>
+                        <a:schemeClr val="tx1"/>
+                      </a:solidFill>
+                      <a:prstDash val="solid"/>
+                      <a:round/>
+                      <a:headEnd type="none" w="med" len="med"/>
+                      <a:tailEnd type="none" w="med" len="med"/>
+                    </a:lnR>
+                    <a:lnT w="12700" cap="flat" cmpd="sng" algn="ctr">
+                      <a:solidFill>
+                        <a:schemeClr val="tx1"/>
+                      </a:solidFill>
+                      <a:prstDash val="solid"/>
+                      <a:round/>
+                      <a:headEnd type="none" w="med" len="med"/>
+                      <a:tailEnd type="none" w="med" len="med"/>
+                    </a:lnT>
+                    <a:lnB w="12700" cap="flat" cmpd="sng" algn="ctr">
+                      <a:solidFill>
+                        <a:schemeClr val="tx1"/>
+                      </a:solidFill>
+                      <a:prstDash val="solid"/>
+                      <a:round/>
+                      <a:headEnd type="none" w="med" len="med"/>
+                      <a:tailEnd type="none" w="med" len="med"/>
+                    </a:lnB>
+                    <a:lnTlToBr w="12700" cmpd="sng">
+                      <a:noFill/>
+                      <a:prstDash val="solid"/>
+                    </a:lnTlToBr>
+                    <a:lnBlToTr w="12700" cmpd="sng">
+                      <a:noFill/>
+                      <a:prstDash val="solid"/>
+                    </a:lnBlToTr>
+                    <a:noFill/>
+                  </a:tcPr>
+                </a:tc>
+                <a:extLst>
+                  <a:ext uri="{0D108BD9-81ED-4DB2-BD59-A6C34878D82A}">
+                    <a16:rowId xmlns:a16="http://schemas.microsoft.com/office/drawing/2014/main" val="464129401"/>
+                  </a:ext>
+                </a:extLst>
+              </a:tr>
+              <a:tr h="0">
+                <a:tc>
+                  <a:txBody>
+                    <a:bodyPr/>
+                    <a:lstStyle/>
+                    <a:p>
+                      <a:pPr algn="ctr" latinLnBrk="1"/>
+                      <a:r>
+                        <a:rPr lang="en-US" altLang="ko-KR" sz="800" b="0" dirty="0">
+                          <a:solidFill>
+                            <a:schemeClr val="tx1"/>
+                          </a:solidFill>
+                        </a:rPr>
+                        <a:t>82~100</a:t>
+                      </a:r>
+                      <a:endParaRPr lang="ko-KR" altLang="en-US" sz="800" b="0" dirty="0">
+                        <a:solidFill>
+                          <a:schemeClr val="tx1"/>
+                        </a:solidFill>
+                      </a:endParaRPr>
+                    </a:p>
+                  </a:txBody>
+                  <a:tcPr anchor="ctr">
+                    <a:lnL w="12700" cap="flat" cmpd="sng" algn="ctr">
+                      <a:solidFill>
+                        <a:schemeClr val="tx1"/>
+                      </a:solidFill>
+                      <a:prstDash val="solid"/>
+                      <a:round/>
+                      <a:headEnd type="none" w="med" len="med"/>
+                      <a:tailEnd type="none" w="med" len="med"/>
+                    </a:lnL>
+                    <a:lnR w="12700" cap="flat" cmpd="sng" algn="ctr">
+                      <a:solidFill>
+                        <a:schemeClr val="tx1"/>
+                      </a:solidFill>
+                      <a:prstDash val="solid"/>
+                      <a:round/>
+                      <a:headEnd type="none" w="med" len="med"/>
+                      <a:tailEnd type="none" w="med" len="med"/>
+                    </a:lnR>
+                    <a:lnT w="12700" cap="flat" cmpd="sng" algn="ctr">
+                      <a:solidFill>
+                        <a:schemeClr val="tx1"/>
+                      </a:solidFill>
+                      <a:prstDash val="solid"/>
+                      <a:round/>
+                      <a:headEnd type="none" w="med" len="med"/>
+                      <a:tailEnd type="none" w="med" len="med"/>
+                    </a:lnT>
+                    <a:lnB w="12700" cap="flat" cmpd="sng" algn="ctr">
+                      <a:solidFill>
+                        <a:schemeClr val="tx1"/>
+                      </a:solidFill>
+                      <a:prstDash val="solid"/>
+                      <a:round/>
+                      <a:headEnd type="none" w="med" len="med"/>
+                      <a:tailEnd type="none" w="med" len="med"/>
+                    </a:lnB>
+                    <a:lnTlToBr w="12700" cmpd="sng">
+                      <a:noFill/>
+                      <a:prstDash val="solid"/>
+                    </a:lnTlToBr>
+                    <a:lnBlToTr w="12700" cmpd="sng">
+                      <a:noFill/>
+                      <a:prstDash val="solid"/>
+                    </a:lnBlToTr>
+                    <a:noFill/>
+                  </a:tcPr>
+                </a:tc>
+                <a:tc>
+                  <a:txBody>
+                    <a:bodyPr/>
+                    <a:lstStyle/>
+                    <a:p>
+                      <a:pPr algn="ctr" latinLnBrk="1"/>
+                      <a:r>
+                        <a:rPr lang="ko-KR" altLang="en-US" sz="800" b="0" dirty="0">
+                          <a:solidFill>
+                            <a:schemeClr val="tx1"/>
+                          </a:solidFill>
+                        </a:rPr>
+                        <a:t>이전 레벨의 </a:t>
+                      </a:r>
+                      <a:r>
+                        <a:rPr lang="en-US" altLang="ko-KR" sz="800" b="0" dirty="0">
+                          <a:solidFill>
+                            <a:schemeClr val="tx1"/>
+                          </a:solidFill>
+                        </a:rPr>
+                        <a:t>1.05</a:t>
+                      </a:r>
+                      <a:r>
+                        <a:rPr lang="ko-KR" altLang="en-US" sz="800" b="0" dirty="0">
+                          <a:solidFill>
+                            <a:schemeClr val="tx1"/>
+                          </a:solidFill>
+                        </a:rPr>
+                        <a:t>배</a:t>
+                      </a:r>
+                    </a:p>
+                  </a:txBody>
+                  <a:tcPr anchor="ctr">
+                    <a:lnL w="12700" cap="flat" cmpd="sng" algn="ctr">
+                      <a:solidFill>
+                        <a:schemeClr val="tx1"/>
+                      </a:solidFill>
+                      <a:prstDash val="solid"/>
+                      <a:round/>
+                      <a:headEnd type="none" w="med" len="med"/>
+                      <a:tailEnd type="none" w="med" len="med"/>
+                    </a:lnL>
+                    <a:lnR w="12700" cap="flat" cmpd="sng" algn="ctr">
+                      <a:solidFill>
+                        <a:schemeClr val="tx1"/>
+                      </a:solidFill>
+                      <a:prstDash val="solid"/>
+                      <a:round/>
+                      <a:headEnd type="none" w="med" len="med"/>
+                      <a:tailEnd type="none" w="med" len="med"/>
+                    </a:lnR>
+                    <a:lnT w="12700" cap="flat" cmpd="sng" algn="ctr">
+                      <a:solidFill>
+                        <a:schemeClr val="tx1"/>
+                      </a:solidFill>
+                      <a:prstDash val="solid"/>
+                      <a:round/>
+                      <a:headEnd type="none" w="med" len="med"/>
+                      <a:tailEnd type="none" w="med" len="med"/>
+                    </a:lnT>
+                    <a:lnB w="12700" cap="flat" cmpd="sng" algn="ctr">
+                      <a:solidFill>
+                        <a:schemeClr val="tx1"/>
+                      </a:solidFill>
+                      <a:prstDash val="solid"/>
+                      <a:round/>
+                      <a:headEnd type="none" w="med" len="med"/>
+                      <a:tailEnd type="none" w="med" len="med"/>
+                    </a:lnB>
+                    <a:lnTlToBr w="12700" cmpd="sng">
+                      <a:noFill/>
+                      <a:prstDash val="solid"/>
+                    </a:lnTlToBr>
+                    <a:lnBlToTr w="12700" cmpd="sng">
+                      <a:noFill/>
+                      <a:prstDash val="solid"/>
+                    </a:lnBlToTr>
+                    <a:noFill/>
+                  </a:tcPr>
+                </a:tc>
+                <a:extLst>
+                  <a:ext uri="{0D108BD9-81ED-4DB2-BD59-A6C34878D82A}">
+                    <a16:rowId xmlns:a16="http://schemas.microsoft.com/office/drawing/2014/main" val="3312525664"/>
+                  </a:ext>
+                </a:extLst>
+              </a:tr>
+              <a:tr h="0">
+                <a:tc>
+                  <a:txBody>
+                    <a:bodyPr/>
+                    <a:lstStyle/>
+                    <a:p>
+                      <a:pPr algn="ctr" latinLnBrk="1"/>
+                      <a:r>
+                        <a:rPr lang="en-US" altLang="ko-KR" sz="800" b="0" dirty="0">
+                          <a:solidFill>
+                            <a:schemeClr val="tx1"/>
+                          </a:solidFill>
+                        </a:rPr>
+                        <a:t>101</a:t>
+                      </a:r>
+                      <a:endParaRPr lang="ko-KR" altLang="en-US" sz="800" b="0" dirty="0">
+                        <a:solidFill>
+                          <a:schemeClr val="tx1"/>
+                        </a:solidFill>
+                      </a:endParaRPr>
+                    </a:p>
+                  </a:txBody>
+                  <a:tcPr anchor="ctr">
+                    <a:lnL w="12700" cap="flat" cmpd="sng" algn="ctr">
+                      <a:solidFill>
+                        <a:schemeClr val="tx1"/>
+                      </a:solidFill>
+                      <a:prstDash val="solid"/>
+                      <a:round/>
+                      <a:headEnd type="none" w="med" len="med"/>
+                      <a:tailEnd type="none" w="med" len="med"/>
+                    </a:lnL>
+                    <a:lnR w="12700" cap="flat" cmpd="sng" algn="ctr">
+                      <a:solidFill>
+                        <a:schemeClr val="tx1"/>
+                      </a:solidFill>
+                      <a:prstDash val="solid"/>
+                      <a:round/>
+                      <a:headEnd type="none" w="med" len="med"/>
+                      <a:tailEnd type="none" w="med" len="med"/>
+                    </a:lnR>
+                    <a:lnT w="12700" cap="flat" cmpd="sng" algn="ctr">
+                      <a:solidFill>
+                        <a:schemeClr val="tx1"/>
+                      </a:solidFill>
+                      <a:prstDash val="solid"/>
+                      <a:round/>
+                      <a:headEnd type="none" w="med" len="med"/>
+                      <a:tailEnd type="none" w="med" len="med"/>
+                    </a:lnT>
+                    <a:lnB w="12700" cap="flat" cmpd="sng" algn="ctr">
+                      <a:solidFill>
+                        <a:schemeClr val="tx1"/>
+                      </a:solidFill>
+                      <a:prstDash val="solid"/>
+                      <a:round/>
+                      <a:headEnd type="none" w="med" len="med"/>
+                      <a:tailEnd type="none" w="med" len="med"/>
+                    </a:lnB>
+                    <a:lnTlToBr w="12700" cmpd="sng">
+                      <a:noFill/>
+                      <a:prstDash val="solid"/>
+                    </a:lnTlToBr>
+                    <a:lnBlToTr w="12700" cmpd="sng">
+                      <a:noFill/>
+                      <a:prstDash val="solid"/>
+                    </a:lnBlToTr>
+                    <a:noFill/>
+                  </a:tcPr>
+                </a:tc>
+                <a:tc>
+                  <a:txBody>
+                    <a:bodyPr/>
+                    <a:lstStyle/>
+                    <a:p>
+                      <a:pPr algn="ctr" latinLnBrk="1"/>
+                      <a:r>
+                        <a:rPr lang="en-US" altLang="ko-KR" sz="800" b="0" dirty="0">
+                          <a:solidFill>
+                            <a:schemeClr val="tx1"/>
+                          </a:solidFill>
+                        </a:rPr>
+                        <a:t>100</a:t>
+                      </a:r>
+                      <a:r>
+                        <a:rPr lang="ko-KR" altLang="en-US" sz="800" b="0" dirty="0">
+                          <a:solidFill>
+                            <a:schemeClr val="tx1"/>
+                          </a:solidFill>
+                        </a:rPr>
+                        <a:t>레벨 달성까지 획득한 경험치의 총합에 </a:t>
+                      </a:r>
+                      <a:r>
+                        <a:rPr lang="en-US" altLang="ko-KR" sz="800" b="0" dirty="0">
+                          <a:solidFill>
+                            <a:schemeClr val="tx1"/>
+                          </a:solidFill>
+                        </a:rPr>
+                        <a:t>2</a:t>
+                      </a:r>
+                      <a:r>
+                        <a:rPr lang="ko-KR" altLang="en-US" sz="800" b="0" dirty="0">
+                          <a:solidFill>
+                            <a:schemeClr val="tx1"/>
+                          </a:solidFill>
+                        </a:rPr>
+                        <a:t>배</a:t>
+                      </a:r>
+                    </a:p>
+                  </a:txBody>
+                  <a:tcPr anchor="ctr">
+                    <a:lnL w="12700" cap="flat" cmpd="sng" algn="ctr">
+                      <a:solidFill>
+                        <a:schemeClr val="tx1"/>
+                      </a:solidFill>
+                      <a:prstDash val="solid"/>
+                      <a:round/>
+                      <a:headEnd type="none" w="med" len="med"/>
+                      <a:tailEnd type="none" w="med" len="med"/>
+                    </a:lnL>
+                    <a:lnR w="12700" cap="flat" cmpd="sng" algn="ctr">
+                      <a:solidFill>
+                        <a:schemeClr val="tx1"/>
+                      </a:solidFill>
+                      <a:prstDash val="solid"/>
+                      <a:round/>
+                      <a:headEnd type="none" w="med" len="med"/>
+                      <a:tailEnd type="none" w="med" len="med"/>
+                    </a:lnR>
+                    <a:lnT w="12700" cap="flat" cmpd="sng" algn="ctr">
+                      <a:solidFill>
+                        <a:schemeClr val="tx1"/>
+                      </a:solidFill>
+                      <a:prstDash val="solid"/>
+                      <a:round/>
+                      <a:headEnd type="none" w="med" len="med"/>
+                      <a:tailEnd type="none" w="med" len="med"/>
+                    </a:lnT>
+                    <a:lnB w="12700" cap="flat" cmpd="sng" algn="ctr">
+                      <a:solidFill>
+                        <a:schemeClr val="tx1"/>
+                      </a:solidFill>
+                      <a:prstDash val="solid"/>
+                      <a:round/>
+                      <a:headEnd type="none" w="med" len="med"/>
+                      <a:tailEnd type="none" w="med" len="med"/>
+                    </a:lnB>
+                    <a:lnTlToBr w="12700" cmpd="sng">
+                      <a:noFill/>
+                      <a:prstDash val="solid"/>
+                    </a:lnTlToBr>
+                    <a:lnBlToTr w="12700" cmpd="sng">
+                      <a:noFill/>
+                      <a:prstDash val="solid"/>
+                    </a:lnBlToTr>
+                    <a:noFill/>
+                  </a:tcPr>
+                </a:tc>
+                <a:extLst>
+                  <a:ext uri="{0D108BD9-81ED-4DB2-BD59-A6C34878D82A}">
+                    <a16:rowId xmlns:a16="http://schemas.microsoft.com/office/drawing/2014/main" val="3213556817"/>
                   </a:ext>
                 </a:extLst>
               </a:tr>
@@ -11119,6 +11970,42 @@
           </a:graphicData>
         </a:graphic>
       </p:graphicFrame>
+      <p:pic>
+        <p:nvPicPr>
+          <p:cNvPr id="4" name="그림 3">
+            <a:extLst>
+              <a:ext uri="{FF2B5EF4-FFF2-40B4-BE49-F238E27FC236}">
+                <a16:creationId xmlns:a16="http://schemas.microsoft.com/office/drawing/2014/main" id="{A6CAFAA2-29A9-4E1C-91FC-C814E3645DE5}"/>
+              </a:ext>
+            </a:extLst>
+          </p:cNvPr>
+          <p:cNvPicPr>
+            <a:picLocks noChangeAspect="1"/>
+          </p:cNvPicPr>
+          <p:nvPr/>
+        </p:nvPicPr>
+        <p:blipFill>
+          <a:blip r:embed="rId2">
+            <a:extLst>
+              <a:ext uri="{28A0092B-C50C-407E-A947-70E740481C1C}">
+                <a14:useLocalDpi xmlns:a14="http://schemas.microsoft.com/office/drawing/2010/main" val="0"/>
+              </a:ext>
+            </a:extLst>
+          </a:blip>
+          <a:stretch>
+            <a:fillRect/>
+          </a:stretch>
+        </p:blipFill>
+        <p:spPr>
+          <a:xfrm>
+            <a:off x="1311969" y="1295400"/>
+            <a:ext cx="3319441" cy="5071671"/>
+          </a:xfrm>
+          <a:prstGeom prst="rect">
+            <a:avLst/>
+          </a:prstGeom>
+        </p:spPr>
+      </p:pic>
     </p:spTree>
     <p:extLst>
       <p:ext uri="{BB962C8B-B14F-4D97-AF65-F5344CB8AC3E}">
@@ -12172,14 +13059,14 @@
           <p:nvPr>
             <p:extLst>
               <p:ext uri="{D42A27DB-BD31-4B8C-83A1-F6EECF244321}">
-                <p14:modId xmlns:p14="http://schemas.microsoft.com/office/powerpoint/2010/main" val="473458095"/>
+                <p14:modId xmlns:p14="http://schemas.microsoft.com/office/powerpoint/2010/main" val="3179105494"/>
               </p:ext>
             </p:extLst>
           </p:nvPr>
         </p:nvGraphicFramePr>
         <p:xfrm>
           <a:off x="2032000" y="4046045"/>
-          <a:ext cx="8128000" cy="2346960"/>
+          <a:ext cx="8127999" cy="2651760"/>
         </p:xfrm>
         <a:graphic>
           <a:graphicData uri="http://schemas.openxmlformats.org/drawingml/2006/table">
@@ -12188,14 +13075,21 @@
                 <a:tableStyleId>{5C22544A-7EE6-4342-B048-85BDC9FD1C3A}</a:tableStyleId>
               </a:tblPr>
               <a:tblGrid>
-                <a:gridCol w="925921">
+                <a:gridCol w="831229">
+                  <a:extLst>
+                    <a:ext uri="{9D8B030D-6E8A-4147-A177-3AD203B41FA5}">
+                      <a16:colId xmlns:a16="http://schemas.microsoft.com/office/drawing/2014/main" val="3443498095"/>
+                    </a:ext>
+                  </a:extLst>
+                </a:gridCol>
+                <a:gridCol w="831229">
                   <a:extLst>
                     <a:ext uri="{9D8B030D-6E8A-4147-A177-3AD203B41FA5}">
                       <a16:colId xmlns:a16="http://schemas.microsoft.com/office/drawing/2014/main" val="2450210185"/>
                     </a:ext>
                   </a:extLst>
                 </a:gridCol>
-                <a:gridCol w="7202079">
+                <a:gridCol w="6465541">
                   <a:extLst>
                     <a:ext uri="{9D8B030D-6E8A-4147-A177-3AD203B41FA5}">
                       <a16:colId xmlns:a16="http://schemas.microsoft.com/office/drawing/2014/main" val="3213500976"/>
@@ -12204,7 +13098,7 @@
                 </a:gridCol>
               </a:tblGrid>
               <a:tr h="0">
-                <a:tc gridSpan="2">
+                <a:tc gridSpan="3">
                   <a:txBody>
                     <a:bodyPr/>
                     <a:lstStyle/>
@@ -12216,7 +13110,54 @@
                             <a:schemeClr val="tx1"/>
                           </a:solidFill>
                         </a:rPr>
-                        <a:t>레벨 업 연출</a:t>
+                        <a:t>레벨 상승 연출</a:t>
+                      </a:r>
+                    </a:p>
+                  </a:txBody>
+                  <a:tcPr>
+                    <a:lnL w="12700" cap="flat" cmpd="sng" algn="ctr">
+                      <a:solidFill>
+                        <a:schemeClr val="tx1"/>
+                      </a:solidFill>
+                      <a:prstDash val="solid"/>
+                      <a:round/>
+                      <a:headEnd type="none" w="med" len="med"/>
+                      <a:tailEnd type="none" w="med" len="med"/>
+                    </a:lnL>
+                    <a:lnT w="12700" cap="flat" cmpd="sng" algn="ctr">
+                      <a:solidFill>
+                        <a:schemeClr val="tx1"/>
+                      </a:solidFill>
+                      <a:prstDash val="solid"/>
+                      <a:round/>
+                      <a:headEnd type="none" w="med" len="med"/>
+                      <a:tailEnd type="none" w="med" len="med"/>
+                    </a:lnT>
+                    <a:lnB w="12700" cap="flat" cmpd="sng" algn="ctr">
+                      <a:solidFill>
+                        <a:schemeClr val="tx1"/>
+                      </a:solidFill>
+                      <a:prstDash val="solid"/>
+                      <a:round/>
+                      <a:headEnd type="none" w="med" len="med"/>
+                      <a:tailEnd type="none" w="med" len="med"/>
+                    </a:lnB>
+                    <a:noFill/>
+                  </a:tcPr>
+                </a:tc>
+                <a:tc hMerge="1">
+                  <a:txBody>
+                    <a:bodyPr/>
+                    <a:lstStyle/>
+                    <a:p>
+                      <a:pPr algn="ctr" latinLnBrk="1"/>
+                      <a:r>
+                        <a:rPr lang="ko-KR" altLang="en-US" sz="1000" b="0" dirty="0">
+                          <a:solidFill>
+                            <a:schemeClr val="tx1"/>
+                          </a:solidFill>
+                        </a:rPr>
+                        <a:t>레벨 상승 연출</a:t>
                       </a:r>
                     </a:p>
                   </a:txBody>
@@ -12285,6 +13226,62 @@
                     <a:p>
                       <a:pPr algn="ctr" latinLnBrk="1"/>
                       <a:r>
+                        <a:rPr lang="ko-KR" altLang="en-US" sz="1050" b="0" dirty="0">
+                          <a:solidFill>
+                            <a:schemeClr val="tx1"/>
+                          </a:solidFill>
+                        </a:rPr>
+                        <a:t>레벨</a:t>
+                      </a:r>
+                    </a:p>
+                  </a:txBody>
+                  <a:tcPr anchor="ctr">
+                    <a:lnL w="12700" cap="flat" cmpd="sng" algn="ctr">
+                      <a:solidFill>
+                        <a:schemeClr val="tx1"/>
+                      </a:solidFill>
+                      <a:prstDash val="solid"/>
+                      <a:round/>
+                      <a:headEnd type="none" w="med" len="med"/>
+                      <a:tailEnd type="none" w="med" len="med"/>
+                    </a:lnL>
+                    <a:lnR w="12700" cap="flat" cmpd="sng" algn="ctr">
+                      <a:solidFill>
+                        <a:schemeClr val="tx1"/>
+                      </a:solidFill>
+                      <a:prstDash val="solid"/>
+                      <a:round/>
+                      <a:headEnd type="none" w="med" len="med"/>
+                      <a:tailEnd type="none" w="med" len="med"/>
+                    </a:lnR>
+                    <a:lnT w="12700" cap="flat" cmpd="sng" algn="ctr">
+                      <a:solidFill>
+                        <a:schemeClr val="tx1"/>
+                      </a:solidFill>
+                      <a:prstDash val="solid"/>
+                      <a:round/>
+                      <a:headEnd type="none" w="med" len="med"/>
+                      <a:tailEnd type="none" w="med" len="med"/>
+                    </a:lnT>
+                    <a:lnB w="12700" cap="flat" cmpd="sng" algn="ctr">
+                      <a:solidFill>
+                        <a:schemeClr val="tx1"/>
+                      </a:solidFill>
+                      <a:prstDash val="solid"/>
+                      <a:round/>
+                      <a:headEnd type="none" w="med" len="med"/>
+                      <a:tailEnd type="none" w="med" len="med"/>
+                    </a:lnB>
+                    <a:noFill/>
+                  </a:tcPr>
+                </a:tc>
+                <a:tc>
+                  <a:txBody>
+                    <a:bodyPr/>
+                    <a:lstStyle/>
+                    <a:p>
+                      <a:pPr algn="ctr" latinLnBrk="1"/>
+                      <a:r>
                         <a:rPr lang="ko-KR" altLang="en-US" sz="1000" b="0" dirty="0">
                           <a:solidFill>
                             <a:schemeClr val="tx1"/>
@@ -12404,46 +13401,137 @@
                     <a:p>
                       <a:pPr algn="ctr" latinLnBrk="1"/>
                       <a:r>
+                        <a:rPr lang="en-US" altLang="ko-KR" sz="1050" b="0" dirty="0">
+                          <a:solidFill>
+                            <a:schemeClr val="tx1"/>
+                          </a:solidFill>
+                        </a:rPr>
+                        <a:t>1~10</a:t>
+                      </a:r>
+                      <a:endParaRPr lang="ko-KR" altLang="en-US" sz="1050" b="0" dirty="0">
+                        <a:solidFill>
+                          <a:schemeClr val="tx1"/>
+                        </a:solidFill>
+                      </a:endParaRPr>
+                    </a:p>
+                  </a:txBody>
+                  <a:tcPr anchor="ctr">
+                    <a:lnL w="12700" cap="flat" cmpd="sng" algn="ctr">
+                      <a:solidFill>
+                        <a:schemeClr val="tx1"/>
+                      </a:solidFill>
+                      <a:prstDash val="solid"/>
+                      <a:round/>
+                      <a:headEnd type="none" w="med" len="med"/>
+                      <a:tailEnd type="none" w="med" len="med"/>
+                    </a:lnL>
+                    <a:lnR w="12700" cap="flat" cmpd="sng" algn="ctr">
+                      <a:solidFill>
+                        <a:schemeClr val="tx1"/>
+                      </a:solidFill>
+                      <a:prstDash val="solid"/>
+                      <a:round/>
+                      <a:headEnd type="none" w="med" len="med"/>
+                      <a:tailEnd type="none" w="med" len="med"/>
+                    </a:lnR>
+                    <a:lnT w="12700" cap="flat" cmpd="sng" algn="ctr">
+                      <a:solidFill>
+                        <a:schemeClr val="tx1"/>
+                      </a:solidFill>
+                      <a:prstDash val="solid"/>
+                      <a:round/>
+                      <a:headEnd type="none" w="med" len="med"/>
+                      <a:tailEnd type="none" w="med" len="med"/>
+                    </a:lnT>
+                    <a:lnB w="12700" cap="flat" cmpd="sng" algn="ctr">
+                      <a:solidFill>
+                        <a:schemeClr val="tx1"/>
+                      </a:solidFill>
+                      <a:prstDash val="solid"/>
+                      <a:round/>
+                      <a:headEnd type="none" w="med" len="med"/>
+                      <a:tailEnd type="none" w="med" len="med"/>
+                    </a:lnB>
+                    <a:noFill/>
+                  </a:tcPr>
+                </a:tc>
+                <a:tc>
+                  <a:txBody>
+                    <a:bodyPr/>
+                    <a:lstStyle/>
+                    <a:p>
+                      <a:pPr algn="ctr" latinLnBrk="1"/>
+                      <a:r>
+                        <a:rPr lang="ko-KR" altLang="en-US" sz="1050" b="0" dirty="0">
+                          <a:solidFill>
+                            <a:schemeClr val="tx1"/>
+                          </a:solidFill>
+                        </a:rPr>
+                        <a:t>삼류</a:t>
+                      </a:r>
+                    </a:p>
+                  </a:txBody>
+                  <a:tcPr anchor="ctr">
+                    <a:lnL w="12700" cap="flat" cmpd="sng" algn="ctr">
+                      <a:solidFill>
+                        <a:schemeClr val="tx1"/>
+                      </a:solidFill>
+                      <a:prstDash val="solid"/>
+                      <a:round/>
+                      <a:headEnd type="none" w="med" len="med"/>
+                      <a:tailEnd type="none" w="med" len="med"/>
+                    </a:lnL>
+                    <a:lnR w="12700" cap="flat" cmpd="sng" algn="ctr">
+                      <a:solidFill>
+                        <a:schemeClr val="tx1"/>
+                      </a:solidFill>
+                      <a:prstDash val="solid"/>
+                      <a:round/>
+                      <a:headEnd type="none" w="med" len="med"/>
+                      <a:tailEnd type="none" w="med" len="med"/>
+                    </a:lnR>
+                    <a:lnT w="12700" cap="flat" cmpd="sng" algn="ctr">
+                      <a:solidFill>
+                        <a:schemeClr val="tx1"/>
+                      </a:solidFill>
+                      <a:prstDash val="solid"/>
+                      <a:round/>
+                      <a:headEnd type="none" w="med" len="med"/>
+                      <a:tailEnd type="none" w="med" len="med"/>
+                    </a:lnT>
+                    <a:lnB w="12700" cap="flat" cmpd="sng" algn="ctr">
+                      <a:solidFill>
+                        <a:schemeClr val="tx1"/>
+                      </a:solidFill>
+                      <a:prstDash val="solid"/>
+                      <a:round/>
+                      <a:headEnd type="none" w="med" len="med"/>
+                      <a:tailEnd type="none" w="med" len="med"/>
+                    </a:lnB>
+                    <a:noFill/>
+                  </a:tcPr>
+                </a:tc>
+                <a:tc rowSpan="4">
+                  <a:txBody>
+                    <a:bodyPr/>
+                    <a:lstStyle/>
+                    <a:p>
+                      <a:pPr algn="ctr" latinLnBrk="1"/>
+                      <a:r>
+                        <a:rPr lang="ko-KR" altLang="en-US" sz="1000" b="0" dirty="0">
+                          <a:solidFill>
+                            <a:schemeClr val="tx1"/>
+                          </a:solidFill>
+                        </a:rPr>
+                        <a:t>가볍게 바람이 모이다가 사라진다</a:t>
+                      </a:r>
+                      <a:r>
                         <a:rPr lang="en-US" altLang="ko-KR" sz="1000" b="0" dirty="0">
                           <a:solidFill>
                             <a:schemeClr val="tx1"/>
                           </a:solidFill>
                         </a:rPr>
-                        <a:t>1</a:t>
-                      </a:r>
-                      <a:r>
-                        <a:rPr kumimoji="0" lang="ko-KR" altLang="en-US" sz="1000" b="0" i="0" u="none" strike="noStrike" kern="1200" cap="none" spc="0" normalizeH="0" baseline="0" noProof="0" dirty="0">
-                          <a:ln>
-                            <a:noFill/>
-                          </a:ln>
-                          <a:solidFill>
-                            <a:schemeClr val="tx1"/>
-                          </a:solidFill>
-                          <a:effectLst/>
-                          <a:uLnTx/>
-                          <a:uFillTx/>
-                          <a:latin typeface="+mn-lt"/>
-                          <a:ea typeface="+mn-ea"/>
-                          <a:cs typeface="+mn-cs"/>
-                        </a:rPr>
-                        <a:t>→</a:t>
-                      </a:r>
-                      <a:r>
-                        <a:rPr kumimoji="0" lang="en-US" altLang="ko-KR" sz="1000" b="0" i="0" u="none" strike="noStrike" kern="1200" cap="none" spc="0" normalizeH="0" baseline="0" noProof="0" dirty="0">
-                          <a:ln>
-                            <a:noFill/>
-                          </a:ln>
-                          <a:solidFill>
-                            <a:schemeClr val="tx1"/>
-                          </a:solidFill>
-                          <a:effectLst/>
-                          <a:uLnTx/>
-                          <a:uFillTx/>
-                          <a:latin typeface="+mn-lt"/>
-                          <a:ea typeface="+mn-ea"/>
-                          <a:cs typeface="+mn-cs"/>
-                        </a:rPr>
-                        <a:t>2</a:t>
+                        <a:t>.</a:t>
                       </a:r>
                       <a:endParaRPr lang="ko-KR" altLang="en-US" sz="1000" b="0" dirty="0">
                         <a:solidFill>
@@ -12492,7 +13580,131 @@
                     <a:noFill/>
                   </a:tcPr>
                 </a:tc>
-                <a:tc rowSpan="3">
+                <a:extLst>
+                  <a:ext uri="{0D108BD9-81ED-4DB2-BD59-A6C34878D82A}">
+                    <a16:rowId xmlns:a16="http://schemas.microsoft.com/office/drawing/2014/main" val="216879706"/>
+                  </a:ext>
+                </a:extLst>
+              </a:tr>
+              <a:tr h="0">
+                <a:tc>
+                  <a:txBody>
+                    <a:bodyPr/>
+                    <a:lstStyle/>
+                    <a:p>
+                      <a:pPr algn="ctr" latinLnBrk="1"/>
+                      <a:r>
+                        <a:rPr lang="en-US" altLang="ko-KR" sz="1050" b="0" dirty="0">
+                          <a:solidFill>
+                            <a:schemeClr val="tx1"/>
+                          </a:solidFill>
+                        </a:rPr>
+                        <a:t>11~20</a:t>
+                      </a:r>
+                      <a:endParaRPr lang="ko-KR" altLang="en-US" sz="1050" b="0" dirty="0">
+                        <a:solidFill>
+                          <a:schemeClr val="tx1"/>
+                        </a:solidFill>
+                      </a:endParaRPr>
+                    </a:p>
+                  </a:txBody>
+                  <a:tcPr anchor="ctr">
+                    <a:lnL w="12700" cap="flat" cmpd="sng" algn="ctr">
+                      <a:solidFill>
+                        <a:schemeClr val="tx1"/>
+                      </a:solidFill>
+                      <a:prstDash val="solid"/>
+                      <a:round/>
+                      <a:headEnd type="none" w="med" len="med"/>
+                      <a:tailEnd type="none" w="med" len="med"/>
+                    </a:lnL>
+                    <a:lnR w="12700" cap="flat" cmpd="sng" algn="ctr">
+                      <a:solidFill>
+                        <a:schemeClr val="tx1"/>
+                      </a:solidFill>
+                      <a:prstDash val="solid"/>
+                      <a:round/>
+                      <a:headEnd type="none" w="med" len="med"/>
+                      <a:tailEnd type="none" w="med" len="med"/>
+                    </a:lnR>
+                    <a:lnT w="12700" cap="flat" cmpd="sng" algn="ctr">
+                      <a:solidFill>
+                        <a:schemeClr val="tx1"/>
+                      </a:solidFill>
+                      <a:prstDash val="solid"/>
+                      <a:round/>
+                      <a:headEnd type="none" w="med" len="med"/>
+                      <a:tailEnd type="none" w="med" len="med"/>
+                    </a:lnT>
+                    <a:lnB w="12700" cap="flat" cmpd="sng" algn="ctr">
+                      <a:solidFill>
+                        <a:schemeClr val="tx1"/>
+                      </a:solidFill>
+                      <a:prstDash val="solid"/>
+                      <a:round/>
+                      <a:headEnd type="none" w="med" len="med"/>
+                      <a:tailEnd type="none" w="med" len="med"/>
+                    </a:lnB>
+                    <a:noFill/>
+                  </a:tcPr>
+                </a:tc>
+                <a:tc>
+                  <a:txBody>
+                    <a:bodyPr/>
+                    <a:lstStyle/>
+                    <a:p>
+                      <a:pPr algn="ctr" latinLnBrk="1"/>
+                      <a:r>
+                        <a:rPr lang="ko-KR" altLang="en-US" sz="1050" b="0" dirty="0">
+                          <a:solidFill>
+                            <a:schemeClr val="tx1"/>
+                          </a:solidFill>
+                        </a:rPr>
+                        <a:t>이류</a:t>
+                      </a:r>
+                    </a:p>
+                  </a:txBody>
+                  <a:tcPr anchor="ctr">
+                    <a:lnL w="12700" cap="flat" cmpd="sng" algn="ctr">
+                      <a:solidFill>
+                        <a:schemeClr val="tx1"/>
+                      </a:solidFill>
+                      <a:prstDash val="solid"/>
+                      <a:round/>
+                      <a:headEnd type="none" w="med" len="med"/>
+                      <a:tailEnd type="none" w="med" len="med"/>
+                    </a:lnL>
+                    <a:lnR w="12700" cap="flat" cmpd="sng" algn="ctr">
+                      <a:solidFill>
+                        <a:schemeClr val="tx1"/>
+                      </a:solidFill>
+                      <a:prstDash val="solid"/>
+                      <a:round/>
+                      <a:headEnd type="none" w="med" len="med"/>
+                      <a:tailEnd type="none" w="med" len="med"/>
+                    </a:lnR>
+                    <a:lnT w="12700" cap="flat" cmpd="sng" algn="ctr">
+                      <a:solidFill>
+                        <a:schemeClr val="tx1"/>
+                      </a:solidFill>
+                      <a:prstDash val="solid"/>
+                      <a:round/>
+                      <a:headEnd type="none" w="med" len="med"/>
+                      <a:tailEnd type="none" w="med" len="med"/>
+                    </a:lnT>
+                    <a:lnB w="12700" cap="flat" cmpd="sng" algn="ctr">
+                      <a:solidFill>
+                        <a:schemeClr val="tx1"/>
+                      </a:solidFill>
+                      <a:prstDash val="solid"/>
+                      <a:round/>
+                      <a:headEnd type="none" w="med" len="med"/>
+                      <a:tailEnd type="none" w="med" len="med"/>
+                    </a:lnB>
+                    <a:noFill/>
+                  </a:tcPr>
+                </a:tc>
+                <a:tc vMerge="1">
                   <a:txBody>
                     <a:bodyPr/>
                     <a:lstStyle/>
@@ -12575,52 +13787,74 @@
                     <a:p>
                       <a:pPr algn="ctr" latinLnBrk="1"/>
                       <a:r>
-                        <a:rPr lang="en-US" altLang="ko-KR" sz="1000" b="0" dirty="0">
-                          <a:solidFill>
-                            <a:schemeClr val="tx1"/>
-                          </a:solidFill>
-                        </a:rPr>
-                        <a:t>2</a:t>
-                      </a:r>
-                      <a:r>
-                        <a:rPr kumimoji="0" lang="ko-KR" altLang="en-US" sz="1000" b="0" i="0" u="none" strike="noStrike" kern="1200" cap="none" spc="0" normalizeH="0" baseline="0" noProof="0" dirty="0">
-                          <a:ln>
-                            <a:noFill/>
-                          </a:ln>
-                          <a:solidFill>
-                            <a:schemeClr val="tx1"/>
-                          </a:solidFill>
-                          <a:effectLst/>
-                          <a:uLnTx/>
-                          <a:uFillTx/>
-                          <a:latin typeface="+mn-lt"/>
-                          <a:ea typeface="+mn-ea"/>
-                          <a:cs typeface="+mn-cs"/>
-                        </a:rPr>
-                        <a:t>→</a:t>
-                      </a:r>
-                      <a:r>
-                        <a:rPr kumimoji="0" lang="en-US" altLang="ko-KR" sz="1000" b="0" i="0" u="none" strike="noStrike" kern="1200" cap="none" spc="0" normalizeH="0" baseline="0" noProof="0" dirty="0">
-                          <a:ln>
-                            <a:noFill/>
-                          </a:ln>
-                          <a:solidFill>
-                            <a:schemeClr val="tx1"/>
-                          </a:solidFill>
-                          <a:effectLst/>
-                          <a:uLnTx/>
-                          <a:uFillTx/>
-                          <a:latin typeface="+mn-lt"/>
-                          <a:ea typeface="+mn-ea"/>
-                          <a:cs typeface="+mn-cs"/>
-                        </a:rPr>
-                        <a:t>3</a:t>
-                      </a:r>
-                      <a:endParaRPr lang="ko-KR" altLang="en-US" sz="1000" b="0" dirty="0">
+                        <a:rPr lang="en-US" altLang="ko-KR" sz="1050" b="0" dirty="0">
+                          <a:solidFill>
+                            <a:schemeClr val="tx1"/>
+                          </a:solidFill>
+                        </a:rPr>
+                        <a:t>21~30</a:t>
+                      </a:r>
+                      <a:endParaRPr lang="ko-KR" altLang="en-US" sz="1050" b="0" dirty="0">
                         <a:solidFill>
                           <a:schemeClr val="tx1"/>
                         </a:solidFill>
                       </a:endParaRPr>
+                    </a:p>
+                  </a:txBody>
+                  <a:tcPr anchor="ctr">
+                    <a:lnL w="12700" cap="flat" cmpd="sng" algn="ctr">
+                      <a:solidFill>
+                        <a:schemeClr val="tx1"/>
+                      </a:solidFill>
+                      <a:prstDash val="solid"/>
+                      <a:round/>
+                      <a:headEnd type="none" w="med" len="med"/>
+                      <a:tailEnd type="none" w="med" len="med"/>
+                    </a:lnL>
+                    <a:lnR w="12700" cap="flat" cmpd="sng" algn="ctr">
+                      <a:solidFill>
+                        <a:schemeClr val="tx1"/>
+                      </a:solidFill>
+                      <a:prstDash val="solid"/>
+                      <a:round/>
+                      <a:headEnd type="none" w="med" len="med"/>
+                      <a:tailEnd type="none" w="med" len="med"/>
+                    </a:lnR>
+                    <a:lnT w="12700" cap="flat" cmpd="sng" algn="ctr">
+                      <a:solidFill>
+                        <a:schemeClr val="tx1"/>
+                      </a:solidFill>
+                      <a:prstDash val="solid"/>
+                      <a:round/>
+                      <a:headEnd type="none" w="med" len="med"/>
+                      <a:tailEnd type="none" w="med" len="med"/>
+                    </a:lnT>
+                    <a:lnB w="12700" cap="flat" cmpd="sng" algn="ctr">
+                      <a:solidFill>
+                        <a:schemeClr val="tx1"/>
+                      </a:solidFill>
+                      <a:prstDash val="solid"/>
+                      <a:round/>
+                      <a:headEnd type="none" w="med" len="med"/>
+                      <a:tailEnd type="none" w="med" len="med"/>
+                    </a:lnB>
+                    <a:noFill/>
+                  </a:tcPr>
+                </a:tc>
+                <a:tc>
+                  <a:txBody>
+                    <a:bodyPr/>
+                    <a:lstStyle/>
+                    <a:p>
+                      <a:pPr algn="ctr" latinLnBrk="1"/>
+                      <a:r>
+                        <a:rPr lang="ko-KR" altLang="en-US" sz="1050" b="0" dirty="0">
+                          <a:solidFill>
+                            <a:schemeClr val="tx1"/>
+                          </a:solidFill>
+                        </a:rPr>
+                        <a:t>일류</a:t>
+                      </a:r>
                     </a:p>
                   </a:txBody>
                   <a:tcPr anchor="ctr">
@@ -12738,52 +13972,74 @@
                     <a:p>
                       <a:pPr algn="ctr" latinLnBrk="1"/>
                       <a:r>
-                        <a:rPr lang="en-US" altLang="ko-KR" sz="1000" b="0" dirty="0">
-                          <a:solidFill>
-                            <a:schemeClr val="tx1"/>
-                          </a:solidFill>
-                        </a:rPr>
-                        <a:t>3</a:t>
-                      </a:r>
-                      <a:r>
-                        <a:rPr kumimoji="0" lang="ko-KR" altLang="en-US" sz="1000" b="0" i="0" u="none" strike="noStrike" kern="1200" cap="none" spc="0" normalizeH="0" baseline="0" noProof="0" dirty="0">
-                          <a:ln>
-                            <a:noFill/>
-                          </a:ln>
-                          <a:solidFill>
-                            <a:schemeClr val="tx1"/>
-                          </a:solidFill>
-                          <a:effectLst/>
-                          <a:uLnTx/>
-                          <a:uFillTx/>
-                          <a:latin typeface="+mn-lt"/>
-                          <a:ea typeface="+mn-ea"/>
-                          <a:cs typeface="+mn-cs"/>
-                        </a:rPr>
-                        <a:t>→</a:t>
-                      </a:r>
-                      <a:r>
-                        <a:rPr kumimoji="0" lang="en-US" altLang="ko-KR" sz="1000" b="0" i="0" u="none" strike="noStrike" kern="1200" cap="none" spc="0" normalizeH="0" baseline="0" noProof="0" dirty="0">
-                          <a:ln>
-                            <a:noFill/>
-                          </a:ln>
-                          <a:solidFill>
-                            <a:schemeClr val="tx1"/>
-                          </a:solidFill>
-                          <a:effectLst/>
-                          <a:uLnTx/>
-                          <a:uFillTx/>
-                          <a:latin typeface="+mn-lt"/>
-                          <a:ea typeface="+mn-ea"/>
-                          <a:cs typeface="+mn-cs"/>
-                        </a:rPr>
-                        <a:t>4</a:t>
-                      </a:r>
-                      <a:endParaRPr lang="ko-KR" altLang="en-US" sz="1000" b="0" dirty="0">
+                        <a:rPr lang="en-US" altLang="ko-KR" sz="1050" b="0" dirty="0">
+                          <a:solidFill>
+                            <a:schemeClr val="tx1"/>
+                          </a:solidFill>
+                        </a:rPr>
+                        <a:t>31~40</a:t>
+                      </a:r>
+                      <a:endParaRPr lang="ko-KR" altLang="en-US" sz="1050" b="0" dirty="0">
                         <a:solidFill>
                           <a:schemeClr val="tx1"/>
                         </a:solidFill>
                       </a:endParaRPr>
+                    </a:p>
+                  </a:txBody>
+                  <a:tcPr anchor="ctr">
+                    <a:lnL w="12700" cap="flat" cmpd="sng" algn="ctr">
+                      <a:solidFill>
+                        <a:schemeClr val="tx1"/>
+                      </a:solidFill>
+                      <a:prstDash val="solid"/>
+                      <a:round/>
+                      <a:headEnd type="none" w="med" len="med"/>
+                      <a:tailEnd type="none" w="med" len="med"/>
+                    </a:lnL>
+                    <a:lnR w="12700" cap="flat" cmpd="sng" algn="ctr">
+                      <a:solidFill>
+                        <a:schemeClr val="tx1"/>
+                      </a:solidFill>
+                      <a:prstDash val="solid"/>
+                      <a:round/>
+                      <a:headEnd type="none" w="med" len="med"/>
+                      <a:tailEnd type="none" w="med" len="med"/>
+                    </a:lnR>
+                    <a:lnT w="12700" cap="flat" cmpd="sng" algn="ctr">
+                      <a:solidFill>
+                        <a:schemeClr val="tx1"/>
+                      </a:solidFill>
+                      <a:prstDash val="solid"/>
+                      <a:round/>
+                      <a:headEnd type="none" w="med" len="med"/>
+                      <a:tailEnd type="none" w="med" len="med"/>
+                    </a:lnT>
+                    <a:lnB w="12700" cap="flat" cmpd="sng" algn="ctr">
+                      <a:solidFill>
+                        <a:schemeClr val="tx1"/>
+                      </a:solidFill>
+                      <a:prstDash val="solid"/>
+                      <a:round/>
+                      <a:headEnd type="none" w="med" len="med"/>
+                      <a:tailEnd type="none" w="med" len="med"/>
+                    </a:lnB>
+                    <a:noFill/>
+                  </a:tcPr>
+                </a:tc>
+                <a:tc>
+                  <a:txBody>
+                    <a:bodyPr/>
+                    <a:lstStyle/>
+                    <a:p>
+                      <a:pPr algn="ctr" latinLnBrk="1"/>
+                      <a:r>
+                        <a:rPr lang="ko-KR" altLang="en-US" sz="1050" b="0" dirty="0">
+                          <a:solidFill>
+                            <a:schemeClr val="tx1"/>
+                          </a:solidFill>
+                        </a:rPr>
+                        <a:t>절정</a:t>
+                      </a:r>
                     </a:p>
                   </a:txBody>
                   <a:tcPr anchor="ctr">
@@ -12901,48 +14157,75 @@
                     <a:p>
                       <a:pPr algn="ctr" latinLnBrk="1"/>
                       <a:r>
-                        <a:rPr lang="en-US" altLang="ko-KR" sz="1000" b="0" dirty="0">
-                          <a:solidFill>
-                            <a:schemeClr val="tx1"/>
-                          </a:solidFill>
-                        </a:rPr>
-                        <a:t>4</a:t>
-                      </a:r>
-                      <a:r>
-                        <a:rPr kumimoji="0" lang="ko-KR" altLang="en-US" sz="1000" b="0" i="0" u="none" strike="noStrike" kern="1200" cap="none" spc="0" normalizeH="0" baseline="0" noProof="0" dirty="0">
-                          <a:ln>
-                            <a:noFill/>
-                          </a:ln>
-                          <a:solidFill>
-                            <a:schemeClr val="tx1"/>
-                          </a:solidFill>
-                          <a:effectLst/>
-                          <a:uLnTx/>
-                          <a:uFillTx/>
-                          <a:latin typeface="+mn-lt"/>
-                          <a:ea typeface="+mn-ea"/>
-                          <a:cs typeface="+mn-cs"/>
-                        </a:rPr>
-                        <a:t>→</a:t>
-                      </a:r>
-                      <a:r>
-                        <a:rPr kumimoji="0" lang="en-US" altLang="ko-KR" sz="1000" b="0" i="0" u="none" strike="noStrike" kern="1200" cap="none" spc="0" normalizeH="0" baseline="0" noProof="0" dirty="0">
-                          <a:ln>
-                            <a:noFill/>
-                          </a:ln>
-                          <a:solidFill>
-                            <a:schemeClr val="tx1"/>
-                          </a:solidFill>
-                          <a:effectLst/>
-                          <a:uLnTx/>
-                          <a:uFillTx/>
-                          <a:latin typeface="+mn-lt"/>
-                          <a:ea typeface="+mn-ea"/>
-                          <a:cs typeface="+mn-cs"/>
-                        </a:rPr>
-                        <a:t>5</a:t>
-                      </a:r>
-                      <a:endParaRPr lang="ko-KR" altLang="en-US" sz="1000" b="0" dirty="0">
+                        <a:rPr lang="en-US" altLang="ko-KR" sz="1050" b="0" dirty="0">
+                          <a:solidFill>
+                            <a:schemeClr val="tx1"/>
+                          </a:solidFill>
+                        </a:rPr>
+                        <a:t>41~60</a:t>
+                      </a:r>
+                      <a:endParaRPr lang="ko-KR" altLang="en-US" sz="1050" b="0" dirty="0">
+                        <a:solidFill>
+                          <a:schemeClr val="tx1"/>
+                        </a:solidFill>
+                      </a:endParaRPr>
+                    </a:p>
+                  </a:txBody>
+                  <a:tcPr anchor="ctr">
+                    <a:lnL w="12700" cap="flat" cmpd="sng" algn="ctr">
+                      <a:solidFill>
+                        <a:schemeClr val="tx1"/>
+                      </a:solidFill>
+                      <a:prstDash val="solid"/>
+                      <a:round/>
+                      <a:headEnd type="none" w="med" len="med"/>
+                      <a:tailEnd type="none" w="med" len="med"/>
+                    </a:lnL>
+                    <a:lnR w="12700" cap="flat" cmpd="sng" algn="ctr">
+                      <a:solidFill>
+                        <a:schemeClr val="tx1"/>
+                      </a:solidFill>
+                      <a:prstDash val="solid"/>
+                      <a:round/>
+                      <a:headEnd type="none" w="med" len="med"/>
+                      <a:tailEnd type="none" w="med" len="med"/>
+                    </a:lnR>
+                    <a:lnT w="12700" cap="flat" cmpd="sng" algn="ctr">
+                      <a:solidFill>
+                        <a:schemeClr val="tx1"/>
+                      </a:solidFill>
+                      <a:prstDash val="solid"/>
+                      <a:round/>
+                      <a:headEnd type="none" w="med" len="med"/>
+                      <a:tailEnd type="none" w="med" len="med"/>
+                    </a:lnT>
+                    <a:lnB w="12700" cap="flat" cmpd="sng" algn="ctr">
+                      <a:solidFill>
+                        <a:schemeClr val="tx1"/>
+                      </a:solidFill>
+                      <a:prstDash val="solid"/>
+                      <a:round/>
+                      <a:headEnd type="none" w="med" len="med"/>
+                      <a:tailEnd type="none" w="med" len="med"/>
+                    </a:lnB>
+                    <a:noFill/>
+                  </a:tcPr>
+                </a:tc>
+                <a:tc>
+                  <a:txBody>
+                    <a:bodyPr/>
+                    <a:lstStyle/>
+                    <a:p>
+                      <a:pPr algn="ctr" latinLnBrk="1"/>
+                      <a:r>
+                        <a:rPr lang="ko-KR" altLang="en-US" sz="1050" b="0" dirty="0" err="1">
+                          <a:solidFill>
+                            <a:schemeClr val="tx1"/>
+                          </a:solidFill>
+                        </a:rPr>
+                        <a:t>초절정</a:t>
+                      </a:r>
+                      <a:endParaRPr lang="ko-KR" altLang="en-US" sz="1050" b="0" dirty="0">
                         <a:solidFill>
                           <a:schemeClr val="tx1"/>
                         </a:solidFill>
@@ -13072,52 +14355,74 @@
                     <a:p>
                       <a:pPr algn="ctr" latinLnBrk="1"/>
                       <a:r>
-                        <a:rPr lang="en-US" altLang="ko-KR" sz="1000" b="0" dirty="0">
-                          <a:solidFill>
-                            <a:schemeClr val="tx1"/>
-                          </a:solidFill>
-                        </a:rPr>
-                        <a:t>5</a:t>
-                      </a:r>
-                      <a:r>
-                        <a:rPr kumimoji="0" lang="ko-KR" altLang="en-US" sz="1000" b="0" i="0" u="none" strike="noStrike" kern="1200" cap="none" spc="0" normalizeH="0" baseline="0" noProof="0" dirty="0">
-                          <a:ln>
-                            <a:noFill/>
-                          </a:ln>
-                          <a:solidFill>
-                            <a:schemeClr val="tx1"/>
-                          </a:solidFill>
-                          <a:effectLst/>
-                          <a:uLnTx/>
-                          <a:uFillTx/>
-                          <a:latin typeface="+mn-lt"/>
-                          <a:ea typeface="+mn-ea"/>
-                          <a:cs typeface="+mn-cs"/>
-                        </a:rPr>
-                        <a:t>→</a:t>
-                      </a:r>
-                      <a:r>
-                        <a:rPr kumimoji="0" lang="en-US" altLang="ko-KR" sz="1000" b="0" i="0" u="none" strike="noStrike" kern="1200" cap="none" spc="0" normalizeH="0" baseline="0" noProof="0" dirty="0">
-                          <a:ln>
-                            <a:noFill/>
-                          </a:ln>
-                          <a:solidFill>
-                            <a:schemeClr val="tx1"/>
-                          </a:solidFill>
-                          <a:effectLst/>
-                          <a:uLnTx/>
-                          <a:uFillTx/>
-                          <a:latin typeface="+mn-lt"/>
-                          <a:ea typeface="+mn-ea"/>
-                          <a:cs typeface="+mn-cs"/>
-                        </a:rPr>
-                        <a:t>6</a:t>
-                      </a:r>
-                      <a:endParaRPr lang="ko-KR" altLang="en-US" sz="1000" b="0" dirty="0">
+                        <a:rPr lang="en-US" altLang="ko-KR" sz="1050" b="0" dirty="0">
+                          <a:solidFill>
+                            <a:schemeClr val="tx1"/>
+                          </a:solidFill>
+                        </a:rPr>
+                        <a:t>61~80</a:t>
+                      </a:r>
+                      <a:endParaRPr lang="ko-KR" altLang="en-US" sz="1050" b="0" dirty="0">
                         <a:solidFill>
                           <a:schemeClr val="tx1"/>
                         </a:solidFill>
                       </a:endParaRPr>
+                    </a:p>
+                  </a:txBody>
+                  <a:tcPr anchor="ctr">
+                    <a:lnL w="12700" cap="flat" cmpd="sng" algn="ctr">
+                      <a:solidFill>
+                        <a:schemeClr val="tx1"/>
+                      </a:solidFill>
+                      <a:prstDash val="solid"/>
+                      <a:round/>
+                      <a:headEnd type="none" w="med" len="med"/>
+                      <a:tailEnd type="none" w="med" len="med"/>
+                    </a:lnL>
+                    <a:lnR w="12700" cap="flat" cmpd="sng" algn="ctr">
+                      <a:solidFill>
+                        <a:schemeClr val="tx1"/>
+                      </a:solidFill>
+                      <a:prstDash val="solid"/>
+                      <a:round/>
+                      <a:headEnd type="none" w="med" len="med"/>
+                      <a:tailEnd type="none" w="med" len="med"/>
+                    </a:lnR>
+                    <a:lnT w="12700" cap="flat" cmpd="sng" algn="ctr">
+                      <a:solidFill>
+                        <a:schemeClr val="tx1"/>
+                      </a:solidFill>
+                      <a:prstDash val="solid"/>
+                      <a:round/>
+                      <a:headEnd type="none" w="med" len="med"/>
+                      <a:tailEnd type="none" w="med" len="med"/>
+                    </a:lnT>
+                    <a:lnB w="12700" cap="flat" cmpd="sng" algn="ctr">
+                      <a:solidFill>
+                        <a:schemeClr val="tx1"/>
+                      </a:solidFill>
+                      <a:prstDash val="solid"/>
+                      <a:round/>
+                      <a:headEnd type="none" w="med" len="med"/>
+                      <a:tailEnd type="none" w="med" len="med"/>
+                    </a:lnB>
+                    <a:noFill/>
+                  </a:tcPr>
+                </a:tc>
+                <a:tc>
+                  <a:txBody>
+                    <a:bodyPr/>
+                    <a:lstStyle/>
+                    <a:p>
+                      <a:pPr algn="ctr" latinLnBrk="1"/>
+                      <a:r>
+                        <a:rPr lang="ko-KR" altLang="en-US" sz="1050" b="0" dirty="0">
+                          <a:solidFill>
+                            <a:schemeClr val="tx1"/>
+                          </a:solidFill>
+                        </a:rPr>
+                        <a:t>화경</a:t>
+                      </a:r>
                     </a:p>
                   </a:txBody>
                   <a:tcPr anchor="ctr">
@@ -13243,48 +14548,75 @@
                     <a:p>
                       <a:pPr algn="ctr" latinLnBrk="1"/>
                       <a:r>
-                        <a:rPr lang="en-US" altLang="ko-KR" sz="1000" b="0" dirty="0">
-                          <a:solidFill>
-                            <a:schemeClr val="tx1"/>
-                          </a:solidFill>
-                        </a:rPr>
-                        <a:t>6</a:t>
-                      </a:r>
-                      <a:r>
-                        <a:rPr kumimoji="0" lang="ko-KR" altLang="en-US" sz="1000" b="0" i="0" u="none" strike="noStrike" kern="1200" cap="none" spc="0" normalizeH="0" baseline="0" noProof="0" dirty="0">
-                          <a:ln>
-                            <a:noFill/>
-                          </a:ln>
-                          <a:solidFill>
-                            <a:schemeClr val="tx1"/>
-                          </a:solidFill>
-                          <a:effectLst/>
-                          <a:uLnTx/>
-                          <a:uFillTx/>
-                          <a:latin typeface="+mn-lt"/>
-                          <a:ea typeface="+mn-ea"/>
-                          <a:cs typeface="+mn-cs"/>
-                        </a:rPr>
-                        <a:t>→</a:t>
-                      </a:r>
-                      <a:r>
-                        <a:rPr kumimoji="0" lang="en-US" altLang="ko-KR" sz="1000" b="0" i="0" u="none" strike="noStrike" kern="1200" cap="none" spc="0" normalizeH="0" baseline="0" noProof="0" dirty="0">
-                          <a:ln>
-                            <a:noFill/>
-                          </a:ln>
-                          <a:solidFill>
-                            <a:schemeClr val="tx1"/>
-                          </a:solidFill>
-                          <a:effectLst/>
-                          <a:uLnTx/>
-                          <a:uFillTx/>
-                          <a:latin typeface="+mn-lt"/>
-                          <a:ea typeface="+mn-ea"/>
-                          <a:cs typeface="+mn-cs"/>
-                        </a:rPr>
-                        <a:t>7</a:t>
-                      </a:r>
-                      <a:endParaRPr lang="ko-KR" altLang="en-US" sz="1000" b="0" dirty="0">
+                        <a:rPr lang="en-US" altLang="ko-KR" sz="1050" b="0" dirty="0">
+                          <a:solidFill>
+                            <a:schemeClr val="tx1"/>
+                          </a:solidFill>
+                        </a:rPr>
+                        <a:t>81~100</a:t>
+                      </a:r>
+                      <a:endParaRPr lang="ko-KR" altLang="en-US" sz="1050" b="0" dirty="0">
+                        <a:solidFill>
+                          <a:schemeClr val="tx1"/>
+                        </a:solidFill>
+                      </a:endParaRPr>
+                    </a:p>
+                  </a:txBody>
+                  <a:tcPr anchor="ctr">
+                    <a:lnL w="12700" cap="flat" cmpd="sng" algn="ctr">
+                      <a:solidFill>
+                        <a:schemeClr val="tx1"/>
+                      </a:solidFill>
+                      <a:prstDash val="solid"/>
+                      <a:round/>
+                      <a:headEnd type="none" w="med" len="med"/>
+                      <a:tailEnd type="none" w="med" len="med"/>
+                    </a:lnL>
+                    <a:lnR w="12700" cap="flat" cmpd="sng" algn="ctr">
+                      <a:solidFill>
+                        <a:schemeClr val="tx1"/>
+                      </a:solidFill>
+                      <a:prstDash val="solid"/>
+                      <a:round/>
+                      <a:headEnd type="none" w="med" len="med"/>
+                      <a:tailEnd type="none" w="med" len="med"/>
+                    </a:lnR>
+                    <a:lnT w="12700" cap="flat" cmpd="sng" algn="ctr">
+                      <a:solidFill>
+                        <a:schemeClr val="tx1"/>
+                      </a:solidFill>
+                      <a:prstDash val="solid"/>
+                      <a:round/>
+                      <a:headEnd type="none" w="med" len="med"/>
+                      <a:tailEnd type="none" w="med" len="med"/>
+                    </a:lnT>
+                    <a:lnB w="12700" cap="flat" cmpd="sng" algn="ctr">
+                      <a:solidFill>
+                        <a:schemeClr val="tx1"/>
+                      </a:solidFill>
+                      <a:prstDash val="solid"/>
+                      <a:round/>
+                      <a:headEnd type="none" w="med" len="med"/>
+                      <a:tailEnd type="none" w="med" len="med"/>
+                    </a:lnB>
+                    <a:noFill/>
+                  </a:tcPr>
+                </a:tc>
+                <a:tc>
+                  <a:txBody>
+                    <a:bodyPr/>
+                    <a:lstStyle/>
+                    <a:p>
+                      <a:pPr algn="ctr" latinLnBrk="1"/>
+                      <a:r>
+                        <a:rPr lang="ko-KR" altLang="en-US" sz="1050" b="0" dirty="0">
+                          <a:solidFill>
+                            <a:schemeClr val="tx1"/>
+                          </a:solidFill>
+                        </a:rPr>
+                        <a:t>현경</a:t>
+                      </a:r>
+                      <a:endParaRPr lang="en-US" altLang="ko-KR" sz="1050" b="0" dirty="0">
                         <a:solidFill>
                           <a:schemeClr val="tx1"/>
                         </a:solidFill>
@@ -13414,48 +14746,75 @@
                     <a:p>
                       <a:pPr algn="ctr" latinLnBrk="1"/>
                       <a:r>
-                        <a:rPr lang="en-US" altLang="ko-KR" sz="1000" b="0" dirty="0">
-                          <a:solidFill>
-                            <a:schemeClr val="tx1"/>
-                          </a:solidFill>
-                        </a:rPr>
-                        <a:t>7</a:t>
-                      </a:r>
-                      <a:r>
-                        <a:rPr kumimoji="0" lang="ko-KR" altLang="en-US" sz="1000" b="0" i="0" u="none" strike="noStrike" kern="1200" cap="none" spc="0" normalizeH="0" baseline="0" noProof="0" dirty="0">
-                          <a:ln>
-                            <a:noFill/>
-                          </a:ln>
-                          <a:solidFill>
-                            <a:schemeClr val="tx1"/>
-                          </a:solidFill>
-                          <a:effectLst/>
-                          <a:uLnTx/>
-                          <a:uFillTx/>
-                          <a:latin typeface="+mn-lt"/>
-                          <a:ea typeface="+mn-ea"/>
-                          <a:cs typeface="+mn-cs"/>
-                        </a:rPr>
-                        <a:t>→</a:t>
-                      </a:r>
-                      <a:r>
-                        <a:rPr kumimoji="0" lang="en-US" altLang="ko-KR" sz="1000" b="0" i="0" u="none" strike="noStrike" kern="1200" cap="none" spc="0" normalizeH="0" baseline="0" noProof="0" dirty="0">
-                          <a:ln>
-                            <a:noFill/>
-                          </a:ln>
-                          <a:solidFill>
-                            <a:schemeClr val="tx1"/>
-                          </a:solidFill>
-                          <a:effectLst/>
-                          <a:uLnTx/>
-                          <a:uFillTx/>
-                          <a:latin typeface="+mn-lt"/>
-                          <a:ea typeface="+mn-ea"/>
-                          <a:cs typeface="+mn-cs"/>
-                        </a:rPr>
-                        <a:t>8</a:t>
-                      </a:r>
-                      <a:endParaRPr lang="en-US" altLang="ko-KR" sz="1000" b="0" dirty="0">
+                        <a:rPr lang="en-US" altLang="ko-KR" sz="1050" b="0" dirty="0">
+                          <a:solidFill>
+                            <a:schemeClr val="tx1"/>
+                          </a:solidFill>
+                        </a:rPr>
+                        <a:t>101</a:t>
+                      </a:r>
+                      <a:endParaRPr lang="ko-KR" altLang="en-US" sz="1050" b="0" dirty="0">
+                        <a:solidFill>
+                          <a:schemeClr val="tx1"/>
+                        </a:solidFill>
+                      </a:endParaRPr>
+                    </a:p>
+                  </a:txBody>
+                  <a:tcPr anchor="ctr">
+                    <a:lnL w="12700" cap="flat" cmpd="sng" algn="ctr">
+                      <a:solidFill>
+                        <a:schemeClr val="tx1"/>
+                      </a:solidFill>
+                      <a:prstDash val="solid"/>
+                      <a:round/>
+                      <a:headEnd type="none" w="med" len="med"/>
+                      <a:tailEnd type="none" w="med" len="med"/>
+                    </a:lnL>
+                    <a:lnR w="12700" cap="flat" cmpd="sng" algn="ctr">
+                      <a:solidFill>
+                        <a:schemeClr val="tx1"/>
+                      </a:solidFill>
+                      <a:prstDash val="solid"/>
+                      <a:round/>
+                      <a:headEnd type="none" w="med" len="med"/>
+                      <a:tailEnd type="none" w="med" len="med"/>
+                    </a:lnR>
+                    <a:lnT w="12700" cap="flat" cmpd="sng" algn="ctr">
+                      <a:solidFill>
+                        <a:schemeClr val="tx1"/>
+                      </a:solidFill>
+                      <a:prstDash val="solid"/>
+                      <a:round/>
+                      <a:headEnd type="none" w="med" len="med"/>
+                      <a:tailEnd type="none" w="med" len="med"/>
+                    </a:lnT>
+                    <a:lnB w="12700" cap="flat" cmpd="sng" algn="ctr">
+                      <a:solidFill>
+                        <a:schemeClr val="tx1"/>
+                      </a:solidFill>
+                      <a:prstDash val="solid"/>
+                      <a:round/>
+                      <a:headEnd type="none" w="med" len="med"/>
+                      <a:tailEnd type="none" w="med" len="med"/>
+                    </a:lnB>
+                    <a:noFill/>
+                  </a:tcPr>
+                </a:tc>
+                <a:tc>
+                  <a:txBody>
+                    <a:bodyPr/>
+                    <a:lstStyle/>
+                    <a:p>
+                      <a:pPr algn="ctr" latinLnBrk="1"/>
+                      <a:r>
+                        <a:rPr lang="ko-KR" altLang="en-US" sz="1050" b="0" dirty="0">
+                          <a:solidFill>
+                            <a:schemeClr val="tx1"/>
+                          </a:solidFill>
+                        </a:rPr>
+                        <a:t>생사경</a:t>
+                      </a:r>
+                      <a:endParaRPr lang="en-US" altLang="ko-KR" sz="1050" b="0" dirty="0">
                         <a:solidFill>
                           <a:schemeClr val="tx1"/>
                         </a:solidFill>
@@ -13875,14 +15234,14 @@
           <p:nvPr>
             <p:extLst>
               <p:ext uri="{D42A27DB-BD31-4B8C-83A1-F6EECF244321}">
-                <p14:modId xmlns:p14="http://schemas.microsoft.com/office/powerpoint/2010/main" val="2409156218"/>
+                <p14:modId xmlns:p14="http://schemas.microsoft.com/office/powerpoint/2010/main" val="1757281713"/>
               </p:ext>
             </p:extLst>
           </p:nvPr>
         </p:nvGraphicFramePr>
         <p:xfrm>
-          <a:off x="1845395" y="1326335"/>
-          <a:ext cx="8552308" cy="2438400"/>
+          <a:off x="1819846" y="1158875"/>
+          <a:ext cx="8552308" cy="2514600"/>
         </p:xfrm>
         <a:graphic>
           <a:graphicData uri="http://schemas.openxmlformats.org/drawingml/2006/table">
@@ -13942,7 +15301,7 @@
                     <a:p>
                       <a:pPr algn="ctr" latinLnBrk="1"/>
                       <a:r>
-                        <a:rPr lang="ko-KR" altLang="en-US" sz="1000" b="0" dirty="0">
+                        <a:rPr lang="ko-KR" altLang="en-US" sz="1050" b="0" dirty="0">
                           <a:solidFill>
                             <a:schemeClr val="tx1"/>
                           </a:solidFill>
@@ -14068,7 +15427,7 @@
                     <a:p>
                       <a:pPr algn="ctr" latinLnBrk="1"/>
                       <a:r>
-                        <a:rPr lang="ko-KR" altLang="en-US" sz="1000" b="0" dirty="0">
+                        <a:rPr lang="ko-KR" altLang="en-US" sz="1050" b="0" dirty="0">
                           <a:solidFill>
                             <a:schemeClr val="tx1"/>
                           </a:solidFill>
@@ -14132,7 +15491,7 @@
                     <a:p>
                       <a:pPr algn="ctr" latinLnBrk="1"/>
                       <a:r>
-                        <a:rPr lang="ko-KR" altLang="en-US" sz="1000" b="0" dirty="0">
+                        <a:rPr lang="ko-KR" altLang="en-US" sz="1050" b="0" dirty="0">
                           <a:solidFill>
                             <a:schemeClr val="tx1"/>
                           </a:solidFill>
@@ -14196,7 +15555,7 @@
                     <a:p>
                       <a:pPr algn="ctr" latinLnBrk="1"/>
                       <a:r>
-                        <a:rPr lang="ko-KR" altLang="en-US" sz="1000" b="0" dirty="0">
+                        <a:rPr lang="ko-KR" altLang="en-US" sz="1050" b="0" dirty="0">
                           <a:solidFill>
                             <a:schemeClr val="tx1"/>
                           </a:solidFill>
@@ -14260,7 +15619,7 @@
                     <a:p>
                       <a:pPr algn="ctr" latinLnBrk="1"/>
                       <a:r>
-                        <a:rPr lang="ko-KR" altLang="en-US" sz="1000" b="0" dirty="0">
+                        <a:rPr lang="ko-KR" altLang="en-US" sz="1050" b="0" dirty="0">
                           <a:solidFill>
                             <a:schemeClr val="tx1"/>
                           </a:solidFill>
@@ -14324,7 +15683,7 @@
                     <a:p>
                       <a:pPr algn="ctr" latinLnBrk="1"/>
                       <a:r>
-                        <a:rPr lang="ko-KR" altLang="en-US" sz="1000" b="0" dirty="0">
+                        <a:rPr lang="ko-KR" altLang="en-US" sz="1050" b="0" dirty="0">
                           <a:solidFill>
                             <a:schemeClr val="tx1"/>
                           </a:solidFill>
@@ -14388,7 +15747,7 @@
                     <a:p>
                       <a:pPr algn="ctr" latinLnBrk="1"/>
                       <a:r>
-                        <a:rPr lang="ko-KR" altLang="en-US" sz="1000" b="0" dirty="0">
+                        <a:rPr lang="ko-KR" altLang="en-US" sz="1050" b="0" dirty="0">
                           <a:solidFill>
                             <a:schemeClr val="tx1"/>
                           </a:solidFill>
@@ -14528,7 +15887,7 @@
                     <a:p>
                       <a:pPr algn="ctr" latinLnBrk="1"/>
                       <a:r>
-                        <a:rPr lang="ko-KR" altLang="en-US" sz="1000" b="0" dirty="0">
+                        <a:rPr lang="ko-KR" altLang="en-US" sz="1050" b="0" dirty="0">
                           <a:solidFill>
                             <a:schemeClr val="tx1"/>
                           </a:solidFill>
@@ -14592,7 +15951,7 @@
                     <a:p>
                       <a:pPr algn="ctr" fontAlgn="ctr"/>
                       <a:r>
-                        <a:rPr lang="en-US" altLang="ko-KR" sz="1100" b="0" i="0" u="none" strike="noStrike" dirty="0">
+                        <a:rPr lang="en-US" altLang="ko-KR" sz="1050" b="0" i="0" u="none" strike="noStrike">
                           <a:solidFill>
                             <a:srgbClr val="000000"/>
                           </a:solidFill>
@@ -14600,7 +15959,7 @@
                           <a:latin typeface="맑은 고딕" panose="020B0503020000020004" pitchFamily="50" charset="-127"/>
                           <a:ea typeface="맑은 고딕" panose="020B0503020000020004" pitchFamily="50" charset="-127"/>
                         </a:rPr>
-                        <a:t>100</a:t>
+                        <a:t>500</a:t>
                       </a:r>
                     </a:p>
                   </a:txBody>
@@ -14659,7 +16018,7 @@
                     <a:p>
                       <a:pPr algn="ctr" fontAlgn="ctr"/>
                       <a:r>
-                        <a:rPr lang="en-US" altLang="ko-KR" sz="1100" b="0" i="0" u="none" strike="noStrike">
+                        <a:rPr lang="en-US" altLang="ko-KR" sz="1050" b="0" i="0" u="none" strike="noStrike">
                           <a:solidFill>
                             <a:srgbClr val="000000"/>
                           </a:solidFill>
@@ -14667,7 +16026,7 @@
                           <a:latin typeface="맑은 고딕" panose="020B0503020000020004" pitchFamily="50" charset="-127"/>
                           <a:ea typeface="맑은 고딕" panose="020B0503020000020004" pitchFamily="50" charset="-127"/>
                         </a:rPr>
-                        <a:t>25</a:t>
+                        <a:t>50</a:t>
                       </a:r>
                     </a:p>
                   </a:txBody>
@@ -14726,7 +16085,7 @@
                     <a:p>
                       <a:pPr algn="ctr" fontAlgn="ctr"/>
                       <a:r>
-                        <a:rPr lang="en-US" altLang="ko-KR" sz="1100" b="0" i="0" u="none" strike="noStrike">
+                        <a:rPr lang="en-US" altLang="ko-KR" sz="1050" b="0" i="0" u="none" strike="noStrike">
                           <a:solidFill>
                             <a:srgbClr val="000000"/>
                           </a:solidFill>
@@ -14793,7 +16152,7 @@
                     <a:p>
                       <a:pPr algn="ctr" fontAlgn="ctr"/>
                       <a:r>
-                        <a:rPr lang="en-US" altLang="ko-KR" sz="1100" b="0" i="0" u="none" strike="noStrike">
+                        <a:rPr lang="en-US" altLang="ko-KR" sz="1050" b="0" i="0" u="none" strike="noStrike">
                           <a:solidFill>
                             <a:srgbClr val="000000"/>
                           </a:solidFill>
@@ -14936,7 +16295,7 @@
                     <a:p>
                       <a:pPr algn="ctr" latinLnBrk="1"/>
                       <a:r>
-                        <a:rPr lang="ko-KR" altLang="en-US" sz="1000" b="0" dirty="0">
+                        <a:rPr lang="ko-KR" altLang="en-US" sz="1050" b="0" dirty="0">
                           <a:solidFill>
                             <a:schemeClr val="tx1"/>
                           </a:solidFill>
@@ -15000,7 +16359,7 @@
                     <a:p>
                       <a:pPr algn="ctr" fontAlgn="ctr"/>
                       <a:r>
-                        <a:rPr lang="en-US" altLang="ko-KR" sz="1100" b="0" i="0" u="none" strike="noStrike" dirty="0">
+                        <a:rPr lang="en-US" altLang="ko-KR" sz="1050" b="0" i="0" u="none" strike="noStrike" dirty="0">
                           <a:solidFill>
                             <a:srgbClr val="000000"/>
                           </a:solidFill>
@@ -15008,7 +16367,7 @@
                           <a:latin typeface="맑은 고딕" panose="020B0503020000020004" pitchFamily="50" charset="-127"/>
                           <a:ea typeface="맑은 고딕" panose="020B0503020000020004" pitchFamily="50" charset="-127"/>
                         </a:rPr>
-                        <a:t>150</a:t>
+                        <a:t>750</a:t>
                       </a:r>
                     </a:p>
                   </a:txBody>
@@ -15067,7 +16426,7 @@
                     <a:p>
                       <a:pPr algn="ctr" fontAlgn="ctr"/>
                       <a:r>
-                        <a:rPr lang="en-US" altLang="ko-KR" sz="1100" b="0" i="0" u="none" strike="noStrike" dirty="0">
+                        <a:rPr lang="en-US" altLang="ko-KR" sz="1050" b="0" i="0" u="none" strike="noStrike" dirty="0">
                           <a:solidFill>
                             <a:srgbClr val="000000"/>
                           </a:solidFill>
@@ -15075,7 +16434,7 @@
                           <a:latin typeface="맑은 고딕" panose="020B0503020000020004" pitchFamily="50" charset="-127"/>
                           <a:ea typeface="맑은 고딕" panose="020B0503020000020004" pitchFamily="50" charset="-127"/>
                         </a:rPr>
-                        <a:t>50</a:t>
+                        <a:t>75</a:t>
                       </a:r>
                     </a:p>
                   </a:txBody>
@@ -15134,7 +16493,7 @@
                     <a:p>
                       <a:pPr algn="ctr" fontAlgn="ctr"/>
                       <a:r>
-                        <a:rPr lang="en-US" altLang="ko-KR" sz="1100" b="0" i="0" u="none" strike="noStrike">
+                        <a:rPr lang="en-US" altLang="ko-KR" sz="1050" b="0" i="0" u="none" strike="noStrike">
                           <a:solidFill>
                             <a:srgbClr val="000000"/>
                           </a:solidFill>
@@ -15201,7 +16560,7 @@
                     <a:p>
                       <a:pPr algn="ctr" fontAlgn="ctr"/>
                       <a:r>
-                        <a:rPr lang="en-US" altLang="ko-KR" sz="1100" b="0" i="0" u="none" strike="noStrike">
+                        <a:rPr lang="en-US" altLang="ko-KR" sz="1050" b="0" i="0" u="none" strike="noStrike">
                           <a:solidFill>
                             <a:srgbClr val="000000"/>
                           </a:solidFill>
@@ -15344,7 +16703,7 @@
                     <a:p>
                       <a:pPr algn="ctr" latinLnBrk="1"/>
                       <a:r>
-                        <a:rPr lang="ko-KR" altLang="en-US" sz="1000" b="0" dirty="0">
+                        <a:rPr lang="ko-KR" altLang="en-US" sz="1050" b="0" dirty="0">
                           <a:solidFill>
                             <a:schemeClr val="tx1"/>
                           </a:solidFill>
@@ -15408,7 +16767,7 @@
                     <a:p>
                       <a:pPr algn="ctr" fontAlgn="ctr"/>
                       <a:r>
-                        <a:rPr lang="en-US" altLang="ko-KR" sz="1100" b="0" i="0" u="none" strike="noStrike" dirty="0">
+                        <a:rPr lang="en-US" altLang="ko-KR" sz="1050" b="0" i="0" u="none" strike="noStrike" dirty="0">
                           <a:solidFill>
                             <a:srgbClr val="000000"/>
                           </a:solidFill>
@@ -15416,7 +16775,7 @@
                           <a:latin typeface="맑은 고딕" panose="020B0503020000020004" pitchFamily="50" charset="-127"/>
                           <a:ea typeface="맑은 고딕" panose="020B0503020000020004" pitchFamily="50" charset="-127"/>
                         </a:rPr>
-                        <a:t>200</a:t>
+                        <a:t>1,000</a:t>
                       </a:r>
                     </a:p>
                   </a:txBody>
@@ -15475,7 +16834,7 @@
                     <a:p>
                       <a:pPr algn="ctr" fontAlgn="ctr"/>
                       <a:r>
-                        <a:rPr lang="en-US" altLang="ko-KR" sz="1100" b="0" i="0" u="none" strike="noStrike">
+                        <a:rPr lang="en-US" altLang="ko-KR" sz="1050" b="0" i="0" u="none" strike="noStrike">
                           <a:solidFill>
                             <a:srgbClr val="000000"/>
                           </a:solidFill>
@@ -15483,7 +16842,7 @@
                           <a:latin typeface="맑은 고딕" panose="020B0503020000020004" pitchFamily="50" charset="-127"/>
                           <a:ea typeface="맑은 고딕" panose="020B0503020000020004" pitchFamily="50" charset="-127"/>
                         </a:rPr>
-                        <a:t>75</a:t>
+                        <a:t>100</a:t>
                       </a:r>
                     </a:p>
                   </a:txBody>
@@ -15542,7 +16901,7 @@
                     <a:p>
                       <a:pPr algn="ctr" fontAlgn="ctr"/>
                       <a:r>
-                        <a:rPr lang="en-US" altLang="ko-KR" sz="1100" b="0" i="0" u="none" strike="noStrike">
+                        <a:rPr lang="en-US" altLang="ko-KR" sz="1050" b="0" i="0" u="none" strike="noStrike">
                           <a:solidFill>
                             <a:srgbClr val="000000"/>
                           </a:solidFill>
@@ -15609,7 +16968,7 @@
                     <a:p>
                       <a:pPr algn="ctr" fontAlgn="ctr"/>
                       <a:r>
-                        <a:rPr lang="en-US" altLang="ko-KR" sz="1100" b="0" i="0" u="none" strike="noStrike">
+                        <a:rPr lang="en-US" altLang="ko-KR" sz="1050" b="0" i="0" u="none" strike="noStrike">
                           <a:solidFill>
                             <a:srgbClr val="000000"/>
                           </a:solidFill>
@@ -15688,7 +17047,7 @@
                             <a:schemeClr val="tx1"/>
                           </a:solidFill>
                         </a:rPr>
-                        <a:t>31~40</a:t>
+                        <a:t>31~50</a:t>
                       </a:r>
                       <a:endParaRPr lang="ko-KR" altLang="en-US" sz="1000" b="0" dirty="0">
                         <a:solidFill>
@@ -15752,7 +17111,7 @@
                     <a:p>
                       <a:pPr algn="ctr" latinLnBrk="1"/>
                       <a:r>
-                        <a:rPr lang="ko-KR" altLang="en-US" sz="1000" b="0" dirty="0">
+                        <a:rPr lang="ko-KR" altLang="en-US" sz="1050" b="0" dirty="0">
                           <a:solidFill>
                             <a:schemeClr val="tx1"/>
                           </a:solidFill>
@@ -15816,7 +17175,7 @@
                     <a:p>
                       <a:pPr algn="ctr" fontAlgn="ctr"/>
                       <a:r>
-                        <a:rPr lang="en-US" altLang="ko-KR" sz="1100" b="0" i="0" u="none" strike="noStrike" dirty="0">
+                        <a:rPr lang="en-US" altLang="ko-KR" sz="1050" b="0" i="0" u="none" strike="noStrike" dirty="0">
                           <a:solidFill>
                             <a:srgbClr val="000000"/>
                           </a:solidFill>
@@ -15824,7 +17183,7 @@
                           <a:latin typeface="맑은 고딕" panose="020B0503020000020004" pitchFamily="50" charset="-127"/>
                           <a:ea typeface="맑은 고딕" panose="020B0503020000020004" pitchFamily="50" charset="-127"/>
                         </a:rPr>
-                        <a:t>250</a:t>
+                        <a:t>1,250</a:t>
                       </a:r>
                     </a:p>
                   </a:txBody>
@@ -15883,7 +17242,7 @@
                     <a:p>
                       <a:pPr algn="ctr" fontAlgn="ctr"/>
                       <a:r>
-                        <a:rPr lang="en-US" altLang="ko-KR" sz="1100" b="0" i="0" u="none" strike="noStrike">
+                        <a:rPr lang="en-US" altLang="ko-KR" sz="1050" b="0" i="0" u="none" strike="noStrike">
                           <a:solidFill>
                             <a:srgbClr val="000000"/>
                           </a:solidFill>
@@ -15891,7 +17250,7 @@
                           <a:latin typeface="맑은 고딕" panose="020B0503020000020004" pitchFamily="50" charset="-127"/>
                           <a:ea typeface="맑은 고딕" panose="020B0503020000020004" pitchFamily="50" charset="-127"/>
                         </a:rPr>
-                        <a:t>100</a:t>
+                        <a:t>125</a:t>
                       </a:r>
                     </a:p>
                   </a:txBody>
@@ -15950,7 +17309,7 @@
                     <a:p>
                       <a:pPr algn="ctr" fontAlgn="ctr"/>
                       <a:r>
-                        <a:rPr lang="en-US" altLang="ko-KR" sz="1100" b="0" i="0" u="none" strike="noStrike">
+                        <a:rPr lang="en-US" altLang="ko-KR" sz="1050" b="0" i="0" u="none" strike="noStrike">
                           <a:solidFill>
                             <a:srgbClr val="000000"/>
                           </a:solidFill>
@@ -16017,7 +17376,7 @@
                     <a:p>
                       <a:pPr algn="ctr" fontAlgn="ctr"/>
                       <a:r>
-                        <a:rPr lang="en-US" altLang="ko-KR" sz="1100" b="0" i="0" u="none" strike="noStrike">
+                        <a:rPr lang="en-US" altLang="ko-KR" sz="1050" b="0" i="0" u="none" strike="noStrike">
                           <a:solidFill>
                             <a:srgbClr val="000000"/>
                           </a:solidFill>
@@ -16096,7 +17455,7 @@
                             <a:schemeClr val="tx1"/>
                           </a:solidFill>
                         </a:rPr>
-                        <a:t>41~60</a:t>
+                        <a:t>51~60</a:t>
                       </a:r>
                       <a:endParaRPr lang="ko-KR" altLang="en-US" sz="1000" b="0" dirty="0">
                         <a:solidFill>
@@ -16160,14 +17519,14 @@
                     <a:p>
                       <a:pPr algn="ctr" latinLnBrk="1"/>
                       <a:r>
-                        <a:rPr lang="ko-KR" altLang="en-US" sz="1000" b="0" dirty="0" err="1">
+                        <a:rPr lang="ko-KR" altLang="en-US" sz="1050" b="0" dirty="0" err="1">
                           <a:solidFill>
                             <a:schemeClr val="tx1"/>
                           </a:solidFill>
                         </a:rPr>
                         <a:t>초절정</a:t>
                       </a:r>
-                      <a:endParaRPr lang="ko-KR" altLang="en-US" sz="1000" b="0" dirty="0">
+                      <a:endParaRPr lang="ko-KR" altLang="en-US" sz="1050" b="0" dirty="0">
                         <a:solidFill>
                           <a:schemeClr val="tx1"/>
                         </a:solidFill>
@@ -16229,7 +17588,7 @@
                     <a:p>
                       <a:pPr algn="ctr" fontAlgn="ctr"/>
                       <a:r>
-                        <a:rPr lang="en-US" altLang="ko-KR" sz="1100" b="0" i="0" u="none" strike="noStrike" dirty="0">
+                        <a:rPr lang="en-US" altLang="ko-KR" sz="1050" b="0" i="0" u="none" strike="noStrike" dirty="0">
                           <a:solidFill>
                             <a:srgbClr val="000000"/>
                           </a:solidFill>
@@ -16237,7 +17596,7 @@
                           <a:latin typeface="맑은 고딕" panose="020B0503020000020004" pitchFamily="50" charset="-127"/>
                           <a:ea typeface="맑은 고딕" panose="020B0503020000020004" pitchFamily="50" charset="-127"/>
                         </a:rPr>
-                        <a:t>500</a:t>
+                        <a:t>1,500</a:t>
                       </a:r>
                     </a:p>
                   </a:txBody>
@@ -16296,7 +17655,7 @@
                     <a:p>
                       <a:pPr algn="ctr" fontAlgn="ctr"/>
                       <a:r>
-                        <a:rPr lang="en-US" altLang="ko-KR" sz="1100" b="0" i="0" u="none" strike="noStrike">
+                        <a:rPr lang="en-US" altLang="ko-KR" sz="1050" b="0" i="0" u="none" strike="noStrike" dirty="0">
                           <a:solidFill>
                             <a:srgbClr val="000000"/>
                           </a:solidFill>
@@ -16304,7 +17663,7 @@
                           <a:latin typeface="맑은 고딕" panose="020B0503020000020004" pitchFamily="50" charset="-127"/>
                           <a:ea typeface="맑은 고딕" panose="020B0503020000020004" pitchFamily="50" charset="-127"/>
                         </a:rPr>
-                        <a:t>125</a:t>
+                        <a:t>150</a:t>
                       </a:r>
                     </a:p>
                   </a:txBody>
@@ -16363,7 +17722,7 @@
                     <a:p>
                       <a:pPr algn="ctr" fontAlgn="ctr"/>
                       <a:r>
-                        <a:rPr lang="en-US" altLang="ko-KR" sz="1100" b="0" i="0" u="none" strike="noStrike">
+                        <a:rPr lang="en-US" altLang="ko-KR" sz="1050" b="0" i="0" u="none" strike="noStrike" dirty="0">
                           <a:solidFill>
                             <a:srgbClr val="000000"/>
                           </a:solidFill>
@@ -16430,7 +17789,7 @@
                     <a:p>
                       <a:pPr algn="ctr" fontAlgn="ctr"/>
                       <a:r>
-                        <a:rPr lang="en-US" altLang="ko-KR" sz="1100" b="0" i="0" u="none" strike="noStrike">
+                        <a:rPr lang="en-US" altLang="ko-KR" sz="1050" b="0" i="0" u="none" strike="noStrike">
                           <a:solidFill>
                             <a:srgbClr val="000000"/>
                           </a:solidFill>
@@ -16573,7 +17932,7 @@
                     <a:p>
                       <a:pPr algn="ctr" latinLnBrk="1"/>
                       <a:r>
-                        <a:rPr lang="ko-KR" altLang="en-US" sz="1000" b="0" dirty="0">
+                        <a:rPr lang="ko-KR" altLang="en-US" sz="1050" b="0" dirty="0">
                           <a:solidFill>
                             <a:schemeClr val="tx1"/>
                           </a:solidFill>
@@ -16637,7 +17996,7 @@
                     <a:p>
                       <a:pPr algn="ctr" fontAlgn="ctr"/>
                       <a:r>
-                        <a:rPr lang="en-US" altLang="ko-KR" sz="1100" b="0" i="0" u="none" strike="noStrike" dirty="0">
+                        <a:rPr lang="en-US" altLang="ko-KR" sz="1050" b="0" i="0" u="none" strike="noStrike" dirty="0">
                           <a:solidFill>
                             <a:srgbClr val="000000"/>
                           </a:solidFill>
@@ -16645,7 +18004,7 @@
                           <a:latin typeface="맑은 고딕" panose="020B0503020000020004" pitchFamily="50" charset="-127"/>
                           <a:ea typeface="맑은 고딕" panose="020B0503020000020004" pitchFamily="50" charset="-127"/>
                         </a:rPr>
-                        <a:t>750</a:t>
+                        <a:t>1,750</a:t>
                       </a:r>
                     </a:p>
                   </a:txBody>
@@ -16704,7 +18063,7 @@
                     <a:p>
                       <a:pPr algn="ctr" fontAlgn="ctr"/>
                       <a:r>
-                        <a:rPr lang="en-US" altLang="ko-KR" sz="1100" b="0" i="0" u="none" strike="noStrike">
+                        <a:rPr lang="en-US" altLang="ko-KR" sz="1050" b="0" i="0" u="none" strike="noStrike">
                           <a:solidFill>
                             <a:srgbClr val="000000"/>
                           </a:solidFill>
@@ -16712,7 +18071,7 @@
                           <a:latin typeface="맑은 고딕" panose="020B0503020000020004" pitchFamily="50" charset="-127"/>
                           <a:ea typeface="맑은 고딕" panose="020B0503020000020004" pitchFamily="50" charset="-127"/>
                         </a:rPr>
-                        <a:t>150</a:t>
+                        <a:t>175</a:t>
                       </a:r>
                     </a:p>
                   </a:txBody>
@@ -16771,7 +18130,7 @@
                     <a:p>
                       <a:pPr algn="ctr" fontAlgn="ctr"/>
                       <a:r>
-                        <a:rPr lang="en-US" altLang="ko-KR" sz="1100" b="0" i="0" u="none" strike="noStrike">
+                        <a:rPr lang="en-US" altLang="ko-KR" sz="1050" b="0" i="0" u="none" strike="noStrike">
                           <a:solidFill>
                             <a:srgbClr val="000000"/>
                           </a:solidFill>
@@ -16838,7 +18197,7 @@
                     <a:p>
                       <a:pPr algn="ctr" fontAlgn="ctr"/>
                       <a:r>
-                        <a:rPr lang="en-US" altLang="ko-KR" sz="1100" b="0" i="0" u="none" strike="noStrike">
+                        <a:rPr lang="en-US" altLang="ko-KR" sz="1050" b="0" i="0" u="none" strike="noStrike">
                           <a:solidFill>
                             <a:srgbClr val="000000"/>
                           </a:solidFill>
@@ -16981,14 +18340,14 @@
                     <a:p>
                       <a:pPr algn="ctr" latinLnBrk="1"/>
                       <a:r>
-                        <a:rPr lang="ko-KR" altLang="en-US" sz="1000" b="0" dirty="0">
+                        <a:rPr lang="ko-KR" altLang="en-US" sz="1050" b="0" dirty="0">
                           <a:solidFill>
                             <a:schemeClr val="tx1"/>
                           </a:solidFill>
                         </a:rPr>
                         <a:t>현경</a:t>
                       </a:r>
-                      <a:endParaRPr lang="en-US" altLang="ko-KR" sz="1000" b="0" dirty="0">
+                      <a:endParaRPr lang="en-US" altLang="ko-KR" sz="1050" b="0" dirty="0">
                         <a:solidFill>
                           <a:schemeClr val="tx1"/>
                         </a:solidFill>
@@ -17050,7 +18409,7 @@
                     <a:p>
                       <a:pPr algn="ctr" fontAlgn="ctr"/>
                       <a:r>
-                        <a:rPr lang="en-US" altLang="ko-KR" sz="1100" b="0" i="0" u="none" strike="noStrike" dirty="0">
+                        <a:rPr lang="en-US" altLang="ko-KR" sz="1050" b="0" i="0" u="none" strike="noStrike" dirty="0">
                           <a:solidFill>
                             <a:srgbClr val="000000"/>
                           </a:solidFill>
@@ -17058,7 +18417,7 @@
                           <a:latin typeface="맑은 고딕" panose="020B0503020000020004" pitchFamily="50" charset="-127"/>
                           <a:ea typeface="맑은 고딕" panose="020B0503020000020004" pitchFamily="50" charset="-127"/>
                         </a:rPr>
-                        <a:t>1,000</a:t>
+                        <a:t>2,000</a:t>
                       </a:r>
                     </a:p>
                   </a:txBody>
@@ -17117,7 +18476,7 @@
                     <a:p>
                       <a:pPr algn="ctr" fontAlgn="ctr"/>
                       <a:r>
-                        <a:rPr lang="en-US" altLang="ko-KR" sz="1100" b="0" i="0" u="none" strike="noStrike">
+                        <a:rPr lang="en-US" altLang="ko-KR" sz="1050" b="0" i="0" u="none" strike="noStrike">
                           <a:solidFill>
                             <a:srgbClr val="000000"/>
                           </a:solidFill>
@@ -17125,7 +18484,7 @@
                           <a:latin typeface="맑은 고딕" panose="020B0503020000020004" pitchFamily="50" charset="-127"/>
                           <a:ea typeface="맑은 고딕" panose="020B0503020000020004" pitchFamily="50" charset="-127"/>
                         </a:rPr>
-                        <a:t>175</a:t>
+                        <a:t>200</a:t>
                       </a:r>
                     </a:p>
                   </a:txBody>
@@ -17184,7 +18543,7 @@
                     <a:p>
                       <a:pPr algn="ctr" fontAlgn="ctr"/>
                       <a:r>
-                        <a:rPr lang="en-US" altLang="ko-KR" sz="1100" b="0" i="0" u="none" strike="noStrike">
+                        <a:rPr lang="en-US" altLang="ko-KR" sz="1050" b="0" i="0" u="none" strike="noStrike">
                           <a:solidFill>
                             <a:srgbClr val="000000"/>
                           </a:solidFill>
@@ -17251,7 +18610,7 @@
                     <a:p>
                       <a:pPr algn="ctr" fontAlgn="ctr"/>
                       <a:r>
-                        <a:rPr lang="en-US" altLang="ko-KR" sz="1100" b="0" i="0" u="none" strike="noStrike">
+                        <a:rPr lang="en-US" altLang="ko-KR" sz="1050" b="0" i="0" u="none" strike="noStrike">
                           <a:solidFill>
                             <a:srgbClr val="000000"/>
                           </a:solidFill>
@@ -17394,14 +18753,14 @@
                     <a:p>
                       <a:pPr algn="ctr" latinLnBrk="1"/>
                       <a:r>
-                        <a:rPr lang="ko-KR" altLang="en-US" sz="1000" b="0" dirty="0">
+                        <a:rPr lang="ko-KR" altLang="en-US" sz="1050" b="0" dirty="0">
                           <a:solidFill>
                             <a:schemeClr val="tx1"/>
                           </a:solidFill>
                         </a:rPr>
                         <a:t>생사경</a:t>
                       </a:r>
-                      <a:endParaRPr lang="en-US" altLang="ko-KR" sz="1000" b="0" dirty="0">
+                      <a:endParaRPr lang="en-US" altLang="ko-KR" sz="1050" b="0" dirty="0">
                         <a:solidFill>
                           <a:schemeClr val="tx1"/>
                         </a:solidFill>
@@ -17463,7 +18822,7 @@
                     <a:p>
                       <a:pPr algn="ctr" fontAlgn="ctr"/>
                       <a:r>
-                        <a:rPr lang="en-US" altLang="ko-KR" sz="1100" b="0" i="0" u="none" strike="noStrike" dirty="0">
+                        <a:rPr lang="en-US" altLang="ko-KR" sz="1050" b="0" i="0" u="none" strike="noStrike" dirty="0">
                           <a:solidFill>
                             <a:srgbClr val="000000"/>
                           </a:solidFill>
@@ -17471,7 +18830,7 @@
                           <a:latin typeface="맑은 고딕" panose="020B0503020000020004" pitchFamily="50" charset="-127"/>
                           <a:ea typeface="맑은 고딕" panose="020B0503020000020004" pitchFamily="50" charset="-127"/>
                         </a:rPr>
-                        <a:t>1,500</a:t>
+                        <a:t>2,500</a:t>
                       </a:r>
                     </a:p>
                   </a:txBody>
@@ -17530,7 +18889,7 @@
                     <a:p>
                       <a:pPr algn="ctr" fontAlgn="ctr"/>
                       <a:r>
-                        <a:rPr lang="en-US" altLang="ko-KR" sz="1100" b="0" i="0" u="none" strike="noStrike">
+                        <a:rPr lang="en-US" altLang="ko-KR" sz="1050" b="0" i="0" u="none" strike="noStrike">
                           <a:solidFill>
                             <a:srgbClr val="000000"/>
                           </a:solidFill>
@@ -17538,7 +18897,7 @@
                           <a:latin typeface="맑은 고딕" panose="020B0503020000020004" pitchFamily="50" charset="-127"/>
                           <a:ea typeface="맑은 고딕" panose="020B0503020000020004" pitchFamily="50" charset="-127"/>
                         </a:rPr>
-                        <a:t>200</a:t>
+                        <a:t>250</a:t>
                       </a:r>
                     </a:p>
                   </a:txBody>
@@ -17597,7 +18956,7 @@
                     <a:p>
                       <a:pPr algn="ctr" fontAlgn="ctr"/>
                       <a:r>
-                        <a:rPr lang="en-US" altLang="ko-KR" sz="1100" b="0" i="0" u="none" strike="noStrike">
+                        <a:rPr lang="en-US" altLang="ko-KR" sz="1050" b="0" i="0" u="none" strike="noStrike">
                           <a:solidFill>
                             <a:srgbClr val="000000"/>
                           </a:solidFill>
@@ -17664,7 +19023,7 @@
                     <a:p>
                       <a:pPr algn="ctr" fontAlgn="ctr"/>
                       <a:r>
-                        <a:rPr lang="en-US" altLang="ko-KR" sz="1100" b="0" i="0" u="none" strike="noStrike" dirty="0">
+                        <a:rPr lang="en-US" altLang="ko-KR" sz="1050" b="0" i="0" u="none" strike="noStrike" dirty="0">
                           <a:solidFill>
                             <a:srgbClr val="000000"/>
                           </a:solidFill>
@@ -17749,14 +19108,14 @@
           <p:nvPr>
             <p:extLst>
               <p:ext uri="{D42A27DB-BD31-4B8C-83A1-F6EECF244321}">
-                <p14:modId xmlns:p14="http://schemas.microsoft.com/office/powerpoint/2010/main" val="1023159646"/>
+                <p14:modId xmlns:p14="http://schemas.microsoft.com/office/powerpoint/2010/main" val="4145571042"/>
               </p:ext>
             </p:extLst>
           </p:nvPr>
         </p:nvGraphicFramePr>
         <p:xfrm>
-          <a:off x="1845395" y="3903848"/>
-          <a:ext cx="8552310" cy="2682240"/>
+          <a:off x="1819847" y="4307888"/>
+          <a:ext cx="8552307" cy="2106427"/>
         </p:xfrm>
         <a:graphic>
           <a:graphicData uri="http://schemas.openxmlformats.org/drawingml/2006/table">
@@ -17765,91 +19124,57 @@
                 <a:tableStyleId>{5C22544A-7EE6-4342-B048-85BDC9FD1C3A}</a:tableStyleId>
               </a:tblPr>
               <a:tblGrid>
-                <a:gridCol w="1223579">
-                  <a:extLst>
-                    <a:ext uri="{9D8B030D-6E8A-4147-A177-3AD203B41FA5}">
-                      <a16:colId xmlns:a16="http://schemas.microsoft.com/office/drawing/2014/main" val="3823256100"/>
-                    </a:ext>
-                  </a:extLst>
-                </a:gridCol>
-                <a:gridCol w="1223579">
+                <a:gridCol w="1427863">
                   <a:extLst>
                     <a:ext uri="{9D8B030D-6E8A-4147-A177-3AD203B41FA5}">
                       <a16:colId xmlns:a16="http://schemas.microsoft.com/office/drawing/2014/main" val="2450210185"/>
                     </a:ext>
                   </a:extLst>
                 </a:gridCol>
-                <a:gridCol w="763144">
+                <a:gridCol w="1781111">
                   <a:extLst>
                     <a:ext uri="{9D8B030D-6E8A-4147-A177-3AD203B41FA5}">
                       <a16:colId xmlns:a16="http://schemas.microsoft.com/office/drawing/2014/main" val="3213500976"/>
                     </a:ext>
                   </a:extLst>
                 </a:gridCol>
-                <a:gridCol w="763144">
-                  <a:extLst>
-                    <a:ext uri="{9D8B030D-6E8A-4147-A177-3AD203B41FA5}">
-                      <a16:colId xmlns:a16="http://schemas.microsoft.com/office/drawing/2014/main" val="401659105"/>
-                    </a:ext>
-                  </a:extLst>
-                </a:gridCol>
-                <a:gridCol w="763144">
+                <a:gridCol w="1781111">
                   <a:extLst>
                     <a:ext uri="{9D8B030D-6E8A-4147-A177-3AD203B41FA5}">
                       <a16:colId xmlns:a16="http://schemas.microsoft.com/office/drawing/2014/main" val="2770815026"/>
                     </a:ext>
                   </a:extLst>
                 </a:gridCol>
-                <a:gridCol w="763144">
-                  <a:extLst>
-                    <a:ext uri="{9D8B030D-6E8A-4147-A177-3AD203B41FA5}">
-                      <a16:colId xmlns:a16="http://schemas.microsoft.com/office/drawing/2014/main" val="140337183"/>
-                    </a:ext>
-                  </a:extLst>
-                </a:gridCol>
-                <a:gridCol w="763144">
+                <a:gridCol w="1781111">
                   <a:extLst>
                     <a:ext uri="{9D8B030D-6E8A-4147-A177-3AD203B41FA5}">
                       <a16:colId xmlns:a16="http://schemas.microsoft.com/office/drawing/2014/main" val="134970193"/>
                     </a:ext>
                   </a:extLst>
                 </a:gridCol>
-                <a:gridCol w="763144">
-                  <a:extLst>
-                    <a:ext uri="{9D8B030D-6E8A-4147-A177-3AD203B41FA5}">
-                      <a16:colId xmlns:a16="http://schemas.microsoft.com/office/drawing/2014/main" val="1712758398"/>
-                    </a:ext>
-                  </a:extLst>
-                </a:gridCol>
-                <a:gridCol w="763144">
+                <a:gridCol w="1781111">
                   <a:extLst>
                     <a:ext uri="{9D8B030D-6E8A-4147-A177-3AD203B41FA5}">
                       <a16:colId xmlns:a16="http://schemas.microsoft.com/office/drawing/2014/main" val="3355405314"/>
                     </a:ext>
                   </a:extLst>
                 </a:gridCol>
-                <a:gridCol w="763144">
-                  <a:extLst>
-                    <a:ext uri="{9D8B030D-6E8A-4147-A177-3AD203B41FA5}">
-                      <a16:colId xmlns:a16="http://schemas.microsoft.com/office/drawing/2014/main" val="2070680169"/>
-                    </a:ext>
-                  </a:extLst>
-                </a:gridCol>
               </a:tblGrid>
-              <a:tr h="147983">
-                <a:tc gridSpan="10">
+              <a:tr h="313471">
+                <a:tc gridSpan="5">
                   <a:txBody>
                     <a:bodyPr/>
                     <a:lstStyle/>
                     <a:p>
                       <a:pPr algn="ctr" latinLnBrk="1"/>
                       <a:r>
-                        <a:rPr lang="ko-KR" altLang="en-US" sz="1000" b="0" dirty="0">
-                          <a:solidFill>
-                            <a:schemeClr val="tx1"/>
-                          </a:solidFill>
-                        </a:rPr>
-                        <a:t>레벨 달성 상승 능력치</a:t>
+                        <a:rPr lang="ko-KR" altLang="en-US" sz="1050" b="0" dirty="0">
+                          <a:solidFill>
+                            <a:schemeClr val="tx1"/>
+                          </a:solidFill>
+                          <a:latin typeface="+mn-lt"/>
+                        </a:rPr>
+                        <a:t>경지 상승 추가 능력치</a:t>
                       </a:r>
                     </a:p>
                   </a:txBody>
@@ -17898,15 +19223,19 @@
                     <a:bodyPr/>
                     <a:lstStyle/>
                     <a:p>
-                      <a:pPr algn="ctr" latinLnBrk="1"/>
-                      <a:r>
-                        <a:rPr lang="ko-KR" altLang="en-US" sz="1000" b="0" dirty="0">
-                          <a:solidFill>
-                            <a:schemeClr val="tx1"/>
-                          </a:solidFill>
-                        </a:rPr>
-                        <a:t>레벨 업 상승 능력치</a:t>
-                      </a:r>
+                      <a:pPr latinLnBrk="1"/>
+                      <a:endParaRPr lang="ko-KR" altLang="en-US" dirty="0"/>
+                    </a:p>
+                  </a:txBody>
+                  <a:tcPr/>
+                </a:tc>
+                <a:tc hMerge="1">
+                  <a:txBody>
+                    <a:bodyPr/>
+                    <a:lstStyle/>
+                    <a:p>
+                      <a:pPr latinLnBrk="1"/>
+                      <a:endParaRPr lang="ko-KR" altLang="en-US" dirty="0"/>
                     </a:p>
                   </a:txBody>
                   <a:tcPr>
@@ -17919,34 +19248,6 @@
                       <a:headEnd type="none" w="med" len="med"/>
                       <a:tailEnd type="none" w="med" len="med"/>
                     </a:lnL>
-                    <a:lnR w="12700" cap="flat" cmpd="sng" algn="ctr">
-                      <a:solidFill>
-                        <a:schemeClr val="tx1"/>
-                      </a:solidFill>
-                      <a:prstDash val="solid"/>
-                      <a:round/>
-                      <a:headEnd type="none" w="med" len="med"/>
-                      <a:tailEnd type="none" w="med" len="med"/>
-                    </a:lnR>
-                    <a:lnT w="12700" cap="flat" cmpd="sng" algn="ctr">
-                      <a:solidFill>
-                        <a:schemeClr val="tx1"/>
-                      </a:solidFill>
-                      <a:prstDash val="solid"/>
-                      <a:round/>
-                      <a:headEnd type="none" w="med" len="med"/>
-                      <a:tailEnd type="none" w="med" len="med"/>
-                    </a:lnT>
-                    <a:lnB w="12700" cap="flat" cmpd="sng" algn="ctr">
-                      <a:solidFill>
-                        <a:schemeClr val="tx1"/>
-                      </a:solidFill>
-                      <a:prstDash val="solid"/>
-                      <a:round/>
-                      <a:headEnd type="none" w="med" len="med"/>
-                      <a:tailEnd type="none" w="med" len="med"/>
-                    </a:lnB>
-                    <a:noFill/>
                   </a:tcPr>
                 </a:tc>
                 <a:tc hMerge="1">
@@ -17958,18 +19259,17 @@
                       <a:endParaRPr lang="ko-KR" altLang="en-US" dirty="0"/>
                     </a:p>
                   </a:txBody>
-                  <a:tcPr/>
-                </a:tc>
-                <a:tc hMerge="1">
-                  <a:txBody>
-                    <a:bodyPr/>
-                    <a:lstStyle/>
-                    <a:p>
-                      <a:pPr latinLnBrk="1"/>
-                      <a:endParaRPr lang="ko-KR" altLang="en-US"/>
-                    </a:p>
-                  </a:txBody>
-                  <a:tcPr/>
+                  <a:tcPr>
+                    <a:lnL w="12700" cap="flat" cmpd="sng" algn="ctr">
+                      <a:solidFill>
+                        <a:schemeClr val="tx1"/>
+                      </a:solidFill>
+                      <a:prstDash val="solid"/>
+                      <a:round/>
+                      <a:headEnd type="none" w="med" len="med"/>
+                      <a:tailEnd type="none" w="med" len="med"/>
+                    </a:lnL>
+                  </a:tcPr>
                 </a:tc>
                 <a:tc hMerge="1">
                   <a:txBody>
@@ -17980,62 +19280,17 @@
                       <a:endParaRPr lang="ko-KR" altLang="en-US" dirty="0"/>
                     </a:p>
                   </a:txBody>
-                  <a:tcPr/>
-                </a:tc>
-                <a:tc hMerge="1">
-                  <a:txBody>
-                    <a:bodyPr/>
-                    <a:lstStyle/>
-                    <a:p>
-                      <a:pPr latinLnBrk="1"/>
-                      <a:endParaRPr lang="ko-KR" altLang="en-US"/>
-                    </a:p>
-                  </a:txBody>
-                  <a:tcPr/>
-                </a:tc>
-                <a:tc hMerge="1">
-                  <a:txBody>
-                    <a:bodyPr/>
-                    <a:lstStyle/>
-                    <a:p>
-                      <a:pPr latinLnBrk="1"/>
-                      <a:endParaRPr lang="ko-KR" altLang="en-US" dirty="0"/>
-                    </a:p>
-                  </a:txBody>
-                  <a:tcPr/>
-                </a:tc>
-                <a:tc hMerge="1">
-                  <a:txBody>
-                    <a:bodyPr/>
-                    <a:lstStyle/>
-                    <a:p>
-                      <a:pPr latinLnBrk="1"/>
-                      <a:endParaRPr lang="ko-KR" altLang="en-US"/>
-                    </a:p>
-                  </a:txBody>
-                  <a:tcPr/>
-                </a:tc>
-                <a:tc hMerge="1">
-                  <a:txBody>
-                    <a:bodyPr/>
-                    <a:lstStyle/>
-                    <a:p>
-                      <a:pPr latinLnBrk="1"/>
-                      <a:endParaRPr lang="ko-KR" altLang="en-US" dirty="0"/>
-                    </a:p>
-                  </a:txBody>
-                  <a:tcPr/>
-                </a:tc>
-                <a:tc hMerge="1">
-                  <a:txBody>
-                    <a:bodyPr/>
-                    <a:lstStyle/>
-                    <a:p>
-                      <a:pPr latinLnBrk="1"/>
-                      <a:endParaRPr lang="ko-KR" altLang="en-US"/>
-                    </a:p>
-                  </a:txBody>
-                  <a:tcPr/>
+                  <a:tcPr>
+                    <a:lnL w="12700" cap="flat" cmpd="sng" algn="ctr">
+                      <a:solidFill>
+                        <a:schemeClr val="tx1"/>
+                      </a:solidFill>
+                      <a:prstDash val="solid"/>
+                      <a:round/>
+                      <a:headEnd type="none" w="med" len="med"/>
+                      <a:tailEnd type="none" w="med" len="med"/>
+                    </a:lnL>
+                  </a:tcPr>
                 </a:tc>
                 <a:extLst>
                   <a:ext uri="{0D108BD9-81ED-4DB2-BD59-A6C34878D82A}">
@@ -18043,20 +19298,21 @@
                   </a:ext>
                 </a:extLst>
               </a:tr>
-              <a:tr h="147983">
-                <a:tc rowSpan="2">
+              <a:tr h="313471">
+                <a:tc>
                   <a:txBody>
                     <a:bodyPr/>
                     <a:lstStyle/>
                     <a:p>
                       <a:pPr algn="ctr" latinLnBrk="1"/>
                       <a:r>
-                        <a:rPr lang="ko-KR" altLang="en-US" sz="1000" b="0" dirty="0">
-                          <a:solidFill>
-                            <a:schemeClr val="tx1"/>
-                          </a:solidFill>
-                        </a:rPr>
-                        <a:t>레벨</a:t>
+                        <a:rPr lang="ko-KR" altLang="en-US" sz="1050" b="0" dirty="0">
+                          <a:solidFill>
+                            <a:schemeClr val="tx1"/>
+                          </a:solidFill>
+                          <a:latin typeface="+mn-lt"/>
+                        </a:rPr>
+                        <a:t>경지</a:t>
                       </a:r>
                     </a:p>
                   </a:txBody>
@@ -18100,19 +19356,20 @@
                     <a:noFill/>
                   </a:tcPr>
                 </a:tc>
-                <a:tc rowSpan="2">
+                <a:tc>
                   <a:txBody>
                     <a:bodyPr/>
                     <a:lstStyle/>
                     <a:p>
                       <a:pPr algn="ctr" latinLnBrk="1"/>
                       <a:r>
-                        <a:rPr lang="ko-KR" altLang="en-US" sz="1000" b="0" dirty="0">
-                          <a:solidFill>
-                            <a:schemeClr val="tx1"/>
-                          </a:solidFill>
-                        </a:rPr>
-                        <a:t>경지</a:t>
+                        <a:rPr lang="ko-KR" altLang="en-US" sz="1050" b="0" dirty="0">
+                          <a:solidFill>
+                            <a:schemeClr val="tx1"/>
+                          </a:solidFill>
+                          <a:latin typeface="+mn-lt"/>
+                        </a:rPr>
+                        <a:t>체력</a:t>
                       </a:r>
                     </a:p>
                   </a:txBody>
@@ -18156,19 +19413,20 @@
                     <a:noFill/>
                   </a:tcPr>
                 </a:tc>
-                <a:tc gridSpan="2">
+                <a:tc>
                   <a:txBody>
                     <a:bodyPr/>
                     <a:lstStyle/>
                     <a:p>
                       <a:pPr algn="ctr" latinLnBrk="1"/>
                       <a:r>
-                        <a:rPr lang="ko-KR" altLang="en-US" sz="1000" b="0" dirty="0">
-                          <a:solidFill>
-                            <a:schemeClr val="tx1"/>
-                          </a:solidFill>
-                        </a:rPr>
-                        <a:t>체력</a:t>
+                        <a:rPr lang="ko-KR" altLang="en-US" sz="1050" b="0" dirty="0">
+                          <a:solidFill>
+                            <a:schemeClr val="tx1"/>
+                          </a:solidFill>
+                          <a:latin typeface="+mn-lt"/>
+                        </a:rPr>
+                        <a:t>지구력</a:t>
                       </a:r>
                     </a:p>
                   </a:txBody>
@@ -18212,30 +19470,20 @@
                     <a:noFill/>
                   </a:tcPr>
                 </a:tc>
-                <a:tc hMerge="1">
-                  <a:txBody>
-                    <a:bodyPr/>
-                    <a:lstStyle/>
-                    <a:p>
-                      <a:pPr latinLnBrk="1"/>
-                      <a:endParaRPr lang="ko-KR" altLang="en-US"/>
-                    </a:p>
-                  </a:txBody>
-                  <a:tcPr/>
-                </a:tc>
-                <a:tc gridSpan="2">
+                <a:tc>
                   <a:txBody>
                     <a:bodyPr/>
                     <a:lstStyle/>
                     <a:p>
                       <a:pPr algn="ctr" latinLnBrk="1"/>
                       <a:r>
-                        <a:rPr lang="ko-KR" altLang="en-US" sz="1000" b="0" dirty="0">
-                          <a:solidFill>
-                            <a:schemeClr val="tx1"/>
-                          </a:solidFill>
-                        </a:rPr>
-                        <a:t>지구력</a:t>
+                        <a:rPr lang="ko-KR" altLang="en-US" sz="1050" b="0" dirty="0">
+                          <a:solidFill>
+                            <a:schemeClr val="tx1"/>
+                          </a:solidFill>
+                          <a:latin typeface="+mn-lt"/>
+                        </a:rPr>
+                        <a:t>내공</a:t>
                       </a:r>
                     </a:p>
                   </a:txBody>
@@ -18279,30 +19527,20 @@
                     <a:noFill/>
                   </a:tcPr>
                 </a:tc>
-                <a:tc hMerge="1">
-                  <a:txBody>
-                    <a:bodyPr/>
-                    <a:lstStyle/>
-                    <a:p>
-                      <a:pPr latinLnBrk="1"/>
-                      <a:endParaRPr lang="ko-KR" altLang="en-US"/>
-                    </a:p>
-                  </a:txBody>
-                  <a:tcPr/>
-                </a:tc>
-                <a:tc gridSpan="2">
+                <a:tc>
                   <a:txBody>
                     <a:bodyPr/>
                     <a:lstStyle/>
                     <a:p>
                       <a:pPr algn="ctr" latinLnBrk="1"/>
                       <a:r>
-                        <a:rPr lang="ko-KR" altLang="en-US" sz="1000" b="0" dirty="0">
-                          <a:solidFill>
-                            <a:schemeClr val="tx1"/>
-                          </a:solidFill>
-                        </a:rPr>
-                        <a:t>내공</a:t>
+                        <a:rPr lang="ko-KR" altLang="en-US" sz="1050" b="0" dirty="0">
+                          <a:solidFill>
+                            <a:schemeClr val="tx1"/>
+                          </a:solidFill>
+                          <a:latin typeface="+mn-lt"/>
+                        </a:rPr>
+                        <a:t>외공</a:t>
                       </a:r>
                     </a:p>
                   </a:txBody>
@@ -18345,84 +19583,6 @@
                     </a:lnB>
                     <a:noFill/>
                   </a:tcPr>
-                </a:tc>
-                <a:tc hMerge="1">
-                  <a:txBody>
-                    <a:bodyPr/>
-                    <a:lstStyle/>
-                    <a:p>
-                      <a:pPr latinLnBrk="1"/>
-                      <a:endParaRPr lang="ko-KR" altLang="en-US"/>
-                    </a:p>
-                  </a:txBody>
-                  <a:tcPr/>
-                </a:tc>
-                <a:tc gridSpan="2">
-                  <a:txBody>
-                    <a:bodyPr/>
-                    <a:lstStyle/>
-                    <a:p>
-                      <a:pPr algn="ctr" latinLnBrk="1"/>
-                      <a:r>
-                        <a:rPr lang="ko-KR" altLang="en-US" sz="1000" b="0" dirty="0">
-                          <a:solidFill>
-                            <a:schemeClr val="tx1"/>
-                          </a:solidFill>
-                        </a:rPr>
-                        <a:t>외공</a:t>
-                      </a:r>
-                    </a:p>
-                  </a:txBody>
-                  <a:tcPr anchor="ctr">
-                    <a:lnL w="12700" cap="flat" cmpd="sng" algn="ctr">
-                      <a:solidFill>
-                        <a:schemeClr val="tx1"/>
-                      </a:solidFill>
-                      <a:prstDash val="solid"/>
-                      <a:round/>
-                      <a:headEnd type="none" w="med" len="med"/>
-                      <a:tailEnd type="none" w="med" len="med"/>
-                    </a:lnL>
-                    <a:lnR w="12700" cap="flat" cmpd="sng" algn="ctr">
-                      <a:solidFill>
-                        <a:schemeClr val="tx1"/>
-                      </a:solidFill>
-                      <a:prstDash val="solid"/>
-                      <a:round/>
-                      <a:headEnd type="none" w="med" len="med"/>
-                      <a:tailEnd type="none" w="med" len="med"/>
-                    </a:lnR>
-                    <a:lnT w="12700" cap="flat" cmpd="sng" algn="ctr">
-                      <a:solidFill>
-                        <a:schemeClr val="tx1"/>
-                      </a:solidFill>
-                      <a:prstDash val="solid"/>
-                      <a:round/>
-                      <a:headEnd type="none" w="med" len="med"/>
-                      <a:tailEnd type="none" w="med" len="med"/>
-                    </a:lnT>
-                    <a:lnB w="12700" cap="flat" cmpd="sng" algn="ctr">
-                      <a:solidFill>
-                        <a:schemeClr val="tx1"/>
-                      </a:solidFill>
-                      <a:prstDash val="solid"/>
-                      <a:round/>
-                      <a:headEnd type="none" w="med" len="med"/>
-                      <a:tailEnd type="none" w="med" len="med"/>
-                    </a:lnB>
-                    <a:noFill/>
-                  </a:tcPr>
-                </a:tc>
-                <a:tc hMerge="1">
-                  <a:txBody>
-                    <a:bodyPr/>
-                    <a:lstStyle/>
-                    <a:p>
-                      <a:pPr latinLnBrk="1"/>
-                      <a:endParaRPr lang="ko-KR" altLang="en-US"/>
-                    </a:p>
-                  </a:txBody>
-                  <a:tcPr/>
                 </a:tc>
                 <a:extLst>
                   <a:ext uri="{0D108BD9-81ED-4DB2-BD59-A6C34878D82A}">
@@ -18430,32 +19590,27 @@
                   </a:ext>
                 </a:extLst>
               </a:tr>
-              <a:tr h="147983">
-                <a:tc vMerge="1">
-                  <a:txBody>
-                    <a:bodyPr/>
-                    <a:lstStyle/>
-                    <a:p>
-                      <a:pPr latinLnBrk="1"/>
-                      <a:endParaRPr lang="ko-KR" altLang="en-US"/>
-                    </a:p>
-                  </a:txBody>
-                  <a:tcPr/>
-                </a:tc>
-                <a:tc vMerge="1">
-                  <a:txBody>
-                    <a:bodyPr/>
-                    <a:lstStyle/>
-                    <a:p>
-                      <a:pPr algn="ctr" latinLnBrk="1"/>
-                      <a:endParaRPr lang="ko-KR" altLang="en-US" sz="1000" b="0" dirty="0">
-                        <a:solidFill>
-                          <a:schemeClr val="tx1"/>
-                        </a:solidFill>
-                      </a:endParaRPr>
-                    </a:p>
-                  </a:txBody>
-                  <a:tcPr anchor="ctr">
+              <a:tr h="211355">
+                <a:tc>
+                  <a:txBody>
+                    <a:bodyPr/>
+                    <a:lstStyle/>
+                    <a:p>
+                      <a:pPr algn="ctr" fontAlgn="ctr"/>
+                      <a:r>
+                        <a:rPr lang="en-US" altLang="ko-KR" sz="1050" b="0" i="0" u="none" strike="noStrike" dirty="0">
+                          <a:solidFill>
+                            <a:srgbClr val="000000"/>
+                          </a:solidFill>
+                          <a:effectLst/>
+                          <a:latin typeface="+mn-lt"/>
+                          <a:ea typeface="맑은 고딕" panose="020B0503020000020004" pitchFamily="50" charset="-127"/>
+                        </a:rPr>
+                        <a:t>1→2</a:t>
+                      </a:r>
+                    </a:p>
+                  </a:txBody>
+                  <a:tcPr marL="9525" marR="9525" marT="9525" marB="0" anchor="ctr">
                     <a:lnL w="12700" cap="flat" cmpd="sng" algn="ctr">
                       <a:solidFill>
                         <a:schemeClr val="tx1"/>
@@ -18500,18 +19655,21 @@
                     <a:bodyPr/>
                     <a:lstStyle/>
                     <a:p>
-                      <a:pPr algn="ctr" latinLnBrk="1"/>
-                      <a:r>
-                        <a:rPr lang="ko-KR" altLang="en-US" sz="1000" b="0" dirty="0">
-                          <a:solidFill>
-                            <a:schemeClr val="tx1"/>
-                          </a:solidFill>
-                        </a:rPr>
-                        <a:t>기본</a:t>
-                      </a:r>
-                    </a:p>
-                  </a:txBody>
-                  <a:tcPr anchor="ctr">
+                      <a:pPr algn="ctr" fontAlgn="ctr"/>
+                      <a:r>
+                        <a:rPr lang="en-US" altLang="ko-KR" sz="1050" b="0" i="0" u="none" strike="noStrike" dirty="0">
+                          <a:solidFill>
+                            <a:srgbClr val="000000"/>
+                          </a:solidFill>
+                          <a:effectLst/>
+                          <a:latin typeface="+mn-lt"/>
+                          <a:ea typeface="맑은 고딕" panose="020B0503020000020004" pitchFamily="50" charset="-127"/>
+                        </a:rPr>
+                        <a:t>25</a:t>
+                      </a:r>
+                    </a:p>
+                  </a:txBody>
+                  <a:tcPr marL="9525" marR="9525" marT="9525" marB="0" anchor="ctr">
                     <a:lnL w="12700" cap="flat" cmpd="sng" algn="ctr">
                       <a:solidFill>
                         <a:schemeClr val="tx1"/>
@@ -18556,23 +19714,21 @@
                     <a:bodyPr/>
                     <a:lstStyle/>
                     <a:p>
-                      <a:pPr algn="ctr" latinLnBrk="1"/>
-                      <a:r>
-                        <a:rPr lang="en-US" altLang="ko-KR" sz="1000" b="0" dirty="0">
-                          <a:solidFill>
-                            <a:schemeClr val="tx1"/>
-                          </a:solidFill>
-                        </a:rPr>
-                        <a:t>50</a:t>
-                      </a:r>
-                      <a:endParaRPr lang="ko-KR" altLang="en-US" sz="1000" b="0" dirty="0">
-                        <a:solidFill>
-                          <a:schemeClr val="tx1"/>
-                        </a:solidFill>
-                      </a:endParaRPr>
-                    </a:p>
-                  </a:txBody>
-                  <a:tcPr anchor="ctr">
+                      <a:pPr algn="ctr" fontAlgn="ctr"/>
+                      <a:r>
+                        <a:rPr lang="en-US" altLang="ko-KR" sz="1050" b="0" i="0" u="none" strike="noStrike">
+                          <a:solidFill>
+                            <a:srgbClr val="000000"/>
+                          </a:solidFill>
+                          <a:effectLst/>
+                          <a:latin typeface="+mn-lt"/>
+                          <a:ea typeface="맑은 고딕" panose="020B0503020000020004" pitchFamily="50" charset="-127"/>
+                        </a:rPr>
+                        <a:t>5</a:t>
+                      </a:r>
+                    </a:p>
+                  </a:txBody>
+                  <a:tcPr marL="9525" marR="9525" marT="9525" marB="0" anchor="ctr">
                     <a:lnL w="12700" cap="flat" cmpd="sng" algn="ctr">
                       <a:solidFill>
                         <a:schemeClr val="tx1"/>
@@ -18617,18 +19773,21 @@
                     <a:bodyPr/>
                     <a:lstStyle/>
                     <a:p>
-                      <a:pPr algn="ctr" latinLnBrk="1"/>
-                      <a:r>
-                        <a:rPr lang="ko-KR" altLang="en-US" sz="1000" b="0" dirty="0">
-                          <a:solidFill>
-                            <a:schemeClr val="tx1"/>
-                          </a:solidFill>
-                        </a:rPr>
-                        <a:t>기본</a:t>
-                      </a:r>
-                    </a:p>
-                  </a:txBody>
-                  <a:tcPr anchor="ctr">
+                      <a:pPr algn="ctr" fontAlgn="ctr"/>
+                      <a:r>
+                        <a:rPr lang="en-US" altLang="ko-KR" sz="1050" b="0" i="0" u="none" strike="noStrike">
+                          <a:solidFill>
+                            <a:srgbClr val="000000"/>
+                          </a:solidFill>
+                          <a:effectLst/>
+                          <a:latin typeface="+mn-lt"/>
+                          <a:ea typeface="맑은 고딕" panose="020B0503020000020004" pitchFamily="50" charset="-127"/>
+                        </a:rPr>
+                        <a:t>0</a:t>
+                      </a:r>
+                    </a:p>
+                  </a:txBody>
+                  <a:tcPr marL="9525" marR="9525" marT="9525" marB="0" anchor="ctr">
                     <a:lnL w="12700" cap="flat" cmpd="sng" algn="ctr">
                       <a:solidFill>
                         <a:schemeClr val="tx1"/>
@@ -18673,837 +19832,21 @@
                     <a:bodyPr/>
                     <a:lstStyle/>
                     <a:p>
-                      <a:pPr algn="ctr" latinLnBrk="1"/>
-                      <a:r>
-                        <a:rPr lang="en-US" altLang="ko-KR" sz="1000" b="0" dirty="0">
-                          <a:solidFill>
-                            <a:schemeClr val="tx1"/>
-                          </a:solidFill>
-                        </a:rPr>
-                        <a:t>10</a:t>
-                      </a:r>
-                      <a:endParaRPr lang="ko-KR" altLang="en-US" sz="1000" b="0" dirty="0">
-                        <a:solidFill>
-                          <a:schemeClr val="tx1"/>
-                        </a:solidFill>
-                      </a:endParaRPr>
-                    </a:p>
-                  </a:txBody>
-                  <a:tcPr anchor="ctr">
-                    <a:lnL w="12700" cap="flat" cmpd="sng" algn="ctr">
-                      <a:solidFill>
-                        <a:schemeClr val="tx1"/>
-                      </a:solidFill>
-                      <a:prstDash val="solid"/>
-                      <a:round/>
-                      <a:headEnd type="none" w="med" len="med"/>
-                      <a:tailEnd type="none" w="med" len="med"/>
-                    </a:lnL>
-                    <a:lnR w="12700" cap="flat" cmpd="sng" algn="ctr">
-                      <a:solidFill>
-                        <a:schemeClr val="tx1"/>
-                      </a:solidFill>
-                      <a:prstDash val="solid"/>
-                      <a:round/>
-                      <a:headEnd type="none" w="med" len="med"/>
-                      <a:tailEnd type="none" w="med" len="med"/>
-                    </a:lnR>
-                    <a:lnT w="12700" cap="flat" cmpd="sng" algn="ctr">
-                      <a:solidFill>
-                        <a:schemeClr val="tx1"/>
-                      </a:solidFill>
-                      <a:prstDash val="solid"/>
-                      <a:round/>
-                      <a:headEnd type="none" w="med" len="med"/>
-                      <a:tailEnd type="none" w="med" len="med"/>
-                    </a:lnT>
-                    <a:lnB w="12700" cap="flat" cmpd="sng" algn="ctr">
-                      <a:solidFill>
-                        <a:schemeClr val="tx1"/>
-                      </a:solidFill>
-                      <a:prstDash val="solid"/>
-                      <a:round/>
-                      <a:headEnd type="none" w="med" len="med"/>
-                      <a:tailEnd type="none" w="med" len="med"/>
-                    </a:lnB>
-                    <a:noFill/>
-                  </a:tcPr>
-                </a:tc>
-                <a:tc>
-                  <a:txBody>
-                    <a:bodyPr/>
-                    <a:lstStyle/>
-                    <a:p>
-                      <a:pPr algn="ctr" latinLnBrk="1"/>
-                      <a:r>
-                        <a:rPr lang="ko-KR" altLang="en-US" sz="1000" b="0" dirty="0">
-                          <a:solidFill>
-                            <a:schemeClr val="tx1"/>
-                          </a:solidFill>
-                        </a:rPr>
-                        <a:t>기본</a:t>
-                      </a:r>
-                    </a:p>
-                  </a:txBody>
-                  <a:tcPr anchor="ctr">
-                    <a:lnL w="12700" cap="flat" cmpd="sng" algn="ctr">
-                      <a:solidFill>
-                        <a:schemeClr val="tx1"/>
-                      </a:solidFill>
-                      <a:prstDash val="solid"/>
-                      <a:round/>
-                      <a:headEnd type="none" w="med" len="med"/>
-                      <a:tailEnd type="none" w="med" len="med"/>
-                    </a:lnL>
-                    <a:lnR w="12700" cap="flat" cmpd="sng" algn="ctr">
-                      <a:solidFill>
-                        <a:schemeClr val="tx1"/>
-                      </a:solidFill>
-                      <a:prstDash val="solid"/>
-                      <a:round/>
-                      <a:headEnd type="none" w="med" len="med"/>
-                      <a:tailEnd type="none" w="med" len="med"/>
-                    </a:lnR>
-                    <a:lnT w="12700" cap="flat" cmpd="sng" algn="ctr">
-                      <a:solidFill>
-                        <a:schemeClr val="tx1"/>
-                      </a:solidFill>
-                      <a:prstDash val="solid"/>
-                      <a:round/>
-                      <a:headEnd type="none" w="med" len="med"/>
-                      <a:tailEnd type="none" w="med" len="med"/>
-                    </a:lnT>
-                    <a:lnB w="12700" cap="flat" cmpd="sng" algn="ctr">
-                      <a:solidFill>
-                        <a:schemeClr val="tx1"/>
-                      </a:solidFill>
-                      <a:prstDash val="solid"/>
-                      <a:round/>
-                      <a:headEnd type="none" w="med" len="med"/>
-                      <a:tailEnd type="none" w="med" len="med"/>
-                    </a:lnB>
-                    <a:noFill/>
-                  </a:tcPr>
-                </a:tc>
-                <a:tc>
-                  <a:txBody>
-                    <a:bodyPr/>
-                    <a:lstStyle/>
-                    <a:p>
-                      <a:pPr algn="ctr" latinLnBrk="1"/>
-                      <a:r>
-                        <a:rPr lang="en-US" altLang="ko-KR" sz="1000" b="0" dirty="0">
-                          <a:solidFill>
-                            <a:schemeClr val="tx1"/>
-                          </a:solidFill>
+                      <a:pPr algn="ctr" fontAlgn="ctr"/>
+                      <a:r>
+                        <a:rPr lang="en-US" altLang="ko-KR" sz="1050" b="0" i="0" u="none" strike="noStrike">
+                          <a:solidFill>
+                            <a:srgbClr val="000000"/>
+                          </a:solidFill>
+                          <a:effectLst/>
+                          <a:latin typeface="+mn-lt"/>
+                          <a:ea typeface="맑은 고딕" panose="020B0503020000020004" pitchFamily="50" charset="-127"/>
                         </a:rPr>
                         <a:t>0</a:t>
                       </a:r>
-                      <a:endParaRPr lang="ko-KR" altLang="en-US" sz="1000" b="0" dirty="0">
-                        <a:solidFill>
-                          <a:schemeClr val="tx1"/>
-                        </a:solidFill>
-                      </a:endParaRPr>
-                    </a:p>
-                  </a:txBody>
-                  <a:tcPr anchor="ctr">
-                    <a:lnL w="12700" cap="flat" cmpd="sng" algn="ctr">
-                      <a:solidFill>
-                        <a:schemeClr val="tx1"/>
-                      </a:solidFill>
-                      <a:prstDash val="solid"/>
-                      <a:round/>
-                      <a:headEnd type="none" w="med" len="med"/>
-                      <a:tailEnd type="none" w="med" len="med"/>
-                    </a:lnL>
-                    <a:lnR w="12700" cap="flat" cmpd="sng" algn="ctr">
-                      <a:solidFill>
-                        <a:schemeClr val="tx1"/>
-                      </a:solidFill>
-                      <a:prstDash val="solid"/>
-                      <a:round/>
-                      <a:headEnd type="none" w="med" len="med"/>
-                      <a:tailEnd type="none" w="med" len="med"/>
-                    </a:lnR>
-                    <a:lnT w="12700" cap="flat" cmpd="sng" algn="ctr">
-                      <a:solidFill>
-                        <a:schemeClr val="tx1"/>
-                      </a:solidFill>
-                      <a:prstDash val="solid"/>
-                      <a:round/>
-                      <a:headEnd type="none" w="med" len="med"/>
-                      <a:tailEnd type="none" w="med" len="med"/>
-                    </a:lnT>
-                    <a:lnB w="12700" cap="flat" cmpd="sng" algn="ctr">
-                      <a:solidFill>
-                        <a:schemeClr val="tx1"/>
-                      </a:solidFill>
-                      <a:prstDash val="solid"/>
-                      <a:round/>
-                      <a:headEnd type="none" w="med" len="med"/>
-                      <a:tailEnd type="none" w="med" len="med"/>
-                    </a:lnB>
-                    <a:noFill/>
-                  </a:tcPr>
-                </a:tc>
-                <a:tc>
-                  <a:txBody>
-                    <a:bodyPr/>
-                    <a:lstStyle/>
-                    <a:p>
-                      <a:pPr algn="ctr" latinLnBrk="1"/>
-                      <a:r>
-                        <a:rPr lang="ko-KR" altLang="en-US" sz="1000" b="0" dirty="0">
-                          <a:solidFill>
-                            <a:schemeClr val="tx1"/>
-                          </a:solidFill>
-                        </a:rPr>
-                        <a:t>기본</a:t>
-                      </a:r>
-                    </a:p>
-                  </a:txBody>
-                  <a:tcPr anchor="ctr">
-                    <a:lnL w="12700" cap="flat" cmpd="sng" algn="ctr">
-                      <a:solidFill>
-                        <a:schemeClr val="tx1"/>
-                      </a:solidFill>
-                      <a:prstDash val="solid"/>
-                      <a:round/>
-                      <a:headEnd type="none" w="med" len="med"/>
-                      <a:tailEnd type="none" w="med" len="med"/>
-                    </a:lnL>
-                    <a:lnR w="12700" cap="flat" cmpd="sng" algn="ctr">
-                      <a:solidFill>
-                        <a:schemeClr val="tx1"/>
-                      </a:solidFill>
-                      <a:prstDash val="solid"/>
-                      <a:round/>
-                      <a:headEnd type="none" w="med" len="med"/>
-                      <a:tailEnd type="none" w="med" len="med"/>
-                    </a:lnR>
-                    <a:lnT w="12700" cap="flat" cmpd="sng" algn="ctr">
-                      <a:solidFill>
-                        <a:schemeClr val="tx1"/>
-                      </a:solidFill>
-                      <a:prstDash val="solid"/>
-                      <a:round/>
-                      <a:headEnd type="none" w="med" len="med"/>
-                      <a:tailEnd type="none" w="med" len="med"/>
-                    </a:lnT>
-                    <a:lnB w="12700" cap="flat" cmpd="sng" algn="ctr">
-                      <a:solidFill>
-                        <a:schemeClr val="tx1"/>
-                      </a:solidFill>
-                      <a:prstDash val="solid"/>
-                      <a:round/>
-                      <a:headEnd type="none" w="med" len="med"/>
-                      <a:tailEnd type="none" w="med" len="med"/>
-                    </a:lnB>
-                    <a:noFill/>
-                  </a:tcPr>
-                </a:tc>
-                <a:tc>
-                  <a:txBody>
-                    <a:bodyPr/>
-                    <a:lstStyle/>
-                    <a:p>
-                      <a:pPr algn="ctr" latinLnBrk="1"/>
-                      <a:r>
-                        <a:rPr lang="en-US" altLang="ko-KR" sz="1000" b="0" dirty="0">
-                          <a:solidFill>
-                            <a:schemeClr val="tx1"/>
-                          </a:solidFill>
-                        </a:rPr>
-                        <a:t>0</a:t>
-                      </a:r>
-                      <a:endParaRPr lang="ko-KR" altLang="en-US" sz="1000" b="0" dirty="0">
-                        <a:solidFill>
-                          <a:schemeClr val="tx1"/>
-                        </a:solidFill>
-                      </a:endParaRPr>
-                    </a:p>
-                  </a:txBody>
-                  <a:tcPr anchor="ctr">
-                    <a:lnL w="12700" cap="flat" cmpd="sng" algn="ctr">
-                      <a:solidFill>
-                        <a:schemeClr val="tx1"/>
-                      </a:solidFill>
-                      <a:prstDash val="solid"/>
-                      <a:round/>
-                      <a:headEnd type="none" w="med" len="med"/>
-                      <a:tailEnd type="none" w="med" len="med"/>
-                    </a:lnL>
-                    <a:lnR w="12700" cap="flat" cmpd="sng" algn="ctr">
-                      <a:solidFill>
-                        <a:schemeClr val="tx1"/>
-                      </a:solidFill>
-                      <a:prstDash val="solid"/>
-                      <a:round/>
-                      <a:headEnd type="none" w="med" len="med"/>
-                      <a:tailEnd type="none" w="med" len="med"/>
-                    </a:lnR>
-                    <a:lnT w="12700" cap="flat" cmpd="sng" algn="ctr">
-                      <a:solidFill>
-                        <a:schemeClr val="tx1"/>
-                      </a:solidFill>
-                      <a:prstDash val="solid"/>
-                      <a:round/>
-                      <a:headEnd type="none" w="med" len="med"/>
-                      <a:tailEnd type="none" w="med" len="med"/>
-                    </a:lnT>
-                    <a:lnB w="12700" cap="flat" cmpd="sng" algn="ctr">
-                      <a:solidFill>
-                        <a:schemeClr val="tx1"/>
-                      </a:solidFill>
-                      <a:prstDash val="solid"/>
-                      <a:round/>
-                      <a:headEnd type="none" w="med" len="med"/>
-                      <a:tailEnd type="none" w="med" len="med"/>
-                    </a:lnB>
-                    <a:noFill/>
-                  </a:tcPr>
-                </a:tc>
-                <a:extLst>
-                  <a:ext uri="{0D108BD9-81ED-4DB2-BD59-A6C34878D82A}">
-                    <a16:rowId xmlns:a16="http://schemas.microsoft.com/office/drawing/2014/main" val="4060806175"/>
-                  </a:ext>
-                </a:extLst>
-              </a:tr>
-              <a:tr h="147983">
-                <a:tc>
-                  <a:txBody>
-                    <a:bodyPr/>
-                    <a:lstStyle/>
-                    <a:p>
-                      <a:pPr algn="ctr" latinLnBrk="1"/>
-                      <a:r>
-                        <a:rPr lang="en-US" altLang="ko-KR" sz="1000" b="0" dirty="0">
-                          <a:solidFill>
-                            <a:schemeClr val="tx1"/>
-                          </a:solidFill>
-                        </a:rPr>
-                        <a:t>1~10</a:t>
-                      </a:r>
-                      <a:endParaRPr lang="ko-KR" altLang="en-US" sz="1000" b="0" dirty="0">
-                        <a:solidFill>
-                          <a:schemeClr val="tx1"/>
-                        </a:solidFill>
-                      </a:endParaRPr>
-                    </a:p>
-                  </a:txBody>
-                  <a:tcPr anchor="ctr">
-                    <a:lnL w="12700" cap="flat" cmpd="sng" algn="ctr">
-                      <a:solidFill>
-                        <a:schemeClr val="tx1"/>
-                      </a:solidFill>
-                      <a:prstDash val="solid"/>
-                      <a:round/>
-                      <a:headEnd type="none" w="med" len="med"/>
-                      <a:tailEnd type="none" w="med" len="med"/>
-                    </a:lnL>
-                    <a:lnR w="12700" cap="flat" cmpd="sng" algn="ctr">
-                      <a:solidFill>
-                        <a:schemeClr val="tx1"/>
-                      </a:solidFill>
-                      <a:prstDash val="solid"/>
-                      <a:round/>
-                      <a:headEnd type="none" w="med" len="med"/>
-                      <a:tailEnd type="none" w="med" len="med"/>
-                    </a:lnR>
-                    <a:lnT w="12700" cap="flat" cmpd="sng" algn="ctr">
-                      <a:solidFill>
-                        <a:schemeClr val="tx1"/>
-                      </a:solidFill>
-                      <a:prstDash val="solid"/>
-                      <a:round/>
-                      <a:headEnd type="none" w="med" len="med"/>
-                      <a:tailEnd type="none" w="med" len="med"/>
-                    </a:lnT>
-                    <a:lnB w="12700" cap="flat" cmpd="sng" algn="ctr">
-                      <a:solidFill>
-                        <a:schemeClr val="tx1"/>
-                      </a:solidFill>
-                      <a:prstDash val="solid"/>
-                      <a:round/>
-                      <a:headEnd type="none" w="med" len="med"/>
-                      <a:tailEnd type="none" w="med" len="med"/>
-                    </a:lnB>
-                    <a:noFill/>
-                  </a:tcPr>
-                </a:tc>
-                <a:tc>
-                  <a:txBody>
-                    <a:bodyPr/>
-                    <a:lstStyle/>
-                    <a:p>
-                      <a:pPr algn="ctr" latinLnBrk="1"/>
-                      <a:r>
-                        <a:rPr lang="ko-KR" altLang="en-US" sz="1000" b="0" dirty="0">
-                          <a:solidFill>
-                            <a:schemeClr val="tx1"/>
-                          </a:solidFill>
-                        </a:rPr>
-                        <a:t>삼류</a:t>
-                      </a:r>
-                    </a:p>
-                  </a:txBody>
-                  <a:tcPr anchor="ctr">
-                    <a:lnL w="12700" cap="flat" cmpd="sng" algn="ctr">
-                      <a:solidFill>
-                        <a:schemeClr val="tx1"/>
-                      </a:solidFill>
-                      <a:prstDash val="solid"/>
-                      <a:round/>
-                      <a:headEnd type="none" w="med" len="med"/>
-                      <a:tailEnd type="none" w="med" len="med"/>
-                    </a:lnL>
-                    <a:lnR w="12700" cap="flat" cmpd="sng" algn="ctr">
-                      <a:solidFill>
-                        <a:schemeClr val="tx1"/>
-                      </a:solidFill>
-                      <a:prstDash val="solid"/>
-                      <a:round/>
-                      <a:headEnd type="none" w="med" len="med"/>
-                      <a:tailEnd type="none" w="med" len="med"/>
-                    </a:lnR>
-                    <a:lnT w="12700" cap="flat" cmpd="sng" algn="ctr">
-                      <a:solidFill>
-                        <a:schemeClr val="tx1"/>
-                      </a:solidFill>
-                      <a:prstDash val="solid"/>
-                      <a:round/>
-                      <a:headEnd type="none" w="med" len="med"/>
-                      <a:tailEnd type="none" w="med" len="med"/>
-                    </a:lnT>
-                    <a:lnB w="12700" cap="flat" cmpd="sng" algn="ctr">
-                      <a:solidFill>
-                        <a:schemeClr val="tx1"/>
-                      </a:solidFill>
-                      <a:prstDash val="solid"/>
-                      <a:round/>
-                      <a:headEnd type="none" w="med" len="med"/>
-                      <a:tailEnd type="none" w="med" len="med"/>
-                    </a:lnB>
-                    <a:noFill/>
-                  </a:tcPr>
-                </a:tc>
-                <a:tc gridSpan="2">
-                  <a:txBody>
-                    <a:bodyPr/>
-                    <a:lstStyle/>
-                    <a:p>
-                      <a:pPr algn="ctr" latinLnBrk="1"/>
-                      <a:r>
-                        <a:rPr lang="en-US" altLang="ko-KR" sz="1000" b="0" dirty="0">
-                          <a:solidFill>
-                            <a:schemeClr val="tx1"/>
-                          </a:solidFill>
-                        </a:rPr>
-                        <a:t>1</a:t>
-                      </a:r>
-                      <a:endParaRPr lang="ko-KR" altLang="en-US" sz="1000" b="0" dirty="0">
-                        <a:solidFill>
-                          <a:schemeClr val="tx1"/>
-                        </a:solidFill>
-                      </a:endParaRPr>
-                    </a:p>
-                  </a:txBody>
-                  <a:tcPr anchor="ctr">
-                    <a:lnL w="12700" cap="flat" cmpd="sng" algn="ctr">
-                      <a:solidFill>
-                        <a:schemeClr val="tx1"/>
-                      </a:solidFill>
-                      <a:prstDash val="solid"/>
-                      <a:round/>
-                      <a:headEnd type="none" w="med" len="med"/>
-                      <a:tailEnd type="none" w="med" len="med"/>
-                    </a:lnL>
-                    <a:lnR w="12700" cap="flat" cmpd="sng" algn="ctr">
-                      <a:solidFill>
-                        <a:schemeClr val="tx1"/>
-                      </a:solidFill>
-                      <a:prstDash val="solid"/>
-                      <a:round/>
-                      <a:headEnd type="none" w="med" len="med"/>
-                      <a:tailEnd type="none" w="med" len="med"/>
-                    </a:lnR>
-                    <a:lnT w="12700" cap="flat" cmpd="sng" algn="ctr">
-                      <a:solidFill>
-                        <a:schemeClr val="tx1"/>
-                      </a:solidFill>
-                      <a:prstDash val="solid"/>
-                      <a:round/>
-                      <a:headEnd type="none" w="med" len="med"/>
-                      <a:tailEnd type="none" w="med" len="med"/>
-                    </a:lnT>
-                    <a:lnB w="12700" cap="flat" cmpd="sng" algn="ctr">
-                      <a:solidFill>
-                        <a:schemeClr val="tx1"/>
-                      </a:solidFill>
-                      <a:prstDash val="solid"/>
-                      <a:round/>
-                      <a:headEnd type="none" w="med" len="med"/>
-                      <a:tailEnd type="none" w="med" len="med"/>
-                    </a:lnB>
-                    <a:noFill/>
-                  </a:tcPr>
-                </a:tc>
-                <a:tc hMerge="1">
-                  <a:txBody>
-                    <a:bodyPr/>
-                    <a:lstStyle/>
-                    <a:p>
-                      <a:pPr algn="ctr" latinLnBrk="1"/>
-                      <a:endParaRPr lang="ko-KR" altLang="en-US" sz="1000" b="0" dirty="0">
-                        <a:solidFill>
-                          <a:schemeClr val="tx1"/>
-                        </a:solidFill>
-                      </a:endParaRPr>
-                    </a:p>
-                  </a:txBody>
-                  <a:tcPr anchor="ctr">
-                    <a:lnL w="12700" cap="flat" cmpd="sng" algn="ctr">
-                      <a:solidFill>
-                        <a:schemeClr val="tx1"/>
-                      </a:solidFill>
-                      <a:prstDash val="solid"/>
-                      <a:round/>
-                      <a:headEnd type="none" w="med" len="med"/>
-                      <a:tailEnd type="none" w="med" len="med"/>
-                    </a:lnL>
-                    <a:lnR w="12700" cap="flat" cmpd="sng" algn="ctr">
-                      <a:solidFill>
-                        <a:schemeClr val="tx1"/>
-                      </a:solidFill>
-                      <a:prstDash val="solid"/>
-                      <a:round/>
-                      <a:headEnd type="none" w="med" len="med"/>
-                      <a:tailEnd type="none" w="med" len="med"/>
-                    </a:lnR>
-                    <a:lnT w="12700" cap="flat" cmpd="sng" algn="ctr">
-                      <a:solidFill>
-                        <a:schemeClr val="tx1"/>
-                      </a:solidFill>
-                      <a:prstDash val="solid"/>
-                      <a:round/>
-                      <a:headEnd type="none" w="med" len="med"/>
-                      <a:tailEnd type="none" w="med" len="med"/>
-                    </a:lnT>
-                    <a:lnB w="12700" cap="flat" cmpd="sng" algn="ctr">
-                      <a:solidFill>
-                        <a:schemeClr val="tx1"/>
-                      </a:solidFill>
-                      <a:prstDash val="solid"/>
-                      <a:round/>
-                      <a:headEnd type="none" w="med" len="med"/>
-                      <a:tailEnd type="none" w="med" len="med"/>
-                    </a:lnB>
-                    <a:noFill/>
-                  </a:tcPr>
-                </a:tc>
-                <a:tc gridSpan="2">
-                  <a:txBody>
-                    <a:bodyPr/>
-                    <a:lstStyle/>
-                    <a:p>
-                      <a:pPr algn="ctr" latinLnBrk="1"/>
-                      <a:r>
-                        <a:rPr lang="en-US" altLang="ko-KR" sz="1000" b="0" dirty="0">
-                          <a:solidFill>
-                            <a:schemeClr val="tx1"/>
-                          </a:solidFill>
-                        </a:rPr>
-                        <a:t>1</a:t>
-                      </a:r>
-                      <a:endParaRPr lang="ko-KR" altLang="en-US" sz="1000" b="0" dirty="0">
-                        <a:solidFill>
-                          <a:schemeClr val="tx1"/>
-                        </a:solidFill>
-                      </a:endParaRPr>
-                    </a:p>
-                  </a:txBody>
-                  <a:tcPr anchor="ctr">
-                    <a:lnL w="12700" cap="flat" cmpd="sng" algn="ctr">
-                      <a:solidFill>
-                        <a:schemeClr val="tx1"/>
-                      </a:solidFill>
-                      <a:prstDash val="solid"/>
-                      <a:round/>
-                      <a:headEnd type="none" w="med" len="med"/>
-                      <a:tailEnd type="none" w="med" len="med"/>
-                    </a:lnL>
-                    <a:lnR w="12700" cap="flat" cmpd="sng" algn="ctr">
-                      <a:solidFill>
-                        <a:schemeClr val="tx1"/>
-                      </a:solidFill>
-                      <a:prstDash val="solid"/>
-                      <a:round/>
-                      <a:headEnd type="none" w="med" len="med"/>
-                      <a:tailEnd type="none" w="med" len="med"/>
-                    </a:lnR>
-                    <a:lnT w="12700" cap="flat" cmpd="sng" algn="ctr">
-                      <a:solidFill>
-                        <a:schemeClr val="tx1"/>
-                      </a:solidFill>
-                      <a:prstDash val="solid"/>
-                      <a:round/>
-                      <a:headEnd type="none" w="med" len="med"/>
-                      <a:tailEnd type="none" w="med" len="med"/>
-                    </a:lnT>
-                    <a:lnB w="12700" cap="flat" cmpd="sng" algn="ctr">
-                      <a:solidFill>
-                        <a:schemeClr val="tx1"/>
-                      </a:solidFill>
-                      <a:prstDash val="solid"/>
-                      <a:round/>
-                      <a:headEnd type="none" w="med" len="med"/>
-                      <a:tailEnd type="none" w="med" len="med"/>
-                    </a:lnB>
-                    <a:noFill/>
-                  </a:tcPr>
-                </a:tc>
-                <a:tc hMerge="1">
-                  <a:txBody>
-                    <a:bodyPr/>
-                    <a:lstStyle/>
-                    <a:p>
-                      <a:pPr algn="ctr" latinLnBrk="1"/>
-                      <a:endParaRPr lang="ko-KR" altLang="en-US" sz="1000" b="0" dirty="0">
-                        <a:solidFill>
-                          <a:schemeClr val="tx1"/>
-                        </a:solidFill>
-                      </a:endParaRPr>
-                    </a:p>
-                  </a:txBody>
-                  <a:tcPr anchor="ctr">
-                    <a:lnL w="12700" cap="flat" cmpd="sng" algn="ctr">
-                      <a:solidFill>
-                        <a:schemeClr val="tx1"/>
-                      </a:solidFill>
-                      <a:prstDash val="solid"/>
-                      <a:round/>
-                      <a:headEnd type="none" w="med" len="med"/>
-                      <a:tailEnd type="none" w="med" len="med"/>
-                    </a:lnL>
-                    <a:lnR w="12700" cap="flat" cmpd="sng" algn="ctr">
-                      <a:solidFill>
-                        <a:schemeClr val="tx1"/>
-                      </a:solidFill>
-                      <a:prstDash val="solid"/>
-                      <a:round/>
-                      <a:headEnd type="none" w="med" len="med"/>
-                      <a:tailEnd type="none" w="med" len="med"/>
-                    </a:lnR>
-                    <a:lnT w="12700" cap="flat" cmpd="sng" algn="ctr">
-                      <a:solidFill>
-                        <a:schemeClr val="tx1"/>
-                      </a:solidFill>
-                      <a:prstDash val="solid"/>
-                      <a:round/>
-                      <a:headEnd type="none" w="med" len="med"/>
-                      <a:tailEnd type="none" w="med" len="med"/>
-                    </a:lnT>
-                    <a:lnB w="12700" cap="flat" cmpd="sng" algn="ctr">
-                      <a:solidFill>
-                        <a:schemeClr val="tx1"/>
-                      </a:solidFill>
-                      <a:prstDash val="solid"/>
-                      <a:round/>
-                      <a:headEnd type="none" w="med" len="med"/>
-                      <a:tailEnd type="none" w="med" len="med"/>
-                    </a:lnB>
-                    <a:noFill/>
-                  </a:tcPr>
-                </a:tc>
-                <a:tc gridSpan="2">
-                  <a:txBody>
-                    <a:bodyPr/>
-                    <a:lstStyle/>
-                    <a:p>
-                      <a:pPr algn="ctr" latinLnBrk="1"/>
-                      <a:r>
-                        <a:rPr lang="en-US" altLang="ko-KR" sz="1000" b="0" dirty="0">
-                          <a:solidFill>
-                            <a:schemeClr val="tx1"/>
-                          </a:solidFill>
-                        </a:rPr>
-                        <a:t>0</a:t>
-                      </a:r>
-                      <a:endParaRPr lang="ko-KR" altLang="en-US" sz="1000" b="0" dirty="0">
-                        <a:solidFill>
-                          <a:schemeClr val="tx1"/>
-                        </a:solidFill>
-                      </a:endParaRPr>
-                    </a:p>
-                  </a:txBody>
-                  <a:tcPr anchor="ctr">
-                    <a:lnL w="12700" cap="flat" cmpd="sng" algn="ctr">
-                      <a:solidFill>
-                        <a:schemeClr val="tx1"/>
-                      </a:solidFill>
-                      <a:prstDash val="solid"/>
-                      <a:round/>
-                      <a:headEnd type="none" w="med" len="med"/>
-                      <a:tailEnd type="none" w="med" len="med"/>
-                    </a:lnL>
-                    <a:lnR w="12700" cap="flat" cmpd="sng" algn="ctr">
-                      <a:solidFill>
-                        <a:schemeClr val="tx1"/>
-                      </a:solidFill>
-                      <a:prstDash val="solid"/>
-                      <a:round/>
-                      <a:headEnd type="none" w="med" len="med"/>
-                      <a:tailEnd type="none" w="med" len="med"/>
-                    </a:lnR>
-                    <a:lnT w="12700" cap="flat" cmpd="sng" algn="ctr">
-                      <a:solidFill>
-                        <a:schemeClr val="tx1"/>
-                      </a:solidFill>
-                      <a:prstDash val="solid"/>
-                      <a:round/>
-                      <a:headEnd type="none" w="med" len="med"/>
-                      <a:tailEnd type="none" w="med" len="med"/>
-                    </a:lnT>
-                    <a:lnB w="12700" cap="flat" cmpd="sng" algn="ctr">
-                      <a:solidFill>
-                        <a:schemeClr val="tx1"/>
-                      </a:solidFill>
-                      <a:prstDash val="solid"/>
-                      <a:round/>
-                      <a:headEnd type="none" w="med" len="med"/>
-                      <a:tailEnd type="none" w="med" len="med"/>
-                    </a:lnB>
-                    <a:noFill/>
-                  </a:tcPr>
-                </a:tc>
-                <a:tc hMerge="1">
-                  <a:txBody>
-                    <a:bodyPr/>
-                    <a:lstStyle/>
-                    <a:p>
-                      <a:pPr algn="ctr" latinLnBrk="1"/>
-                      <a:endParaRPr lang="ko-KR" altLang="en-US" sz="1000" b="0" dirty="0">
-                        <a:solidFill>
-                          <a:schemeClr val="tx1"/>
-                        </a:solidFill>
-                      </a:endParaRPr>
-                    </a:p>
-                  </a:txBody>
-                  <a:tcPr anchor="ctr">
-                    <a:lnL w="12700" cap="flat" cmpd="sng" algn="ctr">
-                      <a:solidFill>
-                        <a:schemeClr val="tx1"/>
-                      </a:solidFill>
-                      <a:prstDash val="solid"/>
-                      <a:round/>
-                      <a:headEnd type="none" w="med" len="med"/>
-                      <a:tailEnd type="none" w="med" len="med"/>
-                    </a:lnL>
-                    <a:lnR w="12700" cap="flat" cmpd="sng" algn="ctr">
-                      <a:solidFill>
-                        <a:schemeClr val="tx1"/>
-                      </a:solidFill>
-                      <a:prstDash val="solid"/>
-                      <a:round/>
-                      <a:headEnd type="none" w="med" len="med"/>
-                      <a:tailEnd type="none" w="med" len="med"/>
-                    </a:lnR>
-                    <a:lnT w="12700" cap="flat" cmpd="sng" algn="ctr">
-                      <a:solidFill>
-                        <a:schemeClr val="tx1"/>
-                      </a:solidFill>
-                      <a:prstDash val="solid"/>
-                      <a:round/>
-                      <a:headEnd type="none" w="med" len="med"/>
-                      <a:tailEnd type="none" w="med" len="med"/>
-                    </a:lnT>
-                    <a:lnB w="12700" cap="flat" cmpd="sng" algn="ctr">
-                      <a:solidFill>
-                        <a:schemeClr val="tx1"/>
-                      </a:solidFill>
-                      <a:prstDash val="solid"/>
-                      <a:round/>
-                      <a:headEnd type="none" w="med" len="med"/>
-                      <a:tailEnd type="none" w="med" len="med"/>
-                    </a:lnB>
-                    <a:noFill/>
-                  </a:tcPr>
-                </a:tc>
-                <a:tc gridSpan="2">
-                  <a:txBody>
-                    <a:bodyPr/>
-                    <a:lstStyle/>
-                    <a:p>
-                      <a:pPr algn="ctr" latinLnBrk="1"/>
-                      <a:r>
-                        <a:rPr lang="en-US" altLang="ko-KR" sz="1000" b="0" dirty="0">
-                          <a:solidFill>
-                            <a:schemeClr val="tx1"/>
-                          </a:solidFill>
-                        </a:rPr>
-                        <a:t>0</a:t>
-                      </a:r>
-                      <a:endParaRPr lang="ko-KR" altLang="en-US" sz="1000" b="0" dirty="0">
-                        <a:solidFill>
-                          <a:schemeClr val="tx1"/>
-                        </a:solidFill>
-                      </a:endParaRPr>
-                    </a:p>
-                  </a:txBody>
-                  <a:tcPr anchor="ctr">
-                    <a:lnL w="12700" cap="flat" cmpd="sng" algn="ctr">
-                      <a:solidFill>
-                        <a:schemeClr val="tx1"/>
-                      </a:solidFill>
-                      <a:prstDash val="solid"/>
-                      <a:round/>
-                      <a:headEnd type="none" w="med" len="med"/>
-                      <a:tailEnd type="none" w="med" len="med"/>
-                    </a:lnL>
-                    <a:lnR w="12700" cap="flat" cmpd="sng" algn="ctr">
-                      <a:solidFill>
-                        <a:schemeClr val="tx1"/>
-                      </a:solidFill>
-                      <a:prstDash val="solid"/>
-                      <a:round/>
-                      <a:headEnd type="none" w="med" len="med"/>
-                      <a:tailEnd type="none" w="med" len="med"/>
-                    </a:lnR>
-                    <a:lnT w="12700" cap="flat" cmpd="sng" algn="ctr">
-                      <a:solidFill>
-                        <a:schemeClr val="tx1"/>
-                      </a:solidFill>
-                      <a:prstDash val="solid"/>
-                      <a:round/>
-                      <a:headEnd type="none" w="med" len="med"/>
-                      <a:tailEnd type="none" w="med" len="med"/>
-                    </a:lnT>
-                    <a:lnB w="12700" cap="flat" cmpd="sng" algn="ctr">
-                      <a:solidFill>
-                        <a:schemeClr val="tx1"/>
-                      </a:solidFill>
-                      <a:prstDash val="solid"/>
-                      <a:round/>
-                      <a:headEnd type="none" w="med" len="med"/>
-                      <a:tailEnd type="none" w="med" len="med"/>
-                    </a:lnB>
-                    <a:noFill/>
-                  </a:tcPr>
-                </a:tc>
-                <a:tc hMerge="1">
-                  <a:txBody>
-                    <a:bodyPr/>
-                    <a:lstStyle/>
-                    <a:p>
-                      <a:pPr algn="ctr" latinLnBrk="1"/>
-                      <a:endParaRPr lang="ko-KR" altLang="en-US" sz="1000" b="0" dirty="0">
-                        <a:solidFill>
-                          <a:schemeClr val="tx1"/>
-                        </a:solidFill>
-                      </a:endParaRPr>
-                    </a:p>
-                  </a:txBody>
-                  <a:tcPr anchor="ctr">
+                    </a:p>
+                  </a:txBody>
+                  <a:tcPr marL="9525" marR="9525" marT="9525" marB="0" anchor="ctr">
                     <a:lnL w="12700" cap="flat" cmpd="sng" algn="ctr">
                       <a:solidFill>
                         <a:schemeClr val="tx1"/>
@@ -19549,29 +19892,27 @@
                   </a:ext>
                 </a:extLst>
               </a:tr>
-              <a:tr h="147983">
+              <a:tr h="211355">
                 <a:tc>
                   <a:txBody>
                     <a:bodyPr/>
                     <a:lstStyle/>
                     <a:p>
-                      <a:pPr algn="ctr" latinLnBrk="1"/>
-                      <a:r>
-                        <a:rPr lang="en-US" altLang="ko-KR" sz="1000" b="0" dirty="0">
-                          <a:solidFill>
-                            <a:schemeClr val="tx1"/>
-                          </a:solidFill>
-                        </a:rPr>
-                        <a:t>11~20</a:t>
-                      </a:r>
-                      <a:endParaRPr lang="ko-KR" altLang="en-US" sz="1000" b="0" dirty="0">
-                        <a:solidFill>
-                          <a:schemeClr val="tx1"/>
-                        </a:solidFill>
-                      </a:endParaRPr>
-                    </a:p>
-                  </a:txBody>
-                  <a:tcPr anchor="ctr">
+                      <a:pPr algn="ctr" fontAlgn="ctr"/>
+                      <a:r>
+                        <a:rPr lang="en-US" altLang="ko-KR" sz="1050" b="0" i="0" u="none" strike="noStrike">
+                          <a:solidFill>
+                            <a:srgbClr val="000000"/>
+                          </a:solidFill>
+                          <a:effectLst/>
+                          <a:latin typeface="+mn-lt"/>
+                          <a:ea typeface="맑은 고딕" panose="020B0503020000020004" pitchFamily="50" charset="-127"/>
+                        </a:rPr>
+                        <a:t>2→3</a:t>
+                      </a:r>
+                    </a:p>
+                  </a:txBody>
+                  <a:tcPr marL="9525" marR="9525" marT="9525" marB="0" anchor="ctr">
                     <a:lnL w="12700" cap="flat" cmpd="sng" algn="ctr">
                       <a:solidFill>
                         <a:schemeClr val="tx1"/>
@@ -19616,18 +19957,21 @@
                     <a:bodyPr/>
                     <a:lstStyle/>
                     <a:p>
-                      <a:pPr algn="ctr" latinLnBrk="1"/>
-                      <a:r>
-                        <a:rPr lang="ko-KR" altLang="en-US" sz="1000" b="0" dirty="0">
-                          <a:solidFill>
-                            <a:schemeClr val="tx1"/>
-                          </a:solidFill>
-                        </a:rPr>
-                        <a:t>이류</a:t>
-                      </a:r>
-                    </a:p>
-                  </a:txBody>
-                  <a:tcPr anchor="ctr">
+                      <a:pPr algn="ctr" fontAlgn="ctr"/>
+                      <a:r>
+                        <a:rPr lang="en-US" altLang="ko-KR" sz="1050" b="0" i="0" u="none" strike="noStrike" dirty="0">
+                          <a:solidFill>
+                            <a:srgbClr val="000000"/>
+                          </a:solidFill>
+                          <a:effectLst/>
+                          <a:latin typeface="+mn-lt"/>
+                          <a:ea typeface="맑은 고딕" panose="020B0503020000020004" pitchFamily="50" charset="-127"/>
+                        </a:rPr>
+                        <a:t>25</a:t>
+                      </a:r>
+                    </a:p>
+                  </a:txBody>
+                  <a:tcPr marL="9525" marR="9525" marT="9525" marB="0" anchor="ctr">
                     <a:lnL w="12700" cap="flat" cmpd="sng" algn="ctr">
                       <a:solidFill>
                         <a:schemeClr val="tx1"/>
@@ -19667,28 +20011,26 @@
                     <a:noFill/>
                   </a:tcPr>
                 </a:tc>
-                <a:tc gridSpan="2">
-                  <a:txBody>
-                    <a:bodyPr/>
-                    <a:lstStyle/>
-                    <a:p>
-                      <a:pPr algn="ctr" latinLnBrk="1"/>
-                      <a:r>
-                        <a:rPr lang="en-US" altLang="ko-KR" sz="1000" b="0" dirty="0">
-                          <a:solidFill>
-                            <a:schemeClr val="tx1"/>
-                          </a:solidFill>
-                        </a:rPr>
-                        <a:t>1</a:t>
-                      </a:r>
-                      <a:endParaRPr lang="ko-KR" altLang="en-US" sz="1000" b="0" dirty="0">
-                        <a:solidFill>
-                          <a:schemeClr val="tx1"/>
-                        </a:solidFill>
-                      </a:endParaRPr>
-                    </a:p>
-                  </a:txBody>
-                  <a:tcPr anchor="ctr">
+                <a:tc>
+                  <a:txBody>
+                    <a:bodyPr/>
+                    <a:lstStyle/>
+                    <a:p>
+                      <a:pPr algn="ctr" fontAlgn="ctr"/>
+                      <a:r>
+                        <a:rPr lang="en-US" altLang="ko-KR" sz="1050" b="0" i="0" u="none" strike="noStrike">
+                          <a:solidFill>
+                            <a:srgbClr val="000000"/>
+                          </a:solidFill>
+                          <a:effectLst/>
+                          <a:latin typeface="+mn-lt"/>
+                          <a:ea typeface="맑은 고딕" panose="020B0503020000020004" pitchFamily="50" charset="-127"/>
+                        </a:rPr>
+                        <a:t>5</a:t>
+                      </a:r>
+                    </a:p>
+                  </a:txBody>
+                  <a:tcPr marL="9525" marR="9525" marT="9525" marB="0" anchor="ctr">
                     <a:lnL w="12700" cap="flat" cmpd="sng" algn="ctr">
                       <a:solidFill>
                         <a:schemeClr val="tx1"/>
@@ -19728,20 +20070,26 @@
                     <a:noFill/>
                   </a:tcPr>
                 </a:tc>
-                <a:tc hMerge="1">
-                  <a:txBody>
-                    <a:bodyPr/>
-                    <a:lstStyle/>
-                    <a:p>
-                      <a:pPr algn="ctr" latinLnBrk="1"/>
-                      <a:endParaRPr lang="ko-KR" altLang="en-US" sz="1000" b="0" dirty="0">
-                        <a:solidFill>
-                          <a:schemeClr val="tx1"/>
-                        </a:solidFill>
-                      </a:endParaRPr>
-                    </a:p>
-                  </a:txBody>
-                  <a:tcPr anchor="ctr">
+                <a:tc>
+                  <a:txBody>
+                    <a:bodyPr/>
+                    <a:lstStyle/>
+                    <a:p>
+                      <a:pPr algn="ctr" fontAlgn="ctr"/>
+                      <a:r>
+                        <a:rPr lang="en-US" altLang="ko-KR" sz="1050" b="0" i="0" u="none" strike="noStrike">
+                          <a:solidFill>
+                            <a:srgbClr val="000000"/>
+                          </a:solidFill>
+                          <a:effectLst/>
+                          <a:latin typeface="+mn-lt"/>
+                          <a:ea typeface="맑은 고딕" panose="020B0503020000020004" pitchFamily="50" charset="-127"/>
+                        </a:rPr>
+                        <a:t>0</a:t>
+                      </a:r>
+                    </a:p>
+                  </a:txBody>
+                  <a:tcPr marL="9525" marR="9525" marT="9525" marB="0" anchor="ctr">
                     <a:lnL w="12700" cap="flat" cmpd="sng" algn="ctr">
                       <a:solidFill>
                         <a:schemeClr val="tx1"/>
@@ -19781,309 +20129,26 @@
                     <a:noFill/>
                   </a:tcPr>
                 </a:tc>
-                <a:tc gridSpan="2">
-                  <a:txBody>
-                    <a:bodyPr/>
-                    <a:lstStyle/>
-                    <a:p>
-                      <a:pPr algn="ctr" latinLnBrk="1"/>
-                      <a:r>
-                        <a:rPr lang="en-US" altLang="ko-KR" sz="1000" b="0" dirty="0">
-                          <a:solidFill>
-                            <a:schemeClr val="tx1"/>
-                          </a:solidFill>
-                        </a:rPr>
-                        <a:t>1</a:t>
-                      </a:r>
-                      <a:endParaRPr lang="ko-KR" altLang="en-US" sz="1000" b="0" dirty="0">
-                        <a:solidFill>
-                          <a:schemeClr val="tx1"/>
-                        </a:solidFill>
-                      </a:endParaRPr>
-                    </a:p>
-                  </a:txBody>
-                  <a:tcPr anchor="ctr">
-                    <a:lnL w="12700" cap="flat" cmpd="sng" algn="ctr">
-                      <a:solidFill>
-                        <a:schemeClr val="tx1"/>
-                      </a:solidFill>
-                      <a:prstDash val="solid"/>
-                      <a:round/>
-                      <a:headEnd type="none" w="med" len="med"/>
-                      <a:tailEnd type="none" w="med" len="med"/>
-                    </a:lnL>
-                    <a:lnR w="12700" cap="flat" cmpd="sng" algn="ctr">
-                      <a:solidFill>
-                        <a:schemeClr val="tx1"/>
-                      </a:solidFill>
-                      <a:prstDash val="solid"/>
-                      <a:round/>
-                      <a:headEnd type="none" w="med" len="med"/>
-                      <a:tailEnd type="none" w="med" len="med"/>
-                    </a:lnR>
-                    <a:lnT w="12700" cap="flat" cmpd="sng" algn="ctr">
-                      <a:solidFill>
-                        <a:schemeClr val="tx1"/>
-                      </a:solidFill>
-                      <a:prstDash val="solid"/>
-                      <a:round/>
-                      <a:headEnd type="none" w="med" len="med"/>
-                      <a:tailEnd type="none" w="med" len="med"/>
-                    </a:lnT>
-                    <a:lnB w="12700" cap="flat" cmpd="sng" algn="ctr">
-                      <a:solidFill>
-                        <a:schemeClr val="tx1"/>
-                      </a:solidFill>
-                      <a:prstDash val="solid"/>
-                      <a:round/>
-                      <a:headEnd type="none" w="med" len="med"/>
-                      <a:tailEnd type="none" w="med" len="med"/>
-                    </a:lnB>
-                    <a:noFill/>
-                  </a:tcPr>
-                </a:tc>
-                <a:tc hMerge="1">
-                  <a:txBody>
-                    <a:bodyPr/>
-                    <a:lstStyle/>
-                    <a:p>
-                      <a:pPr algn="ctr" latinLnBrk="1"/>
-                      <a:endParaRPr lang="ko-KR" altLang="en-US" sz="1000" b="0" dirty="0">
-                        <a:solidFill>
-                          <a:schemeClr val="tx1"/>
-                        </a:solidFill>
-                      </a:endParaRPr>
-                    </a:p>
-                  </a:txBody>
-                  <a:tcPr anchor="ctr">
-                    <a:lnL w="12700" cap="flat" cmpd="sng" algn="ctr">
-                      <a:solidFill>
-                        <a:schemeClr val="tx1"/>
-                      </a:solidFill>
-                      <a:prstDash val="solid"/>
-                      <a:round/>
-                      <a:headEnd type="none" w="med" len="med"/>
-                      <a:tailEnd type="none" w="med" len="med"/>
-                    </a:lnL>
-                    <a:lnR w="12700" cap="flat" cmpd="sng" algn="ctr">
-                      <a:solidFill>
-                        <a:schemeClr val="tx1"/>
-                      </a:solidFill>
-                      <a:prstDash val="solid"/>
-                      <a:round/>
-                      <a:headEnd type="none" w="med" len="med"/>
-                      <a:tailEnd type="none" w="med" len="med"/>
-                    </a:lnR>
-                    <a:lnT w="12700" cap="flat" cmpd="sng" algn="ctr">
-                      <a:solidFill>
-                        <a:schemeClr val="tx1"/>
-                      </a:solidFill>
-                      <a:prstDash val="solid"/>
-                      <a:round/>
-                      <a:headEnd type="none" w="med" len="med"/>
-                      <a:tailEnd type="none" w="med" len="med"/>
-                    </a:lnT>
-                    <a:lnB w="12700" cap="flat" cmpd="sng" algn="ctr">
-                      <a:solidFill>
-                        <a:schemeClr val="tx1"/>
-                      </a:solidFill>
-                      <a:prstDash val="solid"/>
-                      <a:round/>
-                      <a:headEnd type="none" w="med" len="med"/>
-                      <a:tailEnd type="none" w="med" len="med"/>
-                    </a:lnB>
-                    <a:noFill/>
-                  </a:tcPr>
-                </a:tc>
-                <a:tc gridSpan="2">
-                  <a:txBody>
-                    <a:bodyPr/>
-                    <a:lstStyle/>
-                    <a:p>
-                      <a:pPr algn="ctr" latinLnBrk="1"/>
-                      <a:r>
-                        <a:rPr lang="en-US" altLang="ko-KR" sz="1000" b="0" dirty="0">
-                          <a:solidFill>
-                            <a:schemeClr val="tx1"/>
-                          </a:solidFill>
+                <a:tc>
+                  <a:txBody>
+                    <a:bodyPr/>
+                    <a:lstStyle/>
+                    <a:p>
+                      <a:pPr algn="ctr" fontAlgn="ctr"/>
+                      <a:r>
+                        <a:rPr lang="en-US" altLang="ko-KR" sz="1050" b="0" i="0" u="none" strike="noStrike">
+                          <a:solidFill>
+                            <a:srgbClr val="000000"/>
+                          </a:solidFill>
+                          <a:effectLst/>
+                          <a:latin typeface="+mn-lt"/>
+                          <a:ea typeface="맑은 고딕" panose="020B0503020000020004" pitchFamily="50" charset="-127"/>
                         </a:rPr>
                         <a:t>0</a:t>
                       </a:r>
-                      <a:endParaRPr lang="ko-KR" altLang="en-US" sz="1000" b="0" dirty="0">
-                        <a:solidFill>
-                          <a:schemeClr val="tx1"/>
-                        </a:solidFill>
-                      </a:endParaRPr>
-                    </a:p>
-                  </a:txBody>
-                  <a:tcPr anchor="ctr">
-                    <a:lnL w="12700" cap="flat" cmpd="sng" algn="ctr">
-                      <a:solidFill>
-                        <a:schemeClr val="tx1"/>
-                      </a:solidFill>
-                      <a:prstDash val="solid"/>
-                      <a:round/>
-                      <a:headEnd type="none" w="med" len="med"/>
-                      <a:tailEnd type="none" w="med" len="med"/>
-                    </a:lnL>
-                    <a:lnR w="12700" cap="flat" cmpd="sng" algn="ctr">
-                      <a:solidFill>
-                        <a:schemeClr val="tx1"/>
-                      </a:solidFill>
-                      <a:prstDash val="solid"/>
-                      <a:round/>
-                      <a:headEnd type="none" w="med" len="med"/>
-                      <a:tailEnd type="none" w="med" len="med"/>
-                    </a:lnR>
-                    <a:lnT w="12700" cap="flat" cmpd="sng" algn="ctr">
-                      <a:solidFill>
-                        <a:schemeClr val="tx1"/>
-                      </a:solidFill>
-                      <a:prstDash val="solid"/>
-                      <a:round/>
-                      <a:headEnd type="none" w="med" len="med"/>
-                      <a:tailEnd type="none" w="med" len="med"/>
-                    </a:lnT>
-                    <a:lnB w="12700" cap="flat" cmpd="sng" algn="ctr">
-                      <a:solidFill>
-                        <a:schemeClr val="tx1"/>
-                      </a:solidFill>
-                      <a:prstDash val="solid"/>
-                      <a:round/>
-                      <a:headEnd type="none" w="med" len="med"/>
-                      <a:tailEnd type="none" w="med" len="med"/>
-                    </a:lnB>
-                    <a:noFill/>
-                  </a:tcPr>
-                </a:tc>
-                <a:tc hMerge="1">
-                  <a:txBody>
-                    <a:bodyPr/>
-                    <a:lstStyle/>
-                    <a:p>
-                      <a:pPr algn="ctr" latinLnBrk="1"/>
-                      <a:endParaRPr lang="ko-KR" altLang="en-US" sz="1000" b="0" dirty="0">
-                        <a:solidFill>
-                          <a:schemeClr val="tx1"/>
-                        </a:solidFill>
-                      </a:endParaRPr>
-                    </a:p>
-                  </a:txBody>
-                  <a:tcPr anchor="ctr">
-                    <a:lnL w="12700" cap="flat" cmpd="sng" algn="ctr">
-                      <a:solidFill>
-                        <a:schemeClr val="tx1"/>
-                      </a:solidFill>
-                      <a:prstDash val="solid"/>
-                      <a:round/>
-                      <a:headEnd type="none" w="med" len="med"/>
-                      <a:tailEnd type="none" w="med" len="med"/>
-                    </a:lnL>
-                    <a:lnR w="12700" cap="flat" cmpd="sng" algn="ctr">
-                      <a:solidFill>
-                        <a:schemeClr val="tx1"/>
-                      </a:solidFill>
-                      <a:prstDash val="solid"/>
-                      <a:round/>
-                      <a:headEnd type="none" w="med" len="med"/>
-                      <a:tailEnd type="none" w="med" len="med"/>
-                    </a:lnR>
-                    <a:lnT w="12700" cap="flat" cmpd="sng" algn="ctr">
-                      <a:solidFill>
-                        <a:schemeClr val="tx1"/>
-                      </a:solidFill>
-                      <a:prstDash val="solid"/>
-                      <a:round/>
-                      <a:headEnd type="none" w="med" len="med"/>
-                      <a:tailEnd type="none" w="med" len="med"/>
-                    </a:lnT>
-                    <a:lnB w="12700" cap="flat" cmpd="sng" algn="ctr">
-                      <a:solidFill>
-                        <a:schemeClr val="tx1"/>
-                      </a:solidFill>
-                      <a:prstDash val="solid"/>
-                      <a:round/>
-                      <a:headEnd type="none" w="med" len="med"/>
-                      <a:tailEnd type="none" w="med" len="med"/>
-                    </a:lnB>
-                    <a:noFill/>
-                  </a:tcPr>
-                </a:tc>
-                <a:tc gridSpan="2">
-                  <a:txBody>
-                    <a:bodyPr/>
-                    <a:lstStyle/>
-                    <a:p>
-                      <a:pPr algn="ctr" latinLnBrk="1"/>
-                      <a:r>
-                        <a:rPr lang="en-US" altLang="ko-KR" sz="1000" b="0" dirty="0">
-                          <a:solidFill>
-                            <a:schemeClr val="tx1"/>
-                          </a:solidFill>
-                        </a:rPr>
-                        <a:t>0</a:t>
-                      </a:r>
-                      <a:endParaRPr lang="ko-KR" altLang="en-US" sz="1000" b="0" dirty="0">
-                        <a:solidFill>
-                          <a:schemeClr val="tx1"/>
-                        </a:solidFill>
-                      </a:endParaRPr>
-                    </a:p>
-                  </a:txBody>
-                  <a:tcPr anchor="ctr">
-                    <a:lnL w="12700" cap="flat" cmpd="sng" algn="ctr">
-                      <a:solidFill>
-                        <a:schemeClr val="tx1"/>
-                      </a:solidFill>
-                      <a:prstDash val="solid"/>
-                      <a:round/>
-                      <a:headEnd type="none" w="med" len="med"/>
-                      <a:tailEnd type="none" w="med" len="med"/>
-                    </a:lnL>
-                    <a:lnR w="12700" cap="flat" cmpd="sng" algn="ctr">
-                      <a:solidFill>
-                        <a:schemeClr val="tx1"/>
-                      </a:solidFill>
-                      <a:prstDash val="solid"/>
-                      <a:round/>
-                      <a:headEnd type="none" w="med" len="med"/>
-                      <a:tailEnd type="none" w="med" len="med"/>
-                    </a:lnR>
-                    <a:lnT w="12700" cap="flat" cmpd="sng" algn="ctr">
-                      <a:solidFill>
-                        <a:schemeClr val="tx1"/>
-                      </a:solidFill>
-                      <a:prstDash val="solid"/>
-                      <a:round/>
-                      <a:headEnd type="none" w="med" len="med"/>
-                      <a:tailEnd type="none" w="med" len="med"/>
-                    </a:lnT>
-                    <a:lnB w="12700" cap="flat" cmpd="sng" algn="ctr">
-                      <a:solidFill>
-                        <a:schemeClr val="tx1"/>
-                      </a:solidFill>
-                      <a:prstDash val="solid"/>
-                      <a:round/>
-                      <a:headEnd type="none" w="med" len="med"/>
-                      <a:tailEnd type="none" w="med" len="med"/>
-                    </a:lnB>
-                    <a:noFill/>
-                  </a:tcPr>
-                </a:tc>
-                <a:tc hMerge="1">
-                  <a:txBody>
-                    <a:bodyPr/>
-                    <a:lstStyle/>
-                    <a:p>
-                      <a:pPr algn="ctr" latinLnBrk="1"/>
-                      <a:endParaRPr lang="ko-KR" altLang="en-US" sz="1000" b="0" dirty="0">
-                        <a:solidFill>
-                          <a:schemeClr val="tx1"/>
-                        </a:solidFill>
-                      </a:endParaRPr>
-                    </a:p>
-                  </a:txBody>
-                  <a:tcPr anchor="ctr">
+                    </a:p>
+                  </a:txBody>
+                  <a:tcPr marL="9525" marR="9525" marT="9525" marB="0" anchor="ctr">
                     <a:lnL w="12700" cap="flat" cmpd="sng" algn="ctr">
                       <a:solidFill>
                         <a:schemeClr val="tx1"/>
@@ -20129,29 +20194,27 @@
                   </a:ext>
                 </a:extLst>
               </a:tr>
-              <a:tr h="0">
+              <a:tr h="211355">
                 <a:tc>
                   <a:txBody>
                     <a:bodyPr/>
                     <a:lstStyle/>
                     <a:p>
-                      <a:pPr algn="ctr" latinLnBrk="1"/>
-                      <a:r>
-                        <a:rPr lang="en-US" altLang="ko-KR" sz="1000" b="0" dirty="0">
-                          <a:solidFill>
-                            <a:schemeClr val="tx1"/>
-                          </a:solidFill>
-                        </a:rPr>
-                        <a:t>21~30</a:t>
-                      </a:r>
-                      <a:endParaRPr lang="ko-KR" altLang="en-US" sz="1000" b="0" dirty="0">
-                        <a:solidFill>
-                          <a:schemeClr val="tx1"/>
-                        </a:solidFill>
-                      </a:endParaRPr>
-                    </a:p>
-                  </a:txBody>
-                  <a:tcPr anchor="ctr">
+                      <a:pPr algn="ctr" fontAlgn="ctr"/>
+                      <a:r>
+                        <a:rPr lang="en-US" altLang="ko-KR" sz="1050" b="0" i="0" u="none" strike="noStrike">
+                          <a:solidFill>
+                            <a:srgbClr val="000000"/>
+                          </a:solidFill>
+                          <a:effectLst/>
+                          <a:latin typeface="+mn-lt"/>
+                          <a:ea typeface="맑은 고딕" panose="020B0503020000020004" pitchFamily="50" charset="-127"/>
+                        </a:rPr>
+                        <a:t>3→4</a:t>
+                      </a:r>
+                    </a:p>
+                  </a:txBody>
+                  <a:tcPr marL="9525" marR="9525" marT="9525" marB="0" anchor="ctr">
                     <a:lnL w="12700" cap="flat" cmpd="sng" algn="ctr">
                       <a:solidFill>
                         <a:schemeClr val="tx1"/>
@@ -20196,18 +20259,21 @@
                     <a:bodyPr/>
                     <a:lstStyle/>
                     <a:p>
-                      <a:pPr algn="ctr" latinLnBrk="1"/>
-                      <a:r>
-                        <a:rPr lang="ko-KR" altLang="en-US" sz="1000" b="0" dirty="0">
-                          <a:solidFill>
-                            <a:schemeClr val="tx1"/>
-                          </a:solidFill>
-                        </a:rPr>
-                        <a:t>일류</a:t>
-                      </a:r>
-                    </a:p>
-                  </a:txBody>
-                  <a:tcPr anchor="ctr">
+                      <a:pPr algn="ctr" fontAlgn="ctr"/>
+                      <a:r>
+                        <a:rPr lang="en-US" altLang="ko-KR" sz="1050" b="0" i="0" u="none" strike="noStrike">
+                          <a:solidFill>
+                            <a:srgbClr val="000000"/>
+                          </a:solidFill>
+                          <a:effectLst/>
+                          <a:latin typeface="+mn-lt"/>
+                          <a:ea typeface="맑은 고딕" panose="020B0503020000020004" pitchFamily="50" charset="-127"/>
+                        </a:rPr>
+                        <a:t>25</a:t>
+                      </a:r>
+                    </a:p>
+                  </a:txBody>
+                  <a:tcPr marL="9525" marR="9525" marT="9525" marB="0" anchor="ctr">
                     <a:lnL w="12700" cap="flat" cmpd="sng" algn="ctr">
                       <a:solidFill>
                         <a:schemeClr val="tx1"/>
@@ -20247,28 +20313,26 @@
                     <a:noFill/>
                   </a:tcPr>
                 </a:tc>
-                <a:tc gridSpan="2">
-                  <a:txBody>
-                    <a:bodyPr/>
-                    <a:lstStyle/>
-                    <a:p>
-                      <a:pPr algn="ctr" latinLnBrk="1"/>
-                      <a:r>
-                        <a:rPr lang="en-US" altLang="ko-KR" sz="1000" b="0" dirty="0">
-                          <a:solidFill>
-                            <a:schemeClr val="tx1"/>
-                          </a:solidFill>
-                        </a:rPr>
-                        <a:t>1</a:t>
-                      </a:r>
-                      <a:endParaRPr lang="ko-KR" altLang="en-US" sz="1000" b="0" dirty="0">
-                        <a:solidFill>
-                          <a:schemeClr val="tx1"/>
-                        </a:solidFill>
-                      </a:endParaRPr>
-                    </a:p>
-                  </a:txBody>
-                  <a:tcPr anchor="ctr">
+                <a:tc>
+                  <a:txBody>
+                    <a:bodyPr/>
+                    <a:lstStyle/>
+                    <a:p>
+                      <a:pPr algn="ctr" fontAlgn="ctr"/>
+                      <a:r>
+                        <a:rPr lang="en-US" altLang="ko-KR" sz="1050" b="0" i="0" u="none" strike="noStrike" dirty="0">
+                          <a:solidFill>
+                            <a:srgbClr val="000000"/>
+                          </a:solidFill>
+                          <a:effectLst/>
+                          <a:latin typeface="+mn-lt"/>
+                          <a:ea typeface="맑은 고딕" panose="020B0503020000020004" pitchFamily="50" charset="-127"/>
+                        </a:rPr>
+                        <a:t>5</a:t>
+                      </a:r>
+                    </a:p>
+                  </a:txBody>
+                  <a:tcPr marL="9525" marR="9525" marT="9525" marB="0" anchor="ctr">
                     <a:lnL w="12700" cap="flat" cmpd="sng" algn="ctr">
                       <a:solidFill>
                         <a:schemeClr val="tx1"/>
@@ -20308,20 +20372,26 @@
                     <a:noFill/>
                   </a:tcPr>
                 </a:tc>
-                <a:tc hMerge="1">
-                  <a:txBody>
-                    <a:bodyPr/>
-                    <a:lstStyle/>
-                    <a:p>
-                      <a:pPr algn="ctr" latinLnBrk="1"/>
-                      <a:endParaRPr lang="ko-KR" altLang="en-US" sz="1000" b="0" dirty="0">
-                        <a:solidFill>
-                          <a:schemeClr val="tx1"/>
-                        </a:solidFill>
-                      </a:endParaRPr>
-                    </a:p>
-                  </a:txBody>
-                  <a:tcPr anchor="ctr">
+                <a:tc>
+                  <a:txBody>
+                    <a:bodyPr/>
+                    <a:lstStyle/>
+                    <a:p>
+                      <a:pPr algn="ctr" fontAlgn="ctr"/>
+                      <a:r>
+                        <a:rPr lang="en-US" altLang="ko-KR" sz="1050" b="0" i="0" u="none" strike="noStrike" dirty="0">
+                          <a:solidFill>
+                            <a:srgbClr val="000000"/>
+                          </a:solidFill>
+                          <a:effectLst/>
+                          <a:latin typeface="+mn-lt"/>
+                          <a:ea typeface="맑은 고딕" panose="020B0503020000020004" pitchFamily="50" charset="-127"/>
+                        </a:rPr>
+                        <a:t>0</a:t>
+                      </a:r>
+                    </a:p>
+                  </a:txBody>
+                  <a:tcPr marL="9525" marR="9525" marT="9525" marB="0" anchor="ctr">
                     <a:lnL w="12700" cap="flat" cmpd="sng" algn="ctr">
                       <a:solidFill>
                         <a:schemeClr val="tx1"/>
@@ -20361,309 +20431,26 @@
                     <a:noFill/>
                   </a:tcPr>
                 </a:tc>
-                <a:tc gridSpan="2">
-                  <a:txBody>
-                    <a:bodyPr/>
-                    <a:lstStyle/>
-                    <a:p>
-                      <a:pPr algn="ctr" latinLnBrk="1"/>
-                      <a:r>
-                        <a:rPr lang="en-US" altLang="ko-KR" sz="1000" b="0" dirty="0">
-                          <a:solidFill>
-                            <a:schemeClr val="tx1"/>
-                          </a:solidFill>
-                        </a:rPr>
-                        <a:t>1</a:t>
-                      </a:r>
-                      <a:endParaRPr lang="ko-KR" altLang="en-US" sz="1000" b="0" dirty="0">
-                        <a:solidFill>
-                          <a:schemeClr val="tx1"/>
-                        </a:solidFill>
-                      </a:endParaRPr>
-                    </a:p>
-                  </a:txBody>
-                  <a:tcPr anchor="ctr">
-                    <a:lnL w="12700" cap="flat" cmpd="sng" algn="ctr">
-                      <a:solidFill>
-                        <a:schemeClr val="tx1"/>
-                      </a:solidFill>
-                      <a:prstDash val="solid"/>
-                      <a:round/>
-                      <a:headEnd type="none" w="med" len="med"/>
-                      <a:tailEnd type="none" w="med" len="med"/>
-                    </a:lnL>
-                    <a:lnR w="12700" cap="flat" cmpd="sng" algn="ctr">
-                      <a:solidFill>
-                        <a:schemeClr val="tx1"/>
-                      </a:solidFill>
-                      <a:prstDash val="solid"/>
-                      <a:round/>
-                      <a:headEnd type="none" w="med" len="med"/>
-                      <a:tailEnd type="none" w="med" len="med"/>
-                    </a:lnR>
-                    <a:lnT w="12700" cap="flat" cmpd="sng" algn="ctr">
-                      <a:solidFill>
-                        <a:schemeClr val="tx1"/>
-                      </a:solidFill>
-                      <a:prstDash val="solid"/>
-                      <a:round/>
-                      <a:headEnd type="none" w="med" len="med"/>
-                      <a:tailEnd type="none" w="med" len="med"/>
-                    </a:lnT>
-                    <a:lnB w="12700" cap="flat" cmpd="sng" algn="ctr">
-                      <a:solidFill>
-                        <a:schemeClr val="tx1"/>
-                      </a:solidFill>
-                      <a:prstDash val="solid"/>
-                      <a:round/>
-                      <a:headEnd type="none" w="med" len="med"/>
-                      <a:tailEnd type="none" w="med" len="med"/>
-                    </a:lnB>
-                    <a:noFill/>
-                  </a:tcPr>
-                </a:tc>
-                <a:tc hMerge="1">
-                  <a:txBody>
-                    <a:bodyPr/>
-                    <a:lstStyle/>
-                    <a:p>
-                      <a:pPr algn="ctr" latinLnBrk="1"/>
-                      <a:endParaRPr lang="ko-KR" altLang="en-US" sz="1000" b="0" dirty="0">
-                        <a:solidFill>
-                          <a:schemeClr val="tx1"/>
-                        </a:solidFill>
-                      </a:endParaRPr>
-                    </a:p>
-                  </a:txBody>
-                  <a:tcPr anchor="ctr">
-                    <a:lnL w="12700" cap="flat" cmpd="sng" algn="ctr">
-                      <a:solidFill>
-                        <a:schemeClr val="tx1"/>
-                      </a:solidFill>
-                      <a:prstDash val="solid"/>
-                      <a:round/>
-                      <a:headEnd type="none" w="med" len="med"/>
-                      <a:tailEnd type="none" w="med" len="med"/>
-                    </a:lnL>
-                    <a:lnR w="12700" cap="flat" cmpd="sng" algn="ctr">
-                      <a:solidFill>
-                        <a:schemeClr val="tx1"/>
-                      </a:solidFill>
-                      <a:prstDash val="solid"/>
-                      <a:round/>
-                      <a:headEnd type="none" w="med" len="med"/>
-                      <a:tailEnd type="none" w="med" len="med"/>
-                    </a:lnR>
-                    <a:lnT w="12700" cap="flat" cmpd="sng" algn="ctr">
-                      <a:solidFill>
-                        <a:schemeClr val="tx1"/>
-                      </a:solidFill>
-                      <a:prstDash val="solid"/>
-                      <a:round/>
-                      <a:headEnd type="none" w="med" len="med"/>
-                      <a:tailEnd type="none" w="med" len="med"/>
-                    </a:lnT>
-                    <a:lnB w="12700" cap="flat" cmpd="sng" algn="ctr">
-                      <a:solidFill>
-                        <a:schemeClr val="tx1"/>
-                      </a:solidFill>
-                      <a:prstDash val="solid"/>
-                      <a:round/>
-                      <a:headEnd type="none" w="med" len="med"/>
-                      <a:tailEnd type="none" w="med" len="med"/>
-                    </a:lnB>
-                    <a:noFill/>
-                  </a:tcPr>
-                </a:tc>
-                <a:tc gridSpan="2">
-                  <a:txBody>
-                    <a:bodyPr/>
-                    <a:lstStyle/>
-                    <a:p>
-                      <a:pPr algn="ctr" latinLnBrk="1"/>
-                      <a:r>
-                        <a:rPr lang="en-US" altLang="ko-KR" sz="1000" b="0" dirty="0">
-                          <a:solidFill>
-                            <a:schemeClr val="tx1"/>
-                          </a:solidFill>
+                <a:tc>
+                  <a:txBody>
+                    <a:bodyPr/>
+                    <a:lstStyle/>
+                    <a:p>
+                      <a:pPr algn="ctr" fontAlgn="ctr"/>
+                      <a:r>
+                        <a:rPr lang="en-US" altLang="ko-KR" sz="1050" b="0" i="0" u="none" strike="noStrike">
+                          <a:solidFill>
+                            <a:srgbClr val="000000"/>
+                          </a:solidFill>
+                          <a:effectLst/>
+                          <a:latin typeface="+mn-lt"/>
+                          <a:ea typeface="맑은 고딕" panose="020B0503020000020004" pitchFamily="50" charset="-127"/>
                         </a:rPr>
                         <a:t>0</a:t>
                       </a:r>
-                      <a:endParaRPr lang="ko-KR" altLang="en-US" sz="1000" b="0" dirty="0">
-                        <a:solidFill>
-                          <a:schemeClr val="tx1"/>
-                        </a:solidFill>
-                      </a:endParaRPr>
-                    </a:p>
-                  </a:txBody>
-                  <a:tcPr anchor="ctr">
-                    <a:lnL w="12700" cap="flat" cmpd="sng" algn="ctr">
-                      <a:solidFill>
-                        <a:schemeClr val="tx1"/>
-                      </a:solidFill>
-                      <a:prstDash val="solid"/>
-                      <a:round/>
-                      <a:headEnd type="none" w="med" len="med"/>
-                      <a:tailEnd type="none" w="med" len="med"/>
-                    </a:lnL>
-                    <a:lnR w="12700" cap="flat" cmpd="sng" algn="ctr">
-                      <a:solidFill>
-                        <a:schemeClr val="tx1"/>
-                      </a:solidFill>
-                      <a:prstDash val="solid"/>
-                      <a:round/>
-                      <a:headEnd type="none" w="med" len="med"/>
-                      <a:tailEnd type="none" w="med" len="med"/>
-                    </a:lnR>
-                    <a:lnT w="12700" cap="flat" cmpd="sng" algn="ctr">
-                      <a:solidFill>
-                        <a:schemeClr val="tx1"/>
-                      </a:solidFill>
-                      <a:prstDash val="solid"/>
-                      <a:round/>
-                      <a:headEnd type="none" w="med" len="med"/>
-                      <a:tailEnd type="none" w="med" len="med"/>
-                    </a:lnT>
-                    <a:lnB w="12700" cap="flat" cmpd="sng" algn="ctr">
-                      <a:solidFill>
-                        <a:schemeClr val="tx1"/>
-                      </a:solidFill>
-                      <a:prstDash val="solid"/>
-                      <a:round/>
-                      <a:headEnd type="none" w="med" len="med"/>
-                      <a:tailEnd type="none" w="med" len="med"/>
-                    </a:lnB>
-                    <a:noFill/>
-                  </a:tcPr>
-                </a:tc>
-                <a:tc hMerge="1">
-                  <a:txBody>
-                    <a:bodyPr/>
-                    <a:lstStyle/>
-                    <a:p>
-                      <a:pPr algn="ctr" latinLnBrk="1"/>
-                      <a:endParaRPr lang="ko-KR" altLang="en-US" sz="1000" b="0" dirty="0">
-                        <a:solidFill>
-                          <a:schemeClr val="tx1"/>
-                        </a:solidFill>
-                      </a:endParaRPr>
-                    </a:p>
-                  </a:txBody>
-                  <a:tcPr anchor="ctr">
-                    <a:lnL w="12700" cap="flat" cmpd="sng" algn="ctr">
-                      <a:solidFill>
-                        <a:schemeClr val="tx1"/>
-                      </a:solidFill>
-                      <a:prstDash val="solid"/>
-                      <a:round/>
-                      <a:headEnd type="none" w="med" len="med"/>
-                      <a:tailEnd type="none" w="med" len="med"/>
-                    </a:lnL>
-                    <a:lnR w="12700" cap="flat" cmpd="sng" algn="ctr">
-                      <a:solidFill>
-                        <a:schemeClr val="tx1"/>
-                      </a:solidFill>
-                      <a:prstDash val="solid"/>
-                      <a:round/>
-                      <a:headEnd type="none" w="med" len="med"/>
-                      <a:tailEnd type="none" w="med" len="med"/>
-                    </a:lnR>
-                    <a:lnT w="12700" cap="flat" cmpd="sng" algn="ctr">
-                      <a:solidFill>
-                        <a:schemeClr val="tx1"/>
-                      </a:solidFill>
-                      <a:prstDash val="solid"/>
-                      <a:round/>
-                      <a:headEnd type="none" w="med" len="med"/>
-                      <a:tailEnd type="none" w="med" len="med"/>
-                    </a:lnT>
-                    <a:lnB w="12700" cap="flat" cmpd="sng" algn="ctr">
-                      <a:solidFill>
-                        <a:schemeClr val="tx1"/>
-                      </a:solidFill>
-                      <a:prstDash val="solid"/>
-                      <a:round/>
-                      <a:headEnd type="none" w="med" len="med"/>
-                      <a:tailEnd type="none" w="med" len="med"/>
-                    </a:lnB>
-                    <a:noFill/>
-                  </a:tcPr>
-                </a:tc>
-                <a:tc gridSpan="2">
-                  <a:txBody>
-                    <a:bodyPr/>
-                    <a:lstStyle/>
-                    <a:p>
-                      <a:pPr algn="ctr" latinLnBrk="1"/>
-                      <a:r>
-                        <a:rPr lang="en-US" altLang="ko-KR" sz="1000" b="0" dirty="0">
-                          <a:solidFill>
-                            <a:schemeClr val="tx1"/>
-                          </a:solidFill>
-                        </a:rPr>
-                        <a:t>0</a:t>
-                      </a:r>
-                      <a:endParaRPr lang="ko-KR" altLang="en-US" sz="1000" b="0" dirty="0">
-                        <a:solidFill>
-                          <a:schemeClr val="tx1"/>
-                        </a:solidFill>
-                      </a:endParaRPr>
-                    </a:p>
-                  </a:txBody>
-                  <a:tcPr anchor="ctr">
-                    <a:lnL w="12700" cap="flat" cmpd="sng" algn="ctr">
-                      <a:solidFill>
-                        <a:schemeClr val="tx1"/>
-                      </a:solidFill>
-                      <a:prstDash val="solid"/>
-                      <a:round/>
-                      <a:headEnd type="none" w="med" len="med"/>
-                      <a:tailEnd type="none" w="med" len="med"/>
-                    </a:lnL>
-                    <a:lnR w="12700" cap="flat" cmpd="sng" algn="ctr">
-                      <a:solidFill>
-                        <a:schemeClr val="tx1"/>
-                      </a:solidFill>
-                      <a:prstDash val="solid"/>
-                      <a:round/>
-                      <a:headEnd type="none" w="med" len="med"/>
-                      <a:tailEnd type="none" w="med" len="med"/>
-                    </a:lnR>
-                    <a:lnT w="12700" cap="flat" cmpd="sng" algn="ctr">
-                      <a:solidFill>
-                        <a:schemeClr val="tx1"/>
-                      </a:solidFill>
-                      <a:prstDash val="solid"/>
-                      <a:round/>
-                      <a:headEnd type="none" w="med" len="med"/>
-                      <a:tailEnd type="none" w="med" len="med"/>
-                    </a:lnT>
-                    <a:lnB w="12700" cap="flat" cmpd="sng" algn="ctr">
-                      <a:solidFill>
-                        <a:schemeClr val="tx1"/>
-                      </a:solidFill>
-                      <a:prstDash val="solid"/>
-                      <a:round/>
-                      <a:headEnd type="none" w="med" len="med"/>
-                      <a:tailEnd type="none" w="med" len="med"/>
-                    </a:lnB>
-                    <a:noFill/>
-                  </a:tcPr>
-                </a:tc>
-                <a:tc hMerge="1">
-                  <a:txBody>
-                    <a:bodyPr/>
-                    <a:lstStyle/>
-                    <a:p>
-                      <a:pPr algn="ctr" latinLnBrk="1"/>
-                      <a:endParaRPr lang="ko-KR" altLang="en-US" sz="1000" b="0" dirty="0">
-                        <a:solidFill>
-                          <a:schemeClr val="tx1"/>
-                        </a:solidFill>
-                      </a:endParaRPr>
-                    </a:p>
-                  </a:txBody>
-                  <a:tcPr anchor="ctr">
+                    </a:p>
+                  </a:txBody>
+                  <a:tcPr marL="9525" marR="9525" marT="9525" marB="0" anchor="ctr">
                     <a:lnL w="12700" cap="flat" cmpd="sng" algn="ctr">
                       <a:solidFill>
                         <a:schemeClr val="tx1"/>
@@ -20709,29 +20496,27 @@
                   </a:ext>
                 </a:extLst>
               </a:tr>
-              <a:tr h="147983">
+              <a:tr h="211355">
                 <a:tc>
                   <a:txBody>
                     <a:bodyPr/>
                     <a:lstStyle/>
                     <a:p>
-                      <a:pPr algn="ctr" latinLnBrk="1"/>
-                      <a:r>
-                        <a:rPr lang="en-US" altLang="ko-KR" sz="1000" b="0" dirty="0">
-                          <a:solidFill>
-                            <a:schemeClr val="tx1"/>
-                          </a:solidFill>
-                        </a:rPr>
-                        <a:t>31~40</a:t>
-                      </a:r>
-                      <a:endParaRPr lang="ko-KR" altLang="en-US" sz="1000" b="0" dirty="0">
-                        <a:solidFill>
-                          <a:schemeClr val="tx1"/>
-                        </a:solidFill>
-                      </a:endParaRPr>
-                    </a:p>
-                  </a:txBody>
-                  <a:tcPr anchor="ctr">
+                      <a:pPr algn="ctr" fontAlgn="ctr"/>
+                      <a:r>
+                        <a:rPr lang="en-US" altLang="ko-KR" sz="1050" b="0" i="0" u="none" strike="noStrike">
+                          <a:solidFill>
+                            <a:srgbClr val="000000"/>
+                          </a:solidFill>
+                          <a:effectLst/>
+                          <a:latin typeface="+mn-lt"/>
+                          <a:ea typeface="맑은 고딕" panose="020B0503020000020004" pitchFamily="50" charset="-127"/>
+                        </a:rPr>
+                        <a:t>4→5</a:t>
+                      </a:r>
+                    </a:p>
+                  </a:txBody>
+                  <a:tcPr marL="9525" marR="9525" marT="9525" marB="0" anchor="ctr">
                     <a:lnL w="12700" cap="flat" cmpd="sng" algn="ctr">
                       <a:solidFill>
                         <a:schemeClr val="tx1"/>
@@ -20776,18 +20561,21 @@
                     <a:bodyPr/>
                     <a:lstStyle/>
                     <a:p>
-                      <a:pPr algn="ctr" latinLnBrk="1"/>
-                      <a:r>
-                        <a:rPr lang="ko-KR" altLang="en-US" sz="1000" b="0" dirty="0">
-                          <a:solidFill>
-                            <a:schemeClr val="tx1"/>
-                          </a:solidFill>
-                        </a:rPr>
-                        <a:t>절정</a:t>
-                      </a:r>
-                    </a:p>
-                  </a:txBody>
-                  <a:tcPr anchor="ctr">
+                      <a:pPr algn="ctr" fontAlgn="ctr"/>
+                      <a:r>
+                        <a:rPr lang="en-US" altLang="ko-KR" sz="1050" b="0" i="0" u="none" strike="noStrike" dirty="0">
+                          <a:solidFill>
+                            <a:srgbClr val="000000"/>
+                          </a:solidFill>
+                          <a:effectLst/>
+                          <a:latin typeface="+mn-lt"/>
+                          <a:ea typeface="맑은 고딕" panose="020B0503020000020004" pitchFamily="50" charset="-127"/>
+                        </a:rPr>
+                        <a:t>25</a:t>
+                      </a:r>
+                    </a:p>
+                  </a:txBody>
+                  <a:tcPr marL="9525" marR="9525" marT="9525" marB="0" anchor="ctr">
                     <a:lnL w="12700" cap="flat" cmpd="sng" algn="ctr">
                       <a:solidFill>
                         <a:schemeClr val="tx1"/>
@@ -20827,28 +20615,26 @@
                     <a:noFill/>
                   </a:tcPr>
                 </a:tc>
-                <a:tc gridSpan="2">
-                  <a:txBody>
-                    <a:bodyPr/>
-                    <a:lstStyle/>
-                    <a:p>
-                      <a:pPr algn="ctr" latinLnBrk="1"/>
-                      <a:r>
-                        <a:rPr lang="en-US" altLang="ko-KR" sz="1000" b="0" dirty="0">
-                          <a:solidFill>
-                            <a:schemeClr val="tx1"/>
-                          </a:solidFill>
-                        </a:rPr>
-                        <a:t>1</a:t>
-                      </a:r>
-                      <a:endParaRPr lang="ko-KR" altLang="en-US" sz="1000" b="0" dirty="0">
-                        <a:solidFill>
-                          <a:schemeClr val="tx1"/>
-                        </a:solidFill>
-                      </a:endParaRPr>
-                    </a:p>
-                  </a:txBody>
-                  <a:tcPr anchor="ctr">
+                <a:tc>
+                  <a:txBody>
+                    <a:bodyPr/>
+                    <a:lstStyle/>
+                    <a:p>
+                      <a:pPr algn="ctr" fontAlgn="ctr"/>
+                      <a:r>
+                        <a:rPr lang="en-US" altLang="ko-KR" sz="1050" b="0" i="0" u="none" strike="noStrike" dirty="0">
+                          <a:solidFill>
+                            <a:srgbClr val="000000"/>
+                          </a:solidFill>
+                          <a:effectLst/>
+                          <a:latin typeface="+mn-lt"/>
+                          <a:ea typeface="맑은 고딕" panose="020B0503020000020004" pitchFamily="50" charset="-127"/>
+                        </a:rPr>
+                        <a:t>10</a:t>
+                      </a:r>
+                    </a:p>
+                  </a:txBody>
+                  <a:tcPr marL="9525" marR="9525" marT="9525" marB="0" anchor="ctr">
                     <a:lnL w="12700" cap="flat" cmpd="sng" algn="ctr">
                       <a:solidFill>
                         <a:schemeClr val="tx1"/>
@@ -20888,20 +20674,26 @@
                     <a:noFill/>
                   </a:tcPr>
                 </a:tc>
-                <a:tc hMerge="1">
-                  <a:txBody>
-                    <a:bodyPr/>
-                    <a:lstStyle/>
-                    <a:p>
-                      <a:pPr algn="ctr" latinLnBrk="1"/>
-                      <a:endParaRPr lang="ko-KR" altLang="en-US" sz="1000" b="0" dirty="0">
-                        <a:solidFill>
-                          <a:schemeClr val="tx1"/>
-                        </a:solidFill>
-                      </a:endParaRPr>
-                    </a:p>
-                  </a:txBody>
-                  <a:tcPr anchor="ctr">
+                <a:tc>
+                  <a:txBody>
+                    <a:bodyPr/>
+                    <a:lstStyle/>
+                    <a:p>
+                      <a:pPr algn="ctr" fontAlgn="ctr"/>
+                      <a:r>
+                        <a:rPr lang="en-US" altLang="ko-KR" sz="1050" b="0" i="0" u="none" strike="noStrike" dirty="0">
+                          <a:solidFill>
+                            <a:srgbClr val="000000"/>
+                          </a:solidFill>
+                          <a:effectLst/>
+                          <a:latin typeface="+mn-lt"/>
+                          <a:ea typeface="맑은 고딕" panose="020B0503020000020004" pitchFamily="50" charset="-127"/>
+                        </a:rPr>
+                        <a:t>10</a:t>
+                      </a:r>
+                    </a:p>
+                  </a:txBody>
+                  <a:tcPr marL="9525" marR="9525" marT="9525" marB="0" anchor="ctr">
                     <a:lnL w="12700" cap="flat" cmpd="sng" algn="ctr">
                       <a:solidFill>
                         <a:schemeClr val="tx1"/>
@@ -20941,359 +20733,26 @@
                     <a:noFill/>
                   </a:tcPr>
                 </a:tc>
-                <a:tc gridSpan="2">
-                  <a:txBody>
-                    <a:bodyPr/>
-                    <a:lstStyle/>
-                    <a:p>
-                      <a:pPr algn="ctr" latinLnBrk="1"/>
-                      <a:r>
-                        <a:rPr lang="en-US" altLang="ko-KR" sz="1000" b="0" dirty="0">
-                          <a:solidFill>
-                            <a:schemeClr val="tx1"/>
-                          </a:solidFill>
-                        </a:rPr>
-                        <a:t>1</a:t>
-                      </a:r>
-                      <a:endParaRPr lang="ko-KR" altLang="en-US" sz="1000" b="0" dirty="0">
-                        <a:solidFill>
-                          <a:schemeClr val="tx1"/>
-                        </a:solidFill>
-                      </a:endParaRPr>
-                    </a:p>
-                  </a:txBody>
-                  <a:tcPr anchor="ctr">
-                    <a:lnL w="12700" cap="flat" cmpd="sng" algn="ctr">
-                      <a:solidFill>
-                        <a:schemeClr val="tx1"/>
-                      </a:solidFill>
-                      <a:prstDash val="solid"/>
-                      <a:round/>
-                      <a:headEnd type="none" w="med" len="med"/>
-                      <a:tailEnd type="none" w="med" len="med"/>
-                    </a:lnL>
-                    <a:lnR w="12700" cap="flat" cmpd="sng" algn="ctr">
-                      <a:solidFill>
-                        <a:schemeClr val="tx1"/>
-                      </a:solidFill>
-                      <a:prstDash val="solid"/>
-                      <a:round/>
-                      <a:headEnd type="none" w="med" len="med"/>
-                      <a:tailEnd type="none" w="med" len="med"/>
-                    </a:lnR>
-                    <a:lnT w="12700" cap="flat" cmpd="sng" algn="ctr">
-                      <a:solidFill>
-                        <a:schemeClr val="tx1"/>
-                      </a:solidFill>
-                      <a:prstDash val="solid"/>
-                      <a:round/>
-                      <a:headEnd type="none" w="med" len="med"/>
-                      <a:tailEnd type="none" w="med" len="med"/>
-                    </a:lnT>
-                    <a:lnB w="12700" cap="flat" cmpd="sng" algn="ctr">
-                      <a:solidFill>
-                        <a:schemeClr val="tx1"/>
-                      </a:solidFill>
-                      <a:prstDash val="solid"/>
-                      <a:round/>
-                      <a:headEnd type="none" w="med" len="med"/>
-                      <a:tailEnd type="none" w="med" len="med"/>
-                    </a:lnB>
-                    <a:noFill/>
-                  </a:tcPr>
-                </a:tc>
-                <a:tc hMerge="1">
-                  <a:txBody>
-                    <a:bodyPr/>
-                    <a:lstStyle/>
-                    <a:p>
-                      <a:pPr algn="ctr" latinLnBrk="1"/>
-                      <a:endParaRPr lang="ko-KR" altLang="en-US" sz="1000" b="0" dirty="0">
-                        <a:solidFill>
-                          <a:schemeClr val="tx1"/>
-                        </a:solidFill>
-                      </a:endParaRPr>
-                    </a:p>
-                  </a:txBody>
-                  <a:tcPr anchor="ctr">
-                    <a:lnL w="12700" cap="flat" cmpd="sng" algn="ctr">
-                      <a:solidFill>
-                        <a:schemeClr val="tx1"/>
-                      </a:solidFill>
-                      <a:prstDash val="solid"/>
-                      <a:round/>
-                      <a:headEnd type="none" w="med" len="med"/>
-                      <a:tailEnd type="none" w="med" len="med"/>
-                    </a:lnL>
-                    <a:lnR w="12700" cap="flat" cmpd="sng" algn="ctr">
-                      <a:solidFill>
-                        <a:schemeClr val="tx1"/>
-                      </a:solidFill>
-                      <a:prstDash val="solid"/>
-                      <a:round/>
-                      <a:headEnd type="none" w="med" len="med"/>
-                      <a:tailEnd type="none" w="med" len="med"/>
-                    </a:lnR>
-                    <a:lnT w="12700" cap="flat" cmpd="sng" algn="ctr">
-                      <a:solidFill>
-                        <a:schemeClr val="tx1"/>
-                      </a:solidFill>
-                      <a:prstDash val="solid"/>
-                      <a:round/>
-                      <a:headEnd type="none" w="med" len="med"/>
-                      <a:tailEnd type="none" w="med" len="med"/>
-                    </a:lnT>
-                    <a:lnB w="12700" cap="flat" cmpd="sng" algn="ctr">
-                      <a:solidFill>
-                        <a:schemeClr val="tx1"/>
-                      </a:solidFill>
-                      <a:prstDash val="solid"/>
-                      <a:round/>
-                      <a:headEnd type="none" w="med" len="med"/>
-                      <a:tailEnd type="none" w="med" len="med"/>
-                    </a:lnB>
-                    <a:noFill/>
-                  </a:tcPr>
-                </a:tc>
-                <a:tc gridSpan="2">
-                  <a:txBody>
-                    <a:bodyPr/>
-                    <a:lstStyle/>
-                    <a:p>
-                      <a:pPr algn="ctr" latinLnBrk="1"/>
-                      <a:r>
-                        <a:rPr lang="en-US" altLang="ko-KR" sz="1000" b="0" dirty="0">
-                          <a:solidFill>
-                            <a:schemeClr val="tx1"/>
-                          </a:solidFill>
-                        </a:rPr>
-                        <a:t>1</a:t>
-                      </a:r>
-                      <a:endParaRPr lang="ko-KR" altLang="en-US" sz="1000" b="0" dirty="0">
-                        <a:solidFill>
-                          <a:schemeClr val="tx1"/>
-                        </a:solidFill>
-                      </a:endParaRPr>
-                    </a:p>
-                  </a:txBody>
-                  <a:tcPr anchor="ctr">
-                    <a:lnL w="12700" cap="flat" cmpd="sng" algn="ctr">
-                      <a:solidFill>
-                        <a:schemeClr val="tx1"/>
-                      </a:solidFill>
-                      <a:prstDash val="solid"/>
-                      <a:round/>
-                      <a:headEnd type="none" w="med" len="med"/>
-                      <a:tailEnd type="none" w="med" len="med"/>
-                    </a:lnL>
-                    <a:lnR w="12700" cap="flat" cmpd="sng" algn="ctr">
-                      <a:solidFill>
-                        <a:schemeClr val="tx1"/>
-                      </a:solidFill>
-                      <a:prstDash val="solid"/>
-                      <a:round/>
-                      <a:headEnd type="none" w="med" len="med"/>
-                      <a:tailEnd type="none" w="med" len="med"/>
-                    </a:lnR>
-                    <a:lnT w="12700" cap="flat" cmpd="sng" algn="ctr">
-                      <a:solidFill>
-                        <a:schemeClr val="tx1"/>
-                      </a:solidFill>
-                      <a:prstDash val="solid"/>
-                      <a:round/>
-                      <a:headEnd type="none" w="med" len="med"/>
-                      <a:tailEnd type="none" w="med" len="med"/>
-                    </a:lnT>
-                    <a:lnB w="12700" cap="flat" cmpd="sng" algn="ctr">
-                      <a:solidFill>
-                        <a:schemeClr val="tx1"/>
-                      </a:solidFill>
-                      <a:prstDash val="solid"/>
-                      <a:round/>
-                      <a:headEnd type="none" w="med" len="med"/>
-                      <a:tailEnd type="none" w="med" len="med"/>
-                    </a:lnB>
-                    <a:noFill/>
-                  </a:tcPr>
-                </a:tc>
-                <a:tc hMerge="1">
-                  <a:txBody>
-                    <a:bodyPr/>
-                    <a:lstStyle/>
-                    <a:p>
-                      <a:pPr marL="0" marR="0" lvl="0" indent="0" algn="ctr" defTabSz="914400" rtl="0" eaLnBrk="1" fontAlgn="auto" latinLnBrk="1" hangingPunct="1">
-                        <a:lnSpc>
-                          <a:spcPct val="100000"/>
-                        </a:lnSpc>
-                        <a:spcBef>
-                          <a:spcPts val="0"/>
-                        </a:spcBef>
-                        <a:spcAft>
-                          <a:spcPts val="0"/>
-                        </a:spcAft>
-                        <a:buClrTx/>
-                        <a:buSzTx/>
-                        <a:buFontTx/>
-                        <a:buNone/>
-                        <a:tabLst/>
-                        <a:defRPr/>
-                      </a:pPr>
-                      <a:endParaRPr kumimoji="0" lang="ko-KR" altLang="en-US" sz="1000" b="0" i="0" u="none" strike="noStrike" kern="1200" cap="none" spc="0" normalizeH="0" baseline="0" noProof="0" dirty="0">
-                        <a:ln>
-                          <a:noFill/>
-                        </a:ln>
-                        <a:solidFill>
-                          <a:schemeClr val="tx1"/>
-                        </a:solidFill>
-                        <a:effectLst/>
-                        <a:uLnTx/>
-                        <a:uFillTx/>
-                        <a:latin typeface="맑은 고딕" panose="020F0502020204030204"/>
-                        <a:ea typeface="맑은 고딕" panose="020B0503020000020004" pitchFamily="50" charset="-127"/>
-                        <a:cs typeface="+mn-cs"/>
-                      </a:endParaRPr>
-                    </a:p>
-                  </a:txBody>
-                  <a:tcPr anchor="ctr">
-                    <a:lnL w="12700" cap="flat" cmpd="sng" algn="ctr">
-                      <a:solidFill>
-                        <a:schemeClr val="tx1"/>
-                      </a:solidFill>
-                      <a:prstDash val="solid"/>
-                      <a:round/>
-                      <a:headEnd type="none" w="med" len="med"/>
-                      <a:tailEnd type="none" w="med" len="med"/>
-                    </a:lnL>
-                    <a:lnR w="12700" cap="flat" cmpd="sng" algn="ctr">
-                      <a:solidFill>
-                        <a:schemeClr val="tx1"/>
-                      </a:solidFill>
-                      <a:prstDash val="solid"/>
-                      <a:round/>
-                      <a:headEnd type="none" w="med" len="med"/>
-                      <a:tailEnd type="none" w="med" len="med"/>
-                    </a:lnR>
-                    <a:lnT w="12700" cap="flat" cmpd="sng" algn="ctr">
-                      <a:solidFill>
-                        <a:schemeClr val="tx1"/>
-                      </a:solidFill>
-                      <a:prstDash val="solid"/>
-                      <a:round/>
-                      <a:headEnd type="none" w="med" len="med"/>
-                      <a:tailEnd type="none" w="med" len="med"/>
-                    </a:lnT>
-                    <a:lnB w="12700" cap="flat" cmpd="sng" algn="ctr">
-                      <a:solidFill>
-                        <a:schemeClr val="tx1"/>
-                      </a:solidFill>
-                      <a:prstDash val="solid"/>
-                      <a:round/>
-                      <a:headEnd type="none" w="med" len="med"/>
-                      <a:tailEnd type="none" w="med" len="med"/>
-                    </a:lnB>
-                    <a:noFill/>
-                  </a:tcPr>
-                </a:tc>
-                <a:tc gridSpan="2">
-                  <a:txBody>
-                    <a:bodyPr/>
-                    <a:lstStyle/>
-                    <a:p>
-                      <a:pPr algn="ctr" latinLnBrk="1"/>
-                      <a:r>
-                        <a:rPr lang="en-US" altLang="ko-KR" sz="1000" b="0" dirty="0">
-                          <a:solidFill>
-                            <a:schemeClr val="tx1"/>
-                          </a:solidFill>
-                        </a:rPr>
-                        <a:t>1</a:t>
-                      </a:r>
-                      <a:endParaRPr lang="ko-KR" altLang="en-US" sz="1000" b="0" dirty="0">
-                        <a:solidFill>
-                          <a:schemeClr val="tx1"/>
-                        </a:solidFill>
-                      </a:endParaRPr>
-                    </a:p>
-                  </a:txBody>
-                  <a:tcPr anchor="ctr">
-                    <a:lnL w="12700" cap="flat" cmpd="sng" algn="ctr">
-                      <a:solidFill>
-                        <a:schemeClr val="tx1"/>
-                      </a:solidFill>
-                      <a:prstDash val="solid"/>
-                      <a:round/>
-                      <a:headEnd type="none" w="med" len="med"/>
-                      <a:tailEnd type="none" w="med" len="med"/>
-                    </a:lnL>
-                    <a:lnR w="12700" cap="flat" cmpd="sng" algn="ctr">
-                      <a:solidFill>
-                        <a:schemeClr val="tx1"/>
-                      </a:solidFill>
-                      <a:prstDash val="solid"/>
-                      <a:round/>
-                      <a:headEnd type="none" w="med" len="med"/>
-                      <a:tailEnd type="none" w="med" len="med"/>
-                    </a:lnR>
-                    <a:lnT w="12700" cap="flat" cmpd="sng" algn="ctr">
-                      <a:solidFill>
-                        <a:schemeClr val="tx1"/>
-                      </a:solidFill>
-                      <a:prstDash val="solid"/>
-                      <a:round/>
-                      <a:headEnd type="none" w="med" len="med"/>
-                      <a:tailEnd type="none" w="med" len="med"/>
-                    </a:lnT>
-                    <a:lnB w="12700" cap="flat" cmpd="sng" algn="ctr">
-                      <a:solidFill>
-                        <a:schemeClr val="tx1"/>
-                      </a:solidFill>
-                      <a:prstDash val="solid"/>
-                      <a:round/>
-                      <a:headEnd type="none" w="med" len="med"/>
-                      <a:tailEnd type="none" w="med" len="med"/>
-                    </a:lnB>
-                    <a:noFill/>
-                  </a:tcPr>
-                </a:tc>
-                <a:tc hMerge="1">
-                  <a:txBody>
-                    <a:bodyPr/>
-                    <a:lstStyle/>
-                    <a:p>
-                      <a:pPr marL="0" marR="0" lvl="0" indent="0" algn="ctr" defTabSz="914400" rtl="0" eaLnBrk="1" fontAlgn="auto" latinLnBrk="1" hangingPunct="1">
-                        <a:lnSpc>
-                          <a:spcPct val="100000"/>
-                        </a:lnSpc>
-                        <a:spcBef>
-                          <a:spcPts val="0"/>
-                        </a:spcBef>
-                        <a:spcAft>
-                          <a:spcPts val="0"/>
-                        </a:spcAft>
-                        <a:buClrTx/>
-                        <a:buSzTx/>
-                        <a:buFontTx/>
-                        <a:buNone/>
-                        <a:tabLst/>
-                        <a:defRPr/>
-                      </a:pPr>
-                      <a:endParaRPr kumimoji="0" lang="ko-KR" altLang="en-US" sz="1000" b="0" i="0" u="none" strike="noStrike" kern="1200" cap="none" spc="0" normalizeH="0" baseline="0" noProof="0" dirty="0">
-                        <a:ln>
-                          <a:noFill/>
-                        </a:ln>
-                        <a:solidFill>
-                          <a:schemeClr val="tx1"/>
-                        </a:solidFill>
-                        <a:effectLst/>
-                        <a:uLnTx/>
-                        <a:uFillTx/>
-                        <a:latin typeface="맑은 고딕" panose="020F0502020204030204"/>
-                        <a:ea typeface="맑은 고딕" panose="020B0503020000020004" pitchFamily="50" charset="-127"/>
-                        <a:cs typeface="+mn-cs"/>
-                      </a:endParaRPr>
-                    </a:p>
-                  </a:txBody>
-                  <a:tcPr anchor="ctr">
+                <a:tc>
+                  <a:txBody>
+                    <a:bodyPr/>
+                    <a:lstStyle/>
+                    <a:p>
+                      <a:pPr algn="ctr" fontAlgn="ctr"/>
+                      <a:r>
+                        <a:rPr lang="en-US" altLang="ko-KR" sz="1050" b="0" i="0" u="none" strike="noStrike">
+                          <a:solidFill>
+                            <a:srgbClr val="000000"/>
+                          </a:solidFill>
+                          <a:effectLst/>
+                          <a:latin typeface="+mn-lt"/>
+                          <a:ea typeface="맑은 고딕" panose="020B0503020000020004" pitchFamily="50" charset="-127"/>
+                        </a:rPr>
+                        <a:t>10</a:t>
+                      </a:r>
+                    </a:p>
+                  </a:txBody>
+                  <a:tcPr marL="9525" marR="9525" marT="9525" marB="0" anchor="ctr">
                     <a:lnL w="12700" cap="flat" cmpd="sng" algn="ctr">
                       <a:solidFill>
                         <a:schemeClr val="tx1"/>
@@ -21339,29 +20798,27 @@
                   </a:ext>
                 </a:extLst>
               </a:tr>
-              <a:tr h="147983">
+              <a:tr h="211355">
                 <a:tc>
                   <a:txBody>
                     <a:bodyPr/>
                     <a:lstStyle/>
                     <a:p>
-                      <a:pPr algn="ctr" latinLnBrk="1"/>
-                      <a:r>
-                        <a:rPr lang="en-US" altLang="ko-KR" sz="1000" b="0" dirty="0">
-                          <a:solidFill>
-                            <a:schemeClr val="tx1"/>
-                          </a:solidFill>
-                        </a:rPr>
-                        <a:t>41~60</a:t>
-                      </a:r>
-                      <a:endParaRPr lang="ko-KR" altLang="en-US" sz="1000" b="0" dirty="0">
-                        <a:solidFill>
-                          <a:schemeClr val="tx1"/>
-                        </a:solidFill>
-                      </a:endParaRPr>
-                    </a:p>
-                  </a:txBody>
-                  <a:tcPr anchor="ctr">
+                      <a:pPr algn="ctr" fontAlgn="ctr"/>
+                      <a:r>
+                        <a:rPr lang="en-US" altLang="ko-KR" sz="1050" b="0" i="0" u="none" strike="noStrike">
+                          <a:solidFill>
+                            <a:srgbClr val="000000"/>
+                          </a:solidFill>
+                          <a:effectLst/>
+                          <a:latin typeface="+mn-lt"/>
+                          <a:ea typeface="맑은 고딕" panose="020B0503020000020004" pitchFamily="50" charset="-127"/>
+                        </a:rPr>
+                        <a:t>5→6</a:t>
+                      </a:r>
+                    </a:p>
+                  </a:txBody>
+                  <a:tcPr marL="9525" marR="9525" marT="9525" marB="0" anchor="ctr">
                     <a:lnL w="12700" cap="flat" cmpd="sng" algn="ctr">
                       <a:solidFill>
                         <a:schemeClr val="tx1"/>
@@ -21406,23 +20863,21 @@
                     <a:bodyPr/>
                     <a:lstStyle/>
                     <a:p>
-                      <a:pPr algn="ctr" latinLnBrk="1"/>
-                      <a:r>
-                        <a:rPr lang="ko-KR" altLang="en-US" sz="1000" b="0" dirty="0" err="1">
-                          <a:solidFill>
-                            <a:schemeClr val="tx1"/>
-                          </a:solidFill>
-                        </a:rPr>
-                        <a:t>초절정</a:t>
-                      </a:r>
-                      <a:endParaRPr lang="ko-KR" altLang="en-US" sz="1000" b="0" dirty="0">
-                        <a:solidFill>
-                          <a:schemeClr val="tx1"/>
-                        </a:solidFill>
-                      </a:endParaRPr>
-                    </a:p>
-                  </a:txBody>
-                  <a:tcPr anchor="ctr">
+                      <a:pPr algn="ctr" fontAlgn="ctr"/>
+                      <a:r>
+                        <a:rPr lang="en-US" altLang="ko-KR" sz="1050" b="0" i="0" u="none" strike="noStrike">
+                          <a:solidFill>
+                            <a:srgbClr val="000000"/>
+                          </a:solidFill>
+                          <a:effectLst/>
+                          <a:latin typeface="+mn-lt"/>
+                          <a:ea typeface="맑은 고딕" panose="020B0503020000020004" pitchFamily="50" charset="-127"/>
+                        </a:rPr>
+                        <a:t>25</a:t>
+                      </a:r>
+                    </a:p>
+                  </a:txBody>
+                  <a:tcPr marL="9525" marR="9525" marT="9525" marB="0" anchor="ctr">
                     <a:lnL w="12700" cap="flat" cmpd="sng" algn="ctr">
                       <a:solidFill>
                         <a:schemeClr val="tx1"/>
@@ -21462,28 +20917,26 @@
                     <a:noFill/>
                   </a:tcPr>
                 </a:tc>
-                <a:tc gridSpan="2">
-                  <a:txBody>
-                    <a:bodyPr/>
-                    <a:lstStyle/>
-                    <a:p>
-                      <a:pPr algn="ctr" latinLnBrk="1"/>
-                      <a:r>
-                        <a:rPr lang="en-US" altLang="ko-KR" sz="1000" b="0" dirty="0">
-                          <a:solidFill>
-                            <a:schemeClr val="tx1"/>
-                          </a:solidFill>
-                        </a:rPr>
-                        <a:t>5</a:t>
-                      </a:r>
-                      <a:endParaRPr lang="ko-KR" altLang="en-US" sz="1000" b="0" dirty="0">
-                        <a:solidFill>
-                          <a:schemeClr val="tx1"/>
-                        </a:solidFill>
-                      </a:endParaRPr>
-                    </a:p>
-                  </a:txBody>
-                  <a:tcPr anchor="ctr">
+                <a:tc>
+                  <a:txBody>
+                    <a:bodyPr/>
+                    <a:lstStyle/>
+                    <a:p>
+                      <a:pPr algn="ctr" fontAlgn="ctr"/>
+                      <a:r>
+                        <a:rPr lang="en-US" altLang="ko-KR" sz="1050" b="0" i="0" u="none" strike="noStrike">
+                          <a:solidFill>
+                            <a:srgbClr val="000000"/>
+                          </a:solidFill>
+                          <a:effectLst/>
+                          <a:latin typeface="+mn-lt"/>
+                          <a:ea typeface="맑은 고딕" panose="020B0503020000020004" pitchFamily="50" charset="-127"/>
+                        </a:rPr>
+                        <a:t>10</a:t>
+                      </a:r>
+                    </a:p>
+                  </a:txBody>
+                  <a:tcPr marL="9525" marR="9525" marT="9525" marB="0" anchor="ctr">
                     <a:lnL w="12700" cap="flat" cmpd="sng" algn="ctr">
                       <a:solidFill>
                         <a:schemeClr val="tx1"/>
@@ -21523,20 +20976,26 @@
                     <a:noFill/>
                   </a:tcPr>
                 </a:tc>
-                <a:tc hMerge="1">
-                  <a:txBody>
-                    <a:bodyPr/>
-                    <a:lstStyle/>
-                    <a:p>
-                      <a:pPr algn="ctr" latinLnBrk="1"/>
-                      <a:endParaRPr lang="ko-KR" altLang="en-US" sz="1000" b="0" dirty="0">
-                        <a:solidFill>
-                          <a:schemeClr val="tx1"/>
-                        </a:solidFill>
-                      </a:endParaRPr>
-                    </a:p>
-                  </a:txBody>
-                  <a:tcPr anchor="ctr">
+                <a:tc>
+                  <a:txBody>
+                    <a:bodyPr/>
+                    <a:lstStyle/>
+                    <a:p>
+                      <a:pPr algn="ctr" fontAlgn="ctr"/>
+                      <a:r>
+                        <a:rPr lang="en-US" altLang="ko-KR" sz="1050" b="0" i="0" u="none" strike="noStrike" dirty="0">
+                          <a:solidFill>
+                            <a:srgbClr val="000000"/>
+                          </a:solidFill>
+                          <a:effectLst/>
+                          <a:latin typeface="+mn-lt"/>
+                          <a:ea typeface="맑은 고딕" panose="020B0503020000020004" pitchFamily="50" charset="-127"/>
+                        </a:rPr>
+                        <a:t>10</a:t>
+                      </a:r>
+                    </a:p>
+                  </a:txBody>
+                  <a:tcPr marL="9525" marR="9525" marT="9525" marB="0" anchor="ctr">
                     <a:lnL w="12700" cap="flat" cmpd="sng" algn="ctr">
                       <a:solidFill>
                         <a:schemeClr val="tx1"/>
@@ -21576,384 +21035,26 @@
                     <a:noFill/>
                   </a:tcPr>
                 </a:tc>
-                <a:tc gridSpan="2">
-                  <a:txBody>
-                    <a:bodyPr/>
-                    <a:lstStyle/>
-                    <a:p>
-                      <a:pPr algn="ctr" latinLnBrk="1"/>
-                      <a:r>
-                        <a:rPr lang="en-US" altLang="ko-KR" sz="1000" b="0" dirty="0">
-                          <a:solidFill>
-                            <a:schemeClr val="tx1"/>
-                          </a:solidFill>
-                        </a:rPr>
-                        <a:t>5</a:t>
-                      </a:r>
-                      <a:endParaRPr lang="ko-KR" altLang="en-US" sz="1000" b="0" dirty="0">
-                        <a:solidFill>
-                          <a:schemeClr val="tx1"/>
-                        </a:solidFill>
-                      </a:endParaRPr>
-                    </a:p>
-                  </a:txBody>
-                  <a:tcPr anchor="ctr">
-                    <a:lnL w="12700" cap="flat" cmpd="sng" algn="ctr">
-                      <a:solidFill>
-                        <a:schemeClr val="tx1"/>
-                      </a:solidFill>
-                      <a:prstDash val="solid"/>
-                      <a:round/>
-                      <a:headEnd type="none" w="med" len="med"/>
-                      <a:tailEnd type="none" w="med" len="med"/>
-                    </a:lnL>
-                    <a:lnR w="12700" cap="flat" cmpd="sng" algn="ctr">
-                      <a:solidFill>
-                        <a:schemeClr val="tx1"/>
-                      </a:solidFill>
-                      <a:prstDash val="solid"/>
-                      <a:round/>
-                      <a:headEnd type="none" w="med" len="med"/>
-                      <a:tailEnd type="none" w="med" len="med"/>
-                    </a:lnR>
-                    <a:lnT w="12700" cap="flat" cmpd="sng" algn="ctr">
-                      <a:solidFill>
-                        <a:schemeClr val="tx1"/>
-                      </a:solidFill>
-                      <a:prstDash val="solid"/>
-                      <a:round/>
-                      <a:headEnd type="none" w="med" len="med"/>
-                      <a:tailEnd type="none" w="med" len="med"/>
-                    </a:lnT>
-                    <a:lnB w="12700" cap="flat" cmpd="sng" algn="ctr">
-                      <a:solidFill>
-                        <a:schemeClr val="tx1"/>
-                      </a:solidFill>
-                      <a:prstDash val="solid"/>
-                      <a:round/>
-                      <a:headEnd type="none" w="med" len="med"/>
-                      <a:tailEnd type="none" w="med" len="med"/>
-                    </a:lnB>
-                    <a:noFill/>
-                  </a:tcPr>
-                </a:tc>
-                <a:tc hMerge="1">
-                  <a:txBody>
-                    <a:bodyPr/>
-                    <a:lstStyle/>
-                    <a:p>
-                      <a:pPr marL="0" marR="0" lvl="0" indent="0" algn="ctr" defTabSz="914400" rtl="0" eaLnBrk="1" fontAlgn="auto" latinLnBrk="1" hangingPunct="1">
-                        <a:lnSpc>
-                          <a:spcPct val="100000"/>
-                        </a:lnSpc>
-                        <a:spcBef>
-                          <a:spcPts val="0"/>
-                        </a:spcBef>
-                        <a:spcAft>
-                          <a:spcPts val="0"/>
-                        </a:spcAft>
-                        <a:buClrTx/>
-                        <a:buSzTx/>
-                        <a:buFontTx/>
-                        <a:buNone/>
-                        <a:tabLst/>
-                        <a:defRPr/>
-                      </a:pPr>
-                      <a:endParaRPr kumimoji="0" lang="ko-KR" altLang="en-US" sz="1000" b="0" i="0" u="none" strike="noStrike" kern="1200" cap="none" spc="0" normalizeH="0" baseline="0" noProof="0" dirty="0">
-                        <a:ln>
-                          <a:noFill/>
-                        </a:ln>
-                        <a:solidFill>
-                          <a:prstClr val="black"/>
-                        </a:solidFill>
-                        <a:effectLst/>
-                        <a:uLnTx/>
-                        <a:uFillTx/>
-                        <a:latin typeface="맑은 고딕" panose="020F0502020204030204"/>
-                        <a:ea typeface="맑은 고딕" panose="020B0503020000020004" pitchFamily="50" charset="-127"/>
-                        <a:cs typeface="+mn-cs"/>
-                      </a:endParaRPr>
-                    </a:p>
-                  </a:txBody>
-                  <a:tcPr anchor="ctr">
-                    <a:lnL w="12700" cap="flat" cmpd="sng" algn="ctr">
-                      <a:solidFill>
-                        <a:schemeClr val="tx1"/>
-                      </a:solidFill>
-                      <a:prstDash val="solid"/>
-                      <a:round/>
-                      <a:headEnd type="none" w="med" len="med"/>
-                      <a:tailEnd type="none" w="med" len="med"/>
-                    </a:lnL>
-                    <a:lnR w="12700" cap="flat" cmpd="sng" algn="ctr">
-                      <a:solidFill>
-                        <a:schemeClr val="tx1"/>
-                      </a:solidFill>
-                      <a:prstDash val="solid"/>
-                      <a:round/>
-                      <a:headEnd type="none" w="med" len="med"/>
-                      <a:tailEnd type="none" w="med" len="med"/>
-                    </a:lnR>
-                    <a:lnT w="12700" cap="flat" cmpd="sng" algn="ctr">
-                      <a:solidFill>
-                        <a:schemeClr val="tx1"/>
-                      </a:solidFill>
-                      <a:prstDash val="solid"/>
-                      <a:round/>
-                      <a:headEnd type="none" w="med" len="med"/>
-                      <a:tailEnd type="none" w="med" len="med"/>
-                    </a:lnT>
-                    <a:lnB w="12700" cap="flat" cmpd="sng" algn="ctr">
-                      <a:solidFill>
-                        <a:schemeClr val="tx1"/>
-                      </a:solidFill>
-                      <a:prstDash val="solid"/>
-                      <a:round/>
-                      <a:headEnd type="none" w="med" len="med"/>
-                      <a:tailEnd type="none" w="med" len="med"/>
-                    </a:lnB>
-                    <a:noFill/>
-                  </a:tcPr>
-                </a:tc>
-                <a:tc gridSpan="2">
-                  <a:txBody>
-                    <a:bodyPr/>
-                    <a:lstStyle/>
-                    <a:p>
-                      <a:pPr algn="ctr" latinLnBrk="1"/>
-                      <a:r>
-                        <a:rPr lang="en-US" altLang="ko-KR" sz="1000" b="0" dirty="0">
-                          <a:solidFill>
-                            <a:schemeClr val="tx1"/>
-                          </a:solidFill>
-                        </a:rPr>
-                        <a:t>1</a:t>
-                      </a:r>
-                      <a:endParaRPr lang="ko-KR" altLang="en-US" sz="1000" b="0" dirty="0">
-                        <a:solidFill>
-                          <a:schemeClr val="tx1"/>
-                        </a:solidFill>
-                      </a:endParaRPr>
-                    </a:p>
-                  </a:txBody>
-                  <a:tcPr anchor="ctr">
-                    <a:lnL w="12700" cap="flat" cmpd="sng" algn="ctr">
-                      <a:solidFill>
-                        <a:schemeClr val="tx1"/>
-                      </a:solidFill>
-                      <a:prstDash val="solid"/>
-                      <a:round/>
-                      <a:headEnd type="none" w="med" len="med"/>
-                      <a:tailEnd type="none" w="med" len="med"/>
-                    </a:lnL>
-                    <a:lnR w="12700" cap="flat" cmpd="sng" algn="ctr">
-                      <a:solidFill>
-                        <a:schemeClr val="tx1"/>
-                      </a:solidFill>
-                      <a:prstDash val="solid"/>
-                      <a:round/>
-                      <a:headEnd type="none" w="med" len="med"/>
-                      <a:tailEnd type="none" w="med" len="med"/>
-                    </a:lnR>
-                    <a:lnT w="12700" cap="flat" cmpd="sng" algn="ctr">
-                      <a:solidFill>
-                        <a:schemeClr val="tx1"/>
-                      </a:solidFill>
-                      <a:prstDash val="solid"/>
-                      <a:round/>
-                      <a:headEnd type="none" w="med" len="med"/>
-                      <a:tailEnd type="none" w="med" len="med"/>
-                    </a:lnT>
-                    <a:lnB w="12700" cap="flat" cmpd="sng" algn="ctr">
-                      <a:solidFill>
-                        <a:schemeClr val="tx1"/>
-                      </a:solidFill>
-                      <a:prstDash val="solid"/>
-                      <a:round/>
-                      <a:headEnd type="none" w="med" len="med"/>
-                      <a:tailEnd type="none" w="med" len="med"/>
-                    </a:lnB>
-                    <a:noFill/>
-                  </a:tcPr>
-                </a:tc>
-                <a:tc hMerge="1">
-                  <a:txBody>
-                    <a:bodyPr/>
-                    <a:lstStyle/>
-                    <a:p>
-                      <a:pPr marL="0" marR="0" lvl="0" indent="0" algn="ctr" defTabSz="914400" rtl="0" eaLnBrk="1" fontAlgn="auto" latinLnBrk="1" hangingPunct="1">
-                        <a:lnSpc>
-                          <a:spcPct val="100000"/>
-                        </a:lnSpc>
-                        <a:spcBef>
-                          <a:spcPts val="0"/>
-                        </a:spcBef>
-                        <a:spcAft>
-                          <a:spcPts val="0"/>
-                        </a:spcAft>
-                        <a:buClrTx/>
-                        <a:buSzTx/>
-                        <a:buFontTx/>
-                        <a:buNone/>
-                        <a:tabLst/>
-                        <a:defRPr/>
-                      </a:pPr>
-                      <a:endParaRPr kumimoji="0" lang="ko-KR" altLang="en-US" sz="1000" b="0" i="0" u="none" strike="noStrike" kern="1200" cap="none" spc="0" normalizeH="0" baseline="0" noProof="0" dirty="0">
-                        <a:ln>
-                          <a:noFill/>
-                        </a:ln>
-                        <a:solidFill>
-                          <a:schemeClr val="tx1"/>
-                        </a:solidFill>
-                        <a:effectLst/>
-                        <a:uLnTx/>
-                        <a:uFillTx/>
-                        <a:latin typeface="맑은 고딕" panose="020F0502020204030204"/>
-                        <a:ea typeface="맑은 고딕" panose="020B0503020000020004" pitchFamily="50" charset="-127"/>
-                        <a:cs typeface="+mn-cs"/>
-                      </a:endParaRPr>
-                    </a:p>
-                  </a:txBody>
-                  <a:tcPr anchor="ctr">
-                    <a:lnL w="12700" cap="flat" cmpd="sng" algn="ctr">
-                      <a:solidFill>
-                        <a:schemeClr val="tx1"/>
-                      </a:solidFill>
-                      <a:prstDash val="solid"/>
-                      <a:round/>
-                      <a:headEnd type="none" w="med" len="med"/>
-                      <a:tailEnd type="none" w="med" len="med"/>
-                    </a:lnL>
-                    <a:lnR w="12700" cap="flat" cmpd="sng" algn="ctr">
-                      <a:solidFill>
-                        <a:schemeClr val="tx1"/>
-                      </a:solidFill>
-                      <a:prstDash val="solid"/>
-                      <a:round/>
-                      <a:headEnd type="none" w="med" len="med"/>
-                      <a:tailEnd type="none" w="med" len="med"/>
-                    </a:lnR>
-                    <a:lnT w="12700" cap="flat" cmpd="sng" algn="ctr">
-                      <a:solidFill>
-                        <a:schemeClr val="tx1"/>
-                      </a:solidFill>
-                      <a:prstDash val="solid"/>
-                      <a:round/>
-                      <a:headEnd type="none" w="med" len="med"/>
-                      <a:tailEnd type="none" w="med" len="med"/>
-                    </a:lnT>
-                    <a:lnB w="12700" cap="flat" cmpd="sng" algn="ctr">
-                      <a:solidFill>
-                        <a:schemeClr val="tx1"/>
-                      </a:solidFill>
-                      <a:prstDash val="solid"/>
-                      <a:round/>
-                      <a:headEnd type="none" w="med" len="med"/>
-                      <a:tailEnd type="none" w="med" len="med"/>
-                    </a:lnB>
-                    <a:noFill/>
-                  </a:tcPr>
-                </a:tc>
-                <a:tc gridSpan="2">
-                  <a:txBody>
-                    <a:bodyPr/>
-                    <a:lstStyle/>
-                    <a:p>
-                      <a:pPr algn="ctr" latinLnBrk="1"/>
-                      <a:r>
-                        <a:rPr lang="en-US" altLang="ko-KR" sz="1000" b="0" dirty="0">
-                          <a:solidFill>
-                            <a:schemeClr val="tx1"/>
-                          </a:solidFill>
-                        </a:rPr>
-                        <a:t>1</a:t>
-                      </a:r>
-                      <a:endParaRPr lang="ko-KR" altLang="en-US" sz="1000" b="0" dirty="0">
-                        <a:solidFill>
-                          <a:schemeClr val="tx1"/>
-                        </a:solidFill>
-                      </a:endParaRPr>
-                    </a:p>
-                  </a:txBody>
-                  <a:tcPr anchor="ctr">
-                    <a:lnL w="12700" cap="flat" cmpd="sng" algn="ctr">
-                      <a:solidFill>
-                        <a:schemeClr val="tx1"/>
-                      </a:solidFill>
-                      <a:prstDash val="solid"/>
-                      <a:round/>
-                      <a:headEnd type="none" w="med" len="med"/>
-                      <a:tailEnd type="none" w="med" len="med"/>
-                    </a:lnL>
-                    <a:lnR w="12700" cap="flat" cmpd="sng" algn="ctr">
-                      <a:solidFill>
-                        <a:schemeClr val="tx1"/>
-                      </a:solidFill>
-                      <a:prstDash val="solid"/>
-                      <a:round/>
-                      <a:headEnd type="none" w="med" len="med"/>
-                      <a:tailEnd type="none" w="med" len="med"/>
-                    </a:lnR>
-                    <a:lnT w="12700" cap="flat" cmpd="sng" algn="ctr">
-                      <a:solidFill>
-                        <a:schemeClr val="tx1"/>
-                      </a:solidFill>
-                      <a:prstDash val="solid"/>
-                      <a:round/>
-                      <a:headEnd type="none" w="med" len="med"/>
-                      <a:tailEnd type="none" w="med" len="med"/>
-                    </a:lnT>
-                    <a:lnB w="12700" cap="flat" cmpd="sng" algn="ctr">
-                      <a:solidFill>
-                        <a:schemeClr val="tx1"/>
-                      </a:solidFill>
-                      <a:prstDash val="solid"/>
-                      <a:round/>
-                      <a:headEnd type="none" w="med" len="med"/>
-                      <a:tailEnd type="none" w="med" len="med"/>
-                    </a:lnB>
-                    <a:noFill/>
-                  </a:tcPr>
-                </a:tc>
-                <a:tc hMerge="1">
-                  <a:txBody>
-                    <a:bodyPr/>
-                    <a:lstStyle/>
-                    <a:p>
-                      <a:pPr marL="0" marR="0" lvl="0" indent="0" algn="ctr" defTabSz="914400" rtl="0" eaLnBrk="1" fontAlgn="auto" latinLnBrk="1" hangingPunct="1">
-                        <a:lnSpc>
-                          <a:spcPct val="100000"/>
-                        </a:lnSpc>
-                        <a:spcBef>
-                          <a:spcPts val="0"/>
-                        </a:spcBef>
-                        <a:spcAft>
-                          <a:spcPts val="0"/>
-                        </a:spcAft>
-                        <a:buClrTx/>
-                        <a:buSzTx/>
-                        <a:buFontTx/>
-                        <a:buNone/>
-                        <a:tabLst/>
-                        <a:defRPr/>
-                      </a:pPr>
-                      <a:endParaRPr kumimoji="0" lang="ko-KR" altLang="en-US" sz="1000" b="0" i="0" u="none" strike="noStrike" kern="1200" cap="none" spc="0" normalizeH="0" baseline="0" noProof="0" dirty="0">
-                        <a:ln>
-                          <a:noFill/>
-                        </a:ln>
-                        <a:solidFill>
-                          <a:schemeClr val="tx1"/>
-                        </a:solidFill>
-                        <a:effectLst/>
-                        <a:uLnTx/>
-                        <a:uFillTx/>
-                        <a:latin typeface="맑은 고딕" panose="020F0502020204030204"/>
-                        <a:ea typeface="맑은 고딕" panose="020B0503020000020004" pitchFamily="50" charset="-127"/>
-                        <a:cs typeface="+mn-cs"/>
-                      </a:endParaRPr>
-                    </a:p>
-                  </a:txBody>
-                  <a:tcPr anchor="ctr">
+                <a:tc>
+                  <a:txBody>
+                    <a:bodyPr/>
+                    <a:lstStyle/>
+                    <a:p>
+                      <a:pPr algn="ctr" fontAlgn="ctr"/>
+                      <a:r>
+                        <a:rPr lang="en-US" altLang="ko-KR" sz="1050" b="0" i="0" u="none" strike="noStrike">
+                          <a:solidFill>
+                            <a:srgbClr val="000000"/>
+                          </a:solidFill>
+                          <a:effectLst/>
+                          <a:latin typeface="+mn-lt"/>
+                          <a:ea typeface="맑은 고딕" panose="020B0503020000020004" pitchFamily="50" charset="-127"/>
+                        </a:rPr>
+                        <a:t>10</a:t>
+                      </a:r>
+                    </a:p>
+                  </a:txBody>
+                  <a:tcPr marL="9525" marR="9525" marT="9525" marB="0" anchor="ctr">
                     <a:lnL w="12700" cap="flat" cmpd="sng" algn="ctr">
                       <a:solidFill>
                         <a:schemeClr val="tx1"/>
@@ -21999,29 +21100,27 @@
                   </a:ext>
                 </a:extLst>
               </a:tr>
-              <a:tr h="147983">
+              <a:tr h="211355">
                 <a:tc>
                   <a:txBody>
                     <a:bodyPr/>
                     <a:lstStyle/>
                     <a:p>
-                      <a:pPr algn="ctr" latinLnBrk="1"/>
-                      <a:r>
-                        <a:rPr lang="en-US" altLang="ko-KR" sz="1000" b="0" dirty="0">
-                          <a:solidFill>
-                            <a:schemeClr val="tx1"/>
-                          </a:solidFill>
-                        </a:rPr>
-                        <a:t>61~80</a:t>
-                      </a:r>
-                      <a:endParaRPr lang="ko-KR" altLang="en-US" sz="1000" b="0" dirty="0">
-                        <a:solidFill>
-                          <a:schemeClr val="tx1"/>
-                        </a:solidFill>
-                      </a:endParaRPr>
-                    </a:p>
-                  </a:txBody>
-                  <a:tcPr anchor="ctr">
+                      <a:pPr algn="ctr" fontAlgn="ctr"/>
+                      <a:r>
+                        <a:rPr lang="en-US" altLang="ko-KR" sz="1050" b="0" i="0" u="none" strike="noStrike">
+                          <a:solidFill>
+                            <a:srgbClr val="000000"/>
+                          </a:solidFill>
+                          <a:effectLst/>
+                          <a:latin typeface="+mn-lt"/>
+                          <a:ea typeface="맑은 고딕" panose="020B0503020000020004" pitchFamily="50" charset="-127"/>
+                        </a:rPr>
+                        <a:t>6→7</a:t>
+                      </a:r>
+                    </a:p>
+                  </a:txBody>
+                  <a:tcPr marL="9525" marR="9525" marT="9525" marB="0" anchor="ctr">
                     <a:lnL w="12700" cap="flat" cmpd="sng" algn="ctr">
                       <a:solidFill>
                         <a:schemeClr val="tx1"/>
@@ -22066,18 +21165,21 @@
                     <a:bodyPr/>
                     <a:lstStyle/>
                     <a:p>
-                      <a:pPr algn="ctr" latinLnBrk="1"/>
-                      <a:r>
-                        <a:rPr lang="ko-KR" altLang="en-US" sz="1000" b="0" dirty="0">
-                          <a:solidFill>
-                            <a:schemeClr val="tx1"/>
-                          </a:solidFill>
-                        </a:rPr>
-                        <a:t>화경</a:t>
-                      </a:r>
-                    </a:p>
-                  </a:txBody>
-                  <a:tcPr anchor="ctr">
+                      <a:pPr algn="ctr" fontAlgn="ctr"/>
+                      <a:r>
+                        <a:rPr lang="en-US" altLang="ko-KR" sz="1050" b="0" i="0" u="none" strike="noStrike">
+                          <a:solidFill>
+                            <a:srgbClr val="000000"/>
+                          </a:solidFill>
+                          <a:effectLst/>
+                          <a:latin typeface="+mn-lt"/>
+                          <a:ea typeface="맑은 고딕" panose="020B0503020000020004" pitchFamily="50" charset="-127"/>
+                        </a:rPr>
+                        <a:t>25</a:t>
+                      </a:r>
+                    </a:p>
+                  </a:txBody>
+                  <a:tcPr marL="9525" marR="9525" marT="9525" marB="0" anchor="ctr">
                     <a:lnL w="12700" cap="flat" cmpd="sng" algn="ctr">
                       <a:solidFill>
                         <a:schemeClr val="tx1"/>
@@ -22117,28 +21219,26 @@
                     <a:noFill/>
                   </a:tcPr>
                 </a:tc>
-                <a:tc gridSpan="2">
-                  <a:txBody>
-                    <a:bodyPr/>
-                    <a:lstStyle/>
-                    <a:p>
-                      <a:pPr algn="ctr" latinLnBrk="1"/>
-                      <a:r>
-                        <a:rPr lang="en-US" altLang="ko-KR" sz="1000" b="0" dirty="0">
-                          <a:solidFill>
-                            <a:schemeClr val="tx1"/>
-                          </a:solidFill>
-                        </a:rPr>
-                        <a:t>5</a:t>
-                      </a:r>
-                      <a:endParaRPr lang="ko-KR" altLang="en-US" sz="1000" b="0" dirty="0">
-                        <a:solidFill>
-                          <a:schemeClr val="tx1"/>
-                        </a:solidFill>
-                      </a:endParaRPr>
-                    </a:p>
-                  </a:txBody>
-                  <a:tcPr anchor="ctr">
+                <a:tc>
+                  <a:txBody>
+                    <a:bodyPr/>
+                    <a:lstStyle/>
+                    <a:p>
+                      <a:pPr algn="ctr" fontAlgn="ctr"/>
+                      <a:r>
+                        <a:rPr lang="en-US" altLang="ko-KR" sz="1050" b="0" i="0" u="none" strike="noStrike">
+                          <a:solidFill>
+                            <a:srgbClr val="000000"/>
+                          </a:solidFill>
+                          <a:effectLst/>
+                          <a:latin typeface="+mn-lt"/>
+                          <a:ea typeface="맑은 고딕" panose="020B0503020000020004" pitchFamily="50" charset="-127"/>
+                        </a:rPr>
+                        <a:t>10</a:t>
+                      </a:r>
+                    </a:p>
+                  </a:txBody>
+                  <a:tcPr marL="9525" marR="9525" marT="9525" marB="0" anchor="ctr">
                     <a:lnL w="12700" cap="flat" cmpd="sng" algn="ctr">
                       <a:solidFill>
                         <a:schemeClr val="tx1"/>
@@ -22178,20 +21278,26 @@
                     <a:noFill/>
                   </a:tcPr>
                 </a:tc>
-                <a:tc hMerge="1">
-                  <a:txBody>
-                    <a:bodyPr/>
-                    <a:lstStyle/>
-                    <a:p>
-                      <a:pPr algn="ctr" latinLnBrk="1"/>
-                      <a:endParaRPr lang="ko-KR" altLang="en-US" sz="1000" b="0" dirty="0">
-                        <a:solidFill>
-                          <a:schemeClr val="tx1"/>
-                        </a:solidFill>
-                      </a:endParaRPr>
-                    </a:p>
-                  </a:txBody>
-                  <a:tcPr anchor="ctr">
+                <a:tc>
+                  <a:txBody>
+                    <a:bodyPr/>
+                    <a:lstStyle/>
+                    <a:p>
+                      <a:pPr algn="ctr" fontAlgn="ctr"/>
+                      <a:r>
+                        <a:rPr lang="en-US" altLang="ko-KR" sz="1050" b="0" i="0" u="none" strike="noStrike" dirty="0">
+                          <a:solidFill>
+                            <a:srgbClr val="000000"/>
+                          </a:solidFill>
+                          <a:effectLst/>
+                          <a:latin typeface="+mn-lt"/>
+                          <a:ea typeface="맑은 고딕" panose="020B0503020000020004" pitchFamily="50" charset="-127"/>
+                        </a:rPr>
+                        <a:t>10</a:t>
+                      </a:r>
+                    </a:p>
+                  </a:txBody>
+                  <a:tcPr marL="9525" marR="9525" marT="9525" marB="0" anchor="ctr">
                     <a:lnL w="12700" cap="flat" cmpd="sng" algn="ctr">
                       <a:solidFill>
                         <a:schemeClr val="tx1"/>
@@ -22231,384 +21337,26 @@
                     <a:noFill/>
                   </a:tcPr>
                 </a:tc>
-                <a:tc gridSpan="2">
-                  <a:txBody>
-                    <a:bodyPr/>
-                    <a:lstStyle/>
-                    <a:p>
-                      <a:pPr algn="ctr" latinLnBrk="1"/>
-                      <a:r>
-                        <a:rPr lang="en-US" altLang="ko-KR" sz="1000" b="0" dirty="0">
-                          <a:solidFill>
-                            <a:schemeClr val="tx1"/>
-                          </a:solidFill>
-                        </a:rPr>
-                        <a:t>5</a:t>
-                      </a:r>
-                      <a:endParaRPr lang="ko-KR" altLang="en-US" sz="1000" b="0" dirty="0">
-                        <a:solidFill>
-                          <a:schemeClr val="tx1"/>
-                        </a:solidFill>
-                      </a:endParaRPr>
-                    </a:p>
-                  </a:txBody>
-                  <a:tcPr anchor="ctr">
-                    <a:lnL w="12700" cap="flat" cmpd="sng" algn="ctr">
-                      <a:solidFill>
-                        <a:schemeClr val="tx1"/>
-                      </a:solidFill>
-                      <a:prstDash val="solid"/>
-                      <a:round/>
-                      <a:headEnd type="none" w="med" len="med"/>
-                      <a:tailEnd type="none" w="med" len="med"/>
-                    </a:lnL>
-                    <a:lnR w="12700" cap="flat" cmpd="sng" algn="ctr">
-                      <a:solidFill>
-                        <a:schemeClr val="tx1"/>
-                      </a:solidFill>
-                      <a:prstDash val="solid"/>
-                      <a:round/>
-                      <a:headEnd type="none" w="med" len="med"/>
-                      <a:tailEnd type="none" w="med" len="med"/>
-                    </a:lnR>
-                    <a:lnT w="12700" cap="flat" cmpd="sng" algn="ctr">
-                      <a:solidFill>
-                        <a:schemeClr val="tx1"/>
-                      </a:solidFill>
-                      <a:prstDash val="solid"/>
-                      <a:round/>
-                      <a:headEnd type="none" w="med" len="med"/>
-                      <a:tailEnd type="none" w="med" len="med"/>
-                    </a:lnT>
-                    <a:lnB w="12700" cap="flat" cmpd="sng" algn="ctr">
-                      <a:solidFill>
-                        <a:schemeClr val="tx1"/>
-                      </a:solidFill>
-                      <a:prstDash val="solid"/>
-                      <a:round/>
-                      <a:headEnd type="none" w="med" len="med"/>
-                      <a:tailEnd type="none" w="med" len="med"/>
-                    </a:lnB>
-                    <a:noFill/>
-                  </a:tcPr>
-                </a:tc>
-                <a:tc hMerge="1">
-                  <a:txBody>
-                    <a:bodyPr/>
-                    <a:lstStyle/>
-                    <a:p>
-                      <a:pPr marL="0" marR="0" lvl="0" indent="0" algn="ctr" defTabSz="914400" rtl="0" eaLnBrk="1" fontAlgn="auto" latinLnBrk="1" hangingPunct="1">
-                        <a:lnSpc>
-                          <a:spcPct val="100000"/>
-                        </a:lnSpc>
-                        <a:spcBef>
-                          <a:spcPts val="0"/>
-                        </a:spcBef>
-                        <a:spcAft>
-                          <a:spcPts val="0"/>
-                        </a:spcAft>
-                        <a:buClrTx/>
-                        <a:buSzTx/>
-                        <a:buFontTx/>
-                        <a:buNone/>
-                        <a:tabLst/>
-                        <a:defRPr/>
-                      </a:pPr>
-                      <a:endParaRPr kumimoji="0" lang="ko-KR" altLang="en-US" sz="1000" b="0" i="0" u="none" strike="noStrike" kern="1200" cap="none" spc="0" normalizeH="0" baseline="0" noProof="0" dirty="0">
-                        <a:ln>
-                          <a:noFill/>
-                        </a:ln>
-                        <a:solidFill>
-                          <a:prstClr val="black"/>
-                        </a:solidFill>
-                        <a:effectLst/>
-                        <a:uLnTx/>
-                        <a:uFillTx/>
-                        <a:latin typeface="맑은 고딕" panose="020F0502020204030204"/>
-                        <a:ea typeface="맑은 고딕" panose="020B0503020000020004" pitchFamily="50" charset="-127"/>
-                        <a:cs typeface="+mn-cs"/>
-                      </a:endParaRPr>
-                    </a:p>
-                  </a:txBody>
-                  <a:tcPr anchor="ctr">
-                    <a:lnL w="12700" cap="flat" cmpd="sng" algn="ctr">
-                      <a:solidFill>
-                        <a:schemeClr val="tx1"/>
-                      </a:solidFill>
-                      <a:prstDash val="solid"/>
-                      <a:round/>
-                      <a:headEnd type="none" w="med" len="med"/>
-                      <a:tailEnd type="none" w="med" len="med"/>
-                    </a:lnL>
-                    <a:lnR w="12700" cap="flat" cmpd="sng" algn="ctr">
-                      <a:solidFill>
-                        <a:schemeClr val="tx1"/>
-                      </a:solidFill>
-                      <a:prstDash val="solid"/>
-                      <a:round/>
-                      <a:headEnd type="none" w="med" len="med"/>
-                      <a:tailEnd type="none" w="med" len="med"/>
-                    </a:lnR>
-                    <a:lnT w="12700" cap="flat" cmpd="sng" algn="ctr">
-                      <a:solidFill>
-                        <a:schemeClr val="tx1"/>
-                      </a:solidFill>
-                      <a:prstDash val="solid"/>
-                      <a:round/>
-                      <a:headEnd type="none" w="med" len="med"/>
-                      <a:tailEnd type="none" w="med" len="med"/>
-                    </a:lnT>
-                    <a:lnB w="12700" cap="flat" cmpd="sng" algn="ctr">
-                      <a:solidFill>
-                        <a:schemeClr val="tx1"/>
-                      </a:solidFill>
-                      <a:prstDash val="solid"/>
-                      <a:round/>
-                      <a:headEnd type="none" w="med" len="med"/>
-                      <a:tailEnd type="none" w="med" len="med"/>
-                    </a:lnB>
-                    <a:noFill/>
-                  </a:tcPr>
-                </a:tc>
-                <a:tc gridSpan="2">
-                  <a:txBody>
-                    <a:bodyPr/>
-                    <a:lstStyle/>
-                    <a:p>
-                      <a:pPr algn="ctr" latinLnBrk="1"/>
-                      <a:r>
-                        <a:rPr lang="en-US" altLang="ko-KR" sz="1000" b="0" dirty="0">
-                          <a:solidFill>
-                            <a:schemeClr val="tx1"/>
-                          </a:solidFill>
-                        </a:rPr>
-                        <a:t>1</a:t>
-                      </a:r>
-                      <a:endParaRPr lang="ko-KR" altLang="en-US" sz="1000" b="0" dirty="0">
-                        <a:solidFill>
-                          <a:schemeClr val="tx1"/>
-                        </a:solidFill>
-                      </a:endParaRPr>
-                    </a:p>
-                  </a:txBody>
-                  <a:tcPr anchor="ctr">
-                    <a:lnL w="12700" cap="flat" cmpd="sng" algn="ctr">
-                      <a:solidFill>
-                        <a:schemeClr val="tx1"/>
-                      </a:solidFill>
-                      <a:prstDash val="solid"/>
-                      <a:round/>
-                      <a:headEnd type="none" w="med" len="med"/>
-                      <a:tailEnd type="none" w="med" len="med"/>
-                    </a:lnL>
-                    <a:lnR w="12700" cap="flat" cmpd="sng" algn="ctr">
-                      <a:solidFill>
-                        <a:schemeClr val="tx1"/>
-                      </a:solidFill>
-                      <a:prstDash val="solid"/>
-                      <a:round/>
-                      <a:headEnd type="none" w="med" len="med"/>
-                      <a:tailEnd type="none" w="med" len="med"/>
-                    </a:lnR>
-                    <a:lnT w="12700" cap="flat" cmpd="sng" algn="ctr">
-                      <a:solidFill>
-                        <a:schemeClr val="tx1"/>
-                      </a:solidFill>
-                      <a:prstDash val="solid"/>
-                      <a:round/>
-                      <a:headEnd type="none" w="med" len="med"/>
-                      <a:tailEnd type="none" w="med" len="med"/>
-                    </a:lnT>
-                    <a:lnB w="12700" cap="flat" cmpd="sng" algn="ctr">
-                      <a:solidFill>
-                        <a:schemeClr val="tx1"/>
-                      </a:solidFill>
-                      <a:prstDash val="solid"/>
-                      <a:round/>
-                      <a:headEnd type="none" w="med" len="med"/>
-                      <a:tailEnd type="none" w="med" len="med"/>
-                    </a:lnB>
-                    <a:noFill/>
-                  </a:tcPr>
-                </a:tc>
-                <a:tc hMerge="1">
-                  <a:txBody>
-                    <a:bodyPr/>
-                    <a:lstStyle/>
-                    <a:p>
-                      <a:pPr marL="0" marR="0" lvl="0" indent="0" algn="ctr" defTabSz="914400" rtl="0" eaLnBrk="1" fontAlgn="auto" latinLnBrk="1" hangingPunct="1">
-                        <a:lnSpc>
-                          <a:spcPct val="100000"/>
-                        </a:lnSpc>
-                        <a:spcBef>
-                          <a:spcPts val="0"/>
-                        </a:spcBef>
-                        <a:spcAft>
-                          <a:spcPts val="0"/>
-                        </a:spcAft>
-                        <a:buClrTx/>
-                        <a:buSzTx/>
-                        <a:buFontTx/>
-                        <a:buNone/>
-                        <a:tabLst/>
-                        <a:defRPr/>
-                      </a:pPr>
-                      <a:endParaRPr kumimoji="0" lang="ko-KR" altLang="en-US" sz="1000" b="0" i="0" u="none" strike="noStrike" kern="1200" cap="none" spc="0" normalizeH="0" baseline="0" noProof="0" dirty="0">
-                        <a:ln>
-                          <a:noFill/>
-                        </a:ln>
-                        <a:solidFill>
-                          <a:schemeClr val="tx1"/>
-                        </a:solidFill>
-                        <a:effectLst/>
-                        <a:uLnTx/>
-                        <a:uFillTx/>
-                        <a:latin typeface="맑은 고딕" panose="020F0502020204030204"/>
-                        <a:ea typeface="맑은 고딕" panose="020B0503020000020004" pitchFamily="50" charset="-127"/>
-                        <a:cs typeface="+mn-cs"/>
-                      </a:endParaRPr>
-                    </a:p>
-                  </a:txBody>
-                  <a:tcPr anchor="ctr">
-                    <a:lnL w="12700" cap="flat" cmpd="sng" algn="ctr">
-                      <a:solidFill>
-                        <a:schemeClr val="tx1"/>
-                      </a:solidFill>
-                      <a:prstDash val="solid"/>
-                      <a:round/>
-                      <a:headEnd type="none" w="med" len="med"/>
-                      <a:tailEnd type="none" w="med" len="med"/>
-                    </a:lnL>
-                    <a:lnR w="12700" cap="flat" cmpd="sng" algn="ctr">
-                      <a:solidFill>
-                        <a:schemeClr val="tx1"/>
-                      </a:solidFill>
-                      <a:prstDash val="solid"/>
-                      <a:round/>
-                      <a:headEnd type="none" w="med" len="med"/>
-                      <a:tailEnd type="none" w="med" len="med"/>
-                    </a:lnR>
-                    <a:lnT w="12700" cap="flat" cmpd="sng" algn="ctr">
-                      <a:solidFill>
-                        <a:schemeClr val="tx1"/>
-                      </a:solidFill>
-                      <a:prstDash val="solid"/>
-                      <a:round/>
-                      <a:headEnd type="none" w="med" len="med"/>
-                      <a:tailEnd type="none" w="med" len="med"/>
-                    </a:lnT>
-                    <a:lnB w="12700" cap="flat" cmpd="sng" algn="ctr">
-                      <a:solidFill>
-                        <a:schemeClr val="tx1"/>
-                      </a:solidFill>
-                      <a:prstDash val="solid"/>
-                      <a:round/>
-                      <a:headEnd type="none" w="med" len="med"/>
-                      <a:tailEnd type="none" w="med" len="med"/>
-                    </a:lnB>
-                    <a:noFill/>
-                  </a:tcPr>
-                </a:tc>
-                <a:tc gridSpan="2">
-                  <a:txBody>
-                    <a:bodyPr/>
-                    <a:lstStyle/>
-                    <a:p>
-                      <a:pPr algn="ctr" latinLnBrk="1"/>
-                      <a:r>
-                        <a:rPr lang="en-US" altLang="ko-KR" sz="1000" b="0" dirty="0">
-                          <a:solidFill>
-                            <a:schemeClr val="tx1"/>
-                          </a:solidFill>
-                        </a:rPr>
-                        <a:t>1</a:t>
-                      </a:r>
-                      <a:endParaRPr lang="ko-KR" altLang="en-US" sz="1000" b="0" dirty="0">
-                        <a:solidFill>
-                          <a:schemeClr val="tx1"/>
-                        </a:solidFill>
-                      </a:endParaRPr>
-                    </a:p>
-                  </a:txBody>
-                  <a:tcPr anchor="ctr">
-                    <a:lnL w="12700" cap="flat" cmpd="sng" algn="ctr">
-                      <a:solidFill>
-                        <a:schemeClr val="tx1"/>
-                      </a:solidFill>
-                      <a:prstDash val="solid"/>
-                      <a:round/>
-                      <a:headEnd type="none" w="med" len="med"/>
-                      <a:tailEnd type="none" w="med" len="med"/>
-                    </a:lnL>
-                    <a:lnR w="12700" cap="flat" cmpd="sng" algn="ctr">
-                      <a:solidFill>
-                        <a:schemeClr val="tx1"/>
-                      </a:solidFill>
-                      <a:prstDash val="solid"/>
-                      <a:round/>
-                      <a:headEnd type="none" w="med" len="med"/>
-                      <a:tailEnd type="none" w="med" len="med"/>
-                    </a:lnR>
-                    <a:lnT w="12700" cap="flat" cmpd="sng" algn="ctr">
-                      <a:solidFill>
-                        <a:schemeClr val="tx1"/>
-                      </a:solidFill>
-                      <a:prstDash val="solid"/>
-                      <a:round/>
-                      <a:headEnd type="none" w="med" len="med"/>
-                      <a:tailEnd type="none" w="med" len="med"/>
-                    </a:lnT>
-                    <a:lnB w="12700" cap="flat" cmpd="sng" algn="ctr">
-                      <a:solidFill>
-                        <a:schemeClr val="tx1"/>
-                      </a:solidFill>
-                      <a:prstDash val="solid"/>
-                      <a:round/>
-                      <a:headEnd type="none" w="med" len="med"/>
-                      <a:tailEnd type="none" w="med" len="med"/>
-                    </a:lnB>
-                    <a:noFill/>
-                  </a:tcPr>
-                </a:tc>
-                <a:tc hMerge="1">
-                  <a:txBody>
-                    <a:bodyPr/>
-                    <a:lstStyle/>
-                    <a:p>
-                      <a:pPr marL="0" marR="0" lvl="0" indent="0" algn="ctr" defTabSz="914400" rtl="0" eaLnBrk="1" fontAlgn="auto" latinLnBrk="1" hangingPunct="1">
-                        <a:lnSpc>
-                          <a:spcPct val="100000"/>
-                        </a:lnSpc>
-                        <a:spcBef>
-                          <a:spcPts val="0"/>
-                        </a:spcBef>
-                        <a:spcAft>
-                          <a:spcPts val="0"/>
-                        </a:spcAft>
-                        <a:buClrTx/>
-                        <a:buSzTx/>
-                        <a:buFontTx/>
-                        <a:buNone/>
-                        <a:tabLst/>
-                        <a:defRPr/>
-                      </a:pPr>
-                      <a:endParaRPr kumimoji="0" lang="ko-KR" altLang="en-US" sz="1000" b="0" i="0" u="none" strike="noStrike" kern="1200" cap="none" spc="0" normalizeH="0" baseline="0" noProof="0" dirty="0">
-                        <a:ln>
-                          <a:noFill/>
-                        </a:ln>
-                        <a:solidFill>
-                          <a:schemeClr val="tx1"/>
-                        </a:solidFill>
-                        <a:effectLst/>
-                        <a:uLnTx/>
-                        <a:uFillTx/>
-                        <a:latin typeface="맑은 고딕" panose="020F0502020204030204"/>
-                        <a:ea typeface="맑은 고딕" panose="020B0503020000020004" pitchFamily="50" charset="-127"/>
-                        <a:cs typeface="+mn-cs"/>
-                      </a:endParaRPr>
-                    </a:p>
-                  </a:txBody>
-                  <a:tcPr anchor="ctr">
+                <a:tc>
+                  <a:txBody>
+                    <a:bodyPr/>
+                    <a:lstStyle/>
+                    <a:p>
+                      <a:pPr algn="ctr" fontAlgn="ctr"/>
+                      <a:r>
+                        <a:rPr lang="en-US" altLang="ko-KR" sz="1050" b="0" i="0" u="none" strike="noStrike" dirty="0">
+                          <a:solidFill>
+                            <a:srgbClr val="000000"/>
+                          </a:solidFill>
+                          <a:effectLst/>
+                          <a:latin typeface="+mn-lt"/>
+                          <a:ea typeface="맑은 고딕" panose="020B0503020000020004" pitchFamily="50" charset="-127"/>
+                        </a:rPr>
+                        <a:t>10</a:t>
+                      </a:r>
+                    </a:p>
+                  </a:txBody>
+                  <a:tcPr marL="9525" marR="9525" marT="9525" marB="0" anchor="ctr">
                     <a:lnL w="12700" cap="flat" cmpd="sng" algn="ctr">
                       <a:solidFill>
                         <a:schemeClr val="tx1"/>
@@ -22654,29 +21402,27 @@
                   </a:ext>
                 </a:extLst>
               </a:tr>
-              <a:tr h="147983">
+              <a:tr h="211355">
                 <a:tc>
                   <a:txBody>
                     <a:bodyPr/>
                     <a:lstStyle/>
                     <a:p>
-                      <a:pPr algn="ctr" latinLnBrk="1"/>
-                      <a:r>
-                        <a:rPr lang="en-US" altLang="ko-KR" sz="1000" b="0" dirty="0">
-                          <a:solidFill>
-                            <a:schemeClr val="tx1"/>
-                          </a:solidFill>
-                        </a:rPr>
-                        <a:t>81~100</a:t>
-                      </a:r>
-                      <a:endParaRPr lang="ko-KR" altLang="en-US" sz="1000" b="0" dirty="0">
-                        <a:solidFill>
-                          <a:schemeClr val="tx1"/>
-                        </a:solidFill>
-                      </a:endParaRPr>
-                    </a:p>
-                  </a:txBody>
-                  <a:tcPr anchor="ctr">
+                      <a:pPr algn="ctr" fontAlgn="ctr"/>
+                      <a:r>
+                        <a:rPr lang="en-US" altLang="ko-KR" sz="1050" b="0" i="0" u="none" strike="noStrike">
+                          <a:solidFill>
+                            <a:srgbClr val="000000"/>
+                          </a:solidFill>
+                          <a:effectLst/>
+                          <a:latin typeface="+mn-lt"/>
+                          <a:ea typeface="맑은 고딕" panose="020B0503020000020004" pitchFamily="50" charset="-127"/>
+                        </a:rPr>
+                        <a:t>7→8</a:t>
+                      </a:r>
+                    </a:p>
+                  </a:txBody>
+                  <a:tcPr marL="9525" marR="9525" marT="9525" marB="0" anchor="ctr">
                     <a:lnL w="12700" cap="flat" cmpd="sng" algn="ctr">
                       <a:solidFill>
                         <a:schemeClr val="tx1"/>
@@ -22721,23 +21467,21 @@
                     <a:bodyPr/>
                     <a:lstStyle/>
                     <a:p>
-                      <a:pPr algn="ctr" latinLnBrk="1"/>
-                      <a:r>
-                        <a:rPr lang="ko-KR" altLang="en-US" sz="1000" b="0" dirty="0">
-                          <a:solidFill>
-                            <a:schemeClr val="tx1"/>
-                          </a:solidFill>
-                        </a:rPr>
-                        <a:t>현경</a:t>
-                      </a:r>
-                      <a:endParaRPr lang="en-US" altLang="ko-KR" sz="1000" b="0" dirty="0">
-                        <a:solidFill>
-                          <a:schemeClr val="tx1"/>
-                        </a:solidFill>
-                      </a:endParaRPr>
-                    </a:p>
-                  </a:txBody>
-                  <a:tcPr anchor="ctr">
+                      <a:pPr algn="ctr" fontAlgn="ctr"/>
+                      <a:r>
+                        <a:rPr lang="en-US" altLang="ko-KR" sz="1050" b="0" i="0" u="none" strike="noStrike">
+                          <a:solidFill>
+                            <a:srgbClr val="000000"/>
+                          </a:solidFill>
+                          <a:effectLst/>
+                          <a:latin typeface="+mn-lt"/>
+                          <a:ea typeface="맑은 고딕" panose="020B0503020000020004" pitchFamily="50" charset="-127"/>
+                        </a:rPr>
+                        <a:t>500</a:t>
+                      </a:r>
+                    </a:p>
+                  </a:txBody>
+                  <a:tcPr marL="9525" marR="9525" marT="9525" marB="0" anchor="ctr">
                     <a:lnL w="12700" cap="flat" cmpd="sng" algn="ctr">
                       <a:solidFill>
                         <a:schemeClr val="tx1"/>
@@ -22777,28 +21521,26 @@
                     <a:noFill/>
                   </a:tcPr>
                 </a:tc>
-                <a:tc gridSpan="2">
-                  <a:txBody>
-                    <a:bodyPr/>
-                    <a:lstStyle/>
-                    <a:p>
-                      <a:pPr algn="ctr" latinLnBrk="1"/>
-                      <a:r>
-                        <a:rPr lang="en-US" altLang="ko-KR" sz="1000" b="0" dirty="0">
-                          <a:solidFill>
-                            <a:schemeClr val="tx1"/>
-                          </a:solidFill>
-                        </a:rPr>
-                        <a:t>5</a:t>
-                      </a:r>
-                      <a:endParaRPr lang="ko-KR" altLang="en-US" sz="1000" b="0" dirty="0">
-                        <a:solidFill>
-                          <a:schemeClr val="tx1"/>
-                        </a:solidFill>
-                      </a:endParaRPr>
-                    </a:p>
-                  </a:txBody>
-                  <a:tcPr anchor="ctr">
+                <a:tc>
+                  <a:txBody>
+                    <a:bodyPr/>
+                    <a:lstStyle/>
+                    <a:p>
+                      <a:pPr algn="ctr" fontAlgn="ctr"/>
+                      <a:r>
+                        <a:rPr lang="en-US" altLang="ko-KR" sz="1050" b="0" i="0" u="none" strike="noStrike" dirty="0">
+                          <a:solidFill>
+                            <a:srgbClr val="000000"/>
+                          </a:solidFill>
+                          <a:effectLst/>
+                          <a:latin typeface="+mn-lt"/>
+                          <a:ea typeface="맑은 고딕" panose="020B0503020000020004" pitchFamily="50" charset="-127"/>
+                        </a:rPr>
+                        <a:t>50</a:t>
+                      </a:r>
+                    </a:p>
+                  </a:txBody>
+                  <a:tcPr marL="9525" marR="9525" marT="9525" marB="0" anchor="ctr">
                     <a:lnL w="12700" cap="flat" cmpd="sng" algn="ctr">
                       <a:solidFill>
                         <a:schemeClr val="tx1"/>
@@ -22838,20 +21580,26 @@
                     <a:noFill/>
                   </a:tcPr>
                 </a:tc>
-                <a:tc hMerge="1">
-                  <a:txBody>
-                    <a:bodyPr/>
-                    <a:lstStyle/>
-                    <a:p>
-                      <a:pPr algn="ctr" latinLnBrk="1"/>
-                      <a:endParaRPr lang="ko-KR" altLang="en-US" sz="1000" b="0" dirty="0">
-                        <a:solidFill>
-                          <a:schemeClr val="tx1"/>
-                        </a:solidFill>
-                      </a:endParaRPr>
-                    </a:p>
-                  </a:txBody>
-                  <a:tcPr anchor="ctr">
+                <a:tc>
+                  <a:txBody>
+                    <a:bodyPr/>
+                    <a:lstStyle/>
+                    <a:p>
+                      <a:pPr algn="ctr" fontAlgn="ctr"/>
+                      <a:r>
+                        <a:rPr lang="en-US" altLang="ko-KR" sz="1050" b="0" i="0" u="none" strike="noStrike">
+                          <a:solidFill>
+                            <a:srgbClr val="000000"/>
+                          </a:solidFill>
+                          <a:effectLst/>
+                          <a:latin typeface="+mn-lt"/>
+                          <a:ea typeface="맑은 고딕" panose="020B0503020000020004" pitchFamily="50" charset="-127"/>
+                        </a:rPr>
+                        <a:t>10</a:t>
+                      </a:r>
+                    </a:p>
+                  </a:txBody>
+                  <a:tcPr marL="9525" marR="9525" marT="9525" marB="0" anchor="ctr">
                     <a:lnL w="12700" cap="flat" cmpd="sng" algn="ctr">
                       <a:solidFill>
                         <a:schemeClr val="tx1"/>
@@ -22891,384 +21639,26 @@
                     <a:noFill/>
                   </a:tcPr>
                 </a:tc>
-                <a:tc gridSpan="2">
-                  <a:txBody>
-                    <a:bodyPr/>
-                    <a:lstStyle/>
-                    <a:p>
-                      <a:pPr algn="ctr" latinLnBrk="1"/>
-                      <a:r>
-                        <a:rPr lang="en-US" altLang="ko-KR" sz="1000" b="0" dirty="0">
-                          <a:solidFill>
-                            <a:schemeClr val="tx1"/>
-                          </a:solidFill>
-                        </a:rPr>
-                        <a:t>5</a:t>
-                      </a:r>
-                      <a:endParaRPr lang="ko-KR" altLang="en-US" sz="1000" b="0" dirty="0">
-                        <a:solidFill>
-                          <a:schemeClr val="tx1"/>
-                        </a:solidFill>
-                      </a:endParaRPr>
-                    </a:p>
-                  </a:txBody>
-                  <a:tcPr anchor="ctr">
-                    <a:lnL w="12700" cap="flat" cmpd="sng" algn="ctr">
-                      <a:solidFill>
-                        <a:schemeClr val="tx1"/>
-                      </a:solidFill>
-                      <a:prstDash val="solid"/>
-                      <a:round/>
-                      <a:headEnd type="none" w="med" len="med"/>
-                      <a:tailEnd type="none" w="med" len="med"/>
-                    </a:lnL>
-                    <a:lnR w="12700" cap="flat" cmpd="sng" algn="ctr">
-                      <a:solidFill>
-                        <a:schemeClr val="tx1"/>
-                      </a:solidFill>
-                      <a:prstDash val="solid"/>
-                      <a:round/>
-                      <a:headEnd type="none" w="med" len="med"/>
-                      <a:tailEnd type="none" w="med" len="med"/>
-                    </a:lnR>
-                    <a:lnT w="12700" cap="flat" cmpd="sng" algn="ctr">
-                      <a:solidFill>
-                        <a:schemeClr val="tx1"/>
-                      </a:solidFill>
-                      <a:prstDash val="solid"/>
-                      <a:round/>
-                      <a:headEnd type="none" w="med" len="med"/>
-                      <a:tailEnd type="none" w="med" len="med"/>
-                    </a:lnT>
-                    <a:lnB w="12700" cap="flat" cmpd="sng" algn="ctr">
-                      <a:solidFill>
-                        <a:schemeClr val="tx1"/>
-                      </a:solidFill>
-                      <a:prstDash val="solid"/>
-                      <a:round/>
-                      <a:headEnd type="none" w="med" len="med"/>
-                      <a:tailEnd type="none" w="med" len="med"/>
-                    </a:lnB>
-                    <a:noFill/>
-                  </a:tcPr>
-                </a:tc>
-                <a:tc hMerge="1">
-                  <a:txBody>
-                    <a:bodyPr/>
-                    <a:lstStyle/>
-                    <a:p>
-                      <a:pPr marL="0" marR="0" lvl="0" indent="0" algn="ctr" defTabSz="914400" rtl="0" eaLnBrk="1" fontAlgn="auto" latinLnBrk="1" hangingPunct="1">
-                        <a:lnSpc>
-                          <a:spcPct val="100000"/>
-                        </a:lnSpc>
-                        <a:spcBef>
-                          <a:spcPts val="0"/>
-                        </a:spcBef>
-                        <a:spcAft>
-                          <a:spcPts val="0"/>
-                        </a:spcAft>
-                        <a:buClrTx/>
-                        <a:buSzTx/>
-                        <a:buFontTx/>
-                        <a:buNone/>
-                        <a:tabLst/>
-                        <a:defRPr/>
-                      </a:pPr>
-                      <a:endParaRPr kumimoji="0" lang="ko-KR" altLang="en-US" sz="1000" b="0" i="0" u="none" strike="noStrike" kern="1200" cap="none" spc="0" normalizeH="0" baseline="0" noProof="0" dirty="0">
-                        <a:ln>
-                          <a:noFill/>
-                        </a:ln>
-                        <a:solidFill>
-                          <a:prstClr val="black"/>
-                        </a:solidFill>
-                        <a:effectLst/>
-                        <a:uLnTx/>
-                        <a:uFillTx/>
-                        <a:latin typeface="맑은 고딕" panose="020F0502020204030204"/>
-                        <a:ea typeface="맑은 고딕" panose="020B0503020000020004" pitchFamily="50" charset="-127"/>
-                        <a:cs typeface="+mn-cs"/>
-                      </a:endParaRPr>
-                    </a:p>
-                  </a:txBody>
-                  <a:tcPr anchor="ctr">
-                    <a:lnL w="12700" cap="flat" cmpd="sng" algn="ctr">
-                      <a:solidFill>
-                        <a:schemeClr val="tx1"/>
-                      </a:solidFill>
-                      <a:prstDash val="solid"/>
-                      <a:round/>
-                      <a:headEnd type="none" w="med" len="med"/>
-                      <a:tailEnd type="none" w="med" len="med"/>
-                    </a:lnL>
-                    <a:lnR w="12700" cap="flat" cmpd="sng" algn="ctr">
-                      <a:solidFill>
-                        <a:schemeClr val="tx1"/>
-                      </a:solidFill>
-                      <a:prstDash val="solid"/>
-                      <a:round/>
-                      <a:headEnd type="none" w="med" len="med"/>
-                      <a:tailEnd type="none" w="med" len="med"/>
-                    </a:lnR>
-                    <a:lnT w="12700" cap="flat" cmpd="sng" algn="ctr">
-                      <a:solidFill>
-                        <a:schemeClr val="tx1"/>
-                      </a:solidFill>
-                      <a:prstDash val="solid"/>
-                      <a:round/>
-                      <a:headEnd type="none" w="med" len="med"/>
-                      <a:tailEnd type="none" w="med" len="med"/>
-                    </a:lnT>
-                    <a:lnB w="12700" cap="flat" cmpd="sng" algn="ctr">
-                      <a:solidFill>
-                        <a:schemeClr val="tx1"/>
-                      </a:solidFill>
-                      <a:prstDash val="solid"/>
-                      <a:round/>
-                      <a:headEnd type="none" w="med" len="med"/>
-                      <a:tailEnd type="none" w="med" len="med"/>
-                    </a:lnB>
-                    <a:noFill/>
-                  </a:tcPr>
-                </a:tc>
-                <a:tc gridSpan="2">
-                  <a:txBody>
-                    <a:bodyPr/>
-                    <a:lstStyle/>
-                    <a:p>
-                      <a:pPr algn="ctr" latinLnBrk="1"/>
-                      <a:r>
-                        <a:rPr lang="en-US" altLang="ko-KR" sz="1000" b="0" dirty="0">
-                          <a:solidFill>
-                            <a:schemeClr val="tx1"/>
-                          </a:solidFill>
-                        </a:rPr>
-                        <a:t>1</a:t>
-                      </a:r>
-                      <a:endParaRPr lang="ko-KR" altLang="en-US" sz="1000" b="0" dirty="0">
-                        <a:solidFill>
-                          <a:schemeClr val="tx1"/>
-                        </a:solidFill>
-                      </a:endParaRPr>
-                    </a:p>
-                  </a:txBody>
-                  <a:tcPr anchor="ctr">
-                    <a:lnL w="12700" cap="flat" cmpd="sng" algn="ctr">
-                      <a:solidFill>
-                        <a:schemeClr val="tx1"/>
-                      </a:solidFill>
-                      <a:prstDash val="solid"/>
-                      <a:round/>
-                      <a:headEnd type="none" w="med" len="med"/>
-                      <a:tailEnd type="none" w="med" len="med"/>
-                    </a:lnL>
-                    <a:lnR w="12700" cap="flat" cmpd="sng" algn="ctr">
-                      <a:solidFill>
-                        <a:schemeClr val="tx1"/>
-                      </a:solidFill>
-                      <a:prstDash val="solid"/>
-                      <a:round/>
-                      <a:headEnd type="none" w="med" len="med"/>
-                      <a:tailEnd type="none" w="med" len="med"/>
-                    </a:lnR>
-                    <a:lnT w="12700" cap="flat" cmpd="sng" algn="ctr">
-                      <a:solidFill>
-                        <a:schemeClr val="tx1"/>
-                      </a:solidFill>
-                      <a:prstDash val="solid"/>
-                      <a:round/>
-                      <a:headEnd type="none" w="med" len="med"/>
-                      <a:tailEnd type="none" w="med" len="med"/>
-                    </a:lnT>
-                    <a:lnB w="12700" cap="flat" cmpd="sng" algn="ctr">
-                      <a:solidFill>
-                        <a:schemeClr val="tx1"/>
-                      </a:solidFill>
-                      <a:prstDash val="solid"/>
-                      <a:round/>
-                      <a:headEnd type="none" w="med" len="med"/>
-                      <a:tailEnd type="none" w="med" len="med"/>
-                    </a:lnB>
-                    <a:noFill/>
-                  </a:tcPr>
-                </a:tc>
-                <a:tc hMerge="1">
-                  <a:txBody>
-                    <a:bodyPr/>
-                    <a:lstStyle/>
-                    <a:p>
-                      <a:pPr marL="0" marR="0" lvl="0" indent="0" algn="ctr" defTabSz="914400" rtl="0" eaLnBrk="1" fontAlgn="auto" latinLnBrk="1" hangingPunct="1">
-                        <a:lnSpc>
-                          <a:spcPct val="100000"/>
-                        </a:lnSpc>
-                        <a:spcBef>
-                          <a:spcPts val="0"/>
-                        </a:spcBef>
-                        <a:spcAft>
-                          <a:spcPts val="0"/>
-                        </a:spcAft>
-                        <a:buClrTx/>
-                        <a:buSzTx/>
-                        <a:buFontTx/>
-                        <a:buNone/>
-                        <a:tabLst/>
-                        <a:defRPr/>
-                      </a:pPr>
-                      <a:endParaRPr kumimoji="0" lang="ko-KR" altLang="en-US" sz="1000" b="0" i="0" u="none" strike="noStrike" kern="1200" cap="none" spc="0" normalizeH="0" baseline="0" noProof="0" dirty="0">
-                        <a:ln>
-                          <a:noFill/>
-                        </a:ln>
-                        <a:solidFill>
-                          <a:schemeClr val="tx1"/>
-                        </a:solidFill>
-                        <a:effectLst/>
-                        <a:uLnTx/>
-                        <a:uFillTx/>
-                        <a:latin typeface="맑은 고딕" panose="020F0502020204030204"/>
-                        <a:ea typeface="맑은 고딕" panose="020B0503020000020004" pitchFamily="50" charset="-127"/>
-                        <a:cs typeface="+mn-cs"/>
-                      </a:endParaRPr>
-                    </a:p>
-                  </a:txBody>
-                  <a:tcPr anchor="ctr">
-                    <a:lnL w="12700" cap="flat" cmpd="sng" algn="ctr">
-                      <a:solidFill>
-                        <a:schemeClr val="tx1"/>
-                      </a:solidFill>
-                      <a:prstDash val="solid"/>
-                      <a:round/>
-                      <a:headEnd type="none" w="med" len="med"/>
-                      <a:tailEnd type="none" w="med" len="med"/>
-                    </a:lnL>
-                    <a:lnR w="12700" cap="flat" cmpd="sng" algn="ctr">
-                      <a:solidFill>
-                        <a:schemeClr val="tx1"/>
-                      </a:solidFill>
-                      <a:prstDash val="solid"/>
-                      <a:round/>
-                      <a:headEnd type="none" w="med" len="med"/>
-                      <a:tailEnd type="none" w="med" len="med"/>
-                    </a:lnR>
-                    <a:lnT w="12700" cap="flat" cmpd="sng" algn="ctr">
-                      <a:solidFill>
-                        <a:schemeClr val="tx1"/>
-                      </a:solidFill>
-                      <a:prstDash val="solid"/>
-                      <a:round/>
-                      <a:headEnd type="none" w="med" len="med"/>
-                      <a:tailEnd type="none" w="med" len="med"/>
-                    </a:lnT>
-                    <a:lnB w="12700" cap="flat" cmpd="sng" algn="ctr">
-                      <a:solidFill>
-                        <a:schemeClr val="tx1"/>
-                      </a:solidFill>
-                      <a:prstDash val="solid"/>
-                      <a:round/>
-                      <a:headEnd type="none" w="med" len="med"/>
-                      <a:tailEnd type="none" w="med" len="med"/>
-                    </a:lnB>
-                    <a:noFill/>
-                  </a:tcPr>
-                </a:tc>
-                <a:tc gridSpan="2">
-                  <a:txBody>
-                    <a:bodyPr/>
-                    <a:lstStyle/>
-                    <a:p>
-                      <a:pPr algn="ctr" latinLnBrk="1"/>
-                      <a:r>
-                        <a:rPr lang="en-US" altLang="ko-KR" sz="1000" b="0" dirty="0">
-                          <a:solidFill>
-                            <a:schemeClr val="tx1"/>
-                          </a:solidFill>
-                        </a:rPr>
-                        <a:t>1</a:t>
-                      </a:r>
-                      <a:endParaRPr lang="ko-KR" altLang="en-US" sz="1000" b="0" dirty="0">
-                        <a:solidFill>
-                          <a:schemeClr val="tx1"/>
-                        </a:solidFill>
-                      </a:endParaRPr>
-                    </a:p>
-                  </a:txBody>
-                  <a:tcPr anchor="ctr">
-                    <a:lnL w="12700" cap="flat" cmpd="sng" algn="ctr">
-                      <a:solidFill>
-                        <a:schemeClr val="tx1"/>
-                      </a:solidFill>
-                      <a:prstDash val="solid"/>
-                      <a:round/>
-                      <a:headEnd type="none" w="med" len="med"/>
-                      <a:tailEnd type="none" w="med" len="med"/>
-                    </a:lnL>
-                    <a:lnR w="12700" cap="flat" cmpd="sng" algn="ctr">
-                      <a:solidFill>
-                        <a:schemeClr val="tx1"/>
-                      </a:solidFill>
-                      <a:prstDash val="solid"/>
-                      <a:round/>
-                      <a:headEnd type="none" w="med" len="med"/>
-                      <a:tailEnd type="none" w="med" len="med"/>
-                    </a:lnR>
-                    <a:lnT w="12700" cap="flat" cmpd="sng" algn="ctr">
-                      <a:solidFill>
-                        <a:schemeClr val="tx1"/>
-                      </a:solidFill>
-                      <a:prstDash val="solid"/>
-                      <a:round/>
-                      <a:headEnd type="none" w="med" len="med"/>
-                      <a:tailEnd type="none" w="med" len="med"/>
-                    </a:lnT>
-                    <a:lnB w="12700" cap="flat" cmpd="sng" algn="ctr">
-                      <a:solidFill>
-                        <a:schemeClr val="tx1"/>
-                      </a:solidFill>
-                      <a:prstDash val="solid"/>
-                      <a:round/>
-                      <a:headEnd type="none" w="med" len="med"/>
-                      <a:tailEnd type="none" w="med" len="med"/>
-                    </a:lnB>
-                    <a:noFill/>
-                  </a:tcPr>
-                </a:tc>
-                <a:tc hMerge="1">
-                  <a:txBody>
-                    <a:bodyPr/>
-                    <a:lstStyle/>
-                    <a:p>
-                      <a:pPr marL="0" marR="0" lvl="0" indent="0" algn="ctr" defTabSz="914400" rtl="0" eaLnBrk="1" fontAlgn="auto" latinLnBrk="1" hangingPunct="1">
-                        <a:lnSpc>
-                          <a:spcPct val="100000"/>
-                        </a:lnSpc>
-                        <a:spcBef>
-                          <a:spcPts val="0"/>
-                        </a:spcBef>
-                        <a:spcAft>
-                          <a:spcPts val="0"/>
-                        </a:spcAft>
-                        <a:buClrTx/>
-                        <a:buSzTx/>
-                        <a:buFontTx/>
-                        <a:buNone/>
-                        <a:tabLst/>
-                        <a:defRPr/>
-                      </a:pPr>
-                      <a:endParaRPr kumimoji="0" lang="ko-KR" altLang="en-US" sz="1000" b="0" i="0" u="none" strike="noStrike" kern="1200" cap="none" spc="0" normalizeH="0" baseline="0" noProof="0" dirty="0">
-                        <a:ln>
-                          <a:noFill/>
-                        </a:ln>
-                        <a:solidFill>
-                          <a:schemeClr val="tx1"/>
-                        </a:solidFill>
-                        <a:effectLst/>
-                        <a:uLnTx/>
-                        <a:uFillTx/>
-                        <a:latin typeface="맑은 고딕" panose="020F0502020204030204"/>
-                        <a:ea typeface="맑은 고딕" panose="020B0503020000020004" pitchFamily="50" charset="-127"/>
-                        <a:cs typeface="+mn-cs"/>
-                      </a:endParaRPr>
-                    </a:p>
-                  </a:txBody>
-                  <a:tcPr anchor="ctr">
+                <a:tc>
+                  <a:txBody>
+                    <a:bodyPr/>
+                    <a:lstStyle/>
+                    <a:p>
+                      <a:pPr algn="ctr" fontAlgn="ctr"/>
+                      <a:r>
+                        <a:rPr lang="en-US" altLang="ko-KR" sz="1050" b="0" i="0" u="none" strike="noStrike" dirty="0">
+                          <a:solidFill>
+                            <a:srgbClr val="000000"/>
+                          </a:solidFill>
+                          <a:effectLst/>
+                          <a:latin typeface="+mn-lt"/>
+                          <a:ea typeface="맑은 고딕" panose="020B0503020000020004" pitchFamily="50" charset="-127"/>
+                        </a:rPr>
+                        <a:t>10</a:t>
+                      </a:r>
+                    </a:p>
+                  </a:txBody>
+                  <a:tcPr marL="9525" marR="9525" marT="9525" marB="0" anchor="ctr">
                     <a:lnL w="12700" cap="flat" cmpd="sng" algn="ctr">
                       <a:solidFill>
                         <a:schemeClr val="tx1"/>
@@ -23314,7 +21704,203 @@
                   </a:ext>
                 </a:extLst>
               </a:tr>
-              <a:tr h="147983">
+            </a:tbl>
+          </a:graphicData>
+        </a:graphic>
+      </p:graphicFrame>
+      <p:graphicFrame>
+        <p:nvGraphicFramePr>
+          <p:cNvPr id="2" name="표 2">
+            <a:extLst>
+              <a:ext uri="{FF2B5EF4-FFF2-40B4-BE49-F238E27FC236}">
+                <a16:creationId xmlns:a16="http://schemas.microsoft.com/office/drawing/2014/main" id="{F8D41927-F069-4444-8D83-F9F6EA687908}"/>
+              </a:ext>
+            </a:extLst>
+          </p:cNvPr>
+          <p:cNvGraphicFramePr>
+            <a:graphicFrameLocks noGrp="1"/>
+          </p:cNvGraphicFramePr>
+          <p:nvPr>
+            <p:extLst>
+              <p:ext uri="{D42A27DB-BD31-4B8C-83A1-F6EECF244321}">
+                <p14:modId xmlns:p14="http://schemas.microsoft.com/office/powerpoint/2010/main" val="3132380371"/>
+              </p:ext>
+            </p:extLst>
+          </p:nvPr>
+        </p:nvGraphicFramePr>
+        <p:xfrm>
+          <a:off x="1819847" y="3746841"/>
+          <a:ext cx="8552310" cy="487680"/>
+        </p:xfrm>
+        <a:graphic>
+          <a:graphicData uri="http://schemas.openxmlformats.org/drawingml/2006/table">
+            <a:tbl>
+              <a:tblPr firstRow="1" bandRow="1">
+                <a:tableStyleId>{5C22544A-7EE6-4342-B048-85BDC9FD1C3A}</a:tableStyleId>
+              </a:tblPr>
+              <a:tblGrid>
+                <a:gridCol w="1425385">
+                  <a:extLst>
+                    <a:ext uri="{9D8B030D-6E8A-4147-A177-3AD203B41FA5}">
+                      <a16:colId xmlns:a16="http://schemas.microsoft.com/office/drawing/2014/main" val="3384120097"/>
+                    </a:ext>
+                  </a:extLst>
+                </a:gridCol>
+                <a:gridCol w="1425385">
+                  <a:extLst>
+                    <a:ext uri="{9D8B030D-6E8A-4147-A177-3AD203B41FA5}">
+                      <a16:colId xmlns:a16="http://schemas.microsoft.com/office/drawing/2014/main" val="3014854846"/>
+                    </a:ext>
+                  </a:extLst>
+                </a:gridCol>
+                <a:gridCol w="1425385">
+                  <a:extLst>
+                    <a:ext uri="{9D8B030D-6E8A-4147-A177-3AD203B41FA5}">
+                      <a16:colId xmlns:a16="http://schemas.microsoft.com/office/drawing/2014/main" val="3489451506"/>
+                    </a:ext>
+                  </a:extLst>
+                </a:gridCol>
+                <a:gridCol w="1425385">
+                  <a:extLst>
+                    <a:ext uri="{9D8B030D-6E8A-4147-A177-3AD203B41FA5}">
+                      <a16:colId xmlns:a16="http://schemas.microsoft.com/office/drawing/2014/main" val="3859464365"/>
+                    </a:ext>
+                  </a:extLst>
+                </a:gridCol>
+                <a:gridCol w="1425385">
+                  <a:extLst>
+                    <a:ext uri="{9D8B030D-6E8A-4147-A177-3AD203B41FA5}">
+                      <a16:colId xmlns:a16="http://schemas.microsoft.com/office/drawing/2014/main" val="3846121920"/>
+                    </a:ext>
+                  </a:extLst>
+                </a:gridCol>
+                <a:gridCol w="1425385">
+                  <a:extLst>
+                    <a:ext uri="{9D8B030D-6E8A-4147-A177-3AD203B41FA5}">
+                      <a16:colId xmlns:a16="http://schemas.microsoft.com/office/drawing/2014/main" val="132691769"/>
+                    </a:ext>
+                  </a:extLst>
+                </a:gridCol>
+              </a:tblGrid>
+              <a:tr h="0">
+                <a:tc gridSpan="6">
+                  <a:txBody>
+                    <a:bodyPr/>
+                    <a:lstStyle/>
+                    <a:p>
+                      <a:pPr algn="ctr" latinLnBrk="1"/>
+                      <a:r>
+                        <a:rPr lang="ko-KR" altLang="en-US" sz="1000" b="0" dirty="0">
+                          <a:solidFill>
+                            <a:schemeClr val="tx1"/>
+                          </a:solidFill>
+                        </a:rPr>
+                        <a:t>레벨 당 상승 능력치</a:t>
+                      </a:r>
+                    </a:p>
+                  </a:txBody>
+                  <a:tcPr anchor="ctr">
+                    <a:lnL w="12700" cap="flat" cmpd="sng" algn="ctr">
+                      <a:solidFill>
+                        <a:schemeClr val="tx1"/>
+                      </a:solidFill>
+                      <a:prstDash val="solid"/>
+                      <a:round/>
+                      <a:headEnd type="none" w="med" len="med"/>
+                      <a:tailEnd type="none" w="med" len="med"/>
+                    </a:lnL>
+                    <a:lnR w="12700" cap="flat" cmpd="sng" algn="ctr">
+                      <a:solidFill>
+                        <a:schemeClr val="tx1"/>
+                      </a:solidFill>
+                      <a:prstDash val="solid"/>
+                      <a:round/>
+                      <a:headEnd type="none" w="med" len="med"/>
+                      <a:tailEnd type="none" w="med" len="med"/>
+                    </a:lnR>
+                    <a:lnT w="12700" cap="flat" cmpd="sng" algn="ctr">
+                      <a:solidFill>
+                        <a:schemeClr val="tx1"/>
+                      </a:solidFill>
+                      <a:prstDash val="solid"/>
+                      <a:round/>
+                      <a:headEnd type="none" w="med" len="med"/>
+                      <a:tailEnd type="none" w="med" len="med"/>
+                    </a:lnT>
+                    <a:lnB w="12700" cap="flat" cmpd="sng" algn="ctr">
+                      <a:solidFill>
+                        <a:schemeClr val="tx1"/>
+                      </a:solidFill>
+                      <a:prstDash val="solid"/>
+                      <a:round/>
+                      <a:headEnd type="none" w="med" len="med"/>
+                      <a:tailEnd type="none" w="med" len="med"/>
+                    </a:lnB>
+                    <a:noFill/>
+                  </a:tcPr>
+                </a:tc>
+                <a:tc hMerge="1">
+                  <a:txBody>
+                    <a:bodyPr/>
+                    <a:lstStyle/>
+                    <a:p>
+                      <a:pPr latinLnBrk="1"/>
+                      <a:endParaRPr lang="ko-KR" altLang="en-US"/>
+                    </a:p>
+                  </a:txBody>
+                  <a:tcPr/>
+                </a:tc>
+                <a:tc hMerge="1">
+                  <a:txBody>
+                    <a:bodyPr/>
+                    <a:lstStyle/>
+                    <a:p>
+                      <a:pPr latinLnBrk="1"/>
+                      <a:endParaRPr lang="ko-KR" altLang="en-US"/>
+                    </a:p>
+                  </a:txBody>
+                  <a:tcPr/>
+                </a:tc>
+                <a:tc hMerge="1">
+                  <a:txBody>
+                    <a:bodyPr/>
+                    <a:lstStyle/>
+                    <a:p>
+                      <a:pPr latinLnBrk="1"/>
+                      <a:endParaRPr lang="ko-KR" altLang="en-US"/>
+                    </a:p>
+                  </a:txBody>
+                  <a:tcPr/>
+                </a:tc>
+                <a:tc hMerge="1">
+                  <a:txBody>
+                    <a:bodyPr/>
+                    <a:lstStyle/>
+                    <a:p>
+                      <a:pPr latinLnBrk="1"/>
+                      <a:endParaRPr lang="ko-KR" altLang="en-US"/>
+                    </a:p>
+                  </a:txBody>
+                  <a:tcPr/>
+                </a:tc>
+                <a:tc hMerge="1">
+                  <a:txBody>
+                    <a:bodyPr/>
+                    <a:lstStyle/>
+                    <a:p>
+                      <a:pPr latinLnBrk="1"/>
+                      <a:endParaRPr lang="ko-KR" altLang="en-US"/>
+                    </a:p>
+                  </a:txBody>
+                  <a:tcPr/>
+                </a:tc>
+                <a:extLst>
+                  <a:ext uri="{0D108BD9-81ED-4DB2-BD59-A6C34878D82A}">
+                    <a16:rowId xmlns:a16="http://schemas.microsoft.com/office/drawing/2014/main" val="934176584"/>
+                  </a:ext>
+                </a:extLst>
+              </a:tr>
+              <a:tr h="0">
                 <a:tc>
                   <a:txBody>
                     <a:bodyPr/>
@@ -23322,12 +21908,68 @@
                     <a:p>
                       <a:pPr algn="ctr" latinLnBrk="1"/>
                       <a:r>
+                        <a:rPr lang="ko-KR" altLang="en-US" sz="1000" b="0" dirty="0">
+                          <a:solidFill>
+                            <a:schemeClr val="tx1"/>
+                          </a:solidFill>
+                        </a:rPr>
+                        <a:t>체력</a:t>
+                      </a:r>
+                    </a:p>
+                  </a:txBody>
+                  <a:tcPr anchor="ctr">
+                    <a:lnL w="12700" cap="flat" cmpd="sng" algn="ctr">
+                      <a:solidFill>
+                        <a:schemeClr val="tx1"/>
+                      </a:solidFill>
+                      <a:prstDash val="solid"/>
+                      <a:round/>
+                      <a:headEnd type="none" w="med" len="med"/>
+                      <a:tailEnd type="none" w="med" len="med"/>
+                    </a:lnL>
+                    <a:lnR w="12700" cap="flat" cmpd="sng" algn="ctr">
+                      <a:solidFill>
+                        <a:schemeClr val="tx1"/>
+                      </a:solidFill>
+                      <a:prstDash val="solid"/>
+                      <a:round/>
+                      <a:headEnd type="none" w="med" len="med"/>
+                      <a:tailEnd type="none" w="med" len="med"/>
+                    </a:lnR>
+                    <a:lnT w="12700" cap="flat" cmpd="sng" algn="ctr">
+                      <a:solidFill>
+                        <a:schemeClr val="tx1"/>
+                      </a:solidFill>
+                      <a:prstDash val="solid"/>
+                      <a:round/>
+                      <a:headEnd type="none" w="med" len="med"/>
+                      <a:tailEnd type="none" w="med" len="med"/>
+                    </a:lnT>
+                    <a:lnB w="12700" cap="flat" cmpd="sng" algn="ctr">
+                      <a:solidFill>
+                        <a:schemeClr val="tx1"/>
+                      </a:solidFill>
+                      <a:prstDash val="solid"/>
+                      <a:round/>
+                      <a:headEnd type="none" w="med" len="med"/>
+                      <a:tailEnd type="none" w="med" len="med"/>
+                    </a:lnB>
+                    <a:noFill/>
+                  </a:tcPr>
+                </a:tc>
+                <a:tc>
+                  <a:txBody>
+                    <a:bodyPr/>
+                    <a:lstStyle/>
+                    <a:p>
+                      <a:pPr algn="ctr" latinLnBrk="1"/>
+                      <a:r>
                         <a:rPr lang="en-US" altLang="ko-KR" sz="1000" b="0" dirty="0">
                           <a:solidFill>
                             <a:schemeClr val="tx1"/>
                           </a:solidFill>
                         </a:rPr>
-                        <a:t>101</a:t>
+                        <a:t>10</a:t>
                       </a:r>
                       <a:endParaRPr lang="ko-KR" altLang="en-US" sz="1000" b="0" dirty="0">
                         <a:solidFill>
@@ -23388,13 +22030,8 @@
                             <a:schemeClr val="tx1"/>
                           </a:solidFill>
                         </a:rPr>
-                        <a:t>생사경</a:t>
-                      </a:r>
-                      <a:endParaRPr lang="en-US" altLang="ko-KR" sz="1000" b="0" dirty="0">
-                        <a:solidFill>
-                          <a:schemeClr val="tx1"/>
-                        </a:solidFill>
-                      </a:endParaRPr>
+                        <a:t>내공</a:t>
+                      </a:r>
                     </a:p>
                   </a:txBody>
                   <a:tcPr anchor="ctr">
@@ -23437,7 +22074,7 @@
                     <a:noFill/>
                   </a:tcPr>
                 </a:tc>
-                <a:tc gridSpan="2">
+                <a:tc>
                   <a:txBody>
                     <a:bodyPr/>
                     <a:lstStyle/>
@@ -23449,7 +22086,7 @@
                             <a:schemeClr val="tx1"/>
                           </a:solidFill>
                         </a:rPr>
-                        <a:t>500</a:t>
+                        <a:t>1</a:t>
                       </a:r>
                       <a:endParaRPr lang="ko-KR" altLang="en-US" sz="1000" b="0" dirty="0">
                         <a:solidFill>
@@ -23498,30 +22135,75 @@
                     <a:noFill/>
                   </a:tcPr>
                 </a:tc>
-                <a:tc hMerge="1">
-                  <a:txBody>
-                    <a:bodyPr/>
-                    <a:lstStyle/>
-                    <a:p>
-                      <a:pPr latinLnBrk="1"/>
-                      <a:endParaRPr lang="ko-KR" altLang="en-US"/>
-                    </a:p>
-                  </a:txBody>
-                  <a:tcPr/>
-                </a:tc>
-                <a:tc gridSpan="2">
+                <a:tc>
                   <a:txBody>
                     <a:bodyPr/>
                     <a:lstStyle/>
                     <a:p>
                       <a:pPr algn="ctr" latinLnBrk="1"/>
                       <a:r>
+                        <a:rPr lang="ko-KR" altLang="en-US" sz="1000" b="0" dirty="0">
+                          <a:solidFill>
+                            <a:schemeClr val="tx1"/>
+                          </a:solidFill>
+                        </a:rPr>
+                        <a:t>외공</a:t>
+                      </a:r>
+                    </a:p>
+                  </a:txBody>
+                  <a:tcPr anchor="ctr">
+                    <a:lnL w="12700" cap="flat" cmpd="sng" algn="ctr">
+                      <a:solidFill>
+                        <a:schemeClr val="tx1"/>
+                      </a:solidFill>
+                      <a:prstDash val="solid"/>
+                      <a:round/>
+                      <a:headEnd type="none" w="med" len="med"/>
+                      <a:tailEnd type="none" w="med" len="med"/>
+                    </a:lnL>
+                    <a:lnR w="12700" cap="flat" cmpd="sng" algn="ctr">
+                      <a:solidFill>
+                        <a:schemeClr val="tx1"/>
+                      </a:solidFill>
+                      <a:prstDash val="solid"/>
+                      <a:round/>
+                      <a:headEnd type="none" w="med" len="med"/>
+                      <a:tailEnd type="none" w="med" len="med"/>
+                    </a:lnR>
+                    <a:lnT w="12700" cap="flat" cmpd="sng" algn="ctr">
+                      <a:solidFill>
+                        <a:schemeClr val="tx1"/>
+                      </a:solidFill>
+                      <a:prstDash val="solid"/>
+                      <a:round/>
+                      <a:headEnd type="none" w="med" len="med"/>
+                      <a:tailEnd type="none" w="med" len="med"/>
+                    </a:lnT>
+                    <a:lnB w="12700" cap="flat" cmpd="sng" algn="ctr">
+                      <a:solidFill>
+                        <a:schemeClr val="tx1"/>
+                      </a:solidFill>
+                      <a:prstDash val="solid"/>
+                      <a:round/>
+                      <a:headEnd type="none" w="med" len="med"/>
+                      <a:tailEnd type="none" w="med" len="med"/>
+                    </a:lnB>
+                    <a:noFill/>
+                  </a:tcPr>
+                </a:tc>
+                <a:tc>
+                  <a:txBody>
+                    <a:bodyPr/>
+                    <a:lstStyle/>
+                    <a:p>
+                      <a:pPr algn="ctr" latinLnBrk="1"/>
+                      <a:r>
                         <a:rPr lang="en-US" altLang="ko-KR" sz="1000" b="0" dirty="0">
                           <a:solidFill>
                             <a:schemeClr val="tx1"/>
                           </a:solidFill>
                         </a:rPr>
-                        <a:t>25</a:t>
+                        <a:t>1</a:t>
                       </a:r>
                       <a:endParaRPr lang="ko-KR" altLang="en-US" sz="1000" b="0" dirty="0">
                         <a:solidFill>
@@ -23570,164 +22252,9 @@
                     <a:noFill/>
                   </a:tcPr>
                 </a:tc>
-                <a:tc hMerge="1">
-                  <a:txBody>
-                    <a:bodyPr/>
-                    <a:lstStyle/>
-                    <a:p>
-                      <a:pPr latinLnBrk="1"/>
-                      <a:endParaRPr lang="ko-KR" altLang="en-US"/>
-                    </a:p>
-                  </a:txBody>
-                  <a:tcPr/>
-                </a:tc>
-                <a:tc gridSpan="2">
-                  <a:txBody>
-                    <a:bodyPr/>
-                    <a:lstStyle/>
-                    <a:p>
-                      <a:pPr algn="ctr" latinLnBrk="1"/>
-                      <a:r>
-                        <a:rPr lang="en-US" altLang="ko-KR" sz="1000" b="0" dirty="0">
-                          <a:solidFill>
-                            <a:schemeClr val="tx1"/>
-                          </a:solidFill>
-                        </a:rPr>
-                        <a:t>100</a:t>
-                      </a:r>
-                      <a:endParaRPr lang="ko-KR" altLang="en-US" sz="1000" b="0" dirty="0">
-                        <a:solidFill>
-                          <a:schemeClr val="tx1"/>
-                        </a:solidFill>
-                      </a:endParaRPr>
-                    </a:p>
-                  </a:txBody>
-                  <a:tcPr anchor="ctr">
-                    <a:lnL w="12700" cap="flat" cmpd="sng" algn="ctr">
-                      <a:solidFill>
-                        <a:schemeClr val="tx1"/>
-                      </a:solidFill>
-                      <a:prstDash val="solid"/>
-                      <a:round/>
-                      <a:headEnd type="none" w="med" len="med"/>
-                      <a:tailEnd type="none" w="med" len="med"/>
-                    </a:lnL>
-                    <a:lnR w="12700" cap="flat" cmpd="sng" algn="ctr">
-                      <a:solidFill>
-                        <a:schemeClr val="tx1"/>
-                      </a:solidFill>
-                      <a:prstDash val="solid"/>
-                      <a:round/>
-                      <a:headEnd type="none" w="med" len="med"/>
-                      <a:tailEnd type="none" w="med" len="med"/>
-                    </a:lnR>
-                    <a:lnT w="12700" cap="flat" cmpd="sng" algn="ctr">
-                      <a:solidFill>
-                        <a:schemeClr val="tx1"/>
-                      </a:solidFill>
-                      <a:prstDash val="solid"/>
-                      <a:round/>
-                      <a:headEnd type="none" w="med" len="med"/>
-                      <a:tailEnd type="none" w="med" len="med"/>
-                    </a:lnT>
-                    <a:lnB w="12700" cap="flat" cmpd="sng" algn="ctr">
-                      <a:solidFill>
-                        <a:schemeClr val="tx1"/>
-                      </a:solidFill>
-                      <a:prstDash val="solid"/>
-                      <a:round/>
-                      <a:headEnd type="none" w="med" len="med"/>
-                      <a:tailEnd type="none" w="med" len="med"/>
-                    </a:lnB>
-                    <a:noFill/>
-                  </a:tcPr>
-                </a:tc>
-                <a:tc hMerge="1">
-                  <a:txBody>
-                    <a:bodyPr/>
-                    <a:lstStyle/>
-                    <a:p>
-                      <a:pPr latinLnBrk="1"/>
-                      <a:endParaRPr lang="ko-KR" altLang="en-US"/>
-                    </a:p>
-                  </a:txBody>
-                  <a:tcPr/>
-                </a:tc>
-                <a:tc gridSpan="2">
-                  <a:txBody>
-                    <a:bodyPr/>
-                    <a:lstStyle/>
-                    <a:p>
-                      <a:pPr algn="ctr" latinLnBrk="1"/>
-                      <a:r>
-                        <a:rPr lang="en-US" altLang="ko-KR" sz="1000" b="0" dirty="0">
-                          <a:solidFill>
-                            <a:schemeClr val="tx1"/>
-                          </a:solidFill>
-                        </a:rPr>
-                        <a:t>100</a:t>
-                      </a:r>
-                      <a:endParaRPr lang="ko-KR" altLang="en-US" sz="1000" b="0" dirty="0">
-                        <a:solidFill>
-                          <a:schemeClr val="tx1"/>
-                        </a:solidFill>
-                      </a:endParaRPr>
-                    </a:p>
-                  </a:txBody>
-                  <a:tcPr anchor="ctr">
-                    <a:lnL w="12700" cap="flat" cmpd="sng" algn="ctr">
-                      <a:solidFill>
-                        <a:schemeClr val="tx1"/>
-                      </a:solidFill>
-                      <a:prstDash val="solid"/>
-                      <a:round/>
-                      <a:headEnd type="none" w="med" len="med"/>
-                      <a:tailEnd type="none" w="med" len="med"/>
-                    </a:lnL>
-                    <a:lnR w="12700" cap="flat" cmpd="sng" algn="ctr">
-                      <a:solidFill>
-                        <a:schemeClr val="tx1"/>
-                      </a:solidFill>
-                      <a:prstDash val="solid"/>
-                      <a:round/>
-                      <a:headEnd type="none" w="med" len="med"/>
-                      <a:tailEnd type="none" w="med" len="med"/>
-                    </a:lnR>
-                    <a:lnT w="12700" cap="flat" cmpd="sng" algn="ctr">
-                      <a:solidFill>
-                        <a:schemeClr val="tx1"/>
-                      </a:solidFill>
-                      <a:prstDash val="solid"/>
-                      <a:round/>
-                      <a:headEnd type="none" w="med" len="med"/>
-                      <a:tailEnd type="none" w="med" len="med"/>
-                    </a:lnT>
-                    <a:lnB w="12700" cap="flat" cmpd="sng" algn="ctr">
-                      <a:solidFill>
-                        <a:schemeClr val="tx1"/>
-                      </a:solidFill>
-                      <a:prstDash val="solid"/>
-                      <a:round/>
-                      <a:headEnd type="none" w="med" len="med"/>
-                      <a:tailEnd type="none" w="med" len="med"/>
-                    </a:lnB>
-                    <a:noFill/>
-                  </a:tcPr>
-                </a:tc>
-                <a:tc hMerge="1">
-                  <a:txBody>
-                    <a:bodyPr/>
-                    <a:lstStyle/>
-                    <a:p>
-                      <a:pPr latinLnBrk="1"/>
-                      <a:endParaRPr lang="ko-KR" altLang="en-US"/>
-                    </a:p>
-                  </a:txBody>
-                  <a:tcPr/>
-                </a:tc>
                 <a:extLst>
                   <a:ext uri="{0D108BD9-81ED-4DB2-BD59-A6C34878D82A}">
-                    <a16:rowId xmlns:a16="http://schemas.microsoft.com/office/drawing/2014/main" val="2425041337"/>
+                    <a16:rowId xmlns:a16="http://schemas.microsoft.com/office/drawing/2014/main" val="3275217012"/>
                   </a:ext>
                 </a:extLst>
               </a:tr>

--- a/기획/방랑엽사전/레벨업 시스템 기획서.pptx
+++ b/기획/방랑엽사전/레벨업 시스템 기획서.pptx
@@ -241,7 +241,7 @@
           <a:p>
             <a:fld id="{C8649E71-8129-4905-BAC0-51D65A0C1379}" type="datetimeFigureOut">
               <a:rPr lang="ko-KR" altLang="en-US" smtClean="0"/>
-              <a:t>2023-12-28</a:t>
+              <a:t>2023-12-29</a:t>
             </a:fld>
             <a:endParaRPr lang="ko-KR" altLang="en-US"/>
           </a:p>
@@ -739,7 +739,7 @@
           <a:p>
             <a:fld id="{523D6941-6B33-4834-BC65-A333846D27E6}" type="datetimeFigureOut">
               <a:rPr lang="ko-KR" altLang="en-US" smtClean="0"/>
-              <a:t>2023-12-28</a:t>
+              <a:t>2023-12-29</a:t>
             </a:fld>
             <a:endParaRPr lang="ko-KR" altLang="en-US"/>
           </a:p>
@@ -937,7 +937,7 @@
           <a:p>
             <a:fld id="{523D6941-6B33-4834-BC65-A333846D27E6}" type="datetimeFigureOut">
               <a:rPr lang="ko-KR" altLang="en-US" smtClean="0"/>
-              <a:t>2023-12-28</a:t>
+              <a:t>2023-12-29</a:t>
             </a:fld>
             <a:endParaRPr lang="ko-KR" altLang="en-US"/>
           </a:p>
@@ -1145,7 +1145,7 @@
           <a:p>
             <a:fld id="{523D6941-6B33-4834-BC65-A333846D27E6}" type="datetimeFigureOut">
               <a:rPr lang="ko-KR" altLang="en-US" smtClean="0"/>
-              <a:t>2023-12-28</a:t>
+              <a:t>2023-12-29</a:t>
             </a:fld>
             <a:endParaRPr lang="ko-KR" altLang="en-US"/>
           </a:p>
@@ -1343,7 +1343,7 @@
           <a:p>
             <a:fld id="{523D6941-6B33-4834-BC65-A333846D27E6}" type="datetimeFigureOut">
               <a:rPr lang="ko-KR" altLang="en-US" smtClean="0"/>
-              <a:t>2023-12-28</a:t>
+              <a:t>2023-12-29</a:t>
             </a:fld>
             <a:endParaRPr lang="ko-KR" altLang="en-US"/>
           </a:p>
@@ -1618,7 +1618,7 @@
           <a:p>
             <a:fld id="{523D6941-6B33-4834-BC65-A333846D27E6}" type="datetimeFigureOut">
               <a:rPr lang="ko-KR" altLang="en-US" smtClean="0"/>
-              <a:t>2023-12-28</a:t>
+              <a:t>2023-12-29</a:t>
             </a:fld>
             <a:endParaRPr lang="ko-KR" altLang="en-US"/>
           </a:p>
@@ -1883,7 +1883,7 @@
           <a:p>
             <a:fld id="{523D6941-6B33-4834-BC65-A333846D27E6}" type="datetimeFigureOut">
               <a:rPr lang="ko-KR" altLang="en-US" smtClean="0"/>
-              <a:t>2023-12-28</a:t>
+              <a:t>2023-12-29</a:t>
             </a:fld>
             <a:endParaRPr lang="ko-KR" altLang="en-US"/>
           </a:p>
@@ -2295,7 +2295,7 @@
           <a:p>
             <a:fld id="{523D6941-6B33-4834-BC65-A333846D27E6}" type="datetimeFigureOut">
               <a:rPr lang="ko-KR" altLang="en-US" smtClean="0"/>
-              <a:t>2023-12-28</a:t>
+              <a:t>2023-12-29</a:t>
             </a:fld>
             <a:endParaRPr lang="ko-KR" altLang="en-US"/>
           </a:p>
@@ -2436,7 +2436,7 @@
           <a:p>
             <a:fld id="{523D6941-6B33-4834-BC65-A333846D27E6}" type="datetimeFigureOut">
               <a:rPr lang="ko-KR" altLang="en-US" smtClean="0"/>
-              <a:t>2023-12-28</a:t>
+              <a:t>2023-12-29</a:t>
             </a:fld>
             <a:endParaRPr lang="ko-KR" altLang="en-US"/>
           </a:p>
@@ -2549,7 +2549,7 @@
           <a:p>
             <a:fld id="{523D6941-6B33-4834-BC65-A333846D27E6}" type="datetimeFigureOut">
               <a:rPr lang="ko-KR" altLang="en-US" smtClean="0"/>
-              <a:t>2023-12-28</a:t>
+              <a:t>2023-12-29</a:t>
             </a:fld>
             <a:endParaRPr lang="ko-KR" altLang="en-US"/>
           </a:p>
@@ -2860,7 +2860,7 @@
           <a:p>
             <a:fld id="{523D6941-6B33-4834-BC65-A333846D27E6}" type="datetimeFigureOut">
               <a:rPr lang="ko-KR" altLang="en-US" smtClean="0"/>
-              <a:t>2023-12-28</a:t>
+              <a:t>2023-12-29</a:t>
             </a:fld>
             <a:endParaRPr lang="ko-KR" altLang="en-US"/>
           </a:p>
@@ -3148,7 +3148,7 @@
           <a:p>
             <a:fld id="{523D6941-6B33-4834-BC65-A333846D27E6}" type="datetimeFigureOut">
               <a:rPr lang="ko-KR" altLang="en-US" smtClean="0"/>
-              <a:t>2023-12-28</a:t>
+              <a:t>2023-12-29</a:t>
             </a:fld>
             <a:endParaRPr lang="ko-KR" altLang="en-US"/>
           </a:p>
@@ -3389,7 +3389,7 @@
           <a:p>
             <a:fld id="{523D6941-6B33-4834-BC65-A333846D27E6}" type="datetimeFigureOut">
               <a:rPr lang="ko-KR" altLang="en-US" smtClean="0"/>
-              <a:t>2023-12-28</a:t>
+              <a:t>2023-12-29</a:t>
             </a:fld>
             <a:endParaRPr lang="ko-KR" altLang="en-US"/>
           </a:p>
@@ -7222,14 +7222,14 @@
           <p:nvPr>
             <p:extLst>
               <p:ext uri="{D42A27DB-BD31-4B8C-83A1-F6EECF244321}">
-                <p14:modId xmlns:p14="http://schemas.microsoft.com/office/powerpoint/2010/main" val="1726336763"/>
+                <p14:modId xmlns:p14="http://schemas.microsoft.com/office/powerpoint/2010/main" val="96816536"/>
               </p:ext>
             </p:extLst>
           </p:nvPr>
         </p:nvGraphicFramePr>
         <p:xfrm>
-          <a:off x="5512435" y="1295400"/>
-          <a:ext cx="5984240" cy="2133600"/>
+          <a:off x="4910772" y="1295400"/>
+          <a:ext cx="6585903" cy="2133600"/>
         </p:xfrm>
         <a:graphic>
           <a:graphicData uri="http://schemas.openxmlformats.org/drawingml/2006/table">
@@ -7238,21 +7238,21 @@
                 <a:tableStyleId>{5C22544A-7EE6-4342-B048-85BDC9FD1C3A}</a:tableStyleId>
               </a:tblPr>
               <a:tblGrid>
-                <a:gridCol w="1065530">
+                <a:gridCol w="1172660">
                   <a:extLst>
                     <a:ext uri="{9D8B030D-6E8A-4147-A177-3AD203B41FA5}">
                       <a16:colId xmlns:a16="http://schemas.microsoft.com/office/drawing/2014/main" val="713378066"/>
                     </a:ext>
                   </a:extLst>
                 </a:gridCol>
-                <a:gridCol w="511493">
+                <a:gridCol w="562919">
                   <a:extLst>
                     <a:ext uri="{9D8B030D-6E8A-4147-A177-3AD203B41FA5}">
                       <a16:colId xmlns:a16="http://schemas.microsoft.com/office/drawing/2014/main" val="3020504956"/>
                     </a:ext>
                   </a:extLst>
                 </a:gridCol>
-                <a:gridCol w="4407217">
+                <a:gridCol w="4850324">
                   <a:extLst>
                     <a:ext uri="{9D8B030D-6E8A-4147-A177-3AD203B41FA5}">
                       <a16:colId xmlns:a16="http://schemas.microsoft.com/office/drawing/2014/main" val="1178283409"/>
@@ -8399,14 +8399,14 @@
           <p:nvPr>
             <p:extLst>
               <p:ext uri="{D42A27DB-BD31-4B8C-83A1-F6EECF244321}">
-                <p14:modId xmlns:p14="http://schemas.microsoft.com/office/powerpoint/2010/main" val="796478631"/>
+                <p14:modId xmlns:p14="http://schemas.microsoft.com/office/powerpoint/2010/main" val="403189761"/>
               </p:ext>
             </p:extLst>
           </p:nvPr>
         </p:nvGraphicFramePr>
         <p:xfrm>
-          <a:off x="5512434" y="3527094"/>
-          <a:ext cx="2031365" cy="3039000"/>
+          <a:off x="4953730" y="3527095"/>
+          <a:ext cx="2235601" cy="3048000"/>
         </p:xfrm>
         <a:graphic>
           <a:graphicData uri="http://schemas.openxmlformats.org/drawingml/2006/table">
@@ -8415,14 +8415,14 @@
                 <a:tableStyleId>{5C22544A-7EE6-4342-B048-85BDC9FD1C3A}</a:tableStyleId>
               </a:tblPr>
               <a:tblGrid>
-                <a:gridCol w="643780">
+                <a:gridCol w="708506">
                   <a:extLst>
                     <a:ext uri="{9D8B030D-6E8A-4147-A177-3AD203B41FA5}">
                       <a16:colId xmlns:a16="http://schemas.microsoft.com/office/drawing/2014/main" val="4288635096"/>
                     </a:ext>
                   </a:extLst>
                 </a:gridCol>
-                <a:gridCol w="1387585">
+                <a:gridCol w="1527095">
                   <a:extLst>
                     <a:ext uri="{9D8B030D-6E8A-4147-A177-3AD203B41FA5}">
                       <a16:colId xmlns:a16="http://schemas.microsoft.com/office/drawing/2014/main" val="3568836691"/>
@@ -8430,7 +8430,7 @@
                   </a:extLst>
                 </a:gridCol>
               </a:tblGrid>
-              <a:tr h="303900">
+              <a:tr h="304800">
                 <a:tc gridSpan="2">
                   <a:txBody>
                     <a:bodyPr/>
@@ -8520,7 +8520,7 @@
                   </a:ext>
                 </a:extLst>
               </a:tr>
-              <a:tr h="303900">
+              <a:tr h="304800">
                 <a:tc>
                   <a:txBody>
                     <a:bodyPr/>
@@ -8655,7 +8655,7 @@
                   </a:ext>
                 </a:extLst>
               </a:tr>
-              <a:tr h="303900">
+              <a:tr h="304800">
                 <a:tc>
                   <a:txBody>
                     <a:bodyPr/>
@@ -8732,7 +8732,7 @@
                             <a:schemeClr val="tx1"/>
                           </a:solidFill>
                         </a:rPr>
-                        <a:t>1~10</a:t>
+                        <a:t>1~20</a:t>
                       </a:r>
                       <a:endParaRPr lang="ko-KR" altLang="en-US" sz="1000" b="0" dirty="0">
                         <a:solidFill>
@@ -8795,7 +8795,7 @@
                   </a:ext>
                 </a:extLst>
               </a:tr>
-              <a:tr h="303900">
+              <a:tr h="304800">
                 <a:tc>
                   <a:txBody>
                     <a:bodyPr/>
@@ -8872,7 +8872,7 @@
                             <a:schemeClr val="tx1"/>
                           </a:solidFill>
                         </a:rPr>
-                        <a:t>11~20</a:t>
+                        <a:t>21~30</a:t>
                       </a:r>
                       <a:endParaRPr lang="ko-KR" altLang="en-US" sz="1000" b="0" dirty="0">
                         <a:solidFill>
@@ -8935,7 +8935,7 @@
                   </a:ext>
                 </a:extLst>
               </a:tr>
-              <a:tr h="303900">
+              <a:tr h="304800">
                 <a:tc>
                   <a:txBody>
                     <a:bodyPr/>
@@ -9012,7 +9012,7 @@
                             <a:schemeClr val="tx1"/>
                           </a:solidFill>
                         </a:rPr>
-                        <a:t>21~30</a:t>
+                        <a:t>31~40</a:t>
                       </a:r>
                       <a:endParaRPr lang="ko-KR" altLang="en-US" sz="1000" b="0" dirty="0">
                         <a:solidFill>
@@ -9075,7 +9075,7 @@
                   </a:ext>
                 </a:extLst>
               </a:tr>
-              <a:tr h="303900">
+              <a:tr h="304800">
                 <a:tc>
                   <a:txBody>
                     <a:bodyPr/>
@@ -9152,7 +9152,7 @@
                             <a:schemeClr val="tx1"/>
                           </a:solidFill>
                         </a:rPr>
-                        <a:t>31~50</a:t>
+                        <a:t>41~50</a:t>
                       </a:r>
                       <a:endParaRPr lang="ko-KR" altLang="en-US" sz="1000" b="0" dirty="0">
                         <a:solidFill>
@@ -9215,7 +9215,7 @@
                   </a:ext>
                 </a:extLst>
               </a:tr>
-              <a:tr h="303900">
+              <a:tr h="304800">
                 <a:tc>
                   <a:txBody>
                     <a:bodyPr/>
@@ -9360,7 +9360,7 @@
                   </a:ext>
                 </a:extLst>
               </a:tr>
-              <a:tr h="303900">
+              <a:tr h="304800">
                 <a:tc>
                   <a:txBody>
                     <a:bodyPr/>
@@ -9500,7 +9500,7 @@
                   </a:ext>
                 </a:extLst>
               </a:tr>
-              <a:tr h="303900">
+              <a:tr h="304800">
                 <a:tc>
                   <a:txBody>
                     <a:bodyPr/>
@@ -9640,7 +9640,7 @@
                   </a:ext>
                 </a:extLst>
               </a:tr>
-              <a:tr h="303900">
+              <a:tr h="304800">
                 <a:tc>
                   <a:txBody>
                     <a:bodyPr/>
@@ -9799,14 +9799,14 @@
           <p:nvPr>
             <p:extLst>
               <p:ext uri="{D42A27DB-BD31-4B8C-83A1-F6EECF244321}">
-                <p14:modId xmlns:p14="http://schemas.microsoft.com/office/powerpoint/2010/main" val="1642724459"/>
+                <p14:modId xmlns:p14="http://schemas.microsoft.com/office/powerpoint/2010/main" val="1420842724"/>
               </p:ext>
             </p:extLst>
           </p:nvPr>
         </p:nvGraphicFramePr>
         <p:xfrm>
-          <a:off x="7627303" y="3527095"/>
-          <a:ext cx="3869372" cy="3048000"/>
+          <a:off x="7238271" y="3527095"/>
+          <a:ext cx="4258404" cy="3048000"/>
         </p:xfrm>
         <a:graphic>
           <a:graphicData uri="http://schemas.openxmlformats.org/drawingml/2006/table">
@@ -9815,14 +9815,14 @@
                 <a:tableStyleId>{5C22544A-7EE6-4342-B048-85BDC9FD1C3A}</a:tableStyleId>
               </a:tblPr>
               <a:tblGrid>
-                <a:gridCol w="711517">
+                <a:gridCol w="783054">
                   <a:extLst>
                     <a:ext uri="{9D8B030D-6E8A-4147-A177-3AD203B41FA5}">
                       <a16:colId xmlns:a16="http://schemas.microsoft.com/office/drawing/2014/main" val="4288635096"/>
                     </a:ext>
                   </a:extLst>
                 </a:gridCol>
-                <a:gridCol w="3157855">
+                <a:gridCol w="3475350">
                   <a:extLst>
                     <a:ext uri="{9D8B030D-6E8A-4147-A177-3AD203B41FA5}">
                       <a16:colId xmlns:a16="http://schemas.microsoft.com/office/drawing/2014/main" val="3568836691"/>
@@ -11879,28 +11879,20 @@
                     <a:p>
                       <a:pPr algn="ctr" latinLnBrk="1"/>
                       <a:r>
+                        <a:rPr lang="ko-KR" altLang="en-US" sz="800" b="0" dirty="0">
+                          <a:solidFill>
+                            <a:schemeClr val="tx1"/>
+                          </a:solidFill>
+                        </a:rPr>
+                        <a:t>이전 레벨의 </a:t>
+                      </a:r>
+                      <a:r>
                         <a:rPr lang="en-US" altLang="ko-KR" sz="800" b="0" dirty="0">
                           <a:solidFill>
                             <a:schemeClr val="tx1"/>
                           </a:solidFill>
                         </a:rPr>
-                        <a:t>100</a:t>
-                      </a:r>
-                      <a:r>
-                        <a:rPr lang="ko-KR" altLang="en-US" sz="800" b="0" dirty="0">
-                          <a:solidFill>
-                            <a:schemeClr val="tx1"/>
-                          </a:solidFill>
-                        </a:rPr>
-                        <a:t>레벨 달성까지 획득한 경험치의 총합에 </a:t>
-                      </a:r>
-                      <a:r>
-                        <a:rPr lang="en-US" altLang="ko-KR" sz="800" b="0" dirty="0">
-                          <a:solidFill>
-                            <a:schemeClr val="tx1"/>
-                          </a:solidFill>
-                        </a:rPr>
-                        <a:t>2</a:t>
+                        <a:t>3</a:t>
                       </a:r>
                       <a:r>
                         <a:rPr lang="ko-KR" altLang="en-US" sz="800" b="0" dirty="0">
@@ -11972,10 +11964,10 @@
       </p:graphicFrame>
       <p:pic>
         <p:nvPicPr>
-          <p:cNvPr id="4" name="그림 3">
+          <p:cNvPr id="9" name="그림 8">
             <a:extLst>
               <a:ext uri="{FF2B5EF4-FFF2-40B4-BE49-F238E27FC236}">
-                <a16:creationId xmlns:a16="http://schemas.microsoft.com/office/drawing/2014/main" id="{A6CAFAA2-29A9-4E1C-91FC-C814E3645DE5}"/>
+                <a16:creationId xmlns:a16="http://schemas.microsoft.com/office/drawing/2014/main" id="{5BB43D52-7515-47D2-8F5C-CC5C7A3F2CD3}"/>
               </a:ext>
             </a:extLst>
           </p:cNvPr>
@@ -11985,7 +11977,7 @@
           <p:nvPr/>
         </p:nvPicPr>
         <p:blipFill>
-          <a:blip r:embed="rId2">
+          <a:blip r:embed="rId2" cstate="print">
             <a:extLst>
               <a:ext uri="{28A0092B-C50C-407E-A947-70E740481C1C}">
                 <a14:useLocalDpi xmlns:a14="http://schemas.microsoft.com/office/drawing/2010/main" val="0"/>
@@ -11998,14 +11990,513 @@
         </p:blipFill>
         <p:spPr>
           <a:xfrm>
-            <a:off x="1311969" y="1295400"/>
-            <a:ext cx="3319441" cy="5071671"/>
+            <a:off x="1729128" y="1158875"/>
+            <a:ext cx="2733675" cy="4745839"/>
           </a:xfrm>
           <a:prstGeom prst="rect">
             <a:avLst/>
           </a:prstGeom>
         </p:spPr>
       </p:pic>
+      <p:graphicFrame>
+        <p:nvGraphicFramePr>
+          <p:cNvPr id="3" name="표 3">
+            <a:extLst>
+              <a:ext uri="{FF2B5EF4-FFF2-40B4-BE49-F238E27FC236}">
+                <a16:creationId xmlns:a16="http://schemas.microsoft.com/office/drawing/2014/main" id="{FBEBE2F7-89FE-4043-9366-E0E15C8B45DF}"/>
+              </a:ext>
+            </a:extLst>
+          </p:cNvPr>
+          <p:cNvGraphicFramePr>
+            <a:graphicFrameLocks noGrp="1"/>
+          </p:cNvGraphicFramePr>
+          <p:nvPr>
+            <p:extLst>
+              <p:ext uri="{D42A27DB-BD31-4B8C-83A1-F6EECF244321}">
+                <p14:modId xmlns:p14="http://schemas.microsoft.com/office/powerpoint/2010/main" val="2635261154"/>
+              </p:ext>
+            </p:extLst>
+          </p:nvPr>
+        </p:nvGraphicFramePr>
+        <p:xfrm>
+          <a:off x="687756" y="6046564"/>
+          <a:ext cx="4217034" cy="548640"/>
+        </p:xfrm>
+        <a:graphic>
+          <a:graphicData uri="http://schemas.openxmlformats.org/drawingml/2006/table">
+            <a:tbl>
+              <a:tblPr firstRow="1" bandRow="1">
+                <a:tableStyleId>{5C22544A-7EE6-4342-B048-85BDC9FD1C3A}</a:tableStyleId>
+              </a:tblPr>
+              <a:tblGrid>
+                <a:gridCol w="1003617">
+                  <a:extLst>
+                    <a:ext uri="{9D8B030D-6E8A-4147-A177-3AD203B41FA5}">
+                      <a16:colId xmlns:a16="http://schemas.microsoft.com/office/drawing/2014/main" val="2122912176"/>
+                    </a:ext>
+                  </a:extLst>
+                </a:gridCol>
+                <a:gridCol w="3213417">
+                  <a:extLst>
+                    <a:ext uri="{9D8B030D-6E8A-4147-A177-3AD203B41FA5}">
+                      <a16:colId xmlns:a16="http://schemas.microsoft.com/office/drawing/2014/main" val="3531443812"/>
+                    </a:ext>
+                  </a:extLst>
+                </a:gridCol>
+              </a:tblGrid>
+              <a:tr h="0">
+                <a:tc>
+                  <a:txBody>
+                    <a:bodyPr/>
+                    <a:lstStyle/>
+                    <a:p>
+                      <a:pPr algn="ctr" latinLnBrk="1"/>
+                      <a:r>
+                        <a:rPr lang="ko-KR" altLang="en-US" sz="800" b="0" dirty="0">
+                          <a:solidFill>
+                            <a:schemeClr val="tx1"/>
+                          </a:solidFill>
+                        </a:rPr>
+                        <a:t>모든 능력치 </a:t>
+                      </a:r>
+                      <a:endParaRPr lang="en-US" altLang="ko-KR" sz="800" b="0" dirty="0">
+                        <a:solidFill>
+                          <a:schemeClr val="tx1"/>
+                        </a:solidFill>
+                      </a:endParaRPr>
+                    </a:p>
+                    <a:p>
+                      <a:pPr algn="ctr" latinLnBrk="1"/>
+                      <a:r>
+                        <a:rPr lang="ko-KR" altLang="en-US" sz="800" b="0" dirty="0">
+                          <a:solidFill>
+                            <a:schemeClr val="tx1"/>
+                          </a:solidFill>
+                        </a:rPr>
+                        <a:t>한계치 도달</a:t>
+                      </a:r>
+                    </a:p>
+                  </a:txBody>
+                  <a:tcPr anchor="ctr">
+                    <a:lnL w="12700" cap="flat" cmpd="sng" algn="ctr">
+                      <a:solidFill>
+                        <a:schemeClr val="tx1"/>
+                      </a:solidFill>
+                      <a:prstDash val="solid"/>
+                      <a:round/>
+                      <a:headEnd type="none" w="med" len="med"/>
+                      <a:tailEnd type="none" w="med" len="med"/>
+                    </a:lnL>
+                    <a:lnR w="12700" cap="flat" cmpd="sng" algn="ctr">
+                      <a:solidFill>
+                        <a:schemeClr val="tx1"/>
+                      </a:solidFill>
+                      <a:prstDash val="solid"/>
+                      <a:round/>
+                      <a:headEnd type="none" w="med" len="med"/>
+                      <a:tailEnd type="none" w="med" len="med"/>
+                    </a:lnR>
+                    <a:lnT w="12700" cap="flat" cmpd="sng" algn="ctr">
+                      <a:solidFill>
+                        <a:schemeClr val="tx1"/>
+                      </a:solidFill>
+                      <a:prstDash val="solid"/>
+                      <a:round/>
+                      <a:headEnd type="none" w="med" len="med"/>
+                      <a:tailEnd type="none" w="med" len="med"/>
+                    </a:lnT>
+                    <a:lnB w="12700" cap="flat" cmpd="sng" algn="ctr">
+                      <a:solidFill>
+                        <a:schemeClr val="tx1"/>
+                      </a:solidFill>
+                      <a:prstDash val="solid"/>
+                      <a:round/>
+                      <a:headEnd type="none" w="med" len="med"/>
+                      <a:tailEnd type="none" w="med" len="med"/>
+                    </a:lnB>
+                    <a:noFill/>
+                  </a:tcPr>
+                </a:tc>
+                <a:tc>
+                  <a:txBody>
+                    <a:bodyPr/>
+                    <a:lstStyle/>
+                    <a:p>
+                      <a:pPr algn="ctr" latinLnBrk="1"/>
+                      <a:r>
+                        <a:rPr lang="ko-KR" altLang="en-US" sz="800" b="0" dirty="0">
+                          <a:solidFill>
+                            <a:schemeClr val="tx1"/>
+                          </a:solidFill>
+                        </a:rPr>
+                        <a:t>능력치</a:t>
+                      </a:r>
+                      <a:r>
+                        <a:rPr lang="en-US" altLang="ko-KR" sz="800" b="0" dirty="0">
+                          <a:solidFill>
+                            <a:schemeClr val="tx1"/>
+                          </a:solidFill>
+                        </a:rPr>
+                        <a:t>&amp;</a:t>
+                      </a:r>
+                      <a:r>
+                        <a:rPr lang="ko-KR" altLang="en-US" sz="800" b="0" dirty="0">
+                          <a:solidFill>
+                            <a:schemeClr val="tx1"/>
+                          </a:solidFill>
+                        </a:rPr>
+                        <a:t>경험치 테이블</a:t>
+                      </a:r>
+                      <a:r>
+                        <a:rPr lang="en-US" altLang="ko-KR" sz="800" b="0" dirty="0">
+                          <a:solidFill>
+                            <a:schemeClr val="tx1"/>
+                          </a:solidFill>
+                        </a:rPr>
+                        <a:t>.xlsx </a:t>
+                      </a:r>
+                      <a:r>
+                        <a:rPr lang="ko-KR" altLang="en-US" sz="800" b="0" dirty="0">
+                          <a:solidFill>
+                            <a:schemeClr val="tx1"/>
+                          </a:solidFill>
+                        </a:rPr>
+                        <a:t>파일에 체력 한계</a:t>
+                      </a:r>
+                      <a:r>
+                        <a:rPr lang="en-US" altLang="ko-KR" sz="800" b="0" dirty="0">
+                          <a:solidFill>
+                            <a:schemeClr val="tx1"/>
+                          </a:solidFill>
+                        </a:rPr>
+                        <a:t>(HP_LIT), </a:t>
+                      </a:r>
+                    </a:p>
+                    <a:p>
+                      <a:pPr algn="ctr" latinLnBrk="1"/>
+                      <a:r>
+                        <a:rPr lang="ko-KR" altLang="en-US" sz="800" b="0" dirty="0">
+                          <a:solidFill>
+                            <a:schemeClr val="tx1"/>
+                          </a:solidFill>
+                        </a:rPr>
+                        <a:t>지구력 한계</a:t>
+                      </a:r>
+                      <a:r>
+                        <a:rPr lang="en-US" altLang="ko-KR" sz="800" b="0" dirty="0">
+                          <a:solidFill>
+                            <a:schemeClr val="tx1"/>
+                          </a:solidFill>
+                        </a:rPr>
+                        <a:t>(EP_LIT), </a:t>
+                      </a:r>
+                      <a:r>
+                        <a:rPr lang="ko-KR" altLang="en-US" sz="800" b="0" dirty="0">
+                          <a:solidFill>
+                            <a:schemeClr val="tx1"/>
+                          </a:solidFill>
+                        </a:rPr>
+                        <a:t>내공 한계</a:t>
+                      </a:r>
+                      <a:r>
+                        <a:rPr lang="en-US" altLang="ko-KR" sz="800" b="0" dirty="0">
+                          <a:solidFill>
+                            <a:schemeClr val="tx1"/>
+                          </a:solidFill>
+                        </a:rPr>
+                        <a:t>(</a:t>
+                      </a:r>
+                      <a:r>
+                        <a:rPr lang="en-US" altLang="ko-KR" sz="800" b="0" dirty="0" err="1">
+                          <a:solidFill>
+                            <a:schemeClr val="tx1"/>
+                          </a:solidFill>
+                        </a:rPr>
+                        <a:t>IpQ_LIT</a:t>
+                      </a:r>
+                      <a:r>
+                        <a:rPr lang="en-US" altLang="ko-KR" sz="800" b="0" dirty="0">
+                          <a:solidFill>
+                            <a:schemeClr val="tx1"/>
+                          </a:solidFill>
+                        </a:rPr>
+                        <a:t>), </a:t>
+                      </a:r>
+                      <a:r>
+                        <a:rPr lang="ko-KR" altLang="en-US" sz="800" b="0" dirty="0">
+                          <a:solidFill>
+                            <a:schemeClr val="tx1"/>
+                          </a:solidFill>
+                        </a:rPr>
+                        <a:t>외공 한계</a:t>
+                      </a:r>
+                      <a:r>
+                        <a:rPr lang="en-US" altLang="ko-KR" sz="800" b="0" dirty="0">
+                          <a:solidFill>
+                            <a:schemeClr val="tx1"/>
+                          </a:solidFill>
+                        </a:rPr>
+                        <a:t>(</a:t>
+                      </a:r>
+                      <a:r>
+                        <a:rPr lang="en-US" altLang="ko-KR" sz="800" b="0" dirty="0" err="1">
+                          <a:solidFill>
+                            <a:schemeClr val="tx1"/>
+                          </a:solidFill>
+                        </a:rPr>
+                        <a:t>OpQ_LIT</a:t>
+                      </a:r>
+                      <a:r>
+                        <a:rPr lang="en-US" altLang="ko-KR" sz="800" b="0" dirty="0">
+                          <a:solidFill>
+                            <a:schemeClr val="tx1"/>
+                          </a:solidFill>
+                        </a:rPr>
+                        <a:t>)</a:t>
+                      </a:r>
+                      <a:r>
+                        <a:rPr lang="ko-KR" altLang="en-US" sz="800" b="0" dirty="0">
+                          <a:solidFill>
+                            <a:schemeClr val="tx1"/>
+                          </a:solidFill>
+                        </a:rPr>
+                        <a:t> 참조</a:t>
+                      </a:r>
+                    </a:p>
+                  </a:txBody>
+                  <a:tcPr anchor="ctr">
+                    <a:lnL w="12700" cap="flat" cmpd="sng" algn="ctr">
+                      <a:solidFill>
+                        <a:schemeClr val="tx1"/>
+                      </a:solidFill>
+                      <a:prstDash val="solid"/>
+                      <a:round/>
+                      <a:headEnd type="none" w="med" len="med"/>
+                      <a:tailEnd type="none" w="med" len="med"/>
+                    </a:lnL>
+                    <a:lnR w="12700" cap="flat" cmpd="sng" algn="ctr">
+                      <a:solidFill>
+                        <a:schemeClr val="tx1"/>
+                      </a:solidFill>
+                      <a:prstDash val="solid"/>
+                      <a:round/>
+                      <a:headEnd type="none" w="med" len="med"/>
+                      <a:tailEnd type="none" w="med" len="med"/>
+                    </a:lnR>
+                    <a:lnT w="12700" cap="flat" cmpd="sng" algn="ctr">
+                      <a:solidFill>
+                        <a:schemeClr val="tx1"/>
+                      </a:solidFill>
+                      <a:prstDash val="solid"/>
+                      <a:round/>
+                      <a:headEnd type="none" w="med" len="med"/>
+                      <a:tailEnd type="none" w="med" len="med"/>
+                    </a:lnT>
+                    <a:lnB w="12700" cap="flat" cmpd="sng" algn="ctr">
+                      <a:solidFill>
+                        <a:schemeClr val="tx1"/>
+                      </a:solidFill>
+                      <a:prstDash val="solid"/>
+                      <a:round/>
+                      <a:headEnd type="none" w="med" len="med"/>
+                      <a:tailEnd type="none" w="med" len="med"/>
+                    </a:lnB>
+                    <a:noFill/>
+                  </a:tcPr>
+                </a:tc>
+                <a:extLst>
+                  <a:ext uri="{0D108BD9-81ED-4DB2-BD59-A6C34878D82A}">
+                    <a16:rowId xmlns:a16="http://schemas.microsoft.com/office/drawing/2014/main" val="468467169"/>
+                  </a:ext>
+                </a:extLst>
+              </a:tr>
+              <a:tr h="0">
+                <a:tc>
+                  <a:txBody>
+                    <a:bodyPr/>
+                    <a:lstStyle/>
+                    <a:p>
+                      <a:pPr algn="ctr" latinLnBrk="1"/>
+                      <a:r>
+                        <a:rPr lang="ko-KR" altLang="en-US" sz="800" b="0" dirty="0">
+                          <a:solidFill>
+                            <a:schemeClr val="tx1"/>
+                          </a:solidFill>
+                        </a:rPr>
+                        <a:t>필요 경험치 도달</a:t>
+                      </a:r>
+                    </a:p>
+                  </a:txBody>
+                  <a:tcPr anchor="ctr">
+                    <a:lnL w="12700" cap="flat" cmpd="sng" algn="ctr">
+                      <a:solidFill>
+                        <a:schemeClr val="tx1"/>
+                      </a:solidFill>
+                      <a:prstDash val="solid"/>
+                      <a:round/>
+                      <a:headEnd type="none" w="med" len="med"/>
+                      <a:tailEnd type="none" w="med" len="med"/>
+                    </a:lnL>
+                    <a:lnR w="12700" cap="flat" cmpd="sng" algn="ctr">
+                      <a:solidFill>
+                        <a:schemeClr val="tx1"/>
+                      </a:solidFill>
+                      <a:prstDash val="solid"/>
+                      <a:round/>
+                      <a:headEnd type="none" w="med" len="med"/>
+                      <a:tailEnd type="none" w="med" len="med"/>
+                    </a:lnR>
+                    <a:lnT w="12700" cap="flat" cmpd="sng" algn="ctr">
+                      <a:solidFill>
+                        <a:schemeClr val="tx1"/>
+                      </a:solidFill>
+                      <a:prstDash val="solid"/>
+                      <a:round/>
+                      <a:headEnd type="none" w="med" len="med"/>
+                      <a:tailEnd type="none" w="med" len="med"/>
+                    </a:lnT>
+                    <a:lnB w="12700" cap="flat" cmpd="sng" algn="ctr">
+                      <a:solidFill>
+                        <a:schemeClr val="tx1"/>
+                      </a:solidFill>
+                      <a:prstDash val="solid"/>
+                      <a:round/>
+                      <a:headEnd type="none" w="med" len="med"/>
+                      <a:tailEnd type="none" w="med" len="med"/>
+                    </a:lnB>
+                    <a:noFill/>
+                  </a:tcPr>
+                </a:tc>
+                <a:tc>
+                  <a:txBody>
+                    <a:bodyPr/>
+                    <a:lstStyle/>
+                    <a:p>
+                      <a:pPr algn="ctr" latinLnBrk="1"/>
+                      <a:r>
+                        <a:rPr lang="ko-KR" altLang="en-US" sz="800" b="0" dirty="0">
+                          <a:solidFill>
+                            <a:schemeClr val="tx1"/>
+                          </a:solidFill>
+                        </a:rPr>
+                        <a:t>능력치</a:t>
+                      </a:r>
+                      <a:r>
+                        <a:rPr lang="en-US" altLang="ko-KR" sz="800" b="0" dirty="0">
+                          <a:solidFill>
+                            <a:schemeClr val="tx1"/>
+                          </a:solidFill>
+                        </a:rPr>
+                        <a:t>&amp;</a:t>
+                      </a:r>
+                      <a:r>
+                        <a:rPr lang="ko-KR" altLang="en-US" sz="800" b="0" dirty="0">
+                          <a:solidFill>
+                            <a:schemeClr val="tx1"/>
+                          </a:solidFill>
+                        </a:rPr>
+                        <a:t>경험치 테이블</a:t>
+                      </a:r>
+                      <a:r>
+                        <a:rPr lang="en-US" altLang="ko-KR" sz="800" b="0" dirty="0">
+                          <a:solidFill>
+                            <a:schemeClr val="tx1"/>
+                          </a:solidFill>
+                        </a:rPr>
+                        <a:t>.xlsx </a:t>
+                      </a:r>
+                      <a:r>
+                        <a:rPr lang="ko-KR" altLang="en-US" sz="800" b="0" dirty="0">
+                          <a:solidFill>
+                            <a:schemeClr val="tx1"/>
+                          </a:solidFill>
+                        </a:rPr>
+                        <a:t>파일에 필요 경험치</a:t>
+                      </a:r>
+                      <a:r>
+                        <a:rPr lang="en-US" altLang="ko-KR" sz="800" b="0" dirty="0">
+                          <a:solidFill>
+                            <a:schemeClr val="tx1"/>
+                          </a:solidFill>
+                        </a:rPr>
+                        <a:t>(</a:t>
+                      </a:r>
+                      <a:r>
+                        <a:rPr lang="en-US" altLang="ko-KR" sz="800" b="0" dirty="0" err="1">
+                          <a:solidFill>
+                            <a:schemeClr val="tx1"/>
+                          </a:solidFill>
+                        </a:rPr>
+                        <a:t>Target_EXP</a:t>
+                      </a:r>
+                      <a:r>
+                        <a:rPr lang="en-US" altLang="ko-KR" sz="800" b="0" dirty="0">
+                          <a:solidFill>
+                            <a:schemeClr val="tx1"/>
+                          </a:solidFill>
+                        </a:rPr>
+                        <a:t>)</a:t>
+                      </a:r>
+                      <a:r>
+                        <a:rPr lang="ko-KR" altLang="en-US" sz="800" b="0" dirty="0">
+                          <a:solidFill>
+                            <a:schemeClr val="tx1"/>
+                          </a:solidFill>
+                        </a:rPr>
+                        <a:t> 참조</a:t>
+                      </a:r>
+                    </a:p>
+                  </a:txBody>
+                  <a:tcPr anchor="ctr">
+                    <a:lnL w="12700" cap="flat" cmpd="sng" algn="ctr">
+                      <a:solidFill>
+                        <a:schemeClr val="tx1"/>
+                      </a:solidFill>
+                      <a:prstDash val="solid"/>
+                      <a:round/>
+                      <a:headEnd type="none" w="med" len="med"/>
+                      <a:tailEnd type="none" w="med" len="med"/>
+                    </a:lnL>
+                    <a:lnR w="12700" cap="flat" cmpd="sng" algn="ctr">
+                      <a:solidFill>
+                        <a:schemeClr val="tx1"/>
+                      </a:solidFill>
+                      <a:prstDash val="solid"/>
+                      <a:round/>
+                      <a:headEnd type="none" w="med" len="med"/>
+                      <a:tailEnd type="none" w="med" len="med"/>
+                    </a:lnR>
+                    <a:lnT w="12700" cap="flat" cmpd="sng" algn="ctr">
+                      <a:solidFill>
+                        <a:schemeClr val="tx1"/>
+                      </a:solidFill>
+                      <a:prstDash val="solid"/>
+                      <a:round/>
+                      <a:headEnd type="none" w="med" len="med"/>
+                      <a:tailEnd type="none" w="med" len="med"/>
+                    </a:lnT>
+                    <a:lnB w="12700" cap="flat" cmpd="sng" algn="ctr">
+                      <a:solidFill>
+                        <a:schemeClr val="tx1"/>
+                      </a:solidFill>
+                      <a:prstDash val="solid"/>
+                      <a:round/>
+                      <a:headEnd type="none" w="med" len="med"/>
+                      <a:tailEnd type="none" w="med" len="med"/>
+                    </a:lnB>
+                    <a:noFill/>
+                  </a:tcPr>
+                </a:tc>
+                <a:extLst>
+                  <a:ext uri="{0D108BD9-81ED-4DB2-BD59-A6C34878D82A}">
+                    <a16:rowId xmlns:a16="http://schemas.microsoft.com/office/drawing/2014/main" val="3175520549"/>
+                  </a:ext>
+                </a:extLst>
+              </a:tr>
+            </a:tbl>
+          </a:graphicData>
+        </a:graphic>
+      </p:graphicFrame>
     </p:spTree>
     <p:extLst>
       <p:ext uri="{BB962C8B-B14F-4D97-AF65-F5344CB8AC3E}">
@@ -15234,14 +15725,14 @@
           <p:nvPr>
             <p:extLst>
               <p:ext uri="{D42A27DB-BD31-4B8C-83A1-F6EECF244321}">
-                <p14:modId xmlns:p14="http://schemas.microsoft.com/office/powerpoint/2010/main" val="1757281713"/>
+                <p14:modId xmlns:p14="http://schemas.microsoft.com/office/powerpoint/2010/main" val="153616161"/>
               </p:ext>
             </p:extLst>
           </p:nvPr>
         </p:nvGraphicFramePr>
         <p:xfrm>
-          <a:off x="1819846" y="1158875"/>
-          <a:ext cx="8552308" cy="2514600"/>
+          <a:off x="5002822" y="1158875"/>
+          <a:ext cx="6493854" cy="2514600"/>
         </p:xfrm>
         <a:graphic>
           <a:graphicData uri="http://schemas.openxmlformats.org/drawingml/2006/table">
@@ -15250,42 +15741,42 @@
                 <a:tableStyleId>{5C22544A-7EE6-4342-B048-85BDC9FD1C3A}</a:tableStyleId>
               </a:tblPr>
               <a:tblGrid>
-                <a:gridCol w="1053021">
+                <a:gridCol w="799570">
                   <a:extLst>
                     <a:ext uri="{9D8B030D-6E8A-4147-A177-3AD203B41FA5}">
                       <a16:colId xmlns:a16="http://schemas.microsoft.com/office/drawing/2014/main" val="2450210185"/>
                     </a:ext>
                   </a:extLst>
                 </a:gridCol>
-                <a:gridCol w="1053021">
+                <a:gridCol w="799570">
                   <a:extLst>
                     <a:ext uri="{9D8B030D-6E8A-4147-A177-3AD203B41FA5}">
                       <a16:colId xmlns:a16="http://schemas.microsoft.com/office/drawing/2014/main" val="587803920"/>
                     </a:ext>
                   </a:extLst>
                 </a:gridCol>
-                <a:gridCol w="1568785">
+                <a:gridCol w="1191194">
                   <a:extLst>
                     <a:ext uri="{9D8B030D-6E8A-4147-A177-3AD203B41FA5}">
                       <a16:colId xmlns:a16="http://schemas.microsoft.com/office/drawing/2014/main" val="3213500976"/>
                     </a:ext>
                   </a:extLst>
                 </a:gridCol>
-                <a:gridCol w="1739911">
+                <a:gridCol w="1321132">
                   <a:extLst>
                     <a:ext uri="{9D8B030D-6E8A-4147-A177-3AD203B41FA5}">
                       <a16:colId xmlns:a16="http://schemas.microsoft.com/office/drawing/2014/main" val="2770815026"/>
                     </a:ext>
                   </a:extLst>
                 </a:gridCol>
-                <a:gridCol w="1568785">
+                <a:gridCol w="1191194">
                   <a:extLst>
                     <a:ext uri="{9D8B030D-6E8A-4147-A177-3AD203B41FA5}">
                       <a16:colId xmlns:a16="http://schemas.microsoft.com/office/drawing/2014/main" val="134970193"/>
                     </a:ext>
                   </a:extLst>
                 </a:gridCol>
-                <a:gridCol w="1568785">
+                <a:gridCol w="1191194">
                   <a:extLst>
                     <a:ext uri="{9D8B030D-6E8A-4147-A177-3AD203B41FA5}">
                       <a16:colId xmlns:a16="http://schemas.microsoft.com/office/drawing/2014/main" val="3355405314"/>
@@ -15823,7 +16314,7 @@
                             <a:schemeClr val="tx1"/>
                           </a:solidFill>
                         </a:rPr>
-                        <a:t>1~10</a:t>
+                        <a:t>1~20</a:t>
                       </a:r>
                       <a:endParaRPr lang="ko-KR" altLang="en-US" sz="1000" b="0" dirty="0">
                         <a:solidFill>
@@ -15951,7 +16442,7 @@
                     <a:p>
                       <a:pPr algn="ctr" fontAlgn="ctr"/>
                       <a:r>
-                        <a:rPr lang="en-US" altLang="ko-KR" sz="1050" b="0" i="0" u="none" strike="noStrike">
+                        <a:rPr lang="en-US" altLang="ko-KR" sz="1050" b="0" i="0" u="none" strike="noStrike" dirty="0">
                           <a:solidFill>
                             <a:srgbClr val="000000"/>
                           </a:solidFill>
@@ -16231,7 +16722,7 @@
                             <a:schemeClr val="tx1"/>
                           </a:solidFill>
                         </a:rPr>
-                        <a:t>11~20</a:t>
+                        <a:t>21~30</a:t>
                       </a:r>
                       <a:endParaRPr lang="ko-KR" altLang="en-US" sz="1000" b="0" dirty="0">
                         <a:solidFill>
@@ -16639,7 +17130,7 @@
                             <a:schemeClr val="tx1"/>
                           </a:solidFill>
                         </a:rPr>
-                        <a:t>21~30</a:t>
+                        <a:t>31~40</a:t>
                       </a:r>
                       <a:endParaRPr lang="ko-KR" altLang="en-US" sz="1000" b="0" dirty="0">
                         <a:solidFill>
@@ -17047,7 +17538,7 @@
                             <a:schemeClr val="tx1"/>
                           </a:solidFill>
                         </a:rPr>
-                        <a:t>31~50</a:t>
+                        <a:t>41~50</a:t>
                       </a:r>
                       <a:endParaRPr lang="ko-KR" altLang="en-US" sz="1000" b="0" dirty="0">
                         <a:solidFill>
@@ -19108,14 +19599,14 @@
           <p:nvPr>
             <p:extLst>
               <p:ext uri="{D42A27DB-BD31-4B8C-83A1-F6EECF244321}">
-                <p14:modId xmlns:p14="http://schemas.microsoft.com/office/powerpoint/2010/main" val="4145571042"/>
+                <p14:modId xmlns:p14="http://schemas.microsoft.com/office/powerpoint/2010/main" val="3519114116"/>
               </p:ext>
             </p:extLst>
           </p:nvPr>
         </p:nvGraphicFramePr>
         <p:xfrm>
-          <a:off x="1819847" y="4307888"/>
-          <a:ext cx="8552307" cy="2106427"/>
+          <a:off x="5002822" y="4307888"/>
+          <a:ext cx="6493851" cy="2106427"/>
         </p:xfrm>
         <a:graphic>
           <a:graphicData uri="http://schemas.openxmlformats.org/drawingml/2006/table">
@@ -19124,35 +19615,35 @@
                 <a:tableStyleId>{5C22544A-7EE6-4342-B048-85BDC9FD1C3A}</a:tableStyleId>
               </a:tblPr>
               <a:tblGrid>
-                <a:gridCol w="1427863">
+                <a:gridCol w="1084191">
                   <a:extLst>
                     <a:ext uri="{9D8B030D-6E8A-4147-A177-3AD203B41FA5}">
                       <a16:colId xmlns:a16="http://schemas.microsoft.com/office/drawing/2014/main" val="2450210185"/>
                     </a:ext>
                   </a:extLst>
                 </a:gridCol>
-                <a:gridCol w="1781111">
+                <a:gridCol w="1352415">
                   <a:extLst>
                     <a:ext uri="{9D8B030D-6E8A-4147-A177-3AD203B41FA5}">
                       <a16:colId xmlns:a16="http://schemas.microsoft.com/office/drawing/2014/main" val="3213500976"/>
                     </a:ext>
                   </a:extLst>
                 </a:gridCol>
-                <a:gridCol w="1781111">
+                <a:gridCol w="1352415">
                   <a:extLst>
                     <a:ext uri="{9D8B030D-6E8A-4147-A177-3AD203B41FA5}">
                       <a16:colId xmlns:a16="http://schemas.microsoft.com/office/drawing/2014/main" val="2770815026"/>
                     </a:ext>
                   </a:extLst>
                 </a:gridCol>
-                <a:gridCol w="1781111">
+                <a:gridCol w="1352415">
                   <a:extLst>
                     <a:ext uri="{9D8B030D-6E8A-4147-A177-3AD203B41FA5}">
                       <a16:colId xmlns:a16="http://schemas.microsoft.com/office/drawing/2014/main" val="134970193"/>
                     </a:ext>
                   </a:extLst>
                 </a:gridCol>
-                <a:gridCol w="1781111">
+                <a:gridCol w="1352415">
                   <a:extLst>
                     <a:ext uri="{9D8B030D-6E8A-4147-A177-3AD203B41FA5}">
                       <a16:colId xmlns:a16="http://schemas.microsoft.com/office/drawing/2014/main" val="3355405314"/>
@@ -20136,7 +20627,7 @@
                     <a:p>
                       <a:pPr algn="ctr" fontAlgn="ctr"/>
                       <a:r>
-                        <a:rPr lang="en-US" altLang="ko-KR" sz="1050" b="0" i="0" u="none" strike="noStrike">
+                        <a:rPr lang="en-US" altLang="ko-KR" sz="1050" b="0" i="0" u="none" strike="noStrike" dirty="0">
                           <a:solidFill>
                             <a:srgbClr val="000000"/>
                           </a:solidFill>
@@ -21723,14 +22214,14 @@
           <p:nvPr>
             <p:extLst>
               <p:ext uri="{D42A27DB-BD31-4B8C-83A1-F6EECF244321}">
-                <p14:modId xmlns:p14="http://schemas.microsoft.com/office/powerpoint/2010/main" val="3132380371"/>
+                <p14:modId xmlns:p14="http://schemas.microsoft.com/office/powerpoint/2010/main" val="203592563"/>
               </p:ext>
             </p:extLst>
           </p:nvPr>
         </p:nvGraphicFramePr>
         <p:xfrm>
-          <a:off x="1819847" y="3746841"/>
-          <a:ext cx="8552310" cy="487680"/>
+          <a:off x="5002822" y="3746841"/>
+          <a:ext cx="6493854" cy="487680"/>
         </p:xfrm>
         <a:graphic>
           <a:graphicData uri="http://schemas.openxmlformats.org/drawingml/2006/table">
@@ -21739,42 +22230,42 @@
                 <a:tableStyleId>{5C22544A-7EE6-4342-B048-85BDC9FD1C3A}</a:tableStyleId>
               </a:tblPr>
               <a:tblGrid>
-                <a:gridCol w="1425385">
+                <a:gridCol w="1082309">
                   <a:extLst>
                     <a:ext uri="{9D8B030D-6E8A-4147-A177-3AD203B41FA5}">
                       <a16:colId xmlns:a16="http://schemas.microsoft.com/office/drawing/2014/main" val="3384120097"/>
                     </a:ext>
                   </a:extLst>
                 </a:gridCol>
-                <a:gridCol w="1425385">
+                <a:gridCol w="1082309">
                   <a:extLst>
                     <a:ext uri="{9D8B030D-6E8A-4147-A177-3AD203B41FA5}">
                       <a16:colId xmlns:a16="http://schemas.microsoft.com/office/drawing/2014/main" val="3014854846"/>
                     </a:ext>
                   </a:extLst>
                 </a:gridCol>
-                <a:gridCol w="1425385">
+                <a:gridCol w="1082309">
                   <a:extLst>
                     <a:ext uri="{9D8B030D-6E8A-4147-A177-3AD203B41FA5}">
                       <a16:colId xmlns:a16="http://schemas.microsoft.com/office/drawing/2014/main" val="3489451506"/>
                     </a:ext>
                   </a:extLst>
                 </a:gridCol>
-                <a:gridCol w="1425385">
+                <a:gridCol w="1082309">
                   <a:extLst>
                     <a:ext uri="{9D8B030D-6E8A-4147-A177-3AD203B41FA5}">
                       <a16:colId xmlns:a16="http://schemas.microsoft.com/office/drawing/2014/main" val="3859464365"/>
                     </a:ext>
                   </a:extLst>
                 </a:gridCol>
-                <a:gridCol w="1425385">
+                <a:gridCol w="1082309">
                   <a:extLst>
                     <a:ext uri="{9D8B030D-6E8A-4147-A177-3AD203B41FA5}">
                       <a16:colId xmlns:a16="http://schemas.microsoft.com/office/drawing/2014/main" val="3846121920"/>
                     </a:ext>
                   </a:extLst>
                 </a:gridCol>
-                <a:gridCol w="1425385">
+                <a:gridCol w="1082309">
                   <a:extLst>
                     <a:ext uri="{9D8B030D-6E8A-4147-A177-3AD203B41FA5}">
                       <a16:colId xmlns:a16="http://schemas.microsoft.com/office/drawing/2014/main" val="132691769"/>
@@ -22255,6 +22746,1073 @@
                 <a:extLst>
                   <a:ext uri="{0D108BD9-81ED-4DB2-BD59-A6C34878D82A}">
                     <a16:rowId xmlns:a16="http://schemas.microsoft.com/office/drawing/2014/main" val="3275217012"/>
+                  </a:ext>
+                </a:extLst>
+              </a:tr>
+            </a:tbl>
+          </a:graphicData>
+        </a:graphic>
+      </p:graphicFrame>
+      <p:pic>
+        <p:nvPicPr>
+          <p:cNvPr id="6" name="그림 5">
+            <a:extLst>
+              <a:ext uri="{FF2B5EF4-FFF2-40B4-BE49-F238E27FC236}">
+                <a16:creationId xmlns:a16="http://schemas.microsoft.com/office/drawing/2014/main" id="{0F8D0007-BBE3-4FA5-9408-7525FED44AB1}"/>
+              </a:ext>
+            </a:extLst>
+          </p:cNvPr>
+          <p:cNvPicPr>
+            <a:picLocks noChangeAspect="1"/>
+          </p:cNvPicPr>
+          <p:nvPr/>
+        </p:nvPicPr>
+        <p:blipFill>
+          <a:blip r:embed="rId2">
+            <a:extLst>
+              <a:ext uri="{28A0092B-C50C-407E-A947-70E740481C1C}">
+                <a14:useLocalDpi xmlns:a14="http://schemas.microsoft.com/office/drawing/2010/main" val="0"/>
+              </a:ext>
+            </a:extLst>
+          </a:blip>
+          <a:stretch>
+            <a:fillRect/>
+          </a:stretch>
+        </p:blipFill>
+        <p:spPr>
+          <a:xfrm>
+            <a:off x="1009616" y="1153550"/>
+            <a:ext cx="2989291" cy="4178056"/>
+          </a:xfrm>
+          <a:prstGeom prst="rect">
+            <a:avLst/>
+          </a:prstGeom>
+        </p:spPr>
+      </p:pic>
+      <p:graphicFrame>
+        <p:nvGraphicFramePr>
+          <p:cNvPr id="8" name="표 3">
+            <a:extLst>
+              <a:ext uri="{FF2B5EF4-FFF2-40B4-BE49-F238E27FC236}">
+                <a16:creationId xmlns:a16="http://schemas.microsoft.com/office/drawing/2014/main" id="{93041C55-20F8-4DA0-BD85-270C726AC1C7}"/>
+              </a:ext>
+            </a:extLst>
+          </p:cNvPr>
+          <p:cNvGraphicFramePr>
+            <a:graphicFrameLocks noGrp="1"/>
+          </p:cNvGraphicFramePr>
+          <p:nvPr>
+            <p:extLst>
+              <p:ext uri="{D42A27DB-BD31-4B8C-83A1-F6EECF244321}">
+                <p14:modId xmlns:p14="http://schemas.microsoft.com/office/powerpoint/2010/main" val="1053100714"/>
+              </p:ext>
+            </p:extLst>
+          </p:nvPr>
+        </p:nvGraphicFramePr>
+        <p:xfrm>
+          <a:off x="695325" y="5397692"/>
+          <a:ext cx="4217034" cy="1005840"/>
+        </p:xfrm>
+        <a:graphic>
+          <a:graphicData uri="http://schemas.openxmlformats.org/drawingml/2006/table">
+            <a:tbl>
+              <a:tblPr firstRow="1" bandRow="1">
+                <a:tableStyleId>{5C22544A-7EE6-4342-B048-85BDC9FD1C3A}</a:tableStyleId>
+              </a:tblPr>
+              <a:tblGrid>
+                <a:gridCol w="1003617">
+                  <a:extLst>
+                    <a:ext uri="{9D8B030D-6E8A-4147-A177-3AD203B41FA5}">
+                      <a16:colId xmlns:a16="http://schemas.microsoft.com/office/drawing/2014/main" val="2122912176"/>
+                    </a:ext>
+                  </a:extLst>
+                </a:gridCol>
+                <a:gridCol w="3213417">
+                  <a:extLst>
+                    <a:ext uri="{9D8B030D-6E8A-4147-A177-3AD203B41FA5}">
+                      <a16:colId xmlns:a16="http://schemas.microsoft.com/office/drawing/2014/main" val="3531443812"/>
+                    </a:ext>
+                  </a:extLst>
+                </a:gridCol>
+              </a:tblGrid>
+              <a:tr h="0">
+                <a:tc>
+                  <a:txBody>
+                    <a:bodyPr/>
+                    <a:lstStyle/>
+                    <a:p>
+                      <a:pPr algn="ctr" latinLnBrk="1"/>
+                      <a:r>
+                        <a:rPr lang="ko-KR" altLang="en-US" sz="800" b="0" dirty="0">
+                          <a:solidFill>
+                            <a:schemeClr val="tx1"/>
+                          </a:solidFill>
+                        </a:rPr>
+                        <a:t>능력치</a:t>
+                      </a:r>
+                      <a:r>
+                        <a:rPr lang="en-US" altLang="ko-KR" sz="800" b="0" dirty="0">
+                          <a:solidFill>
+                            <a:schemeClr val="tx1"/>
+                          </a:solidFill>
+                        </a:rPr>
+                        <a:t> </a:t>
+                      </a:r>
+                      <a:r>
+                        <a:rPr lang="ko-KR" altLang="en-US" sz="800" b="0" dirty="0">
+                          <a:solidFill>
+                            <a:schemeClr val="tx1"/>
+                          </a:solidFill>
+                        </a:rPr>
+                        <a:t>한계 상승</a:t>
+                      </a:r>
+                    </a:p>
+                  </a:txBody>
+                  <a:tcPr anchor="ctr">
+                    <a:lnL w="12700" cap="flat" cmpd="sng" algn="ctr">
+                      <a:solidFill>
+                        <a:schemeClr val="tx1"/>
+                      </a:solidFill>
+                      <a:prstDash val="solid"/>
+                      <a:round/>
+                      <a:headEnd type="none" w="med" len="med"/>
+                      <a:tailEnd type="none" w="med" len="med"/>
+                    </a:lnL>
+                    <a:lnR w="12700" cap="flat" cmpd="sng" algn="ctr">
+                      <a:solidFill>
+                        <a:schemeClr val="tx1"/>
+                      </a:solidFill>
+                      <a:prstDash val="solid"/>
+                      <a:round/>
+                      <a:headEnd type="none" w="med" len="med"/>
+                      <a:tailEnd type="none" w="med" len="med"/>
+                    </a:lnR>
+                    <a:lnT w="12700" cap="flat" cmpd="sng" algn="ctr">
+                      <a:solidFill>
+                        <a:schemeClr val="tx1"/>
+                      </a:solidFill>
+                      <a:prstDash val="solid"/>
+                      <a:round/>
+                      <a:headEnd type="none" w="med" len="med"/>
+                      <a:tailEnd type="none" w="med" len="med"/>
+                    </a:lnT>
+                    <a:lnB w="12700" cap="flat" cmpd="sng" algn="ctr">
+                      <a:solidFill>
+                        <a:schemeClr val="tx1"/>
+                      </a:solidFill>
+                      <a:prstDash val="solid"/>
+                      <a:round/>
+                      <a:headEnd type="none" w="med" len="med"/>
+                      <a:tailEnd type="none" w="med" len="med"/>
+                    </a:lnB>
+                    <a:noFill/>
+                  </a:tcPr>
+                </a:tc>
+                <a:tc>
+                  <a:txBody>
+                    <a:bodyPr/>
+                    <a:lstStyle/>
+                    <a:p>
+                      <a:pPr algn="ctr" latinLnBrk="1"/>
+                      <a:r>
+                        <a:rPr lang="ko-KR" altLang="en-US" sz="800" b="0" dirty="0">
+                          <a:solidFill>
+                            <a:schemeClr val="tx1"/>
+                          </a:solidFill>
+                        </a:rPr>
+                        <a:t>능력치</a:t>
+                      </a:r>
+                      <a:r>
+                        <a:rPr lang="en-US" altLang="ko-KR" sz="800" b="0" dirty="0">
+                          <a:solidFill>
+                            <a:schemeClr val="tx1"/>
+                          </a:solidFill>
+                        </a:rPr>
+                        <a:t>&amp;</a:t>
+                      </a:r>
+                      <a:r>
+                        <a:rPr lang="ko-KR" altLang="en-US" sz="800" b="0" dirty="0">
+                          <a:solidFill>
+                            <a:schemeClr val="tx1"/>
+                          </a:solidFill>
+                        </a:rPr>
+                        <a:t>경험치 테이블</a:t>
+                      </a:r>
+                      <a:r>
+                        <a:rPr lang="en-US" altLang="ko-KR" sz="800" b="0" dirty="0">
+                          <a:solidFill>
+                            <a:schemeClr val="tx1"/>
+                          </a:solidFill>
+                        </a:rPr>
+                        <a:t>.xlsx </a:t>
+                      </a:r>
+                      <a:r>
+                        <a:rPr lang="ko-KR" altLang="en-US" sz="800" b="0" dirty="0">
+                          <a:solidFill>
+                            <a:schemeClr val="tx1"/>
+                          </a:solidFill>
+                        </a:rPr>
+                        <a:t>파일에 체력 한계</a:t>
+                      </a:r>
+                      <a:r>
+                        <a:rPr lang="en-US" altLang="ko-KR" sz="800" b="0" dirty="0">
+                          <a:solidFill>
+                            <a:schemeClr val="tx1"/>
+                          </a:solidFill>
+                        </a:rPr>
+                        <a:t>(HP_LIT), </a:t>
+                      </a:r>
+                    </a:p>
+                    <a:p>
+                      <a:pPr algn="ctr" latinLnBrk="1"/>
+                      <a:r>
+                        <a:rPr lang="ko-KR" altLang="en-US" sz="800" b="0" dirty="0">
+                          <a:solidFill>
+                            <a:schemeClr val="tx1"/>
+                          </a:solidFill>
+                        </a:rPr>
+                        <a:t>지구력 한계</a:t>
+                      </a:r>
+                      <a:r>
+                        <a:rPr lang="en-US" altLang="ko-KR" sz="800" b="0" dirty="0">
+                          <a:solidFill>
+                            <a:schemeClr val="tx1"/>
+                          </a:solidFill>
+                        </a:rPr>
+                        <a:t>(EP_LIT), </a:t>
+                      </a:r>
+                      <a:r>
+                        <a:rPr lang="ko-KR" altLang="en-US" sz="800" b="0" dirty="0">
+                          <a:solidFill>
+                            <a:schemeClr val="tx1"/>
+                          </a:solidFill>
+                        </a:rPr>
+                        <a:t>내공 한계</a:t>
+                      </a:r>
+                      <a:r>
+                        <a:rPr lang="en-US" altLang="ko-KR" sz="800" b="0" dirty="0">
+                          <a:solidFill>
+                            <a:schemeClr val="tx1"/>
+                          </a:solidFill>
+                        </a:rPr>
+                        <a:t>(</a:t>
+                      </a:r>
+                      <a:r>
+                        <a:rPr lang="en-US" altLang="ko-KR" sz="800" b="0" dirty="0" err="1">
+                          <a:solidFill>
+                            <a:schemeClr val="tx1"/>
+                          </a:solidFill>
+                        </a:rPr>
+                        <a:t>IpQ_LIT</a:t>
+                      </a:r>
+                      <a:r>
+                        <a:rPr lang="en-US" altLang="ko-KR" sz="800" b="0" dirty="0">
+                          <a:solidFill>
+                            <a:schemeClr val="tx1"/>
+                          </a:solidFill>
+                        </a:rPr>
+                        <a:t>), </a:t>
+                      </a:r>
+                      <a:r>
+                        <a:rPr lang="ko-KR" altLang="en-US" sz="800" b="0" dirty="0">
+                          <a:solidFill>
+                            <a:schemeClr val="tx1"/>
+                          </a:solidFill>
+                        </a:rPr>
+                        <a:t>외공 한계</a:t>
+                      </a:r>
+                      <a:r>
+                        <a:rPr lang="en-US" altLang="ko-KR" sz="800" b="0" dirty="0">
+                          <a:solidFill>
+                            <a:schemeClr val="tx1"/>
+                          </a:solidFill>
+                        </a:rPr>
+                        <a:t>(</a:t>
+                      </a:r>
+                      <a:r>
+                        <a:rPr lang="en-US" altLang="ko-KR" sz="800" b="0" dirty="0" err="1">
+                          <a:solidFill>
+                            <a:schemeClr val="tx1"/>
+                          </a:solidFill>
+                        </a:rPr>
+                        <a:t>OpQ_LIT</a:t>
+                      </a:r>
+                      <a:r>
+                        <a:rPr lang="en-US" altLang="ko-KR" sz="800" b="0" dirty="0">
+                          <a:solidFill>
+                            <a:schemeClr val="tx1"/>
+                          </a:solidFill>
+                        </a:rPr>
+                        <a:t>)</a:t>
+                      </a:r>
+                      <a:r>
+                        <a:rPr lang="ko-KR" altLang="en-US" sz="800" b="0" dirty="0">
+                          <a:solidFill>
+                            <a:schemeClr val="tx1"/>
+                          </a:solidFill>
+                        </a:rPr>
+                        <a:t> 참조</a:t>
+                      </a:r>
+                    </a:p>
+                  </a:txBody>
+                  <a:tcPr anchor="ctr">
+                    <a:lnL w="12700" cap="flat" cmpd="sng" algn="ctr">
+                      <a:solidFill>
+                        <a:schemeClr val="tx1"/>
+                      </a:solidFill>
+                      <a:prstDash val="solid"/>
+                      <a:round/>
+                      <a:headEnd type="none" w="med" len="med"/>
+                      <a:tailEnd type="none" w="med" len="med"/>
+                    </a:lnL>
+                    <a:lnR w="12700" cap="flat" cmpd="sng" algn="ctr">
+                      <a:solidFill>
+                        <a:schemeClr val="tx1"/>
+                      </a:solidFill>
+                      <a:prstDash val="solid"/>
+                      <a:round/>
+                      <a:headEnd type="none" w="med" len="med"/>
+                      <a:tailEnd type="none" w="med" len="med"/>
+                    </a:lnR>
+                    <a:lnT w="12700" cap="flat" cmpd="sng" algn="ctr">
+                      <a:solidFill>
+                        <a:schemeClr val="tx1"/>
+                      </a:solidFill>
+                      <a:prstDash val="solid"/>
+                      <a:round/>
+                      <a:headEnd type="none" w="med" len="med"/>
+                      <a:tailEnd type="none" w="med" len="med"/>
+                    </a:lnT>
+                    <a:lnB w="12700" cap="flat" cmpd="sng" algn="ctr">
+                      <a:solidFill>
+                        <a:schemeClr val="tx1"/>
+                      </a:solidFill>
+                      <a:prstDash val="solid"/>
+                      <a:round/>
+                      <a:headEnd type="none" w="med" len="med"/>
+                      <a:tailEnd type="none" w="med" len="med"/>
+                    </a:lnB>
+                    <a:noFill/>
+                  </a:tcPr>
+                </a:tc>
+                <a:extLst>
+                  <a:ext uri="{0D108BD9-81ED-4DB2-BD59-A6C34878D82A}">
+                    <a16:rowId xmlns:a16="http://schemas.microsoft.com/office/drawing/2014/main" val="468467169"/>
+                  </a:ext>
+                </a:extLst>
+              </a:tr>
+              <a:tr h="0">
+                <a:tc>
+                  <a:txBody>
+                    <a:bodyPr/>
+                    <a:lstStyle/>
+                    <a:p>
+                      <a:pPr algn="ctr" latinLnBrk="1"/>
+                      <a:r>
+                        <a:rPr lang="ko-KR" altLang="en-US" sz="800" b="0" dirty="0">
+                          <a:solidFill>
+                            <a:schemeClr val="tx1"/>
+                          </a:solidFill>
+                        </a:rPr>
+                        <a:t>경지 상승 능력치</a:t>
+                      </a:r>
+                    </a:p>
+                  </a:txBody>
+                  <a:tcPr anchor="ctr">
+                    <a:lnL w="12700" cap="flat" cmpd="sng" algn="ctr">
+                      <a:solidFill>
+                        <a:schemeClr val="tx1"/>
+                      </a:solidFill>
+                      <a:prstDash val="solid"/>
+                      <a:round/>
+                      <a:headEnd type="none" w="med" len="med"/>
+                      <a:tailEnd type="none" w="med" len="med"/>
+                    </a:lnL>
+                    <a:lnR w="12700" cap="flat" cmpd="sng" algn="ctr">
+                      <a:solidFill>
+                        <a:schemeClr val="tx1"/>
+                      </a:solidFill>
+                      <a:prstDash val="solid"/>
+                      <a:round/>
+                      <a:headEnd type="none" w="med" len="med"/>
+                      <a:tailEnd type="none" w="med" len="med"/>
+                    </a:lnR>
+                    <a:lnT w="12700" cap="flat" cmpd="sng" algn="ctr">
+                      <a:solidFill>
+                        <a:schemeClr val="tx1"/>
+                      </a:solidFill>
+                      <a:prstDash val="solid"/>
+                      <a:round/>
+                      <a:headEnd type="none" w="med" len="med"/>
+                      <a:tailEnd type="none" w="med" len="med"/>
+                    </a:lnT>
+                    <a:lnB w="12700" cap="flat" cmpd="sng" algn="ctr">
+                      <a:solidFill>
+                        <a:schemeClr val="tx1"/>
+                      </a:solidFill>
+                      <a:prstDash val="solid"/>
+                      <a:round/>
+                      <a:headEnd type="none" w="med" len="med"/>
+                      <a:tailEnd type="none" w="med" len="med"/>
+                    </a:lnB>
+                    <a:noFill/>
+                  </a:tcPr>
+                </a:tc>
+                <a:tc>
+                  <a:txBody>
+                    <a:bodyPr/>
+                    <a:lstStyle/>
+                    <a:p>
+                      <a:pPr marL="0" marR="0" lvl="0" indent="0" algn="ctr" defTabSz="914400" rtl="0" eaLnBrk="1" fontAlgn="auto" latinLnBrk="1" hangingPunct="1">
+                        <a:lnSpc>
+                          <a:spcPct val="100000"/>
+                        </a:lnSpc>
+                        <a:spcBef>
+                          <a:spcPts val="0"/>
+                        </a:spcBef>
+                        <a:spcAft>
+                          <a:spcPts val="0"/>
+                        </a:spcAft>
+                        <a:buClrTx/>
+                        <a:buSzTx/>
+                        <a:buFontTx/>
+                        <a:buNone/>
+                        <a:tabLst/>
+                        <a:defRPr/>
+                      </a:pPr>
+                      <a:r>
+                        <a:rPr kumimoji="0" lang="ko-KR" altLang="en-US" sz="800" b="0" i="0" u="none" strike="noStrike" kern="1200" cap="none" spc="0" normalizeH="0" baseline="0" noProof="0" dirty="0">
+                          <a:ln>
+                            <a:noFill/>
+                          </a:ln>
+                          <a:solidFill>
+                            <a:prstClr val="black"/>
+                          </a:solidFill>
+                          <a:effectLst/>
+                          <a:uLnTx/>
+                          <a:uFillTx/>
+                          <a:latin typeface="맑은 고딕" panose="020F0502020204030204"/>
+                          <a:ea typeface="맑은 고딕" panose="020B0503020000020004" pitchFamily="50" charset="-127"/>
+                          <a:cs typeface="+mn-cs"/>
+                        </a:rPr>
+                        <a:t>능력치</a:t>
+                      </a:r>
+                      <a:r>
+                        <a:rPr kumimoji="0" lang="en-US" altLang="ko-KR" sz="800" b="0" i="0" u="none" strike="noStrike" kern="1200" cap="none" spc="0" normalizeH="0" baseline="0" noProof="0" dirty="0">
+                          <a:ln>
+                            <a:noFill/>
+                          </a:ln>
+                          <a:solidFill>
+                            <a:prstClr val="black"/>
+                          </a:solidFill>
+                          <a:effectLst/>
+                          <a:uLnTx/>
+                          <a:uFillTx/>
+                          <a:latin typeface="맑은 고딕" panose="020F0502020204030204"/>
+                          <a:ea typeface="맑은 고딕" panose="020B0503020000020004" pitchFamily="50" charset="-127"/>
+                          <a:cs typeface="+mn-cs"/>
+                        </a:rPr>
+                        <a:t>&amp;</a:t>
+                      </a:r>
+                      <a:r>
+                        <a:rPr kumimoji="0" lang="ko-KR" altLang="en-US" sz="800" b="0" i="0" u="none" strike="noStrike" kern="1200" cap="none" spc="0" normalizeH="0" baseline="0" noProof="0" dirty="0">
+                          <a:ln>
+                            <a:noFill/>
+                          </a:ln>
+                          <a:solidFill>
+                            <a:prstClr val="black"/>
+                          </a:solidFill>
+                          <a:effectLst/>
+                          <a:uLnTx/>
+                          <a:uFillTx/>
+                          <a:latin typeface="맑은 고딕" panose="020F0502020204030204"/>
+                          <a:ea typeface="맑은 고딕" panose="020B0503020000020004" pitchFamily="50" charset="-127"/>
+                          <a:cs typeface="+mn-cs"/>
+                        </a:rPr>
+                        <a:t>경험치 테이블</a:t>
+                      </a:r>
+                      <a:r>
+                        <a:rPr kumimoji="0" lang="en-US" altLang="ko-KR" sz="800" b="0" i="0" u="none" strike="noStrike" kern="1200" cap="none" spc="0" normalizeH="0" baseline="0" noProof="0" dirty="0">
+                          <a:ln>
+                            <a:noFill/>
+                          </a:ln>
+                          <a:solidFill>
+                            <a:prstClr val="black"/>
+                          </a:solidFill>
+                          <a:effectLst/>
+                          <a:uLnTx/>
+                          <a:uFillTx/>
+                          <a:latin typeface="맑은 고딕" panose="020F0502020204030204"/>
+                          <a:ea typeface="맑은 고딕" panose="020B0503020000020004" pitchFamily="50" charset="-127"/>
+                          <a:cs typeface="+mn-cs"/>
+                        </a:rPr>
+                        <a:t>.xlsx </a:t>
+                      </a:r>
+                      <a:r>
+                        <a:rPr kumimoji="0" lang="ko-KR" altLang="en-US" sz="800" b="0" i="0" u="none" strike="noStrike" kern="1200" cap="none" spc="0" normalizeH="0" baseline="0" noProof="0" dirty="0">
+                          <a:ln>
+                            <a:noFill/>
+                          </a:ln>
+                          <a:solidFill>
+                            <a:prstClr val="black"/>
+                          </a:solidFill>
+                          <a:effectLst/>
+                          <a:uLnTx/>
+                          <a:uFillTx/>
+                          <a:latin typeface="맑은 고딕" panose="020F0502020204030204"/>
+                          <a:ea typeface="맑은 고딕" panose="020B0503020000020004" pitchFamily="50" charset="-127"/>
+                          <a:cs typeface="+mn-cs"/>
+                        </a:rPr>
+                        <a:t>파일에 경지 상승 능력치</a:t>
+                      </a:r>
+                      <a:r>
+                        <a:rPr kumimoji="0" lang="en-US" altLang="ko-KR" sz="800" b="0" i="0" u="none" strike="noStrike" kern="1200" cap="none" spc="0" normalizeH="0" baseline="0" noProof="0" dirty="0">
+                          <a:ln>
+                            <a:noFill/>
+                          </a:ln>
+                          <a:solidFill>
+                            <a:prstClr val="black"/>
+                          </a:solidFill>
+                          <a:effectLst/>
+                          <a:uLnTx/>
+                          <a:uFillTx/>
+                          <a:latin typeface="맑은 고딕" panose="020F0502020204030204"/>
+                          <a:ea typeface="맑은 고딕" panose="020B0503020000020004" pitchFamily="50" charset="-127"/>
+                          <a:cs typeface="+mn-cs"/>
+                        </a:rPr>
+                        <a:t>(</a:t>
+                      </a:r>
+                      <a:r>
+                        <a:rPr kumimoji="0" lang="en-US" altLang="ko-KR" sz="800" b="0" i="0" u="none" strike="noStrike" kern="1200" cap="none" spc="0" normalizeH="0" baseline="0" noProof="0" dirty="0" err="1">
+                          <a:ln>
+                            <a:noFill/>
+                          </a:ln>
+                          <a:solidFill>
+                            <a:prstClr val="black"/>
+                          </a:solidFill>
+                          <a:effectLst/>
+                          <a:uLnTx/>
+                          <a:uFillTx/>
+                          <a:latin typeface="맑은 고딕" panose="020F0502020204030204"/>
+                          <a:ea typeface="맑은 고딕" panose="020B0503020000020004" pitchFamily="50" charset="-127"/>
+                          <a:cs typeface="+mn-cs"/>
+                        </a:rPr>
+                        <a:t>Class_UP_Stat</a:t>
+                      </a:r>
+                      <a:r>
+                        <a:rPr kumimoji="0" lang="en-US" altLang="ko-KR" sz="800" b="0" i="0" u="none" strike="noStrike" kern="1200" cap="none" spc="0" normalizeH="0" baseline="0" noProof="0" dirty="0">
+                          <a:ln>
+                            <a:noFill/>
+                          </a:ln>
+                          <a:solidFill>
+                            <a:prstClr val="black"/>
+                          </a:solidFill>
+                          <a:effectLst/>
+                          <a:uLnTx/>
+                          <a:uFillTx/>
+                          <a:latin typeface="맑은 고딕" panose="020F0502020204030204"/>
+                          <a:ea typeface="맑은 고딕" panose="020B0503020000020004" pitchFamily="50" charset="-127"/>
+                          <a:cs typeface="+mn-cs"/>
+                        </a:rPr>
+                        <a:t>) </a:t>
+                      </a:r>
+                      <a:r>
+                        <a:rPr kumimoji="0" lang="ko-KR" altLang="en-US" sz="800" b="0" i="0" u="none" strike="noStrike" kern="1200" cap="none" spc="0" normalizeH="0" baseline="0" noProof="0" dirty="0">
+                          <a:ln>
+                            <a:noFill/>
+                          </a:ln>
+                          <a:solidFill>
+                            <a:prstClr val="black"/>
+                          </a:solidFill>
+                          <a:effectLst/>
+                          <a:uLnTx/>
+                          <a:uFillTx/>
+                          <a:latin typeface="맑은 고딕" panose="020F0502020204030204"/>
+                          <a:ea typeface="맑은 고딕" panose="020B0503020000020004" pitchFamily="50" charset="-127"/>
+                          <a:cs typeface="+mn-cs"/>
+                        </a:rPr>
+                        <a:t>참조</a:t>
+                      </a:r>
+                    </a:p>
+                  </a:txBody>
+                  <a:tcPr anchor="ctr">
+                    <a:lnL w="12700" cap="flat" cmpd="sng" algn="ctr">
+                      <a:solidFill>
+                        <a:schemeClr val="tx1"/>
+                      </a:solidFill>
+                      <a:prstDash val="solid"/>
+                      <a:round/>
+                      <a:headEnd type="none" w="med" len="med"/>
+                      <a:tailEnd type="none" w="med" len="med"/>
+                    </a:lnL>
+                    <a:lnR w="12700" cap="flat" cmpd="sng" algn="ctr">
+                      <a:solidFill>
+                        <a:schemeClr val="tx1"/>
+                      </a:solidFill>
+                      <a:prstDash val="solid"/>
+                      <a:round/>
+                      <a:headEnd type="none" w="med" len="med"/>
+                      <a:tailEnd type="none" w="med" len="med"/>
+                    </a:lnR>
+                    <a:lnT w="12700" cap="flat" cmpd="sng" algn="ctr">
+                      <a:solidFill>
+                        <a:schemeClr val="tx1"/>
+                      </a:solidFill>
+                      <a:prstDash val="solid"/>
+                      <a:round/>
+                      <a:headEnd type="none" w="med" len="med"/>
+                      <a:tailEnd type="none" w="med" len="med"/>
+                    </a:lnT>
+                    <a:lnB w="12700" cap="flat" cmpd="sng" algn="ctr">
+                      <a:solidFill>
+                        <a:schemeClr val="tx1"/>
+                      </a:solidFill>
+                      <a:prstDash val="solid"/>
+                      <a:round/>
+                      <a:headEnd type="none" w="med" len="med"/>
+                      <a:tailEnd type="none" w="med" len="med"/>
+                    </a:lnB>
+                    <a:noFill/>
+                  </a:tcPr>
+                </a:tc>
+                <a:extLst>
+                  <a:ext uri="{0D108BD9-81ED-4DB2-BD59-A6C34878D82A}">
+                    <a16:rowId xmlns:a16="http://schemas.microsoft.com/office/drawing/2014/main" val="3175520549"/>
+                  </a:ext>
+                </a:extLst>
+              </a:tr>
+              <a:tr h="0">
+                <a:tc>
+                  <a:txBody>
+                    <a:bodyPr/>
+                    <a:lstStyle/>
+                    <a:p>
+                      <a:pPr algn="ctr" latinLnBrk="1"/>
+                      <a:r>
+                        <a:rPr lang="ko-KR" altLang="en-US" sz="800" b="0" dirty="0">
+                          <a:solidFill>
+                            <a:schemeClr val="tx1"/>
+                          </a:solidFill>
+                        </a:rPr>
+                        <a:t>능력치 상승</a:t>
+                      </a:r>
+                    </a:p>
+                  </a:txBody>
+                  <a:tcPr anchor="ctr">
+                    <a:lnL w="12700" cap="flat" cmpd="sng" algn="ctr">
+                      <a:solidFill>
+                        <a:schemeClr val="tx1"/>
+                      </a:solidFill>
+                      <a:prstDash val="solid"/>
+                      <a:round/>
+                      <a:headEnd type="none" w="med" len="med"/>
+                      <a:tailEnd type="none" w="med" len="med"/>
+                    </a:lnL>
+                    <a:lnR w="12700" cap="flat" cmpd="sng" algn="ctr">
+                      <a:solidFill>
+                        <a:schemeClr val="tx1"/>
+                      </a:solidFill>
+                      <a:prstDash val="solid"/>
+                      <a:round/>
+                      <a:headEnd type="none" w="med" len="med"/>
+                      <a:tailEnd type="none" w="med" len="med"/>
+                    </a:lnR>
+                    <a:lnT w="12700" cap="flat" cmpd="sng" algn="ctr">
+                      <a:solidFill>
+                        <a:schemeClr val="tx1"/>
+                      </a:solidFill>
+                      <a:prstDash val="solid"/>
+                      <a:round/>
+                      <a:headEnd type="none" w="med" len="med"/>
+                      <a:tailEnd type="none" w="med" len="med"/>
+                    </a:lnT>
+                    <a:lnB w="12700" cap="flat" cmpd="sng" algn="ctr">
+                      <a:solidFill>
+                        <a:schemeClr val="tx1"/>
+                      </a:solidFill>
+                      <a:prstDash val="solid"/>
+                      <a:round/>
+                      <a:headEnd type="none" w="med" len="med"/>
+                      <a:tailEnd type="none" w="med" len="med"/>
+                    </a:lnB>
+                    <a:noFill/>
+                  </a:tcPr>
+                </a:tc>
+                <a:tc>
+                  <a:txBody>
+                    <a:bodyPr/>
+                    <a:lstStyle/>
+                    <a:p>
+                      <a:pPr marL="0" marR="0" lvl="0" indent="0" algn="ctr" defTabSz="914400" rtl="0" eaLnBrk="1" fontAlgn="auto" latinLnBrk="1" hangingPunct="1">
+                        <a:lnSpc>
+                          <a:spcPct val="100000"/>
+                        </a:lnSpc>
+                        <a:spcBef>
+                          <a:spcPts val="0"/>
+                        </a:spcBef>
+                        <a:spcAft>
+                          <a:spcPts val="0"/>
+                        </a:spcAft>
+                        <a:buClrTx/>
+                        <a:buSzTx/>
+                        <a:buFontTx/>
+                        <a:buNone/>
+                        <a:tabLst/>
+                        <a:defRPr/>
+                      </a:pPr>
+                      <a:r>
+                        <a:rPr kumimoji="0" lang="ko-KR" altLang="en-US" sz="800" b="0" i="0" u="none" strike="noStrike" kern="1200" cap="none" spc="0" normalizeH="0" baseline="0" noProof="0" dirty="0">
+                          <a:ln>
+                            <a:noFill/>
+                          </a:ln>
+                          <a:solidFill>
+                            <a:prstClr val="black"/>
+                          </a:solidFill>
+                          <a:effectLst/>
+                          <a:uLnTx/>
+                          <a:uFillTx/>
+                          <a:latin typeface="맑은 고딕" panose="020F0502020204030204"/>
+                          <a:ea typeface="맑은 고딕" panose="020B0503020000020004" pitchFamily="50" charset="-127"/>
+                          <a:cs typeface="+mn-cs"/>
+                        </a:rPr>
+                        <a:t>능력치</a:t>
+                      </a:r>
+                      <a:r>
+                        <a:rPr kumimoji="0" lang="en-US" altLang="ko-KR" sz="800" b="0" i="0" u="none" strike="noStrike" kern="1200" cap="none" spc="0" normalizeH="0" baseline="0" noProof="0" dirty="0">
+                          <a:ln>
+                            <a:noFill/>
+                          </a:ln>
+                          <a:solidFill>
+                            <a:prstClr val="black"/>
+                          </a:solidFill>
+                          <a:effectLst/>
+                          <a:uLnTx/>
+                          <a:uFillTx/>
+                          <a:latin typeface="맑은 고딕" panose="020F0502020204030204"/>
+                          <a:ea typeface="맑은 고딕" panose="020B0503020000020004" pitchFamily="50" charset="-127"/>
+                          <a:cs typeface="+mn-cs"/>
+                        </a:rPr>
+                        <a:t>&amp;</a:t>
+                      </a:r>
+                      <a:r>
+                        <a:rPr kumimoji="0" lang="ko-KR" altLang="en-US" sz="800" b="0" i="0" u="none" strike="noStrike" kern="1200" cap="none" spc="0" normalizeH="0" baseline="0" noProof="0" dirty="0">
+                          <a:ln>
+                            <a:noFill/>
+                          </a:ln>
+                          <a:solidFill>
+                            <a:prstClr val="black"/>
+                          </a:solidFill>
+                          <a:effectLst/>
+                          <a:uLnTx/>
+                          <a:uFillTx/>
+                          <a:latin typeface="맑은 고딕" panose="020F0502020204030204"/>
+                          <a:ea typeface="맑은 고딕" panose="020B0503020000020004" pitchFamily="50" charset="-127"/>
+                          <a:cs typeface="+mn-cs"/>
+                        </a:rPr>
+                        <a:t>경험치 테이블</a:t>
+                      </a:r>
+                      <a:r>
+                        <a:rPr kumimoji="0" lang="en-US" altLang="ko-KR" sz="800" b="0" i="0" u="none" strike="noStrike" kern="1200" cap="none" spc="0" normalizeH="0" baseline="0" noProof="0" dirty="0">
+                          <a:ln>
+                            <a:noFill/>
+                          </a:ln>
+                          <a:solidFill>
+                            <a:prstClr val="black"/>
+                          </a:solidFill>
+                          <a:effectLst/>
+                          <a:uLnTx/>
+                          <a:uFillTx/>
+                          <a:latin typeface="맑은 고딕" panose="020F0502020204030204"/>
+                          <a:ea typeface="맑은 고딕" panose="020B0503020000020004" pitchFamily="50" charset="-127"/>
+                          <a:cs typeface="+mn-cs"/>
+                        </a:rPr>
+                        <a:t>.xlsx </a:t>
+                      </a:r>
+                      <a:r>
+                        <a:rPr kumimoji="0" lang="ko-KR" altLang="en-US" sz="800" b="0" i="0" u="none" strike="noStrike" kern="1200" cap="none" spc="0" normalizeH="0" baseline="0" noProof="0" dirty="0">
+                          <a:ln>
+                            <a:noFill/>
+                          </a:ln>
+                          <a:solidFill>
+                            <a:prstClr val="black"/>
+                          </a:solidFill>
+                          <a:effectLst/>
+                          <a:uLnTx/>
+                          <a:uFillTx/>
+                          <a:latin typeface="맑은 고딕" panose="020F0502020204030204"/>
+                          <a:ea typeface="맑은 고딕" panose="020B0503020000020004" pitchFamily="50" charset="-127"/>
+                          <a:cs typeface="+mn-cs"/>
+                        </a:rPr>
+                        <a:t>파일에 체력 상승</a:t>
+                      </a:r>
+                      <a:r>
+                        <a:rPr kumimoji="0" lang="en-US" altLang="ko-KR" sz="800" b="0" i="0" u="none" strike="noStrike" kern="1200" cap="none" spc="0" normalizeH="0" baseline="0" noProof="0" dirty="0">
+                          <a:ln>
+                            <a:noFill/>
+                          </a:ln>
+                          <a:solidFill>
+                            <a:prstClr val="black"/>
+                          </a:solidFill>
+                          <a:effectLst/>
+                          <a:uLnTx/>
+                          <a:uFillTx/>
+                          <a:latin typeface="맑은 고딕" panose="020F0502020204030204"/>
+                          <a:ea typeface="맑은 고딕" panose="020B0503020000020004" pitchFamily="50" charset="-127"/>
+                          <a:cs typeface="+mn-cs"/>
+                        </a:rPr>
+                        <a:t>(HP_UP), </a:t>
+                      </a:r>
+                    </a:p>
+                    <a:p>
+                      <a:pPr marL="0" marR="0" lvl="0" indent="0" algn="ctr" defTabSz="914400" rtl="0" eaLnBrk="1" fontAlgn="auto" latinLnBrk="1" hangingPunct="1">
+                        <a:lnSpc>
+                          <a:spcPct val="100000"/>
+                        </a:lnSpc>
+                        <a:spcBef>
+                          <a:spcPts val="0"/>
+                        </a:spcBef>
+                        <a:spcAft>
+                          <a:spcPts val="0"/>
+                        </a:spcAft>
+                        <a:buClrTx/>
+                        <a:buSzTx/>
+                        <a:buFontTx/>
+                        <a:buNone/>
+                        <a:tabLst/>
+                        <a:defRPr/>
+                      </a:pPr>
+                      <a:r>
+                        <a:rPr kumimoji="0" lang="ko-KR" altLang="en-US" sz="800" b="0" i="0" u="none" strike="noStrike" kern="1200" cap="none" spc="0" normalizeH="0" baseline="0" noProof="0" dirty="0">
+                          <a:ln>
+                            <a:noFill/>
+                          </a:ln>
+                          <a:solidFill>
+                            <a:prstClr val="black"/>
+                          </a:solidFill>
+                          <a:effectLst/>
+                          <a:uLnTx/>
+                          <a:uFillTx/>
+                          <a:latin typeface="맑은 고딕" panose="020F0502020204030204"/>
+                          <a:ea typeface="맑은 고딕" panose="020B0503020000020004" pitchFamily="50" charset="-127"/>
+                          <a:cs typeface="+mn-cs"/>
+                        </a:rPr>
+                        <a:t>내공 상승</a:t>
+                      </a:r>
+                      <a:r>
+                        <a:rPr kumimoji="0" lang="en-US" altLang="ko-KR" sz="800" b="0" i="0" u="none" strike="noStrike" kern="1200" cap="none" spc="0" normalizeH="0" baseline="0" noProof="0" dirty="0">
+                          <a:ln>
+                            <a:noFill/>
+                          </a:ln>
+                          <a:solidFill>
+                            <a:prstClr val="black"/>
+                          </a:solidFill>
+                          <a:effectLst/>
+                          <a:uLnTx/>
+                          <a:uFillTx/>
+                          <a:latin typeface="맑은 고딕" panose="020F0502020204030204"/>
+                          <a:ea typeface="맑은 고딕" panose="020B0503020000020004" pitchFamily="50" charset="-127"/>
+                          <a:cs typeface="+mn-cs"/>
+                        </a:rPr>
+                        <a:t>(</a:t>
+                      </a:r>
+                      <a:r>
+                        <a:rPr kumimoji="0" lang="en-US" altLang="ko-KR" sz="800" b="0" i="0" u="none" strike="noStrike" kern="1200" cap="none" spc="0" normalizeH="0" baseline="0" noProof="0" dirty="0" err="1">
+                          <a:ln>
+                            <a:noFill/>
+                          </a:ln>
+                          <a:solidFill>
+                            <a:prstClr val="black"/>
+                          </a:solidFill>
+                          <a:effectLst/>
+                          <a:uLnTx/>
+                          <a:uFillTx/>
+                          <a:latin typeface="맑은 고딕" panose="020F0502020204030204"/>
+                          <a:ea typeface="맑은 고딕" panose="020B0503020000020004" pitchFamily="50" charset="-127"/>
+                          <a:cs typeface="+mn-cs"/>
+                        </a:rPr>
+                        <a:t>IpQ_UP</a:t>
+                      </a:r>
+                      <a:r>
+                        <a:rPr kumimoji="0" lang="en-US" altLang="ko-KR" sz="800" b="0" i="0" u="none" strike="noStrike" kern="1200" cap="none" spc="0" normalizeH="0" baseline="0" noProof="0" dirty="0">
+                          <a:ln>
+                            <a:noFill/>
+                          </a:ln>
+                          <a:solidFill>
+                            <a:prstClr val="black"/>
+                          </a:solidFill>
+                          <a:effectLst/>
+                          <a:uLnTx/>
+                          <a:uFillTx/>
+                          <a:latin typeface="맑은 고딕" panose="020F0502020204030204"/>
+                          <a:ea typeface="맑은 고딕" panose="020B0503020000020004" pitchFamily="50" charset="-127"/>
+                          <a:cs typeface="+mn-cs"/>
+                        </a:rPr>
+                        <a:t>), </a:t>
+                      </a:r>
+                      <a:r>
+                        <a:rPr kumimoji="0" lang="ko-KR" altLang="en-US" sz="800" b="0" i="0" u="none" strike="noStrike" kern="1200" cap="none" spc="0" normalizeH="0" baseline="0" noProof="0" dirty="0">
+                          <a:ln>
+                            <a:noFill/>
+                          </a:ln>
+                          <a:solidFill>
+                            <a:prstClr val="black"/>
+                          </a:solidFill>
+                          <a:effectLst/>
+                          <a:uLnTx/>
+                          <a:uFillTx/>
+                          <a:latin typeface="맑은 고딕" panose="020F0502020204030204"/>
+                          <a:ea typeface="맑은 고딕" panose="020B0503020000020004" pitchFamily="50" charset="-127"/>
+                          <a:cs typeface="+mn-cs"/>
+                        </a:rPr>
+                        <a:t>외공</a:t>
+                      </a:r>
+                      <a:r>
+                        <a:rPr kumimoji="0" lang="en-US" altLang="ko-KR" sz="800" b="0" i="0" u="none" strike="noStrike" kern="1200" cap="none" spc="0" normalizeH="0" baseline="0" noProof="0" dirty="0">
+                          <a:ln>
+                            <a:noFill/>
+                          </a:ln>
+                          <a:solidFill>
+                            <a:prstClr val="black"/>
+                          </a:solidFill>
+                          <a:effectLst/>
+                          <a:uLnTx/>
+                          <a:uFillTx/>
+                          <a:latin typeface="맑은 고딕" panose="020F0502020204030204"/>
+                          <a:ea typeface="맑은 고딕" panose="020B0503020000020004" pitchFamily="50" charset="-127"/>
+                          <a:cs typeface="+mn-cs"/>
+                        </a:rPr>
+                        <a:t> </a:t>
+                      </a:r>
+                      <a:r>
+                        <a:rPr kumimoji="0" lang="ko-KR" altLang="en-US" sz="800" b="0" i="0" u="none" strike="noStrike" kern="1200" cap="none" spc="0" normalizeH="0" baseline="0" noProof="0" dirty="0">
+                          <a:ln>
+                            <a:noFill/>
+                          </a:ln>
+                          <a:solidFill>
+                            <a:prstClr val="black"/>
+                          </a:solidFill>
+                          <a:effectLst/>
+                          <a:uLnTx/>
+                          <a:uFillTx/>
+                          <a:latin typeface="맑은 고딕" panose="020F0502020204030204"/>
+                          <a:ea typeface="맑은 고딕" panose="020B0503020000020004" pitchFamily="50" charset="-127"/>
+                          <a:cs typeface="+mn-cs"/>
+                        </a:rPr>
+                        <a:t>상승</a:t>
+                      </a:r>
+                      <a:r>
+                        <a:rPr kumimoji="0" lang="en-US" altLang="ko-KR" sz="800" b="0" i="0" u="none" strike="noStrike" kern="1200" cap="none" spc="0" normalizeH="0" baseline="0" noProof="0" dirty="0">
+                          <a:ln>
+                            <a:noFill/>
+                          </a:ln>
+                          <a:solidFill>
+                            <a:prstClr val="black"/>
+                          </a:solidFill>
+                          <a:effectLst/>
+                          <a:uLnTx/>
+                          <a:uFillTx/>
+                          <a:latin typeface="맑은 고딕" panose="020F0502020204030204"/>
+                          <a:ea typeface="맑은 고딕" panose="020B0503020000020004" pitchFamily="50" charset="-127"/>
+                          <a:cs typeface="+mn-cs"/>
+                        </a:rPr>
+                        <a:t>(</a:t>
+                      </a:r>
+                      <a:r>
+                        <a:rPr kumimoji="0" lang="en-US" altLang="ko-KR" sz="800" b="0" i="0" u="none" strike="noStrike" kern="1200" cap="none" spc="0" normalizeH="0" baseline="0" noProof="0" dirty="0" err="1">
+                          <a:ln>
+                            <a:noFill/>
+                          </a:ln>
+                          <a:solidFill>
+                            <a:prstClr val="black"/>
+                          </a:solidFill>
+                          <a:effectLst/>
+                          <a:uLnTx/>
+                          <a:uFillTx/>
+                          <a:latin typeface="맑은 고딕" panose="020F0502020204030204"/>
+                          <a:ea typeface="맑은 고딕" panose="020B0503020000020004" pitchFamily="50" charset="-127"/>
+                          <a:cs typeface="+mn-cs"/>
+                        </a:rPr>
+                        <a:t>OpQ_UP</a:t>
+                      </a:r>
+                      <a:r>
+                        <a:rPr kumimoji="0" lang="en-US" altLang="ko-KR" sz="800" b="0" i="0" u="none" strike="noStrike" kern="1200" cap="none" spc="0" normalizeH="0" baseline="0" noProof="0" dirty="0">
+                          <a:ln>
+                            <a:noFill/>
+                          </a:ln>
+                          <a:solidFill>
+                            <a:prstClr val="black"/>
+                          </a:solidFill>
+                          <a:effectLst/>
+                          <a:uLnTx/>
+                          <a:uFillTx/>
+                          <a:latin typeface="맑은 고딕" panose="020F0502020204030204"/>
+                          <a:ea typeface="맑은 고딕" panose="020B0503020000020004" pitchFamily="50" charset="-127"/>
+                          <a:cs typeface="+mn-cs"/>
+                        </a:rPr>
+                        <a:t>) </a:t>
+                      </a:r>
+                      <a:r>
+                        <a:rPr kumimoji="0" lang="ko-KR" altLang="en-US" sz="800" b="0" i="0" u="none" strike="noStrike" kern="1200" cap="none" spc="0" normalizeH="0" baseline="0" noProof="0" dirty="0">
+                          <a:ln>
+                            <a:noFill/>
+                          </a:ln>
+                          <a:solidFill>
+                            <a:prstClr val="black"/>
+                          </a:solidFill>
+                          <a:effectLst/>
+                          <a:uLnTx/>
+                          <a:uFillTx/>
+                          <a:latin typeface="맑은 고딕" panose="020F0502020204030204"/>
+                          <a:ea typeface="맑은 고딕" panose="020B0503020000020004" pitchFamily="50" charset="-127"/>
+                          <a:cs typeface="+mn-cs"/>
+                        </a:rPr>
+                        <a:t>참조</a:t>
+                      </a:r>
+                    </a:p>
+                  </a:txBody>
+                  <a:tcPr anchor="ctr">
+                    <a:lnL w="12700" cap="flat" cmpd="sng" algn="ctr">
+                      <a:solidFill>
+                        <a:schemeClr val="tx1"/>
+                      </a:solidFill>
+                      <a:prstDash val="solid"/>
+                      <a:round/>
+                      <a:headEnd type="none" w="med" len="med"/>
+                      <a:tailEnd type="none" w="med" len="med"/>
+                    </a:lnL>
+                    <a:lnR w="12700" cap="flat" cmpd="sng" algn="ctr">
+                      <a:solidFill>
+                        <a:schemeClr val="tx1"/>
+                      </a:solidFill>
+                      <a:prstDash val="solid"/>
+                      <a:round/>
+                      <a:headEnd type="none" w="med" len="med"/>
+                      <a:tailEnd type="none" w="med" len="med"/>
+                    </a:lnR>
+                    <a:lnT w="12700" cap="flat" cmpd="sng" algn="ctr">
+                      <a:solidFill>
+                        <a:schemeClr val="tx1"/>
+                      </a:solidFill>
+                      <a:prstDash val="solid"/>
+                      <a:round/>
+                      <a:headEnd type="none" w="med" len="med"/>
+                      <a:tailEnd type="none" w="med" len="med"/>
+                    </a:lnT>
+                    <a:lnB w="12700" cap="flat" cmpd="sng" algn="ctr">
+                      <a:solidFill>
+                        <a:schemeClr val="tx1"/>
+                      </a:solidFill>
+                      <a:prstDash val="solid"/>
+                      <a:round/>
+                      <a:headEnd type="none" w="med" len="med"/>
+                      <a:tailEnd type="none" w="med" len="med"/>
+                    </a:lnB>
+                    <a:noFill/>
+                  </a:tcPr>
+                </a:tc>
+                <a:extLst>
+                  <a:ext uri="{0D108BD9-81ED-4DB2-BD59-A6C34878D82A}">
+                    <a16:rowId xmlns:a16="http://schemas.microsoft.com/office/drawing/2014/main" val="1655665896"/>
                   </a:ext>
                 </a:extLst>
               </a:tr>

--- a/기획/방랑엽사전/레벨업 시스템 기획서.pptx
+++ b/기획/방랑엽사전/레벨업 시스템 기획서.pptx
@@ -5,7 +5,7 @@
     <p:sldMasterId id="2147483660" r:id="rId1"/>
   </p:sldMasterIdLst>
   <p:notesMasterIdLst>
-    <p:notesMasterId r:id="rId9"/>
+    <p:notesMasterId r:id="rId10"/>
   </p:notesMasterIdLst>
   <p:sldIdLst>
     <p:sldId id="258" r:id="rId2"/>
@@ -15,6 +15,7 @@
     <p:sldId id="275" r:id="rId6"/>
     <p:sldId id="277" r:id="rId7"/>
     <p:sldId id="278" r:id="rId8"/>
+    <p:sldId id="279" r:id="rId9"/>
   </p:sldIdLst>
   <p:sldSz cx="12192000" cy="6858000"/>
   <p:notesSz cx="6858000" cy="9144000"/>
@@ -241,7 +242,7 @@
           <a:p>
             <a:fld id="{C8649E71-8129-4905-BAC0-51D65A0C1379}" type="datetimeFigureOut">
               <a:rPr lang="ko-KR" altLang="en-US" smtClean="0"/>
-              <a:t>2023-12-29</a:t>
+              <a:t>2024-01-02</a:t>
             </a:fld>
             <a:endParaRPr lang="ko-KR" altLang="en-US"/>
           </a:p>
@@ -739,7 +740,7 @@
           <a:p>
             <a:fld id="{523D6941-6B33-4834-BC65-A333846D27E6}" type="datetimeFigureOut">
               <a:rPr lang="ko-KR" altLang="en-US" smtClean="0"/>
-              <a:t>2023-12-29</a:t>
+              <a:t>2024-01-02</a:t>
             </a:fld>
             <a:endParaRPr lang="ko-KR" altLang="en-US"/>
           </a:p>
@@ -937,7 +938,7 @@
           <a:p>
             <a:fld id="{523D6941-6B33-4834-BC65-A333846D27E6}" type="datetimeFigureOut">
               <a:rPr lang="ko-KR" altLang="en-US" smtClean="0"/>
-              <a:t>2023-12-29</a:t>
+              <a:t>2024-01-02</a:t>
             </a:fld>
             <a:endParaRPr lang="ko-KR" altLang="en-US"/>
           </a:p>
@@ -1145,7 +1146,7 @@
           <a:p>
             <a:fld id="{523D6941-6B33-4834-BC65-A333846D27E6}" type="datetimeFigureOut">
               <a:rPr lang="ko-KR" altLang="en-US" smtClean="0"/>
-              <a:t>2023-12-29</a:t>
+              <a:t>2024-01-02</a:t>
             </a:fld>
             <a:endParaRPr lang="ko-KR" altLang="en-US"/>
           </a:p>
@@ -1343,7 +1344,7 @@
           <a:p>
             <a:fld id="{523D6941-6B33-4834-BC65-A333846D27E6}" type="datetimeFigureOut">
               <a:rPr lang="ko-KR" altLang="en-US" smtClean="0"/>
-              <a:t>2023-12-29</a:t>
+              <a:t>2024-01-02</a:t>
             </a:fld>
             <a:endParaRPr lang="ko-KR" altLang="en-US"/>
           </a:p>
@@ -1618,7 +1619,7 @@
           <a:p>
             <a:fld id="{523D6941-6B33-4834-BC65-A333846D27E6}" type="datetimeFigureOut">
               <a:rPr lang="ko-KR" altLang="en-US" smtClean="0"/>
-              <a:t>2023-12-29</a:t>
+              <a:t>2024-01-02</a:t>
             </a:fld>
             <a:endParaRPr lang="ko-KR" altLang="en-US"/>
           </a:p>
@@ -1883,7 +1884,7 @@
           <a:p>
             <a:fld id="{523D6941-6B33-4834-BC65-A333846D27E6}" type="datetimeFigureOut">
               <a:rPr lang="ko-KR" altLang="en-US" smtClean="0"/>
-              <a:t>2023-12-29</a:t>
+              <a:t>2024-01-02</a:t>
             </a:fld>
             <a:endParaRPr lang="ko-KR" altLang="en-US"/>
           </a:p>
@@ -2295,7 +2296,7 @@
           <a:p>
             <a:fld id="{523D6941-6B33-4834-BC65-A333846D27E6}" type="datetimeFigureOut">
               <a:rPr lang="ko-KR" altLang="en-US" smtClean="0"/>
-              <a:t>2023-12-29</a:t>
+              <a:t>2024-01-02</a:t>
             </a:fld>
             <a:endParaRPr lang="ko-KR" altLang="en-US"/>
           </a:p>
@@ -2436,7 +2437,7 @@
           <a:p>
             <a:fld id="{523D6941-6B33-4834-BC65-A333846D27E6}" type="datetimeFigureOut">
               <a:rPr lang="ko-KR" altLang="en-US" smtClean="0"/>
-              <a:t>2023-12-29</a:t>
+              <a:t>2024-01-02</a:t>
             </a:fld>
             <a:endParaRPr lang="ko-KR" altLang="en-US"/>
           </a:p>
@@ -2549,7 +2550,7 @@
           <a:p>
             <a:fld id="{523D6941-6B33-4834-BC65-A333846D27E6}" type="datetimeFigureOut">
               <a:rPr lang="ko-KR" altLang="en-US" smtClean="0"/>
-              <a:t>2023-12-29</a:t>
+              <a:t>2024-01-02</a:t>
             </a:fld>
             <a:endParaRPr lang="ko-KR" altLang="en-US"/>
           </a:p>
@@ -2860,7 +2861,7 @@
           <a:p>
             <a:fld id="{523D6941-6B33-4834-BC65-A333846D27E6}" type="datetimeFigureOut">
               <a:rPr lang="ko-KR" altLang="en-US" smtClean="0"/>
-              <a:t>2023-12-29</a:t>
+              <a:t>2024-01-02</a:t>
             </a:fld>
             <a:endParaRPr lang="ko-KR" altLang="en-US"/>
           </a:p>
@@ -3148,7 +3149,7 @@
           <a:p>
             <a:fld id="{523D6941-6B33-4834-BC65-A333846D27E6}" type="datetimeFigureOut">
               <a:rPr lang="ko-KR" altLang="en-US" smtClean="0"/>
-              <a:t>2023-12-29</a:t>
+              <a:t>2024-01-02</a:t>
             </a:fld>
             <a:endParaRPr lang="ko-KR" altLang="en-US"/>
           </a:p>
@@ -3389,7 +3390,7 @@
           <a:p>
             <a:fld id="{523D6941-6B33-4834-BC65-A333846D27E6}" type="datetimeFigureOut">
               <a:rPr lang="ko-KR" altLang="en-US" smtClean="0"/>
-              <a:t>2023-12-29</a:t>
+              <a:t>2024-01-02</a:t>
             </a:fld>
             <a:endParaRPr lang="ko-KR" altLang="en-US"/>
           </a:p>
@@ -23833,6 +23834,91 @@
 </p:sld>
 </file>
 
+<file path=ppt/slides/slide8.xml><?xml version="1.0" encoding="utf-8"?>
+<p:sld xmlns:a="http://schemas.openxmlformats.org/drawingml/2006/main" xmlns:r="http://schemas.openxmlformats.org/officeDocument/2006/relationships" xmlns:p="http://schemas.openxmlformats.org/presentationml/2006/main">
+  <p:cSld>
+    <p:spTree>
+      <p:nvGrpSpPr>
+        <p:cNvPr id="1" name=""/>
+        <p:cNvGrpSpPr/>
+        <p:nvPr/>
+      </p:nvGrpSpPr>
+      <p:grpSpPr>
+        <a:xfrm>
+          <a:off x="0" y="0"/>
+          <a:ext cx="0" cy="0"/>
+          <a:chOff x="0" y="0"/>
+          <a:chExt cx="0" cy="0"/>
+        </a:xfrm>
+      </p:grpSpPr>
+      <p:sp>
+        <p:nvSpPr>
+          <p:cNvPr id="4" name="제목 1">
+            <a:extLst>
+              <a:ext uri="{FF2B5EF4-FFF2-40B4-BE49-F238E27FC236}">
+                <a16:creationId xmlns:a16="http://schemas.microsoft.com/office/drawing/2014/main" id="{6DB615AB-6372-46B9-9ECF-A84E6D4790F2}"/>
+              </a:ext>
+            </a:extLst>
+          </p:cNvPr>
+          <p:cNvSpPr txBox="1">
+            <a:spLocks/>
+          </p:cNvSpPr>
+          <p:nvPr/>
+        </p:nvSpPr>
+        <p:spPr>
+          <a:xfrm>
+            <a:off x="2750100" y="2039815"/>
+            <a:ext cx="6691800" cy="2778369"/>
+          </a:xfrm>
+          <a:prstGeom prst="rect">
+            <a:avLst/>
+          </a:prstGeom>
+        </p:spPr>
+        <p:txBody>
+          <a:bodyPr vert="horz" lIns="91440" tIns="45720" rIns="91440" bIns="45720" rtlCol="0" anchor="ctr">
+            <a:normAutofit/>
+          </a:bodyPr>
+          <a:lstStyle>
+            <a:lvl1pPr algn="l" defTabSz="914400" rtl="0" eaLnBrk="1" latinLnBrk="1" hangingPunct="1">
+              <a:lnSpc>
+                <a:spcPct val="90000"/>
+              </a:lnSpc>
+              <a:spcBef>
+                <a:spcPct val="0"/>
+              </a:spcBef>
+              <a:buNone/>
+              <a:defRPr sz="4400" kern="1200">
+                <a:solidFill>
+                  <a:schemeClr val="tx1"/>
+                </a:solidFill>
+                <a:latin typeface="+mj-lt"/>
+                <a:ea typeface="+mj-ea"/>
+                <a:cs typeface="+mj-cs"/>
+              </a:defRPr>
+            </a:lvl1pPr>
+          </a:lstStyle>
+          <a:p>
+            <a:pPr algn="ctr"/>
+            <a:r>
+              <a:rPr lang="en-US" altLang="ko-KR" sz="5400" dirty="0"/>
+              <a:t>Q&amp;A</a:t>
+            </a:r>
+          </a:p>
+        </p:txBody>
+      </p:sp>
+    </p:spTree>
+    <p:extLst>
+      <p:ext uri="{BB962C8B-B14F-4D97-AF65-F5344CB8AC3E}">
+        <p14:creationId xmlns:p14="http://schemas.microsoft.com/office/powerpoint/2010/main" val="4172157558"/>
+      </p:ext>
+    </p:extLst>
+  </p:cSld>
+  <p:clrMapOvr>
+    <a:masterClrMapping/>
+  </p:clrMapOvr>
+</p:sld>
+</file>
+
 <file path=ppt/theme/theme1.xml><?xml version="1.0" encoding="utf-8"?>
 <a:theme xmlns:a="http://schemas.openxmlformats.org/drawingml/2006/main" name="Office 테마">
   <a:themeElements>
